--- a/限りある時間の使い方.pptx
+++ b/限りある時間の使い方.pptx
@@ -104,6 +104,11 @@
       </a:defRPr>
     </a:lvl9pPr>
   </p:defaultTextStyle>
+  <p:extLst>
+    <p:ext uri="{EFAFB233-063F-42B5-8137-9DF3F51BA10A}">
+      <p15:sldGuideLst xmlns:p15="http://schemas.microsoft.com/office/powerpoint/2012/main"/>
+    </p:ext>
+  </p:extLst>
 </p:presentation>
 </file>
 
@@ -3740,7 +3745,7 @@
         </p:blipFill>
         <p:spPr>
           <a:xfrm>
-            <a:off x="5808372" y="3550720"/>
+            <a:off x="5808372" y="3447688"/>
             <a:ext cx="914400" cy="914400"/>
           </a:xfrm>
           <a:prstGeom prst="rect">
@@ -3767,7 +3772,7 @@
         <p:spPr>
           <a:xfrm flipV="1">
             <a:off x="6265572" y="2261107"/>
-            <a:ext cx="0" cy="1289613"/>
+            <a:ext cx="0" cy="1186581"/>
           </a:xfrm>
           <a:prstGeom prst="straightConnector1">
             <a:avLst/>
@@ -4372,7 +4377,7 @@
         </p:nvSpPr>
         <p:spPr>
           <a:xfrm>
-            <a:off x="6662201" y="3957943"/>
+            <a:off x="6662201" y="3880669"/>
             <a:ext cx="2903828" cy="523220"/>
           </a:xfrm>
           <a:prstGeom prst="rect">
@@ -4630,6 +4635,42 @@
           <a:p>
             <a:pPr algn="ctr"/>
             <a:endParaRPr kumimoji="1" lang="ja-JP" altLang="en-US"/>
+          </a:p>
+        </p:txBody>
+      </p:sp>
+      <p:sp>
+        <p:nvSpPr>
+          <p:cNvPr id="4" name="テキスト ボックス 3">
+            <a:extLst>
+              <a:ext uri="{FF2B5EF4-FFF2-40B4-BE49-F238E27FC236}">
+                <a16:creationId xmlns:a16="http://schemas.microsoft.com/office/drawing/2014/main" id="{56ABC0F3-495F-6273-F208-08A2DDBBF3E4}"/>
+              </a:ext>
+            </a:extLst>
+          </p:cNvPr>
+          <p:cNvSpPr txBox="1"/>
+          <p:nvPr/>
+        </p:nvSpPr>
+        <p:spPr>
+          <a:xfrm>
+            <a:off x="4634249" y="1334230"/>
+            <a:ext cx="1356691" cy="369332"/>
+          </a:xfrm>
+          <a:prstGeom prst="rect">
+            <a:avLst/>
+          </a:prstGeom>
+          <a:noFill/>
+        </p:spPr>
+        <p:txBody>
+          <a:bodyPr wrap="square" rtlCol="0">
+            <a:spAutoFit/>
+          </a:bodyPr>
+          <a:lstStyle/>
+          <a:p>
+            <a:pPr algn="ctr"/>
+            <a:r>
+              <a:rPr kumimoji="1" lang="ja-JP" altLang="en-US"/>
+              <a:t>心</a:t>
+            </a:r>
           </a:p>
         </p:txBody>
       </p:sp>

--- a/限りある時間の使い方.pptx
+++ b/限りある時間の使い方.pptx
@@ -4308,8 +4308,8 @@
         </p:nvSpPr>
         <p:spPr>
           <a:xfrm>
-            <a:off x="4923246" y="5258444"/>
-            <a:ext cx="4143481" cy="954107"/>
+            <a:off x="4923247" y="5258444"/>
+            <a:ext cx="3808630" cy="1169551"/>
           </a:xfrm>
           <a:prstGeom prst="rect">
             <a:avLst/>
@@ -4328,7 +4328,7 @@
                   <a:schemeClr val="accent1"/>
                 </a:solidFill>
               </a:rPr>
-              <a:t>・聖域を集中する</a:t>
+              <a:t>・聖域に集中する</a:t>
             </a:r>
             <a:endParaRPr kumimoji="1" lang="en-US" altLang="ja-JP" sz="1400">
               <a:solidFill>

--- a/限りある時間の使い方.pptx
+++ b/限りある時間の使い方.pptx
@@ -6,6 +6,7 @@
   </p:sldMasterIdLst>
   <p:sldIdLst>
     <p:sldId id="258" r:id="rId2"/>
+    <p:sldId id="259" r:id="rId3"/>
   </p:sldIdLst>
   <p:sldSz cx="12192000" cy="6858000"/>
   <p:notesSz cx="6858000" cy="9144000"/>
@@ -258,7 +259,7 @@
           <a:lstStyle/>
           <a:p>
             <a:fld id="{D3DC40CF-EB49-BD41-A039-962FAB393C11}" type="datetimeFigureOut">
-              <a:t>2025/1/10</a:t>
+              <a:t>2025/1/12</a:t>
             </a:fld>
             <a:endParaRPr kumimoji="1" lang="ja-JP" altLang="en-US"/>
           </a:p>
@@ -486,7 +487,7 @@
           <a:lstStyle/>
           <a:p>
             <a:fld id="{D3DC40CF-EB49-BD41-A039-962FAB393C11}" type="datetimeFigureOut">
-              <a:t>2025/1/10</a:t>
+              <a:t>2025/1/12</a:t>
             </a:fld>
             <a:endParaRPr kumimoji="1" lang="ja-JP" altLang="en-US"/>
           </a:p>
@@ -724,7 +725,7 @@
           <a:lstStyle/>
           <a:p>
             <a:fld id="{D3DC40CF-EB49-BD41-A039-962FAB393C11}" type="datetimeFigureOut">
-              <a:t>2025/1/10</a:t>
+              <a:t>2025/1/12</a:t>
             </a:fld>
             <a:endParaRPr kumimoji="1" lang="ja-JP" altLang="en-US"/>
           </a:p>
@@ -952,7 +953,7 @@
           <a:lstStyle/>
           <a:p>
             <a:fld id="{D3DC40CF-EB49-BD41-A039-962FAB393C11}" type="datetimeFigureOut">
-              <a:t>2025/1/10</a:t>
+              <a:t>2025/1/12</a:t>
             </a:fld>
             <a:endParaRPr kumimoji="1" lang="ja-JP" altLang="en-US"/>
           </a:p>
@@ -1225,7 +1226,7 @@
           <a:lstStyle/>
           <a:p>
             <a:fld id="{D3DC40CF-EB49-BD41-A039-962FAB393C11}" type="datetimeFigureOut">
-              <a:t>2025/1/10</a:t>
+              <a:t>2025/1/12</a:t>
             </a:fld>
             <a:endParaRPr kumimoji="1" lang="ja-JP" altLang="en-US"/>
           </a:p>
@@ -1552,7 +1553,7 @@
           <a:lstStyle/>
           <a:p>
             <a:fld id="{D3DC40CF-EB49-BD41-A039-962FAB393C11}" type="datetimeFigureOut">
-              <a:t>2025/1/10</a:t>
+              <a:t>2025/1/12</a:t>
             </a:fld>
             <a:endParaRPr kumimoji="1" lang="ja-JP" altLang="en-US"/>
           </a:p>
@@ -2026,7 +2027,7 @@
           <a:lstStyle/>
           <a:p>
             <a:fld id="{D3DC40CF-EB49-BD41-A039-962FAB393C11}" type="datetimeFigureOut">
-              <a:t>2025/1/10</a:t>
+              <a:t>2025/1/12</a:t>
             </a:fld>
             <a:endParaRPr kumimoji="1" lang="ja-JP" altLang="en-US"/>
           </a:p>
@@ -2165,7 +2166,7 @@
           <a:lstStyle/>
           <a:p>
             <a:fld id="{D3DC40CF-EB49-BD41-A039-962FAB393C11}" type="datetimeFigureOut">
-              <a:t>2025/1/10</a:t>
+              <a:t>2025/1/12</a:t>
             </a:fld>
             <a:endParaRPr kumimoji="1" lang="ja-JP" altLang="en-US"/>
           </a:p>
@@ -2276,7 +2277,7 @@
           <a:lstStyle/>
           <a:p>
             <a:fld id="{D3DC40CF-EB49-BD41-A039-962FAB393C11}" type="datetimeFigureOut">
-              <a:t>2025/1/10</a:t>
+              <a:t>2025/1/12</a:t>
             </a:fld>
             <a:endParaRPr kumimoji="1" lang="ja-JP" altLang="en-US"/>
           </a:p>
@@ -2617,7 +2618,7 @@
           <a:lstStyle/>
           <a:p>
             <a:fld id="{D3DC40CF-EB49-BD41-A039-962FAB393C11}" type="datetimeFigureOut">
-              <a:t>2025/1/10</a:t>
+              <a:t>2025/1/12</a:t>
             </a:fld>
             <a:endParaRPr kumimoji="1" lang="ja-JP" altLang="en-US"/>
           </a:p>
@@ -2903,7 +2904,7 @@
           <a:lstStyle/>
           <a:p>
             <a:fld id="{D3DC40CF-EB49-BD41-A039-962FAB393C11}" type="datetimeFigureOut">
-              <a:t>2025/1/10</a:t>
+              <a:t>2025/1/12</a:t>
             </a:fld>
             <a:endParaRPr kumimoji="1" lang="ja-JP" altLang="en-US"/>
           </a:p>
@@ -3174,7 +3175,7 @@
           </a:lstStyle>
           <a:p>
             <a:fld id="{D3DC40CF-EB49-BD41-A039-962FAB393C11}" type="datetimeFigureOut">
-              <a:t>2025/1/10</a:t>
+              <a:t>2025/1/12</a:t>
             </a:fld>
             <a:endParaRPr kumimoji="1" lang="ja-JP" altLang="en-US"/>
           </a:p>
@@ -4687,6 +4688,242 @@
 </p:sld>
 </file>
 
+<file path=ppt/slides/slide2.xml><?xml version="1.0" encoding="utf-8"?>
+<p:sld xmlns:a="http://schemas.openxmlformats.org/drawingml/2006/main" xmlns:r="http://schemas.openxmlformats.org/officeDocument/2006/relationships" xmlns:p="http://schemas.openxmlformats.org/presentationml/2006/main">
+  <p:cSld>
+    <p:spTree>
+      <p:nvGrpSpPr>
+        <p:cNvPr id="1" name=""/>
+        <p:cNvGrpSpPr/>
+        <p:nvPr/>
+      </p:nvGrpSpPr>
+      <p:grpSpPr>
+        <a:xfrm>
+          <a:off x="0" y="0"/>
+          <a:ext cx="0" cy="0"/>
+          <a:chOff x="0" y="0"/>
+          <a:chExt cx="0" cy="0"/>
+        </a:xfrm>
+      </p:grpSpPr>
+      <p:pic>
+        <p:nvPicPr>
+          <p:cNvPr id="1026" name="Picture 2" descr="テスト用エコのお棺 - 国産木製棺製造の株式会社日本コフィン 広島県府中市">
+            <a:extLst>
+              <a:ext uri="{FF2B5EF4-FFF2-40B4-BE49-F238E27FC236}">
+                <a16:creationId xmlns:a16="http://schemas.microsoft.com/office/drawing/2014/main" id="{9C1A840E-09F8-D260-61AE-DAC033184DE8}"/>
+              </a:ext>
+            </a:extLst>
+          </p:cNvPr>
+          <p:cNvPicPr>
+            <a:picLocks noChangeAspect="1" noChangeArrowheads="1"/>
+          </p:cNvPicPr>
+          <p:nvPr/>
+        </p:nvPicPr>
+        <p:blipFill rotWithShape="1">
+          <a:blip r:embed="rId2">
+            <a:extLst>
+              <a:ext uri="{28A0092B-C50C-407E-A947-70E740481C1C}">
+                <a14:useLocalDpi xmlns:a14="http://schemas.microsoft.com/office/drawing/2010/main" val="0"/>
+              </a:ext>
+            </a:extLst>
+          </a:blip>
+          <a:srcRect b="11993"/>
+          <a:stretch/>
+        </p:blipFill>
+        <p:spPr bwMode="auto">
+          <a:xfrm>
+            <a:off x="5050630" y="2949388"/>
+            <a:ext cx="2201706" cy="1371600"/>
+          </a:xfrm>
+          <a:prstGeom prst="rect">
+            <a:avLst/>
+          </a:prstGeom>
+          <a:noFill/>
+          <a:extLst>
+            <a:ext uri="{909E8E84-426E-40DD-AFC4-6F175D3DCCD1}">
+              <a14:hiddenFill xmlns:a14="http://schemas.microsoft.com/office/drawing/2010/main">
+                <a:solidFill>
+                  <a:srgbClr val="FFFFFF"/>
+                </a:solidFill>
+              </a14:hiddenFill>
+            </a:ext>
+          </a:extLst>
+        </p:spPr>
+      </p:pic>
+      <p:pic>
+        <p:nvPicPr>
+          <p:cNvPr id="8" name="グラフィックス 7" descr="脳 単色塗りつぶし">
+            <a:extLst>
+              <a:ext uri="{FF2B5EF4-FFF2-40B4-BE49-F238E27FC236}">
+                <a16:creationId xmlns:a16="http://schemas.microsoft.com/office/drawing/2014/main" id="{1AF0B461-B808-33CF-1D1D-66246B0A3312}"/>
+              </a:ext>
+            </a:extLst>
+          </p:cNvPr>
+          <p:cNvPicPr>
+            <a:picLocks noChangeAspect="1"/>
+          </p:cNvPicPr>
+          <p:nvPr/>
+        </p:nvPicPr>
+        <p:blipFill>
+          <a:blip r:embed="rId3">
+            <a:extLst>
+              <a:ext uri="{96DAC541-7B7A-43D3-8B79-37D633B846F1}">
+                <asvg:svgBlip xmlns:asvg="http://schemas.microsoft.com/office/drawing/2016/SVG/main" r:embed="rId4"/>
+              </a:ext>
+            </a:extLst>
+          </a:blip>
+          <a:stretch>
+            <a:fillRect/>
+          </a:stretch>
+        </p:blipFill>
+        <p:spPr>
+          <a:xfrm flipH="1">
+            <a:off x="5088500" y="1680247"/>
+            <a:ext cx="1062983" cy="1062983"/>
+          </a:xfrm>
+          <a:prstGeom prst="rect">
+            <a:avLst/>
+          </a:prstGeom>
+        </p:spPr>
+      </p:pic>
+      <p:pic>
+        <p:nvPicPr>
+          <p:cNvPr id="11" name="図 10">
+            <a:extLst>
+              <a:ext uri="{FF2B5EF4-FFF2-40B4-BE49-F238E27FC236}">
+                <a16:creationId xmlns:a16="http://schemas.microsoft.com/office/drawing/2014/main" id="{8AE8796F-24BE-EBB7-9993-C83A25358BD3}"/>
+              </a:ext>
+            </a:extLst>
+          </p:cNvPr>
+          <p:cNvPicPr>
+            <a:picLocks noChangeAspect="1"/>
+          </p:cNvPicPr>
+          <p:nvPr/>
+        </p:nvPicPr>
+        <p:blipFill>
+          <a:blip r:embed="rId5"/>
+          <a:stretch>
+            <a:fillRect/>
+          </a:stretch>
+        </p:blipFill>
+        <p:spPr>
+          <a:xfrm flipH="1">
+            <a:off x="6151483" y="1525939"/>
+            <a:ext cx="1384298" cy="1371600"/>
+          </a:xfrm>
+          <a:prstGeom prst="rect">
+            <a:avLst/>
+          </a:prstGeom>
+        </p:spPr>
+      </p:pic>
+      <p:sp>
+        <p:nvSpPr>
+          <p:cNvPr id="12" name="テキスト ボックス 11">
+            <a:extLst>
+              <a:ext uri="{FF2B5EF4-FFF2-40B4-BE49-F238E27FC236}">
+                <a16:creationId xmlns:a16="http://schemas.microsoft.com/office/drawing/2014/main" id="{F3B9F804-8B6F-9CCE-2FF3-3E54CC8538FD}"/>
+              </a:ext>
+            </a:extLst>
+          </p:cNvPr>
+          <p:cNvSpPr txBox="1"/>
+          <p:nvPr/>
+        </p:nvSpPr>
+        <p:spPr>
+          <a:xfrm>
+            <a:off x="5844772" y="1295316"/>
+            <a:ext cx="1997719" cy="307777"/>
+          </a:xfrm>
+          <a:prstGeom prst="rect">
+            <a:avLst/>
+          </a:prstGeom>
+          <a:noFill/>
+        </p:spPr>
+        <p:txBody>
+          <a:bodyPr wrap="square" rtlCol="0">
+            <a:spAutoFit/>
+          </a:bodyPr>
+          <a:lstStyle/>
+          <a:p>
+            <a:r>
+              <a:rPr lang="ja-JP" altLang="en-US" sz="1400">
+                <a:solidFill>
+                  <a:schemeClr val="accent1"/>
+                </a:solidFill>
+              </a:rPr>
+              <a:t>・余計な判断は排除</a:t>
+            </a:r>
+            <a:endParaRPr kumimoji="1" lang="en-US" altLang="ja-JP" sz="1400">
+              <a:solidFill>
+                <a:schemeClr val="accent1"/>
+              </a:solidFill>
+            </a:endParaRPr>
+          </a:p>
+        </p:txBody>
+      </p:sp>
+      <p:sp>
+        <p:nvSpPr>
+          <p:cNvPr id="13" name="テキスト ボックス 12">
+            <a:extLst>
+              <a:ext uri="{FF2B5EF4-FFF2-40B4-BE49-F238E27FC236}">
+                <a16:creationId xmlns:a16="http://schemas.microsoft.com/office/drawing/2014/main" id="{37B60416-E10D-6C44-65C4-2412A26DA22B}"/>
+              </a:ext>
+            </a:extLst>
+          </p:cNvPr>
+          <p:cNvSpPr txBox="1"/>
+          <p:nvPr/>
+        </p:nvSpPr>
+        <p:spPr>
+          <a:xfrm>
+            <a:off x="6536922" y="2987488"/>
+            <a:ext cx="1997718" cy="523220"/>
+          </a:xfrm>
+          <a:prstGeom prst="rect">
+            <a:avLst/>
+          </a:prstGeom>
+          <a:noFill/>
+        </p:spPr>
+        <p:txBody>
+          <a:bodyPr wrap="square" rtlCol="0">
+            <a:spAutoFit/>
+          </a:bodyPr>
+          <a:lstStyle/>
+          <a:p>
+            <a:r>
+              <a:rPr kumimoji="1" lang="ja-JP" altLang="en-US" sz="1400">
+                <a:solidFill>
+                  <a:schemeClr val="accent1"/>
+                </a:solidFill>
+              </a:rPr>
+              <a:t>・心を反応させない</a:t>
+            </a:r>
+            <a:endParaRPr kumimoji="1" lang="en-US" altLang="ja-JP" sz="1400">
+              <a:solidFill>
+                <a:schemeClr val="accent1"/>
+              </a:solidFill>
+            </a:endParaRPr>
+          </a:p>
+          <a:p>
+            <a:endParaRPr kumimoji="1" lang="ja-JP" altLang="en-US" sz="1400">
+              <a:solidFill>
+                <a:schemeClr val="accent1"/>
+              </a:solidFill>
+            </a:endParaRPr>
+          </a:p>
+        </p:txBody>
+      </p:sp>
+    </p:spTree>
+    <p:extLst>
+      <p:ext uri="{BB962C8B-B14F-4D97-AF65-F5344CB8AC3E}">
+        <p14:creationId xmlns:p14="http://schemas.microsoft.com/office/powerpoint/2010/main" val="2688556049"/>
+      </p:ext>
+    </p:extLst>
+  </p:cSld>
+  <p:clrMapOvr>
+    <a:masterClrMapping/>
+  </p:clrMapOvr>
+</p:sld>
+</file>
+
 <file path=ppt/theme/theme1.xml><?xml version="1.0" encoding="utf-8"?>
 <a:theme xmlns:a="http://schemas.openxmlformats.org/drawingml/2006/main" name="Office テーマ">
   <a:themeElements>

--- a/限りある時間の使い方.pptx
+++ b/限りある時間の使い方.pptx
@@ -259,7 +259,7 @@
           <a:lstStyle/>
           <a:p>
             <a:fld id="{D3DC40CF-EB49-BD41-A039-962FAB393C11}" type="datetimeFigureOut">
-              <a:t>2025/1/12</a:t>
+              <a:t>2025/1/18</a:t>
             </a:fld>
             <a:endParaRPr kumimoji="1" lang="ja-JP" altLang="en-US"/>
           </a:p>
@@ -487,7 +487,7 @@
           <a:lstStyle/>
           <a:p>
             <a:fld id="{D3DC40CF-EB49-BD41-A039-962FAB393C11}" type="datetimeFigureOut">
-              <a:t>2025/1/12</a:t>
+              <a:t>2025/1/18</a:t>
             </a:fld>
             <a:endParaRPr kumimoji="1" lang="ja-JP" altLang="en-US"/>
           </a:p>
@@ -725,7 +725,7 @@
           <a:lstStyle/>
           <a:p>
             <a:fld id="{D3DC40CF-EB49-BD41-A039-962FAB393C11}" type="datetimeFigureOut">
-              <a:t>2025/1/12</a:t>
+              <a:t>2025/1/18</a:t>
             </a:fld>
             <a:endParaRPr kumimoji="1" lang="ja-JP" altLang="en-US"/>
           </a:p>
@@ -953,7 +953,7 @@
           <a:lstStyle/>
           <a:p>
             <a:fld id="{D3DC40CF-EB49-BD41-A039-962FAB393C11}" type="datetimeFigureOut">
-              <a:t>2025/1/12</a:t>
+              <a:t>2025/1/18</a:t>
             </a:fld>
             <a:endParaRPr kumimoji="1" lang="ja-JP" altLang="en-US"/>
           </a:p>
@@ -1226,7 +1226,7 @@
           <a:lstStyle/>
           <a:p>
             <a:fld id="{D3DC40CF-EB49-BD41-A039-962FAB393C11}" type="datetimeFigureOut">
-              <a:t>2025/1/12</a:t>
+              <a:t>2025/1/18</a:t>
             </a:fld>
             <a:endParaRPr kumimoji="1" lang="ja-JP" altLang="en-US"/>
           </a:p>
@@ -1553,7 +1553,7 @@
           <a:lstStyle/>
           <a:p>
             <a:fld id="{D3DC40CF-EB49-BD41-A039-962FAB393C11}" type="datetimeFigureOut">
-              <a:t>2025/1/12</a:t>
+              <a:t>2025/1/18</a:t>
             </a:fld>
             <a:endParaRPr kumimoji="1" lang="ja-JP" altLang="en-US"/>
           </a:p>
@@ -2027,7 +2027,7 @@
           <a:lstStyle/>
           <a:p>
             <a:fld id="{D3DC40CF-EB49-BD41-A039-962FAB393C11}" type="datetimeFigureOut">
-              <a:t>2025/1/12</a:t>
+              <a:t>2025/1/18</a:t>
             </a:fld>
             <a:endParaRPr kumimoji="1" lang="ja-JP" altLang="en-US"/>
           </a:p>
@@ -2166,7 +2166,7 @@
           <a:lstStyle/>
           <a:p>
             <a:fld id="{D3DC40CF-EB49-BD41-A039-962FAB393C11}" type="datetimeFigureOut">
-              <a:t>2025/1/12</a:t>
+              <a:t>2025/1/18</a:t>
             </a:fld>
             <a:endParaRPr kumimoji="1" lang="ja-JP" altLang="en-US"/>
           </a:p>
@@ -2277,7 +2277,7 @@
           <a:lstStyle/>
           <a:p>
             <a:fld id="{D3DC40CF-EB49-BD41-A039-962FAB393C11}" type="datetimeFigureOut">
-              <a:t>2025/1/12</a:t>
+              <a:t>2025/1/18</a:t>
             </a:fld>
             <a:endParaRPr kumimoji="1" lang="ja-JP" altLang="en-US"/>
           </a:p>
@@ -2618,7 +2618,7 @@
           <a:lstStyle/>
           <a:p>
             <a:fld id="{D3DC40CF-EB49-BD41-A039-962FAB393C11}" type="datetimeFigureOut">
-              <a:t>2025/1/12</a:t>
+              <a:t>2025/1/18</a:t>
             </a:fld>
             <a:endParaRPr kumimoji="1" lang="ja-JP" altLang="en-US"/>
           </a:p>
@@ -2904,7 +2904,7 @@
           <a:lstStyle/>
           <a:p>
             <a:fld id="{D3DC40CF-EB49-BD41-A039-962FAB393C11}" type="datetimeFigureOut">
-              <a:t>2025/1/12</a:t>
+              <a:t>2025/1/18</a:t>
             </a:fld>
             <a:endParaRPr kumimoji="1" lang="ja-JP" altLang="en-US"/>
           </a:p>
@@ -3175,7 +3175,7 @@
           </a:lstStyle>
           <a:p>
             <a:fld id="{D3DC40CF-EB49-BD41-A039-962FAB393C11}" type="datetimeFigureOut">
-              <a:t>2025/1/12</a:t>
+              <a:t>2025/1/18</a:t>
             </a:fld>
             <a:endParaRPr kumimoji="1" lang="ja-JP" altLang="en-US"/>
           </a:p>
@@ -4707,51 +4707,6 @@
       </p:grpSpPr>
       <p:pic>
         <p:nvPicPr>
-          <p:cNvPr id="1026" name="Picture 2" descr="テスト用エコのお棺 - 国産木製棺製造の株式会社日本コフィン 広島県府中市">
-            <a:extLst>
-              <a:ext uri="{FF2B5EF4-FFF2-40B4-BE49-F238E27FC236}">
-                <a16:creationId xmlns:a16="http://schemas.microsoft.com/office/drawing/2014/main" id="{9C1A840E-09F8-D260-61AE-DAC033184DE8}"/>
-              </a:ext>
-            </a:extLst>
-          </p:cNvPr>
-          <p:cNvPicPr>
-            <a:picLocks noChangeAspect="1" noChangeArrowheads="1"/>
-          </p:cNvPicPr>
-          <p:nvPr/>
-        </p:nvPicPr>
-        <p:blipFill rotWithShape="1">
-          <a:blip r:embed="rId2">
-            <a:extLst>
-              <a:ext uri="{28A0092B-C50C-407E-A947-70E740481C1C}">
-                <a14:useLocalDpi xmlns:a14="http://schemas.microsoft.com/office/drawing/2010/main" val="0"/>
-              </a:ext>
-            </a:extLst>
-          </a:blip>
-          <a:srcRect b="11993"/>
-          <a:stretch/>
-        </p:blipFill>
-        <p:spPr bwMode="auto">
-          <a:xfrm>
-            <a:off x="5050630" y="2949388"/>
-            <a:ext cx="2201706" cy="1371600"/>
-          </a:xfrm>
-          <a:prstGeom prst="rect">
-            <a:avLst/>
-          </a:prstGeom>
-          <a:noFill/>
-          <a:extLst>
-            <a:ext uri="{909E8E84-426E-40DD-AFC4-6F175D3DCCD1}">
-              <a14:hiddenFill xmlns:a14="http://schemas.microsoft.com/office/drawing/2010/main">
-                <a:solidFill>
-                  <a:srgbClr val="FFFFFF"/>
-                </a:solidFill>
-              </a14:hiddenFill>
-            </a:ext>
-          </a:extLst>
-        </p:spPr>
-      </p:pic>
-      <p:pic>
-        <p:nvPicPr>
           <p:cNvPr id="8" name="グラフィックス 7" descr="脳 単色塗りつぶし">
             <a:extLst>
               <a:ext uri="{FF2B5EF4-FFF2-40B4-BE49-F238E27FC236}">
@@ -4765,10 +4720,10 @@
           <p:nvPr/>
         </p:nvPicPr>
         <p:blipFill>
-          <a:blip r:embed="rId3">
+          <a:blip r:embed="rId2">
             <a:extLst>
               <a:ext uri="{96DAC541-7B7A-43D3-8B79-37D633B846F1}">
-                <asvg:svgBlip xmlns:asvg="http://schemas.microsoft.com/office/drawing/2016/SVG/main" r:embed="rId4"/>
+                <asvg:svgBlip xmlns:asvg="http://schemas.microsoft.com/office/drawing/2016/SVG/main" r:embed="rId3"/>
               </a:ext>
             </a:extLst>
           </a:blip>
@@ -4778,7 +4733,7 @@
         </p:blipFill>
         <p:spPr>
           <a:xfrm flipH="1">
-            <a:off x="5088500" y="1680247"/>
+            <a:off x="5037402" y="1680247"/>
             <a:ext cx="1062983" cy="1062983"/>
           </a:xfrm>
           <a:prstGeom prst="rect">
@@ -4792,6 +4747,698 @@
             <a:extLst>
               <a:ext uri="{FF2B5EF4-FFF2-40B4-BE49-F238E27FC236}">
                 <a16:creationId xmlns:a16="http://schemas.microsoft.com/office/drawing/2014/main" id="{8AE8796F-24BE-EBB7-9993-C83A25358BD3}"/>
+              </a:ext>
+            </a:extLst>
+          </p:cNvPr>
+          <p:cNvPicPr>
+            <a:picLocks noChangeAspect="1"/>
+          </p:cNvPicPr>
+          <p:nvPr/>
+        </p:nvPicPr>
+        <p:blipFill>
+          <a:blip r:embed="rId4"/>
+          <a:stretch>
+            <a:fillRect/>
+          </a:stretch>
+        </p:blipFill>
+        <p:spPr>
+          <a:xfrm flipH="1">
+            <a:off x="6151483" y="1525939"/>
+            <a:ext cx="1384298" cy="1371600"/>
+          </a:xfrm>
+          <a:prstGeom prst="rect">
+            <a:avLst/>
+          </a:prstGeom>
+        </p:spPr>
+      </p:pic>
+      <p:sp>
+        <p:nvSpPr>
+          <p:cNvPr id="12" name="テキスト ボックス 11">
+            <a:extLst>
+              <a:ext uri="{FF2B5EF4-FFF2-40B4-BE49-F238E27FC236}">
+                <a16:creationId xmlns:a16="http://schemas.microsoft.com/office/drawing/2014/main" id="{F3B9F804-8B6F-9CCE-2FF3-3E54CC8538FD}"/>
+              </a:ext>
+            </a:extLst>
+          </p:cNvPr>
+          <p:cNvSpPr txBox="1"/>
+          <p:nvPr/>
+        </p:nvSpPr>
+        <p:spPr>
+          <a:xfrm>
+            <a:off x="5844772" y="1356276"/>
+            <a:ext cx="1997719" cy="307777"/>
+          </a:xfrm>
+          <a:prstGeom prst="rect">
+            <a:avLst/>
+          </a:prstGeom>
+          <a:noFill/>
+        </p:spPr>
+        <p:txBody>
+          <a:bodyPr wrap="square" rtlCol="0">
+            <a:spAutoFit/>
+          </a:bodyPr>
+          <a:lstStyle/>
+          <a:p>
+            <a:r>
+              <a:rPr lang="ja-JP" altLang="en-US" sz="1400">
+                <a:solidFill>
+                  <a:schemeClr val="accent1"/>
+                </a:solidFill>
+              </a:rPr>
+              <a:t>・余計な判断は排除</a:t>
+            </a:r>
+            <a:endParaRPr kumimoji="1" lang="en-US" altLang="ja-JP" sz="1400">
+              <a:solidFill>
+                <a:schemeClr val="accent1"/>
+              </a:solidFill>
+            </a:endParaRPr>
+          </a:p>
+        </p:txBody>
+      </p:sp>
+      <p:sp>
+        <p:nvSpPr>
+          <p:cNvPr id="13" name="テキスト ボックス 12">
+            <a:extLst>
+              <a:ext uri="{FF2B5EF4-FFF2-40B4-BE49-F238E27FC236}">
+                <a16:creationId xmlns:a16="http://schemas.microsoft.com/office/drawing/2014/main" id="{37B60416-E10D-6C44-65C4-2412A26DA22B}"/>
+              </a:ext>
+            </a:extLst>
+          </p:cNvPr>
+          <p:cNvSpPr txBox="1"/>
+          <p:nvPr/>
+        </p:nvSpPr>
+        <p:spPr>
+          <a:xfrm>
+            <a:off x="5842799" y="2790662"/>
+            <a:ext cx="1827745" cy="307777"/>
+          </a:xfrm>
+          <a:prstGeom prst="rect">
+            <a:avLst/>
+          </a:prstGeom>
+          <a:noFill/>
+        </p:spPr>
+        <p:txBody>
+          <a:bodyPr wrap="square" rtlCol="0">
+            <a:spAutoFit/>
+          </a:bodyPr>
+          <a:lstStyle/>
+          <a:p>
+            <a:r>
+              <a:rPr kumimoji="1" lang="ja-JP" altLang="en-US" sz="1400">
+                <a:solidFill>
+                  <a:schemeClr val="accent1"/>
+                </a:solidFill>
+              </a:rPr>
+              <a:t>・心の反応を検知</a:t>
+            </a:r>
+            <a:endParaRPr kumimoji="1" lang="en-US" altLang="ja-JP" sz="1400">
+              <a:solidFill>
+                <a:schemeClr val="accent1"/>
+              </a:solidFill>
+            </a:endParaRPr>
+          </a:p>
+        </p:txBody>
+      </p:sp>
+      <p:sp>
+        <p:nvSpPr>
+          <p:cNvPr id="2" name="円/楕円 1">
+            <a:extLst>
+              <a:ext uri="{FF2B5EF4-FFF2-40B4-BE49-F238E27FC236}">
+                <a16:creationId xmlns:a16="http://schemas.microsoft.com/office/drawing/2014/main" id="{882101A5-1FDF-8516-3221-733BD70703BF}"/>
+              </a:ext>
+            </a:extLst>
+          </p:cNvPr>
+          <p:cNvSpPr/>
+          <p:nvPr/>
+        </p:nvSpPr>
+        <p:spPr>
+          <a:xfrm>
+            <a:off x="4946936" y="3337742"/>
+            <a:ext cx="1089159" cy="579549"/>
+          </a:xfrm>
+          <a:prstGeom prst="ellipse">
+            <a:avLst/>
+          </a:prstGeom>
+          <a:noFill/>
+          <a:ln w="19050">
+            <a:solidFill>
+              <a:schemeClr val="tx1">
+                <a:lumMod val="75000"/>
+                <a:lumOff val="25000"/>
+              </a:schemeClr>
+            </a:solidFill>
+          </a:ln>
+        </p:spPr>
+        <p:style>
+          <a:lnRef idx="2">
+            <a:schemeClr val="accent1">
+              <a:shade val="15000"/>
+            </a:schemeClr>
+          </a:lnRef>
+          <a:fillRef idx="1">
+            <a:schemeClr val="accent1"/>
+          </a:fillRef>
+          <a:effectRef idx="0">
+            <a:schemeClr val="accent1"/>
+          </a:effectRef>
+          <a:fontRef idx="minor">
+            <a:schemeClr val="lt1"/>
+          </a:fontRef>
+        </p:style>
+        <p:txBody>
+          <a:bodyPr rtlCol="0" anchor="ctr"/>
+          <a:lstStyle/>
+          <a:p>
+            <a:pPr algn="ctr"/>
+            <a:endParaRPr kumimoji="1" lang="ja-JP" altLang="en-US"/>
+          </a:p>
+        </p:txBody>
+      </p:sp>
+      <p:sp>
+        <p:nvSpPr>
+          <p:cNvPr id="4" name="円/楕円 3">
+            <a:extLst>
+              <a:ext uri="{FF2B5EF4-FFF2-40B4-BE49-F238E27FC236}">
+                <a16:creationId xmlns:a16="http://schemas.microsoft.com/office/drawing/2014/main" id="{A681249E-6653-3E80-A46F-9D4B3E74317B}"/>
+              </a:ext>
+            </a:extLst>
+          </p:cNvPr>
+          <p:cNvSpPr/>
+          <p:nvPr/>
+        </p:nvSpPr>
+        <p:spPr>
+          <a:xfrm>
+            <a:off x="4965961" y="3108680"/>
+            <a:ext cx="304264" cy="170053"/>
+          </a:xfrm>
+          <a:prstGeom prst="ellipse">
+            <a:avLst/>
+          </a:prstGeom>
+          <a:solidFill>
+            <a:schemeClr val="bg1"/>
+          </a:solidFill>
+          <a:ln w="19050">
+            <a:solidFill>
+              <a:schemeClr val="tx1">
+                <a:lumMod val="75000"/>
+                <a:lumOff val="25000"/>
+              </a:schemeClr>
+            </a:solidFill>
+          </a:ln>
+        </p:spPr>
+        <p:style>
+          <a:lnRef idx="2">
+            <a:schemeClr val="accent1">
+              <a:shade val="15000"/>
+            </a:schemeClr>
+          </a:lnRef>
+          <a:fillRef idx="1">
+            <a:schemeClr val="accent1"/>
+          </a:fillRef>
+          <a:effectRef idx="0">
+            <a:schemeClr val="accent1"/>
+          </a:effectRef>
+          <a:fontRef idx="minor">
+            <a:schemeClr val="lt1"/>
+          </a:fontRef>
+        </p:style>
+        <p:txBody>
+          <a:bodyPr rtlCol="0" anchor="ctr"/>
+          <a:lstStyle/>
+          <a:p>
+            <a:pPr algn="ctr"/>
+            <a:endParaRPr kumimoji="1" lang="ja-JP" altLang="en-US"/>
+          </a:p>
+        </p:txBody>
+      </p:sp>
+      <p:sp>
+        <p:nvSpPr>
+          <p:cNvPr id="5" name="円/楕円 4">
+            <a:extLst>
+              <a:ext uri="{FF2B5EF4-FFF2-40B4-BE49-F238E27FC236}">
+                <a16:creationId xmlns:a16="http://schemas.microsoft.com/office/drawing/2014/main" id="{AC9B6B94-5C8F-863C-620F-C7263E16C6DC}"/>
+              </a:ext>
+            </a:extLst>
+          </p:cNvPr>
+          <p:cNvSpPr/>
+          <p:nvPr/>
+        </p:nvSpPr>
+        <p:spPr>
+          <a:xfrm>
+            <a:off x="5009216" y="3339659"/>
+            <a:ext cx="217753" cy="121702"/>
+          </a:xfrm>
+          <a:prstGeom prst="ellipse">
+            <a:avLst/>
+          </a:prstGeom>
+          <a:solidFill>
+            <a:schemeClr val="bg1"/>
+          </a:solidFill>
+          <a:ln w="19050">
+            <a:solidFill>
+              <a:schemeClr val="tx1">
+                <a:lumMod val="75000"/>
+                <a:lumOff val="25000"/>
+              </a:schemeClr>
+            </a:solidFill>
+          </a:ln>
+        </p:spPr>
+        <p:style>
+          <a:lnRef idx="2">
+            <a:schemeClr val="accent1">
+              <a:shade val="15000"/>
+            </a:schemeClr>
+          </a:lnRef>
+          <a:fillRef idx="1">
+            <a:schemeClr val="accent1"/>
+          </a:fillRef>
+          <a:effectRef idx="0">
+            <a:schemeClr val="accent1"/>
+          </a:effectRef>
+          <a:fontRef idx="minor">
+            <a:schemeClr val="lt1"/>
+          </a:fontRef>
+        </p:style>
+        <p:txBody>
+          <a:bodyPr rtlCol="0" anchor="ctr"/>
+          <a:lstStyle/>
+          <a:p>
+            <a:pPr algn="ctr"/>
+            <a:endParaRPr kumimoji="1" lang="ja-JP" altLang="en-US"/>
+          </a:p>
+        </p:txBody>
+      </p:sp>
+      <p:sp>
+        <p:nvSpPr>
+          <p:cNvPr id="6" name="円/楕円 5">
+            <a:extLst>
+              <a:ext uri="{FF2B5EF4-FFF2-40B4-BE49-F238E27FC236}">
+                <a16:creationId xmlns:a16="http://schemas.microsoft.com/office/drawing/2014/main" id="{E6330CAF-279D-66B1-9D20-24B70B053F59}"/>
+              </a:ext>
+            </a:extLst>
+          </p:cNvPr>
+          <p:cNvSpPr/>
+          <p:nvPr/>
+        </p:nvSpPr>
+        <p:spPr>
+          <a:xfrm>
+            <a:off x="5055819" y="3516143"/>
+            <a:ext cx="120574" cy="67389"/>
+          </a:xfrm>
+          <a:prstGeom prst="ellipse">
+            <a:avLst/>
+          </a:prstGeom>
+          <a:solidFill>
+            <a:schemeClr val="bg1"/>
+          </a:solidFill>
+          <a:ln w="19050">
+            <a:solidFill>
+              <a:schemeClr val="tx1">
+                <a:lumMod val="75000"/>
+                <a:lumOff val="25000"/>
+              </a:schemeClr>
+            </a:solidFill>
+          </a:ln>
+        </p:spPr>
+        <p:style>
+          <a:lnRef idx="2">
+            <a:schemeClr val="accent1">
+              <a:shade val="15000"/>
+            </a:schemeClr>
+          </a:lnRef>
+          <a:fillRef idx="1">
+            <a:schemeClr val="accent1"/>
+          </a:fillRef>
+          <a:effectRef idx="0">
+            <a:schemeClr val="accent1"/>
+          </a:effectRef>
+          <a:fontRef idx="minor">
+            <a:schemeClr val="lt1"/>
+          </a:fontRef>
+        </p:style>
+        <p:txBody>
+          <a:bodyPr rtlCol="0" anchor="ctr"/>
+          <a:lstStyle/>
+          <a:p>
+            <a:pPr algn="ctr"/>
+            <a:endParaRPr kumimoji="1" lang="ja-JP" altLang="en-US"/>
+          </a:p>
+        </p:txBody>
+      </p:sp>
+      <p:sp>
+        <p:nvSpPr>
+          <p:cNvPr id="7" name="円/楕円 6">
+            <a:extLst>
+              <a:ext uri="{FF2B5EF4-FFF2-40B4-BE49-F238E27FC236}">
+                <a16:creationId xmlns:a16="http://schemas.microsoft.com/office/drawing/2014/main" id="{2CDB5C58-000B-12D8-8500-A6433655AF09}"/>
+              </a:ext>
+            </a:extLst>
+          </p:cNvPr>
+          <p:cNvSpPr/>
+          <p:nvPr/>
+        </p:nvSpPr>
+        <p:spPr>
+          <a:xfrm>
+            <a:off x="5344389" y="3250805"/>
+            <a:ext cx="304264" cy="170053"/>
+          </a:xfrm>
+          <a:prstGeom prst="ellipse">
+            <a:avLst/>
+          </a:prstGeom>
+          <a:solidFill>
+            <a:schemeClr val="tx1"/>
+          </a:solidFill>
+          <a:ln w="19050">
+            <a:solidFill>
+              <a:schemeClr val="tx1">
+                <a:lumMod val="75000"/>
+                <a:lumOff val="25000"/>
+              </a:schemeClr>
+            </a:solidFill>
+          </a:ln>
+        </p:spPr>
+        <p:style>
+          <a:lnRef idx="2">
+            <a:schemeClr val="accent1">
+              <a:shade val="15000"/>
+            </a:schemeClr>
+          </a:lnRef>
+          <a:fillRef idx="1">
+            <a:schemeClr val="accent1"/>
+          </a:fillRef>
+          <a:effectRef idx="0">
+            <a:schemeClr val="accent1"/>
+          </a:effectRef>
+          <a:fontRef idx="minor">
+            <a:schemeClr val="lt1"/>
+          </a:fontRef>
+        </p:style>
+        <p:txBody>
+          <a:bodyPr rtlCol="0" anchor="ctr"/>
+          <a:lstStyle/>
+          <a:p>
+            <a:pPr algn="ctr"/>
+            <a:endParaRPr kumimoji="1" lang="ja-JP" altLang="en-US"/>
+          </a:p>
+        </p:txBody>
+      </p:sp>
+      <p:sp>
+        <p:nvSpPr>
+          <p:cNvPr id="9" name="円/楕円 8">
+            <a:extLst>
+              <a:ext uri="{FF2B5EF4-FFF2-40B4-BE49-F238E27FC236}">
+                <a16:creationId xmlns:a16="http://schemas.microsoft.com/office/drawing/2014/main" id="{95C0C453-54EA-BE41-4CAC-33AD3D34C39A}"/>
+              </a:ext>
+            </a:extLst>
+          </p:cNvPr>
+          <p:cNvSpPr/>
+          <p:nvPr/>
+        </p:nvSpPr>
+        <p:spPr>
+          <a:xfrm>
+            <a:off x="5387644" y="3481784"/>
+            <a:ext cx="217753" cy="121702"/>
+          </a:xfrm>
+          <a:prstGeom prst="ellipse">
+            <a:avLst/>
+          </a:prstGeom>
+          <a:solidFill>
+            <a:schemeClr val="tx1"/>
+          </a:solidFill>
+          <a:ln w="19050">
+            <a:solidFill>
+              <a:schemeClr val="tx1">
+                <a:lumMod val="75000"/>
+                <a:lumOff val="25000"/>
+              </a:schemeClr>
+            </a:solidFill>
+          </a:ln>
+        </p:spPr>
+        <p:style>
+          <a:lnRef idx="2">
+            <a:schemeClr val="accent1">
+              <a:shade val="15000"/>
+            </a:schemeClr>
+          </a:lnRef>
+          <a:fillRef idx="1">
+            <a:schemeClr val="accent1"/>
+          </a:fillRef>
+          <a:effectRef idx="0">
+            <a:schemeClr val="accent1"/>
+          </a:effectRef>
+          <a:fontRef idx="minor">
+            <a:schemeClr val="lt1"/>
+          </a:fontRef>
+        </p:style>
+        <p:txBody>
+          <a:bodyPr rtlCol="0" anchor="ctr"/>
+          <a:lstStyle/>
+          <a:p>
+            <a:pPr algn="ctr"/>
+            <a:endParaRPr kumimoji="1" lang="ja-JP" altLang="en-US"/>
+          </a:p>
+        </p:txBody>
+      </p:sp>
+      <p:sp>
+        <p:nvSpPr>
+          <p:cNvPr id="10" name="円/楕円 9">
+            <a:extLst>
+              <a:ext uri="{FF2B5EF4-FFF2-40B4-BE49-F238E27FC236}">
+                <a16:creationId xmlns:a16="http://schemas.microsoft.com/office/drawing/2014/main" id="{EB1FD35D-A177-5507-4EDC-E94CF434207B}"/>
+              </a:ext>
+            </a:extLst>
+          </p:cNvPr>
+          <p:cNvSpPr/>
+          <p:nvPr/>
+        </p:nvSpPr>
+        <p:spPr>
+          <a:xfrm>
+            <a:off x="5434247" y="3658268"/>
+            <a:ext cx="120574" cy="67389"/>
+          </a:xfrm>
+          <a:prstGeom prst="ellipse">
+            <a:avLst/>
+          </a:prstGeom>
+          <a:solidFill>
+            <a:schemeClr val="tx1"/>
+          </a:solidFill>
+          <a:ln w="19050">
+            <a:solidFill>
+              <a:schemeClr val="tx1">
+                <a:lumMod val="75000"/>
+                <a:lumOff val="25000"/>
+              </a:schemeClr>
+            </a:solidFill>
+          </a:ln>
+        </p:spPr>
+        <p:style>
+          <a:lnRef idx="2">
+            <a:schemeClr val="accent1">
+              <a:shade val="15000"/>
+            </a:schemeClr>
+          </a:lnRef>
+          <a:fillRef idx="1">
+            <a:schemeClr val="accent1"/>
+          </a:fillRef>
+          <a:effectRef idx="0">
+            <a:schemeClr val="accent1"/>
+          </a:effectRef>
+          <a:fontRef idx="minor">
+            <a:schemeClr val="lt1"/>
+          </a:fontRef>
+        </p:style>
+        <p:txBody>
+          <a:bodyPr rtlCol="0" anchor="ctr"/>
+          <a:lstStyle/>
+          <a:p>
+            <a:pPr algn="ctr"/>
+            <a:endParaRPr kumimoji="1" lang="ja-JP" altLang="en-US"/>
+          </a:p>
+        </p:txBody>
+      </p:sp>
+      <p:sp>
+        <p:nvSpPr>
+          <p:cNvPr id="14" name="円/楕円 13">
+            <a:extLst>
+              <a:ext uri="{FF2B5EF4-FFF2-40B4-BE49-F238E27FC236}">
+                <a16:creationId xmlns:a16="http://schemas.microsoft.com/office/drawing/2014/main" id="{00442A4F-DEC7-D3E4-E944-148640DA6FA2}"/>
+              </a:ext>
+            </a:extLst>
+          </p:cNvPr>
+          <p:cNvSpPr/>
+          <p:nvPr/>
+        </p:nvSpPr>
+        <p:spPr>
+          <a:xfrm>
+            <a:off x="5755356" y="3045326"/>
+            <a:ext cx="304264" cy="170053"/>
+          </a:xfrm>
+          <a:prstGeom prst="ellipse">
+            <a:avLst/>
+          </a:prstGeom>
+          <a:solidFill>
+            <a:schemeClr val="bg1">
+              <a:lumMod val="75000"/>
+            </a:schemeClr>
+          </a:solidFill>
+          <a:ln w="19050">
+            <a:solidFill>
+              <a:schemeClr val="tx1">
+                <a:lumMod val="75000"/>
+                <a:lumOff val="25000"/>
+              </a:schemeClr>
+            </a:solidFill>
+          </a:ln>
+        </p:spPr>
+        <p:style>
+          <a:lnRef idx="2">
+            <a:schemeClr val="accent1">
+              <a:shade val="15000"/>
+            </a:schemeClr>
+          </a:lnRef>
+          <a:fillRef idx="1">
+            <a:schemeClr val="accent1"/>
+          </a:fillRef>
+          <a:effectRef idx="0">
+            <a:schemeClr val="accent1"/>
+          </a:effectRef>
+          <a:fontRef idx="minor">
+            <a:schemeClr val="lt1"/>
+          </a:fontRef>
+        </p:style>
+        <p:txBody>
+          <a:bodyPr rtlCol="0" anchor="ctr"/>
+          <a:lstStyle/>
+          <a:p>
+            <a:pPr algn="ctr"/>
+            <a:endParaRPr kumimoji="1" lang="ja-JP" altLang="en-US"/>
+          </a:p>
+        </p:txBody>
+      </p:sp>
+      <p:sp>
+        <p:nvSpPr>
+          <p:cNvPr id="15" name="円/楕円 14">
+            <a:extLst>
+              <a:ext uri="{FF2B5EF4-FFF2-40B4-BE49-F238E27FC236}">
+                <a16:creationId xmlns:a16="http://schemas.microsoft.com/office/drawing/2014/main" id="{DCADE17A-3375-2D20-F20D-CC7928698C66}"/>
+              </a:ext>
+            </a:extLst>
+          </p:cNvPr>
+          <p:cNvSpPr/>
+          <p:nvPr/>
+        </p:nvSpPr>
+        <p:spPr>
+          <a:xfrm>
+            <a:off x="5798611" y="3276305"/>
+            <a:ext cx="217753" cy="121702"/>
+          </a:xfrm>
+          <a:prstGeom prst="ellipse">
+            <a:avLst/>
+          </a:prstGeom>
+          <a:solidFill>
+            <a:schemeClr val="bg1">
+              <a:lumMod val="75000"/>
+            </a:schemeClr>
+          </a:solidFill>
+          <a:ln w="19050">
+            <a:solidFill>
+              <a:schemeClr val="tx1">
+                <a:lumMod val="75000"/>
+                <a:lumOff val="25000"/>
+              </a:schemeClr>
+            </a:solidFill>
+          </a:ln>
+        </p:spPr>
+        <p:style>
+          <a:lnRef idx="2">
+            <a:schemeClr val="accent1">
+              <a:shade val="15000"/>
+            </a:schemeClr>
+          </a:lnRef>
+          <a:fillRef idx="1">
+            <a:schemeClr val="accent1"/>
+          </a:fillRef>
+          <a:effectRef idx="0">
+            <a:schemeClr val="accent1"/>
+          </a:effectRef>
+          <a:fontRef idx="minor">
+            <a:schemeClr val="lt1"/>
+          </a:fontRef>
+        </p:style>
+        <p:txBody>
+          <a:bodyPr rtlCol="0" anchor="ctr"/>
+          <a:lstStyle/>
+          <a:p>
+            <a:pPr algn="ctr"/>
+            <a:endParaRPr kumimoji="1" lang="ja-JP" altLang="en-US"/>
+          </a:p>
+        </p:txBody>
+      </p:sp>
+      <p:sp>
+        <p:nvSpPr>
+          <p:cNvPr id="16" name="円/楕円 15">
+            <a:extLst>
+              <a:ext uri="{FF2B5EF4-FFF2-40B4-BE49-F238E27FC236}">
+                <a16:creationId xmlns:a16="http://schemas.microsoft.com/office/drawing/2014/main" id="{7258F5B3-D5A1-D53C-21BF-AACB9CE53D8E}"/>
+              </a:ext>
+            </a:extLst>
+          </p:cNvPr>
+          <p:cNvSpPr/>
+          <p:nvPr/>
+        </p:nvSpPr>
+        <p:spPr>
+          <a:xfrm>
+            <a:off x="5845214" y="3452789"/>
+            <a:ext cx="120574" cy="67389"/>
+          </a:xfrm>
+          <a:prstGeom prst="ellipse">
+            <a:avLst/>
+          </a:prstGeom>
+          <a:solidFill>
+            <a:schemeClr val="bg1">
+              <a:lumMod val="75000"/>
+            </a:schemeClr>
+          </a:solidFill>
+          <a:ln w="19050">
+            <a:solidFill>
+              <a:schemeClr val="tx1">
+                <a:lumMod val="75000"/>
+                <a:lumOff val="25000"/>
+              </a:schemeClr>
+            </a:solidFill>
+          </a:ln>
+        </p:spPr>
+        <p:style>
+          <a:lnRef idx="2">
+            <a:schemeClr val="accent1">
+              <a:shade val="15000"/>
+            </a:schemeClr>
+          </a:lnRef>
+          <a:fillRef idx="1">
+            <a:schemeClr val="accent1"/>
+          </a:fillRef>
+          <a:effectRef idx="0">
+            <a:schemeClr val="accent1"/>
+          </a:effectRef>
+          <a:fontRef idx="minor">
+            <a:schemeClr val="lt1"/>
+          </a:fontRef>
+        </p:style>
+        <p:txBody>
+          <a:bodyPr rtlCol="0" anchor="ctr"/>
+          <a:lstStyle/>
+          <a:p>
+            <a:pPr algn="ctr"/>
+            <a:endParaRPr kumimoji="1" lang="ja-JP" altLang="en-US"/>
+          </a:p>
+        </p:txBody>
+      </p:sp>
+      <p:pic>
+        <p:nvPicPr>
+          <p:cNvPr id="18" name="図 17">
+            <a:extLst>
+              <a:ext uri="{FF2B5EF4-FFF2-40B4-BE49-F238E27FC236}">
+                <a16:creationId xmlns:a16="http://schemas.microsoft.com/office/drawing/2014/main" id="{269EE85E-5A22-5068-71F7-D2601A229304}"/>
               </a:ext>
             </a:extLst>
           </p:cNvPr>
@@ -4807,110 +5454,15 @@
           </a:stretch>
         </p:blipFill>
         <p:spPr>
-          <a:xfrm flipH="1">
-            <a:off x="6151483" y="1525939"/>
-            <a:ext cx="1384298" cy="1371600"/>
+          <a:xfrm>
+            <a:off x="6349202" y="3065179"/>
+            <a:ext cx="804446" cy="487453"/>
           </a:xfrm>
           <a:prstGeom prst="rect">
             <a:avLst/>
           </a:prstGeom>
         </p:spPr>
       </p:pic>
-      <p:sp>
-        <p:nvSpPr>
-          <p:cNvPr id="12" name="テキスト ボックス 11">
-            <a:extLst>
-              <a:ext uri="{FF2B5EF4-FFF2-40B4-BE49-F238E27FC236}">
-                <a16:creationId xmlns:a16="http://schemas.microsoft.com/office/drawing/2014/main" id="{F3B9F804-8B6F-9CCE-2FF3-3E54CC8538FD}"/>
-              </a:ext>
-            </a:extLst>
-          </p:cNvPr>
-          <p:cNvSpPr txBox="1"/>
-          <p:nvPr/>
-        </p:nvSpPr>
-        <p:spPr>
-          <a:xfrm>
-            <a:off x="5844772" y="1295316"/>
-            <a:ext cx="1997719" cy="307777"/>
-          </a:xfrm>
-          <a:prstGeom prst="rect">
-            <a:avLst/>
-          </a:prstGeom>
-          <a:noFill/>
-        </p:spPr>
-        <p:txBody>
-          <a:bodyPr wrap="square" rtlCol="0">
-            <a:spAutoFit/>
-          </a:bodyPr>
-          <a:lstStyle/>
-          <a:p>
-            <a:r>
-              <a:rPr lang="ja-JP" altLang="en-US" sz="1400">
-                <a:solidFill>
-                  <a:schemeClr val="accent1"/>
-                </a:solidFill>
-              </a:rPr>
-              <a:t>・余計な判断は排除</a:t>
-            </a:r>
-            <a:endParaRPr kumimoji="1" lang="en-US" altLang="ja-JP" sz="1400">
-              <a:solidFill>
-                <a:schemeClr val="accent1"/>
-              </a:solidFill>
-            </a:endParaRPr>
-          </a:p>
-        </p:txBody>
-      </p:sp>
-      <p:sp>
-        <p:nvSpPr>
-          <p:cNvPr id="13" name="テキスト ボックス 12">
-            <a:extLst>
-              <a:ext uri="{FF2B5EF4-FFF2-40B4-BE49-F238E27FC236}">
-                <a16:creationId xmlns:a16="http://schemas.microsoft.com/office/drawing/2014/main" id="{37B60416-E10D-6C44-65C4-2412A26DA22B}"/>
-              </a:ext>
-            </a:extLst>
-          </p:cNvPr>
-          <p:cNvSpPr txBox="1"/>
-          <p:nvPr/>
-        </p:nvSpPr>
-        <p:spPr>
-          <a:xfrm>
-            <a:off x="6536922" y="2987488"/>
-            <a:ext cx="1997718" cy="523220"/>
-          </a:xfrm>
-          <a:prstGeom prst="rect">
-            <a:avLst/>
-          </a:prstGeom>
-          <a:noFill/>
-        </p:spPr>
-        <p:txBody>
-          <a:bodyPr wrap="square" rtlCol="0">
-            <a:spAutoFit/>
-          </a:bodyPr>
-          <a:lstStyle/>
-          <a:p>
-            <a:r>
-              <a:rPr kumimoji="1" lang="ja-JP" altLang="en-US" sz="1400">
-                <a:solidFill>
-                  <a:schemeClr val="accent1"/>
-                </a:solidFill>
-              </a:rPr>
-              <a:t>・心を反応させない</a:t>
-            </a:r>
-            <a:endParaRPr kumimoji="1" lang="en-US" altLang="ja-JP" sz="1400">
-              <a:solidFill>
-                <a:schemeClr val="accent1"/>
-              </a:solidFill>
-            </a:endParaRPr>
-          </a:p>
-          <a:p>
-            <a:endParaRPr kumimoji="1" lang="ja-JP" altLang="en-US" sz="1400">
-              <a:solidFill>
-                <a:schemeClr val="accent1"/>
-              </a:solidFill>
-            </a:endParaRPr>
-          </a:p>
-        </p:txBody>
-      </p:sp>
     </p:spTree>
     <p:extLst>
       <p:ext uri="{BB962C8B-B14F-4D97-AF65-F5344CB8AC3E}">

--- a/限りある時間の使い方.pptx
+++ b/限りある時間の使い方.pptx
@@ -7,6 +7,7 @@
   <p:sldIdLst>
     <p:sldId id="258" r:id="rId2"/>
     <p:sldId id="259" r:id="rId3"/>
+    <p:sldId id="260" r:id="rId4"/>
   </p:sldIdLst>
   <p:sldSz cx="12192000" cy="6858000"/>
   <p:notesSz cx="6858000" cy="9144000"/>
@@ -113,6 +114,2673 @@
 </p:presentation>
 </file>
 
+<file path=ppt/diagrams/colors1.xml><?xml version="1.0" encoding="utf-8"?>
+<dgm:colorsDef xmlns:dgm="http://schemas.openxmlformats.org/drawingml/2006/diagram" xmlns:a="http://schemas.openxmlformats.org/drawingml/2006/main" uniqueId="urn:microsoft.com/office/officeart/2005/8/colors/accent1_2">
+  <dgm:title val=""/>
+  <dgm:desc val=""/>
+  <dgm:catLst>
+    <dgm:cat type="accent1" pri="11200"/>
+  </dgm:catLst>
+  <dgm:styleLbl name="node0">
+    <dgm:fillClrLst meth="repeat">
+      <a:schemeClr val="accent1"/>
+    </dgm:fillClrLst>
+    <dgm:linClrLst meth="repeat">
+      <a:schemeClr val="lt1"/>
+    </dgm:linClrLst>
+    <dgm:effectClrLst/>
+    <dgm:txLinClrLst/>
+    <dgm:txFillClrLst/>
+    <dgm:txEffectClrLst/>
+  </dgm:styleLbl>
+  <dgm:styleLbl name="alignNode1">
+    <dgm:fillClrLst meth="repeat">
+      <a:schemeClr val="accent1"/>
+    </dgm:fillClrLst>
+    <dgm:linClrLst meth="repeat">
+      <a:schemeClr val="accent1"/>
+    </dgm:linClrLst>
+    <dgm:effectClrLst/>
+    <dgm:txLinClrLst/>
+    <dgm:txFillClrLst/>
+    <dgm:txEffectClrLst/>
+  </dgm:styleLbl>
+  <dgm:styleLbl name="node1">
+    <dgm:fillClrLst meth="repeat">
+      <a:schemeClr val="accent1"/>
+    </dgm:fillClrLst>
+    <dgm:linClrLst meth="repeat">
+      <a:schemeClr val="lt1"/>
+    </dgm:linClrLst>
+    <dgm:effectClrLst/>
+    <dgm:txLinClrLst/>
+    <dgm:txFillClrLst/>
+    <dgm:txEffectClrLst/>
+  </dgm:styleLbl>
+  <dgm:styleLbl name="lnNode1">
+    <dgm:fillClrLst meth="repeat">
+      <a:schemeClr val="accent1"/>
+    </dgm:fillClrLst>
+    <dgm:linClrLst meth="repeat">
+      <a:schemeClr val="lt1"/>
+    </dgm:linClrLst>
+    <dgm:effectClrLst/>
+    <dgm:txLinClrLst/>
+    <dgm:txFillClrLst/>
+    <dgm:txEffectClrLst/>
+  </dgm:styleLbl>
+  <dgm:styleLbl name="vennNode1">
+    <dgm:fillClrLst meth="repeat">
+      <a:schemeClr val="accent1">
+        <a:alpha val="50000"/>
+      </a:schemeClr>
+    </dgm:fillClrLst>
+    <dgm:linClrLst meth="repeat">
+      <a:schemeClr val="lt1"/>
+    </dgm:linClrLst>
+    <dgm:effectClrLst/>
+    <dgm:txLinClrLst/>
+    <dgm:txFillClrLst/>
+    <dgm:txEffectClrLst/>
+  </dgm:styleLbl>
+  <dgm:styleLbl name="node2">
+    <dgm:fillClrLst meth="repeat">
+      <a:schemeClr val="accent1"/>
+    </dgm:fillClrLst>
+    <dgm:linClrLst meth="repeat">
+      <a:schemeClr val="lt1"/>
+    </dgm:linClrLst>
+    <dgm:effectClrLst/>
+    <dgm:txLinClrLst/>
+    <dgm:txFillClrLst/>
+    <dgm:txEffectClrLst/>
+  </dgm:styleLbl>
+  <dgm:styleLbl name="node3">
+    <dgm:fillClrLst meth="repeat">
+      <a:schemeClr val="accent1"/>
+    </dgm:fillClrLst>
+    <dgm:linClrLst meth="repeat">
+      <a:schemeClr val="lt1"/>
+    </dgm:linClrLst>
+    <dgm:effectClrLst/>
+    <dgm:txLinClrLst/>
+    <dgm:txFillClrLst/>
+    <dgm:txEffectClrLst/>
+  </dgm:styleLbl>
+  <dgm:styleLbl name="node4">
+    <dgm:fillClrLst meth="repeat">
+      <a:schemeClr val="accent1"/>
+    </dgm:fillClrLst>
+    <dgm:linClrLst meth="repeat">
+      <a:schemeClr val="lt1"/>
+    </dgm:linClrLst>
+    <dgm:effectClrLst/>
+    <dgm:txLinClrLst/>
+    <dgm:txFillClrLst/>
+    <dgm:txEffectClrLst/>
+  </dgm:styleLbl>
+  <dgm:styleLbl name="fgImgPlace1">
+    <dgm:fillClrLst meth="repeat">
+      <a:schemeClr val="accent1">
+        <a:tint val="50000"/>
+      </a:schemeClr>
+    </dgm:fillClrLst>
+    <dgm:linClrLst meth="repeat">
+      <a:schemeClr val="lt1"/>
+    </dgm:linClrLst>
+    <dgm:effectClrLst/>
+    <dgm:txLinClrLst/>
+    <dgm:txFillClrLst meth="repeat">
+      <a:schemeClr val="lt1"/>
+    </dgm:txFillClrLst>
+    <dgm:txEffectClrLst/>
+  </dgm:styleLbl>
+  <dgm:styleLbl name="alignImgPlace1">
+    <dgm:fillClrLst meth="repeat">
+      <a:schemeClr val="accent1">
+        <a:tint val="50000"/>
+      </a:schemeClr>
+    </dgm:fillClrLst>
+    <dgm:linClrLst meth="repeat">
+      <a:schemeClr val="lt1"/>
+    </dgm:linClrLst>
+    <dgm:effectClrLst/>
+    <dgm:txLinClrLst/>
+    <dgm:txFillClrLst meth="repeat">
+      <a:schemeClr val="lt1"/>
+    </dgm:txFillClrLst>
+    <dgm:txEffectClrLst/>
+  </dgm:styleLbl>
+  <dgm:styleLbl name="bgImgPlace1">
+    <dgm:fillClrLst meth="repeat">
+      <a:schemeClr val="accent1">
+        <a:tint val="50000"/>
+      </a:schemeClr>
+    </dgm:fillClrLst>
+    <dgm:linClrLst meth="repeat">
+      <a:schemeClr val="lt1"/>
+    </dgm:linClrLst>
+    <dgm:effectClrLst/>
+    <dgm:txLinClrLst/>
+    <dgm:txFillClrLst meth="repeat">
+      <a:schemeClr val="lt1"/>
+    </dgm:txFillClrLst>
+    <dgm:txEffectClrLst/>
+  </dgm:styleLbl>
+  <dgm:styleLbl name="sibTrans2D1">
+    <dgm:fillClrLst meth="repeat">
+      <a:schemeClr val="accent1">
+        <a:tint val="60000"/>
+      </a:schemeClr>
+    </dgm:fillClrLst>
+    <dgm:linClrLst meth="repeat">
+      <a:schemeClr val="accent1">
+        <a:tint val="60000"/>
+      </a:schemeClr>
+    </dgm:linClrLst>
+    <dgm:effectClrLst/>
+    <dgm:txLinClrLst/>
+    <dgm:txFillClrLst/>
+    <dgm:txEffectClrLst/>
+  </dgm:styleLbl>
+  <dgm:styleLbl name="fgSibTrans2D1">
+    <dgm:fillClrLst meth="repeat">
+      <a:schemeClr val="accent1">
+        <a:tint val="60000"/>
+      </a:schemeClr>
+    </dgm:fillClrLst>
+    <dgm:linClrLst meth="repeat">
+      <a:schemeClr val="accent1">
+        <a:tint val="60000"/>
+      </a:schemeClr>
+    </dgm:linClrLst>
+    <dgm:effectClrLst/>
+    <dgm:txLinClrLst/>
+    <dgm:txFillClrLst/>
+    <dgm:txEffectClrLst/>
+  </dgm:styleLbl>
+  <dgm:styleLbl name="bgSibTrans2D1">
+    <dgm:fillClrLst meth="repeat">
+      <a:schemeClr val="accent1">
+        <a:tint val="60000"/>
+      </a:schemeClr>
+    </dgm:fillClrLst>
+    <dgm:linClrLst meth="repeat">
+      <a:schemeClr val="accent1">
+        <a:tint val="60000"/>
+      </a:schemeClr>
+    </dgm:linClrLst>
+    <dgm:effectClrLst/>
+    <dgm:txLinClrLst/>
+    <dgm:txFillClrLst/>
+    <dgm:txEffectClrLst/>
+  </dgm:styleLbl>
+  <dgm:styleLbl name="sibTrans1D1">
+    <dgm:fillClrLst meth="repeat">
+      <a:schemeClr val="accent1"/>
+    </dgm:fillClrLst>
+    <dgm:linClrLst meth="repeat">
+      <a:schemeClr val="accent1"/>
+    </dgm:linClrLst>
+    <dgm:effectClrLst/>
+    <dgm:txLinClrLst/>
+    <dgm:txFillClrLst meth="repeat">
+      <a:schemeClr val="tx1"/>
+    </dgm:txFillClrLst>
+    <dgm:txEffectClrLst/>
+  </dgm:styleLbl>
+  <dgm:styleLbl name="callout">
+    <dgm:fillClrLst meth="repeat">
+      <a:schemeClr val="accent1"/>
+    </dgm:fillClrLst>
+    <dgm:linClrLst meth="repeat">
+      <a:schemeClr val="accent1">
+        <a:tint val="50000"/>
+      </a:schemeClr>
+    </dgm:linClrLst>
+    <dgm:effectClrLst/>
+    <dgm:txLinClrLst/>
+    <dgm:txFillClrLst meth="repeat">
+      <a:schemeClr val="tx1"/>
+    </dgm:txFillClrLst>
+    <dgm:txEffectClrLst/>
+  </dgm:styleLbl>
+  <dgm:styleLbl name="asst0">
+    <dgm:fillClrLst meth="repeat">
+      <a:schemeClr val="accent1"/>
+    </dgm:fillClrLst>
+    <dgm:linClrLst meth="repeat">
+      <a:schemeClr val="lt1"/>
+    </dgm:linClrLst>
+    <dgm:effectClrLst/>
+    <dgm:txLinClrLst/>
+    <dgm:txFillClrLst/>
+    <dgm:txEffectClrLst/>
+  </dgm:styleLbl>
+  <dgm:styleLbl name="asst1">
+    <dgm:fillClrLst meth="repeat">
+      <a:schemeClr val="accent1"/>
+    </dgm:fillClrLst>
+    <dgm:linClrLst meth="repeat">
+      <a:schemeClr val="lt1"/>
+    </dgm:linClrLst>
+    <dgm:effectClrLst/>
+    <dgm:txLinClrLst/>
+    <dgm:txFillClrLst/>
+    <dgm:txEffectClrLst/>
+  </dgm:styleLbl>
+  <dgm:styleLbl name="asst2">
+    <dgm:fillClrLst meth="repeat">
+      <a:schemeClr val="accent1"/>
+    </dgm:fillClrLst>
+    <dgm:linClrLst meth="repeat">
+      <a:schemeClr val="lt1"/>
+    </dgm:linClrLst>
+    <dgm:effectClrLst/>
+    <dgm:txLinClrLst/>
+    <dgm:txFillClrLst/>
+    <dgm:txEffectClrLst/>
+  </dgm:styleLbl>
+  <dgm:styleLbl name="asst3">
+    <dgm:fillClrLst meth="repeat">
+      <a:schemeClr val="accent1"/>
+    </dgm:fillClrLst>
+    <dgm:linClrLst meth="repeat">
+      <a:schemeClr val="lt1"/>
+    </dgm:linClrLst>
+    <dgm:effectClrLst/>
+    <dgm:txLinClrLst/>
+    <dgm:txFillClrLst/>
+    <dgm:txEffectClrLst/>
+  </dgm:styleLbl>
+  <dgm:styleLbl name="asst4">
+    <dgm:fillClrLst meth="repeat">
+      <a:schemeClr val="accent1"/>
+    </dgm:fillClrLst>
+    <dgm:linClrLst meth="repeat">
+      <a:schemeClr val="lt1"/>
+    </dgm:linClrLst>
+    <dgm:effectClrLst/>
+    <dgm:txLinClrLst/>
+    <dgm:txFillClrLst/>
+    <dgm:txEffectClrLst/>
+  </dgm:styleLbl>
+  <dgm:styleLbl name="parChTrans2D1">
+    <dgm:fillClrLst meth="repeat">
+      <a:schemeClr val="accent1">
+        <a:tint val="60000"/>
+      </a:schemeClr>
+    </dgm:fillClrLst>
+    <dgm:linClrLst meth="repeat">
+      <a:schemeClr val="accent1">
+        <a:tint val="60000"/>
+      </a:schemeClr>
+    </dgm:linClrLst>
+    <dgm:effectClrLst/>
+    <dgm:txLinClrLst/>
+    <dgm:txFillClrLst meth="repeat">
+      <a:schemeClr val="lt1"/>
+    </dgm:txFillClrLst>
+    <dgm:txEffectClrLst/>
+  </dgm:styleLbl>
+  <dgm:styleLbl name="parChTrans2D2">
+    <dgm:fillClrLst meth="repeat">
+      <a:schemeClr val="accent1"/>
+    </dgm:fillClrLst>
+    <dgm:linClrLst meth="repeat">
+      <a:schemeClr val="accent1"/>
+    </dgm:linClrLst>
+    <dgm:effectClrLst/>
+    <dgm:txLinClrLst/>
+    <dgm:txFillClrLst meth="repeat">
+      <a:schemeClr val="lt1"/>
+    </dgm:txFillClrLst>
+    <dgm:txEffectClrLst/>
+  </dgm:styleLbl>
+  <dgm:styleLbl name="parChTrans2D3">
+    <dgm:fillClrLst meth="repeat">
+      <a:schemeClr val="accent1"/>
+    </dgm:fillClrLst>
+    <dgm:linClrLst meth="repeat">
+      <a:schemeClr val="accent1"/>
+    </dgm:linClrLst>
+    <dgm:effectClrLst/>
+    <dgm:txLinClrLst/>
+    <dgm:txFillClrLst meth="repeat">
+      <a:schemeClr val="lt1"/>
+    </dgm:txFillClrLst>
+    <dgm:txEffectClrLst/>
+  </dgm:styleLbl>
+  <dgm:styleLbl name="parChTrans2D4">
+    <dgm:fillClrLst meth="repeat">
+      <a:schemeClr val="accent1"/>
+    </dgm:fillClrLst>
+    <dgm:linClrLst meth="repeat">
+      <a:schemeClr val="accent1"/>
+    </dgm:linClrLst>
+    <dgm:effectClrLst/>
+    <dgm:txLinClrLst/>
+    <dgm:txFillClrLst meth="repeat">
+      <a:schemeClr val="lt1"/>
+    </dgm:txFillClrLst>
+    <dgm:txEffectClrLst/>
+  </dgm:styleLbl>
+  <dgm:styleLbl name="parChTrans1D1">
+    <dgm:fillClrLst meth="repeat">
+      <a:schemeClr val="accent1"/>
+    </dgm:fillClrLst>
+    <dgm:linClrLst meth="repeat">
+      <a:schemeClr val="accent1">
+        <a:shade val="60000"/>
+      </a:schemeClr>
+    </dgm:linClrLst>
+    <dgm:effectClrLst/>
+    <dgm:txLinClrLst/>
+    <dgm:txFillClrLst meth="repeat">
+      <a:schemeClr val="tx1"/>
+    </dgm:txFillClrLst>
+    <dgm:txEffectClrLst/>
+  </dgm:styleLbl>
+  <dgm:styleLbl name="parChTrans1D2">
+    <dgm:fillClrLst meth="repeat">
+      <a:schemeClr val="accent1"/>
+    </dgm:fillClrLst>
+    <dgm:linClrLst meth="repeat">
+      <a:schemeClr val="accent1">
+        <a:shade val="60000"/>
+      </a:schemeClr>
+    </dgm:linClrLst>
+    <dgm:effectClrLst/>
+    <dgm:txLinClrLst/>
+    <dgm:txFillClrLst meth="repeat">
+      <a:schemeClr val="tx1"/>
+    </dgm:txFillClrLst>
+    <dgm:txEffectClrLst/>
+  </dgm:styleLbl>
+  <dgm:styleLbl name="parChTrans1D3">
+    <dgm:fillClrLst meth="repeat">
+      <a:schemeClr val="accent1"/>
+    </dgm:fillClrLst>
+    <dgm:linClrLst meth="repeat">
+      <a:schemeClr val="accent1">
+        <a:shade val="80000"/>
+      </a:schemeClr>
+    </dgm:linClrLst>
+    <dgm:effectClrLst/>
+    <dgm:txLinClrLst/>
+    <dgm:txFillClrLst meth="repeat">
+      <a:schemeClr val="tx1"/>
+    </dgm:txFillClrLst>
+    <dgm:txEffectClrLst/>
+  </dgm:styleLbl>
+  <dgm:styleLbl name="parChTrans1D4">
+    <dgm:fillClrLst meth="repeat">
+      <a:schemeClr val="accent1"/>
+    </dgm:fillClrLst>
+    <dgm:linClrLst meth="repeat">
+      <a:schemeClr val="accent1">
+        <a:shade val="80000"/>
+      </a:schemeClr>
+    </dgm:linClrLst>
+    <dgm:effectClrLst/>
+    <dgm:txLinClrLst/>
+    <dgm:txFillClrLst meth="repeat">
+      <a:schemeClr val="tx1"/>
+    </dgm:txFillClrLst>
+    <dgm:txEffectClrLst/>
+  </dgm:styleLbl>
+  <dgm:styleLbl name="fgAcc1">
+    <dgm:fillClrLst meth="repeat">
+      <a:schemeClr val="lt1">
+        <a:alpha val="90000"/>
+      </a:schemeClr>
+    </dgm:fillClrLst>
+    <dgm:linClrLst meth="repeat">
+      <a:schemeClr val="accent1"/>
+    </dgm:linClrLst>
+    <dgm:effectClrLst/>
+    <dgm:txLinClrLst/>
+    <dgm:txFillClrLst meth="repeat">
+      <a:schemeClr val="dk1"/>
+    </dgm:txFillClrLst>
+    <dgm:txEffectClrLst/>
+  </dgm:styleLbl>
+  <dgm:styleLbl name="conFgAcc1">
+    <dgm:fillClrLst meth="repeat">
+      <a:schemeClr val="lt1">
+        <a:alpha val="90000"/>
+      </a:schemeClr>
+    </dgm:fillClrLst>
+    <dgm:linClrLst meth="repeat">
+      <a:schemeClr val="accent1"/>
+    </dgm:linClrLst>
+    <dgm:effectClrLst/>
+    <dgm:txLinClrLst/>
+    <dgm:txFillClrLst meth="repeat">
+      <a:schemeClr val="dk1"/>
+    </dgm:txFillClrLst>
+    <dgm:txEffectClrLst/>
+  </dgm:styleLbl>
+  <dgm:styleLbl name="alignAcc1">
+    <dgm:fillClrLst meth="repeat">
+      <a:schemeClr val="lt1">
+        <a:alpha val="90000"/>
+      </a:schemeClr>
+    </dgm:fillClrLst>
+    <dgm:linClrLst meth="repeat">
+      <a:schemeClr val="accent1"/>
+    </dgm:linClrLst>
+    <dgm:effectClrLst/>
+    <dgm:txLinClrLst/>
+    <dgm:txFillClrLst meth="repeat">
+      <a:schemeClr val="dk1"/>
+    </dgm:txFillClrLst>
+    <dgm:txEffectClrLst/>
+  </dgm:styleLbl>
+  <dgm:styleLbl name="trAlignAcc1">
+    <dgm:fillClrLst meth="repeat">
+      <a:schemeClr val="lt1">
+        <a:alpha val="40000"/>
+      </a:schemeClr>
+    </dgm:fillClrLst>
+    <dgm:linClrLst meth="repeat">
+      <a:schemeClr val="accent1"/>
+    </dgm:linClrLst>
+    <dgm:effectClrLst/>
+    <dgm:txLinClrLst/>
+    <dgm:txFillClrLst meth="repeat">
+      <a:schemeClr val="dk1"/>
+    </dgm:txFillClrLst>
+    <dgm:txEffectClrLst/>
+  </dgm:styleLbl>
+  <dgm:styleLbl name="bgAcc1">
+    <dgm:fillClrLst meth="repeat">
+      <a:schemeClr val="lt1">
+        <a:alpha val="90000"/>
+      </a:schemeClr>
+    </dgm:fillClrLst>
+    <dgm:linClrLst meth="repeat">
+      <a:schemeClr val="accent1"/>
+    </dgm:linClrLst>
+    <dgm:effectClrLst/>
+    <dgm:txLinClrLst/>
+    <dgm:txFillClrLst meth="repeat">
+      <a:schemeClr val="dk1"/>
+    </dgm:txFillClrLst>
+    <dgm:txEffectClrLst/>
+  </dgm:styleLbl>
+  <dgm:styleLbl name="solidFgAcc1">
+    <dgm:fillClrLst meth="repeat">
+      <a:schemeClr val="lt1"/>
+    </dgm:fillClrLst>
+    <dgm:linClrLst meth="repeat">
+      <a:schemeClr val="accent1"/>
+    </dgm:linClrLst>
+    <dgm:effectClrLst/>
+    <dgm:txLinClrLst/>
+    <dgm:txFillClrLst meth="repeat">
+      <a:schemeClr val="dk1"/>
+    </dgm:txFillClrLst>
+    <dgm:txEffectClrLst/>
+  </dgm:styleLbl>
+  <dgm:styleLbl name="solidAlignAcc1">
+    <dgm:fillClrLst meth="repeat">
+      <a:schemeClr val="lt1"/>
+    </dgm:fillClrLst>
+    <dgm:linClrLst meth="repeat">
+      <a:schemeClr val="accent1"/>
+    </dgm:linClrLst>
+    <dgm:effectClrLst/>
+    <dgm:txLinClrLst/>
+    <dgm:txFillClrLst meth="repeat">
+      <a:schemeClr val="dk1"/>
+    </dgm:txFillClrLst>
+    <dgm:txEffectClrLst/>
+  </dgm:styleLbl>
+  <dgm:styleLbl name="solidBgAcc1">
+    <dgm:fillClrLst meth="repeat">
+      <a:schemeClr val="lt1"/>
+    </dgm:fillClrLst>
+    <dgm:linClrLst meth="repeat">
+      <a:schemeClr val="accent1"/>
+    </dgm:linClrLst>
+    <dgm:effectClrLst/>
+    <dgm:txLinClrLst/>
+    <dgm:txFillClrLst meth="repeat">
+      <a:schemeClr val="dk1"/>
+    </dgm:txFillClrLst>
+    <dgm:txEffectClrLst/>
+  </dgm:styleLbl>
+  <dgm:styleLbl name="fgAccFollowNode1">
+    <dgm:fillClrLst meth="repeat">
+      <a:schemeClr val="accent1">
+        <a:alpha val="90000"/>
+        <a:tint val="40000"/>
+      </a:schemeClr>
+    </dgm:fillClrLst>
+    <dgm:linClrLst meth="repeat">
+      <a:schemeClr val="accent1">
+        <a:alpha val="90000"/>
+        <a:tint val="40000"/>
+      </a:schemeClr>
+    </dgm:linClrLst>
+    <dgm:effectClrLst/>
+    <dgm:txLinClrLst/>
+    <dgm:txFillClrLst meth="repeat">
+      <a:schemeClr val="dk1"/>
+    </dgm:txFillClrLst>
+    <dgm:txEffectClrLst/>
+  </dgm:styleLbl>
+  <dgm:styleLbl name="alignAccFollowNode1">
+    <dgm:fillClrLst meth="repeat">
+      <a:schemeClr val="accent1">
+        <a:alpha val="90000"/>
+        <a:tint val="40000"/>
+      </a:schemeClr>
+    </dgm:fillClrLst>
+    <dgm:linClrLst meth="repeat">
+      <a:schemeClr val="accent1">
+        <a:alpha val="90000"/>
+        <a:tint val="40000"/>
+      </a:schemeClr>
+    </dgm:linClrLst>
+    <dgm:effectClrLst/>
+    <dgm:txLinClrLst/>
+    <dgm:txFillClrLst meth="repeat">
+      <a:schemeClr val="dk1"/>
+    </dgm:txFillClrLst>
+    <dgm:txEffectClrLst/>
+  </dgm:styleLbl>
+  <dgm:styleLbl name="bgAccFollowNode1">
+    <dgm:fillClrLst meth="repeat">
+      <a:schemeClr val="accent1">
+        <a:alpha val="90000"/>
+        <a:tint val="40000"/>
+      </a:schemeClr>
+    </dgm:fillClrLst>
+    <dgm:linClrLst meth="repeat">
+      <a:schemeClr val="accent1">
+        <a:alpha val="90000"/>
+        <a:tint val="40000"/>
+      </a:schemeClr>
+    </dgm:linClrLst>
+    <dgm:effectClrLst/>
+    <dgm:txLinClrLst/>
+    <dgm:txFillClrLst meth="repeat">
+      <a:schemeClr val="dk1"/>
+    </dgm:txFillClrLst>
+    <dgm:txEffectClrLst/>
+  </dgm:styleLbl>
+  <dgm:styleLbl name="fgAcc0">
+    <dgm:fillClrLst meth="repeat">
+      <a:schemeClr val="lt1">
+        <a:alpha val="90000"/>
+      </a:schemeClr>
+    </dgm:fillClrLst>
+    <dgm:linClrLst meth="repeat">
+      <a:schemeClr val="accent1"/>
+    </dgm:linClrLst>
+    <dgm:effectClrLst/>
+    <dgm:txLinClrLst/>
+    <dgm:txFillClrLst meth="repeat">
+      <a:schemeClr val="dk1"/>
+    </dgm:txFillClrLst>
+    <dgm:txEffectClrLst/>
+  </dgm:styleLbl>
+  <dgm:styleLbl name="fgAcc2">
+    <dgm:fillClrLst meth="repeat">
+      <a:schemeClr val="lt1">
+        <a:alpha val="90000"/>
+      </a:schemeClr>
+    </dgm:fillClrLst>
+    <dgm:linClrLst meth="repeat">
+      <a:schemeClr val="accent1"/>
+    </dgm:linClrLst>
+    <dgm:effectClrLst/>
+    <dgm:txLinClrLst/>
+    <dgm:txFillClrLst meth="repeat">
+      <a:schemeClr val="dk1"/>
+    </dgm:txFillClrLst>
+    <dgm:txEffectClrLst/>
+  </dgm:styleLbl>
+  <dgm:styleLbl name="fgAcc3">
+    <dgm:fillClrLst meth="repeat">
+      <a:schemeClr val="lt1">
+        <a:alpha val="90000"/>
+      </a:schemeClr>
+    </dgm:fillClrLst>
+    <dgm:linClrLst meth="repeat">
+      <a:schemeClr val="accent1"/>
+    </dgm:linClrLst>
+    <dgm:effectClrLst/>
+    <dgm:txLinClrLst/>
+    <dgm:txFillClrLst meth="repeat">
+      <a:schemeClr val="dk1"/>
+    </dgm:txFillClrLst>
+    <dgm:txEffectClrLst/>
+  </dgm:styleLbl>
+  <dgm:styleLbl name="fgAcc4">
+    <dgm:fillClrLst meth="repeat">
+      <a:schemeClr val="lt1">
+        <a:alpha val="90000"/>
+      </a:schemeClr>
+    </dgm:fillClrLst>
+    <dgm:linClrLst meth="repeat">
+      <a:schemeClr val="accent1"/>
+    </dgm:linClrLst>
+    <dgm:effectClrLst/>
+    <dgm:txLinClrLst/>
+    <dgm:txFillClrLst meth="repeat">
+      <a:schemeClr val="dk1"/>
+    </dgm:txFillClrLst>
+    <dgm:txEffectClrLst/>
+  </dgm:styleLbl>
+  <dgm:styleLbl name="bgShp">
+    <dgm:fillClrLst meth="repeat">
+      <a:schemeClr val="accent1">
+        <a:tint val="40000"/>
+      </a:schemeClr>
+    </dgm:fillClrLst>
+    <dgm:linClrLst meth="repeat">
+      <a:schemeClr val="accent1"/>
+    </dgm:linClrLst>
+    <dgm:effectClrLst/>
+    <dgm:txLinClrLst/>
+    <dgm:txFillClrLst meth="repeat">
+      <a:schemeClr val="dk1"/>
+    </dgm:txFillClrLst>
+    <dgm:txEffectClrLst/>
+  </dgm:styleLbl>
+  <dgm:styleLbl name="dkBgShp">
+    <dgm:fillClrLst meth="repeat">
+      <a:schemeClr val="accent1">
+        <a:shade val="80000"/>
+      </a:schemeClr>
+    </dgm:fillClrLst>
+    <dgm:linClrLst meth="repeat">
+      <a:schemeClr val="accent1"/>
+    </dgm:linClrLst>
+    <dgm:effectClrLst/>
+    <dgm:txLinClrLst/>
+    <dgm:txFillClrLst meth="repeat">
+      <a:schemeClr val="lt1"/>
+    </dgm:txFillClrLst>
+    <dgm:txEffectClrLst/>
+  </dgm:styleLbl>
+  <dgm:styleLbl name="trBgShp">
+    <dgm:fillClrLst meth="repeat">
+      <a:schemeClr val="accent1">
+        <a:tint val="50000"/>
+        <a:alpha val="40000"/>
+      </a:schemeClr>
+    </dgm:fillClrLst>
+    <dgm:linClrLst meth="repeat">
+      <a:schemeClr val="accent1"/>
+    </dgm:linClrLst>
+    <dgm:effectClrLst/>
+    <dgm:txLinClrLst/>
+    <dgm:txFillClrLst meth="repeat">
+      <a:schemeClr val="lt1"/>
+    </dgm:txFillClrLst>
+    <dgm:txEffectClrLst/>
+  </dgm:styleLbl>
+  <dgm:styleLbl name="fgShp">
+    <dgm:fillClrLst meth="repeat">
+      <a:schemeClr val="accent1">
+        <a:tint val="60000"/>
+      </a:schemeClr>
+    </dgm:fillClrLst>
+    <dgm:linClrLst meth="repeat">
+      <a:schemeClr val="lt1"/>
+    </dgm:linClrLst>
+    <dgm:effectClrLst/>
+    <dgm:txLinClrLst/>
+    <dgm:txFillClrLst meth="repeat">
+      <a:schemeClr val="dk1"/>
+    </dgm:txFillClrLst>
+    <dgm:txEffectClrLst/>
+  </dgm:styleLbl>
+  <dgm:styleLbl name="revTx">
+    <dgm:fillClrLst meth="repeat">
+      <a:schemeClr val="lt1">
+        <a:alpha val="0"/>
+      </a:schemeClr>
+    </dgm:fillClrLst>
+    <dgm:linClrLst meth="repeat">
+      <a:schemeClr val="dk1">
+        <a:alpha val="0"/>
+      </a:schemeClr>
+    </dgm:linClrLst>
+    <dgm:effectClrLst/>
+    <dgm:txLinClrLst/>
+    <dgm:txFillClrLst meth="repeat">
+      <a:schemeClr val="tx1"/>
+    </dgm:txFillClrLst>
+    <dgm:txEffectClrLst/>
+  </dgm:styleLbl>
+</dgm:colorsDef>
+</file>
+
+<file path=ppt/diagrams/data1.xml><?xml version="1.0" encoding="utf-8"?>
+<dgm:dataModel xmlns:dgm="http://schemas.openxmlformats.org/drawingml/2006/diagram" xmlns:a="http://schemas.openxmlformats.org/drawingml/2006/main">
+  <dgm:ptLst>
+    <dgm:pt modelId="{48D67309-796F-7948-8313-B56592027800}" type="doc">
+      <dgm:prSet loTypeId="urn:microsoft.com/office/officeart/2005/8/layout/radial3" loCatId="" qsTypeId="urn:microsoft.com/office/officeart/2005/8/quickstyle/simple1" qsCatId="simple" csTypeId="urn:microsoft.com/office/officeart/2005/8/colors/accent1_2" csCatId="accent1" phldr="1"/>
+      <dgm:spPr/>
+      <dgm:t>
+        <a:bodyPr/>
+        <a:lstStyle/>
+        <a:p>
+          <a:endParaRPr kumimoji="1" lang="ja-JP" altLang="en-US"/>
+        </a:p>
+      </dgm:t>
+    </dgm:pt>
+    <dgm:pt modelId="{40624721-0030-7B49-9776-5E775818DC0A}">
+      <dgm:prSet phldrT="[テキスト]" custT="1"/>
+      <dgm:spPr/>
+      <dgm:t>
+        <a:bodyPr/>
+        <a:lstStyle/>
+        <a:p>
+          <a:r>
+            <a:rPr lang="ja-JP" altLang="en-US" sz="2000" b="1"/>
+            <a:t>妄想の負のスパイラル</a:t>
+          </a:r>
+          <a:endParaRPr kumimoji="1" lang="ja-JP" altLang="en-US" sz="2000" b="1"/>
+        </a:p>
+      </dgm:t>
+    </dgm:pt>
+    <dgm:pt modelId="{12528435-93B1-2343-B347-840401A0EE13}" type="parTrans" cxnId="{03627451-AD82-6545-8B9D-B4B8F787C635}">
+      <dgm:prSet/>
+      <dgm:spPr/>
+      <dgm:t>
+        <a:bodyPr/>
+        <a:lstStyle/>
+        <a:p>
+          <a:endParaRPr kumimoji="1" lang="ja-JP" altLang="en-US" sz="1600" b="1"/>
+        </a:p>
+      </dgm:t>
+    </dgm:pt>
+    <dgm:pt modelId="{D30DBD55-A4BB-EC49-AE97-A39060C4B672}" type="sibTrans" cxnId="{03627451-AD82-6545-8B9D-B4B8F787C635}">
+      <dgm:prSet/>
+      <dgm:spPr/>
+      <dgm:t>
+        <a:bodyPr/>
+        <a:lstStyle/>
+        <a:p>
+          <a:endParaRPr kumimoji="1" lang="ja-JP" altLang="en-US" sz="1600" b="1"/>
+        </a:p>
+      </dgm:t>
+    </dgm:pt>
+    <dgm:pt modelId="{BD0B410F-4597-7C4C-A293-A4ED3D0D5717}">
+      <dgm:prSet phldrT="[テキスト]" custT="1"/>
+      <dgm:spPr/>
+      <dgm:t>
+        <a:bodyPr/>
+        <a:lstStyle/>
+        <a:p>
+          <a:r>
+            <a:rPr lang="ja-JP" altLang="en-US" sz="1200" b="1"/>
+            <a:t>一時的に承認欲求が満たされる</a:t>
+          </a:r>
+          <a:endParaRPr kumimoji="1" lang="ja-JP" altLang="en-US" sz="1200" b="1"/>
+        </a:p>
+      </dgm:t>
+    </dgm:pt>
+    <dgm:pt modelId="{B1FA00B9-1E4A-AF46-87AF-F0C68765D742}" type="parTrans" cxnId="{CFBCA418-DC6F-224C-A074-A94DFB337D56}">
+      <dgm:prSet/>
+      <dgm:spPr/>
+      <dgm:t>
+        <a:bodyPr/>
+        <a:lstStyle/>
+        <a:p>
+          <a:endParaRPr kumimoji="1" lang="ja-JP" altLang="en-US" sz="1600" b="1"/>
+        </a:p>
+      </dgm:t>
+    </dgm:pt>
+    <dgm:pt modelId="{39F33945-A124-6049-A3D1-3DF602D44D54}" type="sibTrans" cxnId="{CFBCA418-DC6F-224C-A074-A94DFB337D56}">
+      <dgm:prSet/>
+      <dgm:spPr/>
+      <dgm:t>
+        <a:bodyPr/>
+        <a:lstStyle/>
+        <a:p>
+          <a:endParaRPr kumimoji="1" lang="ja-JP" altLang="en-US" sz="1600" b="1"/>
+        </a:p>
+      </dgm:t>
+    </dgm:pt>
+    <dgm:pt modelId="{9921D39B-5332-0A4B-BEF3-1A35A76806C6}">
+      <dgm:prSet phldrT="[テキスト]" custT="1"/>
+      <dgm:spPr/>
+      <dgm:t>
+        <a:bodyPr/>
+        <a:lstStyle/>
+        <a:p>
+          <a:r>
+            <a:rPr lang="ja-JP" altLang="en-US" sz="1200" b="1"/>
+            <a:t>現実との乖離がますます広がる</a:t>
+          </a:r>
+          <a:endParaRPr kumimoji="1" lang="ja-JP" altLang="en-US" sz="1200" b="1"/>
+        </a:p>
+      </dgm:t>
+    </dgm:pt>
+    <dgm:pt modelId="{D7CA4540-504E-894F-BC7E-D5D3FACE20F6}" type="parTrans" cxnId="{886C8ADD-E42A-1E43-808F-32F9CE1BDD36}">
+      <dgm:prSet/>
+      <dgm:spPr/>
+      <dgm:t>
+        <a:bodyPr/>
+        <a:lstStyle/>
+        <a:p>
+          <a:endParaRPr kumimoji="1" lang="ja-JP" altLang="en-US" sz="1600" b="1"/>
+        </a:p>
+      </dgm:t>
+    </dgm:pt>
+    <dgm:pt modelId="{00090DD0-3AFE-A94F-A25E-4F9EC137AF1A}" type="sibTrans" cxnId="{886C8ADD-E42A-1E43-808F-32F9CE1BDD36}">
+      <dgm:prSet/>
+      <dgm:spPr/>
+      <dgm:t>
+        <a:bodyPr/>
+        <a:lstStyle/>
+        <a:p>
+          <a:endParaRPr kumimoji="1" lang="ja-JP" altLang="en-US" sz="1600" b="1"/>
+        </a:p>
+      </dgm:t>
+    </dgm:pt>
+    <dgm:pt modelId="{107DE2A6-1E5D-434C-9C0B-0B0CEDCF20F0}">
+      <dgm:prSet phldrT="[テキスト]" custT="1"/>
+      <dgm:spPr/>
+      <dgm:t>
+        <a:bodyPr/>
+        <a:lstStyle/>
+        <a:p>
+          <a:r>
+            <a:rPr lang="ja-JP" altLang="en-US" sz="1200" b="1"/>
+            <a:t>現実への不満が強まる</a:t>
+          </a:r>
+          <a:endParaRPr kumimoji="1" lang="ja-JP" altLang="en-US" sz="1200" b="1"/>
+        </a:p>
+      </dgm:t>
+    </dgm:pt>
+    <dgm:pt modelId="{0A366266-1ACA-B148-B11D-DFDE0F3FF073}" type="parTrans" cxnId="{712A99EA-1F09-DC46-B237-827DE27B57FE}">
+      <dgm:prSet/>
+      <dgm:spPr/>
+      <dgm:t>
+        <a:bodyPr/>
+        <a:lstStyle/>
+        <a:p>
+          <a:endParaRPr kumimoji="1" lang="ja-JP" altLang="en-US" sz="1600" b="1"/>
+        </a:p>
+      </dgm:t>
+    </dgm:pt>
+    <dgm:pt modelId="{43282E38-111C-EB4A-99A6-7FE6D1EBAA8D}" type="sibTrans" cxnId="{712A99EA-1F09-DC46-B237-827DE27B57FE}">
+      <dgm:prSet/>
+      <dgm:spPr/>
+      <dgm:t>
+        <a:bodyPr/>
+        <a:lstStyle/>
+        <a:p>
+          <a:endParaRPr kumimoji="1" lang="ja-JP" altLang="en-US" sz="1600" b="1"/>
+        </a:p>
+      </dgm:t>
+    </dgm:pt>
+    <dgm:pt modelId="{B1BA2A07-6EFA-0C48-A411-0481F7FE1A60}">
+      <dgm:prSet phldrT="[テキスト]" custT="1"/>
+      <dgm:spPr/>
+      <dgm:t>
+        <a:bodyPr/>
+        <a:lstStyle/>
+        <a:p>
+          <a:r>
+            <a:rPr lang="ja-JP" altLang="en-US" sz="1200" b="1"/>
+            <a:t>架空の承認を多数得る</a:t>
+          </a:r>
+          <a:endParaRPr kumimoji="1" lang="ja-JP" altLang="en-US" sz="1200" b="1"/>
+        </a:p>
+      </dgm:t>
+    </dgm:pt>
+    <dgm:pt modelId="{3966D4AE-FDCF-CB4A-8F89-FB0A5FAF1667}" type="parTrans" cxnId="{0CED8ED9-10AB-CD43-8FEB-45FF04C9EF07}">
+      <dgm:prSet/>
+      <dgm:spPr/>
+      <dgm:t>
+        <a:bodyPr/>
+        <a:lstStyle/>
+        <a:p>
+          <a:endParaRPr kumimoji="1" lang="ja-JP" altLang="en-US" sz="1600" b="1"/>
+        </a:p>
+      </dgm:t>
+    </dgm:pt>
+    <dgm:pt modelId="{498C0A02-82DB-8A40-A142-1894055868FF}" type="sibTrans" cxnId="{0CED8ED9-10AB-CD43-8FEB-45FF04C9EF07}">
+      <dgm:prSet/>
+      <dgm:spPr/>
+      <dgm:t>
+        <a:bodyPr/>
+        <a:lstStyle/>
+        <a:p>
+          <a:endParaRPr kumimoji="1" lang="ja-JP" altLang="en-US" sz="1600" b="1"/>
+        </a:p>
+      </dgm:t>
+    </dgm:pt>
+    <dgm:pt modelId="{CEA69825-6F7E-ED45-A36F-2259EBD74A8F}" type="pres">
+      <dgm:prSet presAssocID="{48D67309-796F-7948-8313-B56592027800}" presName="composite" presStyleCnt="0">
+        <dgm:presLayoutVars>
+          <dgm:chMax val="1"/>
+          <dgm:dir/>
+          <dgm:resizeHandles val="exact"/>
+        </dgm:presLayoutVars>
+      </dgm:prSet>
+      <dgm:spPr/>
+    </dgm:pt>
+    <dgm:pt modelId="{8AA7C7FD-578F-4748-AD5F-3DE31210A332}" type="pres">
+      <dgm:prSet presAssocID="{48D67309-796F-7948-8313-B56592027800}" presName="radial" presStyleCnt="0">
+        <dgm:presLayoutVars>
+          <dgm:animLvl val="ctr"/>
+        </dgm:presLayoutVars>
+      </dgm:prSet>
+      <dgm:spPr/>
+    </dgm:pt>
+    <dgm:pt modelId="{64D1392F-5E11-D54D-9955-37560F7FF0F8}" type="pres">
+      <dgm:prSet presAssocID="{40624721-0030-7B49-9776-5E775818DC0A}" presName="centerShape" presStyleLbl="vennNode1" presStyleIdx="0" presStyleCnt="5"/>
+      <dgm:spPr/>
+    </dgm:pt>
+    <dgm:pt modelId="{C1F3AB9B-9C80-A341-B5C3-C99D67EFA0B8}" type="pres">
+      <dgm:prSet presAssocID="{B1BA2A07-6EFA-0C48-A411-0481F7FE1A60}" presName="node" presStyleLbl="vennNode1" presStyleIdx="1" presStyleCnt="5">
+        <dgm:presLayoutVars>
+          <dgm:bulletEnabled val="1"/>
+        </dgm:presLayoutVars>
+      </dgm:prSet>
+      <dgm:spPr/>
+    </dgm:pt>
+    <dgm:pt modelId="{F086BCCB-AC87-0A47-9E62-FAC98F12D6C2}" type="pres">
+      <dgm:prSet presAssocID="{BD0B410F-4597-7C4C-A293-A4ED3D0D5717}" presName="node" presStyleLbl="vennNode1" presStyleIdx="2" presStyleCnt="5">
+        <dgm:presLayoutVars>
+          <dgm:bulletEnabled val="1"/>
+        </dgm:presLayoutVars>
+      </dgm:prSet>
+      <dgm:spPr/>
+    </dgm:pt>
+    <dgm:pt modelId="{FFF77012-B89A-0F4E-BDC8-0EB1994EA887}" type="pres">
+      <dgm:prSet presAssocID="{9921D39B-5332-0A4B-BEF3-1A35A76806C6}" presName="node" presStyleLbl="vennNode1" presStyleIdx="3" presStyleCnt="5">
+        <dgm:presLayoutVars>
+          <dgm:bulletEnabled val="1"/>
+        </dgm:presLayoutVars>
+      </dgm:prSet>
+      <dgm:spPr/>
+    </dgm:pt>
+    <dgm:pt modelId="{55F3E454-2113-9449-9FB3-7DEFFB424817}" type="pres">
+      <dgm:prSet presAssocID="{107DE2A6-1E5D-434C-9C0B-0B0CEDCF20F0}" presName="node" presStyleLbl="vennNode1" presStyleIdx="4" presStyleCnt="5">
+        <dgm:presLayoutVars>
+          <dgm:bulletEnabled val="1"/>
+        </dgm:presLayoutVars>
+      </dgm:prSet>
+      <dgm:spPr/>
+    </dgm:pt>
+  </dgm:ptLst>
+  <dgm:cxnLst>
+    <dgm:cxn modelId="{CFBCA418-DC6F-224C-A074-A94DFB337D56}" srcId="{40624721-0030-7B49-9776-5E775818DC0A}" destId="{BD0B410F-4597-7C4C-A293-A4ED3D0D5717}" srcOrd="1" destOrd="0" parTransId="{B1FA00B9-1E4A-AF46-87AF-F0C68765D742}" sibTransId="{39F33945-A124-6049-A3D1-3DF602D44D54}"/>
+    <dgm:cxn modelId="{30D9C321-F3E0-E141-A870-4CD564E7D742}" type="presOf" srcId="{9921D39B-5332-0A4B-BEF3-1A35A76806C6}" destId="{FFF77012-B89A-0F4E-BDC8-0EB1994EA887}" srcOrd="0" destOrd="0" presId="urn:microsoft.com/office/officeart/2005/8/layout/radial3"/>
+    <dgm:cxn modelId="{27102725-7001-384C-9988-8342A5B1876A}" type="presOf" srcId="{B1BA2A07-6EFA-0C48-A411-0481F7FE1A60}" destId="{C1F3AB9B-9C80-A341-B5C3-C99D67EFA0B8}" srcOrd="0" destOrd="0" presId="urn:microsoft.com/office/officeart/2005/8/layout/radial3"/>
+    <dgm:cxn modelId="{0A2F5C40-CDCA-1645-87C7-126579B28EFB}" type="presOf" srcId="{107DE2A6-1E5D-434C-9C0B-0B0CEDCF20F0}" destId="{55F3E454-2113-9449-9FB3-7DEFFB424817}" srcOrd="0" destOrd="0" presId="urn:microsoft.com/office/officeart/2005/8/layout/radial3"/>
+    <dgm:cxn modelId="{03627451-AD82-6545-8B9D-B4B8F787C635}" srcId="{48D67309-796F-7948-8313-B56592027800}" destId="{40624721-0030-7B49-9776-5E775818DC0A}" srcOrd="0" destOrd="0" parTransId="{12528435-93B1-2343-B347-840401A0EE13}" sibTransId="{D30DBD55-A4BB-EC49-AE97-A39060C4B672}"/>
+    <dgm:cxn modelId="{0990D568-085C-8B40-9D47-EBD0793132A2}" type="presOf" srcId="{40624721-0030-7B49-9776-5E775818DC0A}" destId="{64D1392F-5E11-D54D-9955-37560F7FF0F8}" srcOrd="0" destOrd="0" presId="urn:microsoft.com/office/officeart/2005/8/layout/radial3"/>
+    <dgm:cxn modelId="{0CED8ED9-10AB-CD43-8FEB-45FF04C9EF07}" srcId="{40624721-0030-7B49-9776-5E775818DC0A}" destId="{B1BA2A07-6EFA-0C48-A411-0481F7FE1A60}" srcOrd="0" destOrd="0" parTransId="{3966D4AE-FDCF-CB4A-8F89-FB0A5FAF1667}" sibTransId="{498C0A02-82DB-8A40-A142-1894055868FF}"/>
+    <dgm:cxn modelId="{886C8ADD-E42A-1E43-808F-32F9CE1BDD36}" srcId="{40624721-0030-7B49-9776-5E775818DC0A}" destId="{9921D39B-5332-0A4B-BEF3-1A35A76806C6}" srcOrd="2" destOrd="0" parTransId="{D7CA4540-504E-894F-BC7E-D5D3FACE20F6}" sibTransId="{00090DD0-3AFE-A94F-A25E-4F9EC137AF1A}"/>
+    <dgm:cxn modelId="{712A99EA-1F09-DC46-B237-827DE27B57FE}" srcId="{40624721-0030-7B49-9776-5E775818DC0A}" destId="{107DE2A6-1E5D-434C-9C0B-0B0CEDCF20F0}" srcOrd="3" destOrd="0" parTransId="{0A366266-1ACA-B148-B11D-DFDE0F3FF073}" sibTransId="{43282E38-111C-EB4A-99A6-7FE6D1EBAA8D}"/>
+    <dgm:cxn modelId="{0DBC4CFB-C46E-F348-AC3F-E60CD377905C}" type="presOf" srcId="{48D67309-796F-7948-8313-B56592027800}" destId="{CEA69825-6F7E-ED45-A36F-2259EBD74A8F}" srcOrd="0" destOrd="0" presId="urn:microsoft.com/office/officeart/2005/8/layout/radial3"/>
+    <dgm:cxn modelId="{4C18CDFC-6A8E-504E-BEC1-F529ECD871D4}" type="presOf" srcId="{BD0B410F-4597-7C4C-A293-A4ED3D0D5717}" destId="{F086BCCB-AC87-0A47-9E62-FAC98F12D6C2}" srcOrd="0" destOrd="0" presId="urn:microsoft.com/office/officeart/2005/8/layout/radial3"/>
+    <dgm:cxn modelId="{14A4F592-285C-6F4E-8BCD-606901DDD31A}" type="presParOf" srcId="{CEA69825-6F7E-ED45-A36F-2259EBD74A8F}" destId="{8AA7C7FD-578F-4748-AD5F-3DE31210A332}" srcOrd="0" destOrd="0" presId="urn:microsoft.com/office/officeart/2005/8/layout/radial3"/>
+    <dgm:cxn modelId="{0579E13C-00FD-354B-B1C6-FA55C488B210}" type="presParOf" srcId="{8AA7C7FD-578F-4748-AD5F-3DE31210A332}" destId="{64D1392F-5E11-D54D-9955-37560F7FF0F8}" srcOrd="0" destOrd="0" presId="urn:microsoft.com/office/officeart/2005/8/layout/radial3"/>
+    <dgm:cxn modelId="{A817E431-211C-B148-A6C8-62C2E08ED2DA}" type="presParOf" srcId="{8AA7C7FD-578F-4748-AD5F-3DE31210A332}" destId="{C1F3AB9B-9C80-A341-B5C3-C99D67EFA0B8}" srcOrd="1" destOrd="0" presId="urn:microsoft.com/office/officeart/2005/8/layout/radial3"/>
+    <dgm:cxn modelId="{94C30D93-3FB9-1846-A7F8-F8F2FD152988}" type="presParOf" srcId="{8AA7C7FD-578F-4748-AD5F-3DE31210A332}" destId="{F086BCCB-AC87-0A47-9E62-FAC98F12D6C2}" srcOrd="2" destOrd="0" presId="urn:microsoft.com/office/officeart/2005/8/layout/radial3"/>
+    <dgm:cxn modelId="{D5C49CB6-AC82-5F4C-9487-F2CF0D801CB2}" type="presParOf" srcId="{8AA7C7FD-578F-4748-AD5F-3DE31210A332}" destId="{FFF77012-B89A-0F4E-BDC8-0EB1994EA887}" srcOrd="3" destOrd="0" presId="urn:microsoft.com/office/officeart/2005/8/layout/radial3"/>
+    <dgm:cxn modelId="{F75FD8C0-C699-5F46-8806-2FA125055811}" type="presParOf" srcId="{8AA7C7FD-578F-4748-AD5F-3DE31210A332}" destId="{55F3E454-2113-9449-9FB3-7DEFFB424817}" srcOrd="4" destOrd="0" presId="urn:microsoft.com/office/officeart/2005/8/layout/radial3"/>
+  </dgm:cxnLst>
+  <dgm:bg/>
+  <dgm:whole/>
+  <dgm:extLst>
+    <a:ext uri="http://schemas.microsoft.com/office/drawing/2008/diagram">
+      <dsp:dataModelExt xmlns:dsp="http://schemas.microsoft.com/office/drawing/2008/diagram" relId="rId6" minVer="http://schemas.openxmlformats.org/drawingml/2006/diagram"/>
+    </a:ext>
+  </dgm:extLst>
+</dgm:dataModel>
+</file>
+
+<file path=ppt/diagrams/drawing1.xml><?xml version="1.0" encoding="utf-8"?>
+<dsp:drawing xmlns:dgm="http://schemas.openxmlformats.org/drawingml/2006/diagram" xmlns:dsp="http://schemas.microsoft.com/office/drawing/2008/diagram" xmlns:a="http://schemas.openxmlformats.org/drawingml/2006/main">
+  <dsp:spTree>
+    <dsp:nvGrpSpPr>
+      <dsp:cNvPr id="0" name=""/>
+      <dsp:cNvGrpSpPr/>
+    </dsp:nvGrpSpPr>
+    <dsp:grpSpPr/>
+    <dsp:sp modelId="{64D1392F-5E11-D54D-9955-37560F7FF0F8}">
+      <dsp:nvSpPr>
+        <dsp:cNvPr id="0" name=""/>
+        <dsp:cNvSpPr/>
+      </dsp:nvSpPr>
+      <dsp:spPr>
+        <a:xfrm>
+          <a:off x="1852844" y="872827"/>
+          <a:ext cx="2174412" cy="2174412"/>
+        </a:xfrm>
+        <a:prstGeom prst="ellipse">
+          <a:avLst/>
+        </a:prstGeom>
+        <a:solidFill>
+          <a:schemeClr val="accent1">
+            <a:alpha val="50000"/>
+            <a:hueOff val="0"/>
+            <a:satOff val="0"/>
+            <a:lumOff val="0"/>
+            <a:alphaOff val="0"/>
+          </a:schemeClr>
+        </a:solidFill>
+        <a:ln w="12700" cap="flat" cmpd="sng" algn="ctr">
+          <a:solidFill>
+            <a:schemeClr val="lt1">
+              <a:hueOff val="0"/>
+              <a:satOff val="0"/>
+              <a:lumOff val="0"/>
+              <a:alphaOff val="0"/>
+            </a:schemeClr>
+          </a:solidFill>
+          <a:prstDash val="solid"/>
+          <a:miter lim="800000"/>
+        </a:ln>
+        <a:effectLst/>
+      </dsp:spPr>
+      <dsp:style>
+        <a:lnRef idx="2">
+          <a:scrgbClr r="0" g="0" b="0"/>
+        </a:lnRef>
+        <a:fillRef idx="1">
+          <a:scrgbClr r="0" g="0" b="0"/>
+        </a:fillRef>
+        <a:effectRef idx="0">
+          <a:scrgbClr r="0" g="0" b="0"/>
+        </a:effectRef>
+        <a:fontRef idx="minor">
+          <a:schemeClr val="tx1"/>
+        </a:fontRef>
+      </dsp:style>
+      <dsp:txBody>
+        <a:bodyPr spcFirstLastPara="0" vert="horz" wrap="square" lIns="25400" tIns="25400" rIns="25400" bIns="25400" numCol="1" spcCol="1270" anchor="ctr" anchorCtr="0">
+          <a:noAutofit/>
+        </a:bodyPr>
+        <a:lstStyle/>
+        <a:p>
+          <a:pPr marL="0" lvl="0" indent="0" algn="ctr" defTabSz="889000">
+            <a:lnSpc>
+              <a:spcPct val="90000"/>
+            </a:lnSpc>
+            <a:spcBef>
+              <a:spcPct val="0"/>
+            </a:spcBef>
+            <a:spcAft>
+              <a:spcPct val="35000"/>
+            </a:spcAft>
+            <a:buNone/>
+          </a:pPr>
+          <a:r>
+            <a:rPr lang="ja-JP" altLang="en-US" sz="2000" b="1" kern="1200"/>
+            <a:t>妄想の負のスパイラル</a:t>
+          </a:r>
+          <a:endParaRPr kumimoji="1" lang="ja-JP" altLang="en-US" sz="2000" b="1" kern="1200"/>
+        </a:p>
+      </dsp:txBody>
+      <dsp:txXfrm>
+        <a:off x="2171279" y="1191262"/>
+        <a:ext cx="1537542" cy="1537542"/>
+      </dsp:txXfrm>
+    </dsp:sp>
+    <dsp:sp modelId="{C1F3AB9B-9C80-A341-B5C3-C99D67EFA0B8}">
+      <dsp:nvSpPr>
+        <dsp:cNvPr id="0" name=""/>
+        <dsp:cNvSpPr/>
+      </dsp:nvSpPr>
+      <dsp:spPr>
+        <a:xfrm>
+          <a:off x="2396447" y="388"/>
+          <a:ext cx="1087206" cy="1087206"/>
+        </a:xfrm>
+        <a:prstGeom prst="ellipse">
+          <a:avLst/>
+        </a:prstGeom>
+        <a:solidFill>
+          <a:schemeClr val="accent1">
+            <a:alpha val="50000"/>
+            <a:hueOff val="0"/>
+            <a:satOff val="0"/>
+            <a:lumOff val="0"/>
+            <a:alphaOff val="0"/>
+          </a:schemeClr>
+        </a:solidFill>
+        <a:ln w="12700" cap="flat" cmpd="sng" algn="ctr">
+          <a:solidFill>
+            <a:schemeClr val="lt1">
+              <a:hueOff val="0"/>
+              <a:satOff val="0"/>
+              <a:lumOff val="0"/>
+              <a:alphaOff val="0"/>
+            </a:schemeClr>
+          </a:solidFill>
+          <a:prstDash val="solid"/>
+          <a:miter lim="800000"/>
+        </a:ln>
+        <a:effectLst/>
+      </dsp:spPr>
+      <dsp:style>
+        <a:lnRef idx="2">
+          <a:scrgbClr r="0" g="0" b="0"/>
+        </a:lnRef>
+        <a:fillRef idx="1">
+          <a:scrgbClr r="0" g="0" b="0"/>
+        </a:fillRef>
+        <a:effectRef idx="0">
+          <a:scrgbClr r="0" g="0" b="0"/>
+        </a:effectRef>
+        <a:fontRef idx="minor">
+          <a:schemeClr val="tx1"/>
+        </a:fontRef>
+      </dsp:style>
+      <dsp:txBody>
+        <a:bodyPr spcFirstLastPara="0" vert="horz" wrap="square" lIns="15240" tIns="15240" rIns="15240" bIns="15240" numCol="1" spcCol="1270" anchor="ctr" anchorCtr="0">
+          <a:noAutofit/>
+        </a:bodyPr>
+        <a:lstStyle/>
+        <a:p>
+          <a:pPr marL="0" lvl="0" indent="0" algn="ctr" defTabSz="533400">
+            <a:lnSpc>
+              <a:spcPct val="90000"/>
+            </a:lnSpc>
+            <a:spcBef>
+              <a:spcPct val="0"/>
+            </a:spcBef>
+            <a:spcAft>
+              <a:spcPct val="35000"/>
+            </a:spcAft>
+            <a:buNone/>
+          </a:pPr>
+          <a:r>
+            <a:rPr lang="ja-JP" altLang="en-US" sz="1200" b="1" kern="1200"/>
+            <a:t>架空の承認を多数得る</a:t>
+          </a:r>
+          <a:endParaRPr kumimoji="1" lang="ja-JP" altLang="en-US" sz="1200" b="1" kern="1200"/>
+        </a:p>
+      </dsp:txBody>
+      <dsp:txXfrm>
+        <a:off x="2555665" y="159606"/>
+        <a:ext cx="768770" cy="768770"/>
+      </dsp:txXfrm>
+    </dsp:sp>
+    <dsp:sp modelId="{F086BCCB-AC87-0A47-9E62-FAC98F12D6C2}">
+      <dsp:nvSpPr>
+        <dsp:cNvPr id="0" name=""/>
+        <dsp:cNvSpPr/>
+      </dsp:nvSpPr>
+      <dsp:spPr>
+        <a:xfrm>
+          <a:off x="3812489" y="1416430"/>
+          <a:ext cx="1087206" cy="1087206"/>
+        </a:xfrm>
+        <a:prstGeom prst="ellipse">
+          <a:avLst/>
+        </a:prstGeom>
+        <a:solidFill>
+          <a:schemeClr val="accent1">
+            <a:alpha val="50000"/>
+            <a:hueOff val="0"/>
+            <a:satOff val="0"/>
+            <a:lumOff val="0"/>
+            <a:alphaOff val="0"/>
+          </a:schemeClr>
+        </a:solidFill>
+        <a:ln w="12700" cap="flat" cmpd="sng" algn="ctr">
+          <a:solidFill>
+            <a:schemeClr val="lt1">
+              <a:hueOff val="0"/>
+              <a:satOff val="0"/>
+              <a:lumOff val="0"/>
+              <a:alphaOff val="0"/>
+            </a:schemeClr>
+          </a:solidFill>
+          <a:prstDash val="solid"/>
+          <a:miter lim="800000"/>
+        </a:ln>
+        <a:effectLst/>
+      </dsp:spPr>
+      <dsp:style>
+        <a:lnRef idx="2">
+          <a:scrgbClr r="0" g="0" b="0"/>
+        </a:lnRef>
+        <a:fillRef idx="1">
+          <a:scrgbClr r="0" g="0" b="0"/>
+        </a:fillRef>
+        <a:effectRef idx="0">
+          <a:scrgbClr r="0" g="0" b="0"/>
+        </a:effectRef>
+        <a:fontRef idx="minor">
+          <a:schemeClr val="tx1"/>
+        </a:fontRef>
+      </dsp:style>
+      <dsp:txBody>
+        <a:bodyPr spcFirstLastPara="0" vert="horz" wrap="square" lIns="15240" tIns="15240" rIns="15240" bIns="15240" numCol="1" spcCol="1270" anchor="ctr" anchorCtr="0">
+          <a:noAutofit/>
+        </a:bodyPr>
+        <a:lstStyle/>
+        <a:p>
+          <a:pPr marL="0" lvl="0" indent="0" algn="ctr" defTabSz="533400">
+            <a:lnSpc>
+              <a:spcPct val="90000"/>
+            </a:lnSpc>
+            <a:spcBef>
+              <a:spcPct val="0"/>
+            </a:spcBef>
+            <a:spcAft>
+              <a:spcPct val="35000"/>
+            </a:spcAft>
+            <a:buNone/>
+          </a:pPr>
+          <a:r>
+            <a:rPr lang="ja-JP" altLang="en-US" sz="1200" b="1" kern="1200"/>
+            <a:t>一時的に承認欲求が満たされる</a:t>
+          </a:r>
+          <a:endParaRPr kumimoji="1" lang="ja-JP" altLang="en-US" sz="1200" b="1" kern="1200"/>
+        </a:p>
+      </dsp:txBody>
+      <dsp:txXfrm>
+        <a:off x="3971707" y="1575648"/>
+        <a:ext cx="768770" cy="768770"/>
+      </dsp:txXfrm>
+    </dsp:sp>
+    <dsp:sp modelId="{FFF77012-B89A-0F4E-BDC8-0EB1994EA887}">
+      <dsp:nvSpPr>
+        <dsp:cNvPr id="0" name=""/>
+        <dsp:cNvSpPr/>
+      </dsp:nvSpPr>
+      <dsp:spPr>
+        <a:xfrm>
+          <a:off x="2396447" y="2832472"/>
+          <a:ext cx="1087206" cy="1087206"/>
+        </a:xfrm>
+        <a:prstGeom prst="ellipse">
+          <a:avLst/>
+        </a:prstGeom>
+        <a:solidFill>
+          <a:schemeClr val="accent1">
+            <a:alpha val="50000"/>
+            <a:hueOff val="0"/>
+            <a:satOff val="0"/>
+            <a:lumOff val="0"/>
+            <a:alphaOff val="0"/>
+          </a:schemeClr>
+        </a:solidFill>
+        <a:ln w="12700" cap="flat" cmpd="sng" algn="ctr">
+          <a:solidFill>
+            <a:schemeClr val="lt1">
+              <a:hueOff val="0"/>
+              <a:satOff val="0"/>
+              <a:lumOff val="0"/>
+              <a:alphaOff val="0"/>
+            </a:schemeClr>
+          </a:solidFill>
+          <a:prstDash val="solid"/>
+          <a:miter lim="800000"/>
+        </a:ln>
+        <a:effectLst/>
+      </dsp:spPr>
+      <dsp:style>
+        <a:lnRef idx="2">
+          <a:scrgbClr r="0" g="0" b="0"/>
+        </a:lnRef>
+        <a:fillRef idx="1">
+          <a:scrgbClr r="0" g="0" b="0"/>
+        </a:fillRef>
+        <a:effectRef idx="0">
+          <a:scrgbClr r="0" g="0" b="0"/>
+        </a:effectRef>
+        <a:fontRef idx="minor">
+          <a:schemeClr val="tx1"/>
+        </a:fontRef>
+      </dsp:style>
+      <dsp:txBody>
+        <a:bodyPr spcFirstLastPara="0" vert="horz" wrap="square" lIns="15240" tIns="15240" rIns="15240" bIns="15240" numCol="1" spcCol="1270" anchor="ctr" anchorCtr="0">
+          <a:noAutofit/>
+        </a:bodyPr>
+        <a:lstStyle/>
+        <a:p>
+          <a:pPr marL="0" lvl="0" indent="0" algn="ctr" defTabSz="533400">
+            <a:lnSpc>
+              <a:spcPct val="90000"/>
+            </a:lnSpc>
+            <a:spcBef>
+              <a:spcPct val="0"/>
+            </a:spcBef>
+            <a:spcAft>
+              <a:spcPct val="35000"/>
+            </a:spcAft>
+            <a:buNone/>
+          </a:pPr>
+          <a:r>
+            <a:rPr lang="ja-JP" altLang="en-US" sz="1200" b="1" kern="1200"/>
+            <a:t>現実との乖離がますます広がる</a:t>
+          </a:r>
+          <a:endParaRPr kumimoji="1" lang="ja-JP" altLang="en-US" sz="1200" b="1" kern="1200"/>
+        </a:p>
+      </dsp:txBody>
+      <dsp:txXfrm>
+        <a:off x="2555665" y="2991690"/>
+        <a:ext cx="768770" cy="768770"/>
+      </dsp:txXfrm>
+    </dsp:sp>
+    <dsp:sp modelId="{55F3E454-2113-9449-9FB3-7DEFFB424817}">
+      <dsp:nvSpPr>
+        <dsp:cNvPr id="0" name=""/>
+        <dsp:cNvSpPr/>
+      </dsp:nvSpPr>
+      <dsp:spPr>
+        <a:xfrm>
+          <a:off x="980405" y="1416430"/>
+          <a:ext cx="1087206" cy="1087206"/>
+        </a:xfrm>
+        <a:prstGeom prst="ellipse">
+          <a:avLst/>
+        </a:prstGeom>
+        <a:solidFill>
+          <a:schemeClr val="accent1">
+            <a:alpha val="50000"/>
+            <a:hueOff val="0"/>
+            <a:satOff val="0"/>
+            <a:lumOff val="0"/>
+            <a:alphaOff val="0"/>
+          </a:schemeClr>
+        </a:solidFill>
+        <a:ln w="12700" cap="flat" cmpd="sng" algn="ctr">
+          <a:solidFill>
+            <a:schemeClr val="lt1">
+              <a:hueOff val="0"/>
+              <a:satOff val="0"/>
+              <a:lumOff val="0"/>
+              <a:alphaOff val="0"/>
+            </a:schemeClr>
+          </a:solidFill>
+          <a:prstDash val="solid"/>
+          <a:miter lim="800000"/>
+        </a:ln>
+        <a:effectLst/>
+      </dsp:spPr>
+      <dsp:style>
+        <a:lnRef idx="2">
+          <a:scrgbClr r="0" g="0" b="0"/>
+        </a:lnRef>
+        <a:fillRef idx="1">
+          <a:scrgbClr r="0" g="0" b="0"/>
+        </a:fillRef>
+        <a:effectRef idx="0">
+          <a:scrgbClr r="0" g="0" b="0"/>
+        </a:effectRef>
+        <a:fontRef idx="minor">
+          <a:schemeClr val="tx1"/>
+        </a:fontRef>
+      </dsp:style>
+      <dsp:txBody>
+        <a:bodyPr spcFirstLastPara="0" vert="horz" wrap="square" lIns="15240" tIns="15240" rIns="15240" bIns="15240" numCol="1" spcCol="1270" anchor="ctr" anchorCtr="0">
+          <a:noAutofit/>
+        </a:bodyPr>
+        <a:lstStyle/>
+        <a:p>
+          <a:pPr marL="0" lvl="0" indent="0" algn="ctr" defTabSz="533400">
+            <a:lnSpc>
+              <a:spcPct val="90000"/>
+            </a:lnSpc>
+            <a:spcBef>
+              <a:spcPct val="0"/>
+            </a:spcBef>
+            <a:spcAft>
+              <a:spcPct val="35000"/>
+            </a:spcAft>
+            <a:buNone/>
+          </a:pPr>
+          <a:r>
+            <a:rPr lang="ja-JP" altLang="en-US" sz="1200" b="1" kern="1200"/>
+            <a:t>現実への不満が強まる</a:t>
+          </a:r>
+          <a:endParaRPr kumimoji="1" lang="ja-JP" altLang="en-US" sz="1200" b="1" kern="1200"/>
+        </a:p>
+      </dsp:txBody>
+      <dsp:txXfrm>
+        <a:off x="1139623" y="1575648"/>
+        <a:ext cx="768770" cy="768770"/>
+      </dsp:txXfrm>
+    </dsp:sp>
+  </dsp:spTree>
+</dsp:drawing>
+</file>
+
+<file path=ppt/diagrams/layout1.xml><?xml version="1.0" encoding="utf-8"?>
+<dgm:layoutDef xmlns:dgm="http://schemas.openxmlformats.org/drawingml/2006/diagram" xmlns:a="http://schemas.openxmlformats.org/drawingml/2006/main" uniqueId="urn:microsoft.com/office/officeart/2005/8/layout/radial3">
+  <dgm:title val=""/>
+  <dgm:desc val=""/>
+  <dgm:catLst>
+    <dgm:cat type="relationship" pri="31000"/>
+    <dgm:cat type="cycle" pri="12000"/>
+  </dgm:catLst>
+  <dgm:sampData>
+    <dgm:dataModel>
+      <dgm:ptLst>
+        <dgm:pt modelId="0" type="doc"/>
+        <dgm:pt modelId="1">
+          <dgm:prSet phldr="1"/>
+        </dgm:pt>
+        <dgm:pt modelId="11">
+          <dgm:prSet phldr="1"/>
+        </dgm:pt>
+        <dgm:pt modelId="12">
+          <dgm:prSet phldr="1"/>
+        </dgm:pt>
+        <dgm:pt modelId="13">
+          <dgm:prSet phldr="1"/>
+        </dgm:pt>
+        <dgm:pt modelId="14">
+          <dgm:prSet phldr="1"/>
+        </dgm:pt>
+      </dgm:ptLst>
+      <dgm:cxnLst>
+        <dgm:cxn modelId="2" srcId="0" destId="1" srcOrd="0" destOrd="0"/>
+        <dgm:cxn modelId="3" srcId="1" destId="11" srcOrd="0" destOrd="0"/>
+        <dgm:cxn modelId="4" srcId="1" destId="12" srcOrd="1" destOrd="0"/>
+        <dgm:cxn modelId="5" srcId="1" destId="13" srcOrd="2" destOrd="0"/>
+        <dgm:cxn modelId="6" srcId="1" destId="14" srcOrd="3" destOrd="0"/>
+      </dgm:cxnLst>
+      <dgm:bg/>
+      <dgm:whole/>
+    </dgm:dataModel>
+  </dgm:sampData>
+  <dgm:styleData>
+    <dgm:dataModel>
+      <dgm:ptLst>
+        <dgm:pt modelId="0" type="doc"/>
+        <dgm:pt modelId="1"/>
+        <dgm:pt modelId="11"/>
+        <dgm:pt modelId="12"/>
+        <dgm:pt modelId="13"/>
+      </dgm:ptLst>
+      <dgm:cxnLst>
+        <dgm:cxn modelId="2" srcId="0" destId="1" srcOrd="0" destOrd="0"/>
+        <dgm:cxn modelId="15" srcId="1" destId="11" srcOrd="0" destOrd="0"/>
+        <dgm:cxn modelId="16" srcId="1" destId="12" srcOrd="1" destOrd="0"/>
+        <dgm:cxn modelId="17" srcId="1" destId="13" srcOrd="2" destOrd="0"/>
+      </dgm:cxnLst>
+      <dgm:bg/>
+      <dgm:whole/>
+    </dgm:dataModel>
+  </dgm:styleData>
+  <dgm:clrData>
+    <dgm:dataModel>
+      <dgm:ptLst>
+        <dgm:pt modelId="0" type="doc"/>
+        <dgm:pt modelId="1"/>
+        <dgm:pt modelId="11"/>
+        <dgm:pt modelId="12"/>
+        <dgm:pt modelId="13"/>
+        <dgm:pt modelId="14"/>
+        <dgm:pt modelId="15"/>
+        <dgm:pt modelId="16"/>
+      </dgm:ptLst>
+      <dgm:cxnLst>
+        <dgm:cxn modelId="2" srcId="0" destId="1" srcOrd="0" destOrd="0"/>
+        <dgm:cxn modelId="16" srcId="1" destId="11" srcOrd="0" destOrd="0"/>
+        <dgm:cxn modelId="17" srcId="1" destId="12" srcOrd="1" destOrd="0"/>
+        <dgm:cxn modelId="18" srcId="1" destId="13" srcOrd="2" destOrd="0"/>
+        <dgm:cxn modelId="19" srcId="1" destId="14" srcOrd="3" destOrd="0"/>
+        <dgm:cxn modelId="20" srcId="1" destId="15" srcOrd="4" destOrd="0"/>
+        <dgm:cxn modelId="21" srcId="1" destId="16" srcOrd="5" destOrd="0"/>
+      </dgm:cxnLst>
+      <dgm:bg/>
+      <dgm:whole/>
+    </dgm:dataModel>
+  </dgm:clrData>
+  <dgm:layoutNode name="composite">
+    <dgm:varLst>
+      <dgm:chMax val="1"/>
+      <dgm:dir/>
+      <dgm:resizeHandles val="exact"/>
+    </dgm:varLst>
+    <dgm:alg type="composite">
+      <dgm:param type="ar" val="1"/>
+    </dgm:alg>
+    <dgm:shape xmlns:r="http://schemas.openxmlformats.org/officeDocument/2006/relationships" r:blip="">
+      <dgm:adjLst/>
+    </dgm:shape>
+    <dgm:presOf/>
+    <dgm:constrLst/>
+    <dgm:ruleLst/>
+    <dgm:layoutNode name="radial">
+      <dgm:varLst>
+        <dgm:animLvl val="ctr"/>
+      </dgm:varLst>
+      <dgm:choose name="Name0">
+        <dgm:if name="Name1" func="var" arg="dir" op="equ" val="norm">
+          <dgm:choose name="Name2">
+            <dgm:if name="Name3" axis="ch ch" ptType="node node" st="1 1" cnt="1 0" func="cnt" op="lte" val="1">
+              <dgm:alg type="cycle">
+                <dgm:param type="stAng" val="90"/>
+                <dgm:param type="spanAng" val="360"/>
+                <dgm:param type="ctrShpMap" val="fNode"/>
+              </dgm:alg>
+            </dgm:if>
+            <dgm:else name="Name4">
+              <dgm:alg type="cycle">
+                <dgm:param type="stAng" val="0"/>
+                <dgm:param type="spanAng" val="360"/>
+                <dgm:param type="ctrShpMap" val="fNode"/>
+              </dgm:alg>
+            </dgm:else>
+          </dgm:choose>
+        </dgm:if>
+        <dgm:else name="Name5">
+          <dgm:alg type="cycle">
+            <dgm:param type="stAng" val="0"/>
+            <dgm:param type="spanAng" val="-360"/>
+            <dgm:param type="ctrShpMap" val="fNode"/>
+          </dgm:alg>
+        </dgm:else>
+      </dgm:choose>
+      <dgm:shape xmlns:r="http://schemas.openxmlformats.org/officeDocument/2006/relationships" r:blip="">
+        <dgm:adjLst/>
+      </dgm:shape>
+      <dgm:presOf/>
+      <dgm:constrLst>
+        <dgm:constr type="w" for="ch" forName="centerShape" refType="w"/>
+        <dgm:constr type="h" for="ch" forName="centerShape" refType="h"/>
+        <dgm:constr type="w" for="ch" forName="node" refType="w" fact="0.5"/>
+        <dgm:constr type="h" for="ch" forName="node" refType="h" fact="0.5"/>
+        <dgm:constr type="sp" refType="w" refFor="ch" refForName="node" fact="-0.2"/>
+        <dgm:constr type="sibSp" refType="w" refFor="ch" refForName="node" fact="-0.2"/>
+        <dgm:constr type="primFontSz" for="ch" forName="centerShape" val="65"/>
+        <dgm:constr type="primFontSz" for="des" forName="node" val="65"/>
+        <dgm:constr type="primFontSz" for="ch" forName="node" refType="primFontSz" refFor="ch" refForName="centerShape" op="lte"/>
+      </dgm:constrLst>
+      <dgm:ruleLst/>
+      <dgm:forEach name="Name6" axis="ch" ptType="node" cnt="1">
+        <dgm:layoutNode name="centerShape" styleLbl="vennNode1">
+          <dgm:alg type="tx"/>
+          <dgm:shape xmlns:r="http://schemas.openxmlformats.org/officeDocument/2006/relationships" type="ellipse" r:blip="">
+            <dgm:adjLst/>
+          </dgm:shape>
+          <dgm:presOf axis="self"/>
+          <dgm:constrLst>
+            <dgm:constr type="tMarg" refType="primFontSz" fact="0.1"/>
+            <dgm:constr type="bMarg" refType="primFontSz" fact="0.1"/>
+            <dgm:constr type="lMarg" refType="primFontSz" fact="0.1"/>
+            <dgm:constr type="rMarg" refType="primFontSz" fact="0.1"/>
+          </dgm:constrLst>
+          <dgm:ruleLst>
+            <dgm:rule type="primFontSz" val="5" fact="NaN" max="NaN"/>
+          </dgm:ruleLst>
+        </dgm:layoutNode>
+        <dgm:forEach name="Name7" axis="ch" ptType="node">
+          <dgm:layoutNode name="node" styleLbl="vennNode1">
+            <dgm:varLst>
+              <dgm:bulletEnabled val="1"/>
+            </dgm:varLst>
+            <dgm:alg type="tx">
+              <dgm:param type="txAnchorVertCh" val="mid"/>
+            </dgm:alg>
+            <dgm:shape xmlns:r="http://schemas.openxmlformats.org/officeDocument/2006/relationships" type="ellipse" r:blip="">
+              <dgm:adjLst/>
+            </dgm:shape>
+            <dgm:presOf axis="desOrSelf" ptType="node"/>
+            <dgm:constrLst>
+              <dgm:constr type="tMarg" refType="primFontSz" fact="0.1"/>
+              <dgm:constr type="bMarg" refType="primFontSz" fact="0.1"/>
+              <dgm:constr type="lMarg" refType="primFontSz" fact="0.1"/>
+              <dgm:constr type="rMarg" refType="primFontSz" fact="0.1"/>
+            </dgm:constrLst>
+            <dgm:ruleLst>
+              <dgm:rule type="primFontSz" val="5" fact="NaN" max="NaN"/>
+            </dgm:ruleLst>
+          </dgm:layoutNode>
+        </dgm:forEach>
+      </dgm:forEach>
+    </dgm:layoutNode>
+  </dgm:layoutNode>
+</dgm:layoutDef>
+</file>
+
+<file path=ppt/diagrams/quickStyle1.xml><?xml version="1.0" encoding="utf-8"?>
+<dgm:styleDef xmlns:dgm="http://schemas.openxmlformats.org/drawingml/2006/diagram" xmlns:a="http://schemas.openxmlformats.org/drawingml/2006/main" uniqueId="urn:microsoft.com/office/officeart/2005/8/quickstyle/simple1">
+  <dgm:title val=""/>
+  <dgm:desc val=""/>
+  <dgm:catLst>
+    <dgm:cat type="simple" pri="10100"/>
+  </dgm:catLst>
+  <dgm:scene3d>
+    <a:camera prst="orthographicFront"/>
+    <a:lightRig rig="threePt" dir="t"/>
+  </dgm:scene3d>
+  <dgm:styleLbl name="node0">
+    <dgm:scene3d>
+      <a:camera prst="orthographicFront"/>
+      <a:lightRig rig="threePt" dir="t"/>
+    </dgm:scene3d>
+    <dgm:sp3d/>
+    <dgm:txPr/>
+    <dgm:style>
+      <a:lnRef idx="2">
+        <a:scrgbClr r="0" g="0" b="0"/>
+      </a:lnRef>
+      <a:fillRef idx="1">
+        <a:scrgbClr r="0" g="0" b="0"/>
+      </a:fillRef>
+      <a:effectRef idx="0">
+        <a:scrgbClr r="0" g="0" b="0"/>
+      </a:effectRef>
+      <a:fontRef idx="minor">
+        <a:schemeClr val="lt1"/>
+      </a:fontRef>
+    </dgm:style>
+  </dgm:styleLbl>
+  <dgm:styleLbl name="lnNode1">
+    <dgm:scene3d>
+      <a:camera prst="orthographicFront"/>
+      <a:lightRig rig="threePt" dir="t"/>
+    </dgm:scene3d>
+    <dgm:sp3d/>
+    <dgm:txPr/>
+    <dgm:style>
+      <a:lnRef idx="2">
+        <a:scrgbClr r="0" g="0" b="0"/>
+      </a:lnRef>
+      <a:fillRef idx="1">
+        <a:scrgbClr r="0" g="0" b="0"/>
+      </a:fillRef>
+      <a:effectRef idx="0">
+        <a:scrgbClr r="0" g="0" b="0"/>
+      </a:effectRef>
+      <a:fontRef idx="minor">
+        <a:schemeClr val="lt1"/>
+      </a:fontRef>
+    </dgm:style>
+  </dgm:styleLbl>
+  <dgm:styleLbl name="vennNode1">
+    <dgm:scene3d>
+      <a:camera prst="orthographicFront"/>
+      <a:lightRig rig="threePt" dir="t"/>
+    </dgm:scene3d>
+    <dgm:sp3d/>
+    <dgm:txPr/>
+    <dgm:style>
+      <a:lnRef idx="2">
+        <a:scrgbClr r="0" g="0" b="0"/>
+      </a:lnRef>
+      <a:fillRef idx="1">
+        <a:scrgbClr r="0" g="0" b="0"/>
+      </a:fillRef>
+      <a:effectRef idx="0">
+        <a:scrgbClr r="0" g="0" b="0"/>
+      </a:effectRef>
+      <a:fontRef idx="minor">
+        <a:schemeClr val="tx1"/>
+      </a:fontRef>
+    </dgm:style>
+  </dgm:styleLbl>
+  <dgm:styleLbl name="alignNode1">
+    <dgm:scene3d>
+      <a:camera prst="orthographicFront"/>
+      <a:lightRig rig="threePt" dir="t"/>
+    </dgm:scene3d>
+    <dgm:sp3d/>
+    <dgm:txPr/>
+    <dgm:style>
+      <a:lnRef idx="2">
+        <a:scrgbClr r="0" g="0" b="0"/>
+      </a:lnRef>
+      <a:fillRef idx="1">
+        <a:scrgbClr r="0" g="0" b="0"/>
+      </a:fillRef>
+      <a:effectRef idx="0">
+        <a:scrgbClr r="0" g="0" b="0"/>
+      </a:effectRef>
+      <a:fontRef idx="minor">
+        <a:schemeClr val="lt1"/>
+      </a:fontRef>
+    </dgm:style>
+  </dgm:styleLbl>
+  <dgm:styleLbl name="node1">
+    <dgm:scene3d>
+      <a:camera prst="orthographicFront"/>
+      <a:lightRig rig="threePt" dir="t"/>
+    </dgm:scene3d>
+    <dgm:sp3d/>
+    <dgm:txPr/>
+    <dgm:style>
+      <a:lnRef idx="2">
+        <a:scrgbClr r="0" g="0" b="0"/>
+      </a:lnRef>
+      <a:fillRef idx="1">
+        <a:scrgbClr r="0" g="0" b="0"/>
+      </a:fillRef>
+      <a:effectRef idx="0">
+        <a:scrgbClr r="0" g="0" b="0"/>
+      </a:effectRef>
+      <a:fontRef idx="minor">
+        <a:schemeClr val="lt1"/>
+      </a:fontRef>
+    </dgm:style>
+  </dgm:styleLbl>
+  <dgm:styleLbl name="node2">
+    <dgm:scene3d>
+      <a:camera prst="orthographicFront"/>
+      <a:lightRig rig="threePt" dir="t"/>
+    </dgm:scene3d>
+    <dgm:sp3d/>
+    <dgm:txPr/>
+    <dgm:style>
+      <a:lnRef idx="2">
+        <a:scrgbClr r="0" g="0" b="0"/>
+      </a:lnRef>
+      <a:fillRef idx="1">
+        <a:scrgbClr r="0" g="0" b="0"/>
+      </a:fillRef>
+      <a:effectRef idx="0">
+        <a:scrgbClr r="0" g="0" b="0"/>
+      </a:effectRef>
+      <a:fontRef idx="minor">
+        <a:schemeClr val="lt1"/>
+      </a:fontRef>
+    </dgm:style>
+  </dgm:styleLbl>
+  <dgm:styleLbl name="node3">
+    <dgm:scene3d>
+      <a:camera prst="orthographicFront"/>
+      <a:lightRig rig="threePt" dir="t"/>
+    </dgm:scene3d>
+    <dgm:sp3d/>
+    <dgm:txPr/>
+    <dgm:style>
+      <a:lnRef idx="2">
+        <a:scrgbClr r="0" g="0" b="0"/>
+      </a:lnRef>
+      <a:fillRef idx="1">
+        <a:scrgbClr r="0" g="0" b="0"/>
+      </a:fillRef>
+      <a:effectRef idx="0">
+        <a:scrgbClr r="0" g="0" b="0"/>
+      </a:effectRef>
+      <a:fontRef idx="minor">
+        <a:schemeClr val="lt1"/>
+      </a:fontRef>
+    </dgm:style>
+  </dgm:styleLbl>
+  <dgm:styleLbl name="node4">
+    <dgm:scene3d>
+      <a:camera prst="orthographicFront"/>
+      <a:lightRig rig="threePt" dir="t"/>
+    </dgm:scene3d>
+    <dgm:sp3d/>
+    <dgm:txPr/>
+    <dgm:style>
+      <a:lnRef idx="2">
+        <a:scrgbClr r="0" g="0" b="0"/>
+      </a:lnRef>
+      <a:fillRef idx="1">
+        <a:scrgbClr r="0" g="0" b="0"/>
+      </a:fillRef>
+      <a:effectRef idx="0">
+        <a:scrgbClr r="0" g="0" b="0"/>
+      </a:effectRef>
+      <a:fontRef idx="minor">
+        <a:schemeClr val="lt1"/>
+      </a:fontRef>
+    </dgm:style>
+  </dgm:styleLbl>
+  <dgm:styleLbl name="fgImgPlace1">
+    <dgm:scene3d>
+      <a:camera prst="orthographicFront"/>
+      <a:lightRig rig="threePt" dir="t"/>
+    </dgm:scene3d>
+    <dgm:sp3d/>
+    <dgm:txPr/>
+    <dgm:style>
+      <a:lnRef idx="2">
+        <a:scrgbClr r="0" g="0" b="0"/>
+      </a:lnRef>
+      <a:fillRef idx="1">
+        <a:scrgbClr r="0" g="0" b="0"/>
+      </a:fillRef>
+      <a:effectRef idx="0">
+        <a:scrgbClr r="0" g="0" b="0"/>
+      </a:effectRef>
+      <a:fontRef idx="minor"/>
+    </dgm:style>
+  </dgm:styleLbl>
+  <dgm:styleLbl name="alignImgPlace1">
+    <dgm:scene3d>
+      <a:camera prst="orthographicFront"/>
+      <a:lightRig rig="threePt" dir="t"/>
+    </dgm:scene3d>
+    <dgm:sp3d/>
+    <dgm:txPr/>
+    <dgm:style>
+      <a:lnRef idx="2">
+        <a:scrgbClr r="0" g="0" b="0"/>
+      </a:lnRef>
+      <a:fillRef idx="1">
+        <a:scrgbClr r="0" g="0" b="0"/>
+      </a:fillRef>
+      <a:effectRef idx="0">
+        <a:scrgbClr r="0" g="0" b="0"/>
+      </a:effectRef>
+      <a:fontRef idx="minor"/>
+    </dgm:style>
+  </dgm:styleLbl>
+  <dgm:styleLbl name="bgImgPlace1">
+    <dgm:scene3d>
+      <a:camera prst="orthographicFront"/>
+      <a:lightRig rig="threePt" dir="t"/>
+    </dgm:scene3d>
+    <dgm:sp3d/>
+    <dgm:txPr/>
+    <dgm:style>
+      <a:lnRef idx="2">
+        <a:scrgbClr r="0" g="0" b="0"/>
+      </a:lnRef>
+      <a:fillRef idx="1">
+        <a:scrgbClr r="0" g="0" b="0"/>
+      </a:fillRef>
+      <a:effectRef idx="0">
+        <a:scrgbClr r="0" g="0" b="0"/>
+      </a:effectRef>
+      <a:fontRef idx="minor"/>
+    </dgm:style>
+  </dgm:styleLbl>
+  <dgm:styleLbl name="sibTrans2D1">
+    <dgm:scene3d>
+      <a:camera prst="orthographicFront"/>
+      <a:lightRig rig="threePt" dir="t"/>
+    </dgm:scene3d>
+    <dgm:sp3d/>
+    <dgm:txPr/>
+    <dgm:style>
+      <a:lnRef idx="0">
+        <a:scrgbClr r="0" g="0" b="0"/>
+      </a:lnRef>
+      <a:fillRef idx="1">
+        <a:scrgbClr r="0" g="0" b="0"/>
+      </a:fillRef>
+      <a:effectRef idx="0">
+        <a:scrgbClr r="0" g="0" b="0"/>
+      </a:effectRef>
+      <a:fontRef idx="minor">
+        <a:schemeClr val="lt1"/>
+      </a:fontRef>
+    </dgm:style>
+  </dgm:styleLbl>
+  <dgm:styleLbl name="fgSibTrans2D1">
+    <dgm:scene3d>
+      <a:camera prst="orthographicFront"/>
+      <a:lightRig rig="threePt" dir="t"/>
+    </dgm:scene3d>
+    <dgm:sp3d/>
+    <dgm:txPr/>
+    <dgm:style>
+      <a:lnRef idx="0">
+        <a:scrgbClr r="0" g="0" b="0"/>
+      </a:lnRef>
+      <a:fillRef idx="1">
+        <a:scrgbClr r="0" g="0" b="0"/>
+      </a:fillRef>
+      <a:effectRef idx="0">
+        <a:scrgbClr r="0" g="0" b="0"/>
+      </a:effectRef>
+      <a:fontRef idx="minor">
+        <a:schemeClr val="lt1"/>
+      </a:fontRef>
+    </dgm:style>
+  </dgm:styleLbl>
+  <dgm:styleLbl name="bgSibTrans2D1">
+    <dgm:scene3d>
+      <a:camera prst="orthographicFront"/>
+      <a:lightRig rig="threePt" dir="t"/>
+    </dgm:scene3d>
+    <dgm:sp3d/>
+    <dgm:txPr/>
+    <dgm:style>
+      <a:lnRef idx="0">
+        <a:scrgbClr r="0" g="0" b="0"/>
+      </a:lnRef>
+      <a:fillRef idx="1">
+        <a:scrgbClr r="0" g="0" b="0"/>
+      </a:fillRef>
+      <a:effectRef idx="0">
+        <a:scrgbClr r="0" g="0" b="0"/>
+      </a:effectRef>
+      <a:fontRef idx="minor">
+        <a:schemeClr val="lt1"/>
+      </a:fontRef>
+    </dgm:style>
+  </dgm:styleLbl>
+  <dgm:styleLbl name="sibTrans1D1">
+    <dgm:scene3d>
+      <a:camera prst="orthographicFront"/>
+      <a:lightRig rig="threePt" dir="t"/>
+    </dgm:scene3d>
+    <dgm:sp3d/>
+    <dgm:txPr/>
+    <dgm:style>
+      <a:lnRef idx="1">
+        <a:scrgbClr r="0" g="0" b="0"/>
+      </a:lnRef>
+      <a:fillRef idx="0">
+        <a:scrgbClr r="0" g="0" b="0"/>
+      </a:fillRef>
+      <a:effectRef idx="0">
+        <a:scrgbClr r="0" g="0" b="0"/>
+      </a:effectRef>
+      <a:fontRef idx="minor"/>
+    </dgm:style>
+  </dgm:styleLbl>
+  <dgm:styleLbl name="callout">
+    <dgm:scene3d>
+      <a:camera prst="orthographicFront"/>
+      <a:lightRig rig="threePt" dir="t"/>
+    </dgm:scene3d>
+    <dgm:sp3d/>
+    <dgm:txPr/>
+    <dgm:style>
+      <a:lnRef idx="2">
+        <a:scrgbClr r="0" g="0" b="0"/>
+      </a:lnRef>
+      <a:fillRef idx="1">
+        <a:scrgbClr r="0" g="0" b="0"/>
+      </a:fillRef>
+      <a:effectRef idx="0">
+        <a:scrgbClr r="0" g="0" b="0"/>
+      </a:effectRef>
+      <a:fontRef idx="minor"/>
+    </dgm:style>
+  </dgm:styleLbl>
+  <dgm:styleLbl name="asst0">
+    <dgm:scene3d>
+      <a:camera prst="orthographicFront"/>
+      <a:lightRig rig="threePt" dir="t"/>
+    </dgm:scene3d>
+    <dgm:sp3d/>
+    <dgm:txPr/>
+    <dgm:style>
+      <a:lnRef idx="2">
+        <a:scrgbClr r="0" g="0" b="0"/>
+      </a:lnRef>
+      <a:fillRef idx="1">
+        <a:scrgbClr r="0" g="0" b="0"/>
+      </a:fillRef>
+      <a:effectRef idx="0">
+        <a:scrgbClr r="0" g="0" b="0"/>
+      </a:effectRef>
+      <a:fontRef idx="minor">
+        <a:schemeClr val="lt1"/>
+      </a:fontRef>
+    </dgm:style>
+  </dgm:styleLbl>
+  <dgm:styleLbl name="asst1">
+    <dgm:scene3d>
+      <a:camera prst="orthographicFront"/>
+      <a:lightRig rig="threePt" dir="t"/>
+    </dgm:scene3d>
+    <dgm:sp3d/>
+    <dgm:txPr/>
+    <dgm:style>
+      <a:lnRef idx="2">
+        <a:scrgbClr r="0" g="0" b="0"/>
+      </a:lnRef>
+      <a:fillRef idx="1">
+        <a:scrgbClr r="0" g="0" b="0"/>
+      </a:fillRef>
+      <a:effectRef idx="0">
+        <a:scrgbClr r="0" g="0" b="0"/>
+      </a:effectRef>
+      <a:fontRef idx="minor">
+        <a:schemeClr val="lt1"/>
+      </a:fontRef>
+    </dgm:style>
+  </dgm:styleLbl>
+  <dgm:styleLbl name="asst2">
+    <dgm:scene3d>
+      <a:camera prst="orthographicFront"/>
+      <a:lightRig rig="threePt" dir="t"/>
+    </dgm:scene3d>
+    <dgm:sp3d/>
+    <dgm:txPr/>
+    <dgm:style>
+      <a:lnRef idx="2">
+        <a:scrgbClr r="0" g="0" b="0"/>
+      </a:lnRef>
+      <a:fillRef idx="1">
+        <a:scrgbClr r="0" g="0" b="0"/>
+      </a:fillRef>
+      <a:effectRef idx="0">
+        <a:scrgbClr r="0" g="0" b="0"/>
+      </a:effectRef>
+      <a:fontRef idx="minor">
+        <a:schemeClr val="lt1"/>
+      </a:fontRef>
+    </dgm:style>
+  </dgm:styleLbl>
+  <dgm:styleLbl name="asst3">
+    <dgm:scene3d>
+      <a:camera prst="orthographicFront"/>
+      <a:lightRig rig="threePt" dir="t"/>
+    </dgm:scene3d>
+    <dgm:sp3d/>
+    <dgm:txPr/>
+    <dgm:style>
+      <a:lnRef idx="2">
+        <a:scrgbClr r="0" g="0" b="0"/>
+      </a:lnRef>
+      <a:fillRef idx="1">
+        <a:scrgbClr r="0" g="0" b="0"/>
+      </a:fillRef>
+      <a:effectRef idx="0">
+        <a:scrgbClr r="0" g="0" b="0"/>
+      </a:effectRef>
+      <a:fontRef idx="minor">
+        <a:schemeClr val="lt1"/>
+      </a:fontRef>
+    </dgm:style>
+  </dgm:styleLbl>
+  <dgm:styleLbl name="asst4">
+    <dgm:scene3d>
+      <a:camera prst="orthographicFront"/>
+      <a:lightRig rig="threePt" dir="t"/>
+    </dgm:scene3d>
+    <dgm:sp3d/>
+    <dgm:txPr/>
+    <dgm:style>
+      <a:lnRef idx="2">
+        <a:scrgbClr r="0" g="0" b="0"/>
+      </a:lnRef>
+      <a:fillRef idx="1">
+        <a:scrgbClr r="0" g="0" b="0"/>
+      </a:fillRef>
+      <a:effectRef idx="0">
+        <a:scrgbClr r="0" g="0" b="0"/>
+      </a:effectRef>
+      <a:fontRef idx="minor">
+        <a:schemeClr val="lt1"/>
+      </a:fontRef>
+    </dgm:style>
+  </dgm:styleLbl>
+  <dgm:styleLbl name="parChTrans2D1">
+    <dgm:scene3d>
+      <a:camera prst="orthographicFront"/>
+      <a:lightRig rig="threePt" dir="t"/>
+    </dgm:scene3d>
+    <dgm:sp3d/>
+    <dgm:txPr/>
+    <dgm:style>
+      <a:lnRef idx="2">
+        <a:scrgbClr r="0" g="0" b="0"/>
+      </a:lnRef>
+      <a:fillRef idx="1">
+        <a:scrgbClr r="0" g="0" b="0"/>
+      </a:fillRef>
+      <a:effectRef idx="0">
+        <a:scrgbClr r="0" g="0" b="0"/>
+      </a:effectRef>
+      <a:fontRef idx="minor">
+        <a:schemeClr val="lt1"/>
+      </a:fontRef>
+    </dgm:style>
+  </dgm:styleLbl>
+  <dgm:styleLbl name="parChTrans2D2">
+    <dgm:scene3d>
+      <a:camera prst="orthographicFront"/>
+      <a:lightRig rig="threePt" dir="t"/>
+    </dgm:scene3d>
+    <dgm:sp3d/>
+    <dgm:txPr/>
+    <dgm:style>
+      <a:lnRef idx="2">
+        <a:scrgbClr r="0" g="0" b="0"/>
+      </a:lnRef>
+      <a:fillRef idx="1">
+        <a:scrgbClr r="0" g="0" b="0"/>
+      </a:fillRef>
+      <a:effectRef idx="0">
+        <a:scrgbClr r="0" g="0" b="0"/>
+      </a:effectRef>
+      <a:fontRef idx="minor">
+        <a:schemeClr val="lt1"/>
+      </a:fontRef>
+    </dgm:style>
+  </dgm:styleLbl>
+  <dgm:styleLbl name="parChTrans2D3">
+    <dgm:scene3d>
+      <a:camera prst="orthographicFront"/>
+      <a:lightRig rig="threePt" dir="t"/>
+    </dgm:scene3d>
+    <dgm:sp3d/>
+    <dgm:txPr/>
+    <dgm:style>
+      <a:lnRef idx="2">
+        <a:scrgbClr r="0" g="0" b="0"/>
+      </a:lnRef>
+      <a:fillRef idx="1">
+        <a:scrgbClr r="0" g="0" b="0"/>
+      </a:fillRef>
+      <a:effectRef idx="0">
+        <a:scrgbClr r="0" g="0" b="0"/>
+      </a:effectRef>
+      <a:fontRef idx="minor">
+        <a:schemeClr val="lt1"/>
+      </a:fontRef>
+    </dgm:style>
+  </dgm:styleLbl>
+  <dgm:styleLbl name="parChTrans2D4">
+    <dgm:scene3d>
+      <a:camera prst="orthographicFront"/>
+      <a:lightRig rig="threePt" dir="t"/>
+    </dgm:scene3d>
+    <dgm:sp3d/>
+    <dgm:txPr/>
+    <dgm:style>
+      <a:lnRef idx="2">
+        <a:scrgbClr r="0" g="0" b="0"/>
+      </a:lnRef>
+      <a:fillRef idx="1">
+        <a:scrgbClr r="0" g="0" b="0"/>
+      </a:fillRef>
+      <a:effectRef idx="0">
+        <a:scrgbClr r="0" g="0" b="0"/>
+      </a:effectRef>
+      <a:fontRef idx="minor">
+        <a:schemeClr val="lt1"/>
+      </a:fontRef>
+    </dgm:style>
+  </dgm:styleLbl>
+  <dgm:styleLbl name="parChTrans1D1">
+    <dgm:scene3d>
+      <a:camera prst="orthographicFront"/>
+      <a:lightRig rig="threePt" dir="t"/>
+    </dgm:scene3d>
+    <dgm:sp3d/>
+    <dgm:txPr/>
+    <dgm:style>
+      <a:lnRef idx="2">
+        <a:scrgbClr r="0" g="0" b="0"/>
+      </a:lnRef>
+      <a:fillRef idx="0">
+        <a:scrgbClr r="0" g="0" b="0"/>
+      </a:fillRef>
+      <a:effectRef idx="0">
+        <a:scrgbClr r="0" g="0" b="0"/>
+      </a:effectRef>
+      <a:fontRef idx="minor"/>
+    </dgm:style>
+  </dgm:styleLbl>
+  <dgm:styleLbl name="parChTrans1D2">
+    <dgm:scene3d>
+      <a:camera prst="orthographicFront"/>
+      <a:lightRig rig="threePt" dir="t"/>
+    </dgm:scene3d>
+    <dgm:sp3d/>
+    <dgm:txPr/>
+    <dgm:style>
+      <a:lnRef idx="2">
+        <a:scrgbClr r="0" g="0" b="0"/>
+      </a:lnRef>
+      <a:fillRef idx="0">
+        <a:scrgbClr r="0" g="0" b="0"/>
+      </a:fillRef>
+      <a:effectRef idx="0">
+        <a:scrgbClr r="0" g="0" b="0"/>
+      </a:effectRef>
+      <a:fontRef idx="minor"/>
+    </dgm:style>
+  </dgm:styleLbl>
+  <dgm:styleLbl name="parChTrans1D3">
+    <dgm:scene3d>
+      <a:camera prst="orthographicFront"/>
+      <a:lightRig rig="threePt" dir="t"/>
+    </dgm:scene3d>
+    <dgm:sp3d/>
+    <dgm:txPr/>
+    <dgm:style>
+      <a:lnRef idx="2">
+        <a:scrgbClr r="0" g="0" b="0"/>
+      </a:lnRef>
+      <a:fillRef idx="0">
+        <a:scrgbClr r="0" g="0" b="0"/>
+      </a:fillRef>
+      <a:effectRef idx="0">
+        <a:scrgbClr r="0" g="0" b="0"/>
+      </a:effectRef>
+      <a:fontRef idx="minor"/>
+    </dgm:style>
+  </dgm:styleLbl>
+  <dgm:styleLbl name="parChTrans1D4">
+    <dgm:scene3d>
+      <a:camera prst="orthographicFront"/>
+      <a:lightRig rig="threePt" dir="t"/>
+    </dgm:scene3d>
+    <dgm:sp3d/>
+    <dgm:txPr/>
+    <dgm:style>
+      <a:lnRef idx="2">
+        <a:scrgbClr r="0" g="0" b="0"/>
+      </a:lnRef>
+      <a:fillRef idx="0">
+        <a:scrgbClr r="0" g="0" b="0"/>
+      </a:fillRef>
+      <a:effectRef idx="0">
+        <a:scrgbClr r="0" g="0" b="0"/>
+      </a:effectRef>
+      <a:fontRef idx="minor"/>
+    </dgm:style>
+  </dgm:styleLbl>
+  <dgm:styleLbl name="fgAcc1">
+    <dgm:scene3d>
+      <a:camera prst="orthographicFront"/>
+      <a:lightRig rig="threePt" dir="t"/>
+    </dgm:scene3d>
+    <dgm:sp3d/>
+    <dgm:txPr/>
+    <dgm:style>
+      <a:lnRef idx="2">
+        <a:scrgbClr r="0" g="0" b="0"/>
+      </a:lnRef>
+      <a:fillRef idx="1">
+        <a:scrgbClr r="0" g="0" b="0"/>
+      </a:fillRef>
+      <a:effectRef idx="0">
+        <a:scrgbClr r="0" g="0" b="0"/>
+      </a:effectRef>
+      <a:fontRef idx="minor"/>
+    </dgm:style>
+  </dgm:styleLbl>
+  <dgm:styleLbl name="conFgAcc1">
+    <dgm:scene3d>
+      <a:camera prst="orthographicFront"/>
+      <a:lightRig rig="threePt" dir="t"/>
+    </dgm:scene3d>
+    <dgm:sp3d/>
+    <dgm:txPr/>
+    <dgm:style>
+      <a:lnRef idx="2">
+        <a:scrgbClr r="0" g="0" b="0"/>
+      </a:lnRef>
+      <a:fillRef idx="1">
+        <a:scrgbClr r="0" g="0" b="0"/>
+      </a:fillRef>
+      <a:effectRef idx="0">
+        <a:scrgbClr r="0" g="0" b="0"/>
+      </a:effectRef>
+      <a:fontRef idx="minor"/>
+    </dgm:style>
+  </dgm:styleLbl>
+  <dgm:styleLbl name="alignAcc1">
+    <dgm:scene3d>
+      <a:camera prst="orthographicFront"/>
+      <a:lightRig rig="threePt" dir="t"/>
+    </dgm:scene3d>
+    <dgm:sp3d/>
+    <dgm:txPr/>
+    <dgm:style>
+      <a:lnRef idx="2">
+        <a:scrgbClr r="0" g="0" b="0"/>
+      </a:lnRef>
+      <a:fillRef idx="1">
+        <a:scrgbClr r="0" g="0" b="0"/>
+      </a:fillRef>
+      <a:effectRef idx="0">
+        <a:scrgbClr r="0" g="0" b="0"/>
+      </a:effectRef>
+      <a:fontRef idx="minor"/>
+    </dgm:style>
+  </dgm:styleLbl>
+  <dgm:styleLbl name="trAlignAcc1">
+    <dgm:scene3d>
+      <a:camera prst="orthographicFront"/>
+      <a:lightRig rig="threePt" dir="t"/>
+    </dgm:scene3d>
+    <dgm:sp3d/>
+    <dgm:txPr/>
+    <dgm:style>
+      <a:lnRef idx="1">
+        <a:scrgbClr r="0" g="0" b="0"/>
+      </a:lnRef>
+      <a:fillRef idx="1">
+        <a:scrgbClr r="0" g="0" b="0"/>
+      </a:fillRef>
+      <a:effectRef idx="0">
+        <a:scrgbClr r="0" g="0" b="0"/>
+      </a:effectRef>
+      <a:fontRef idx="minor"/>
+    </dgm:style>
+  </dgm:styleLbl>
+  <dgm:styleLbl name="bgAcc1">
+    <dgm:scene3d>
+      <a:camera prst="orthographicFront"/>
+      <a:lightRig rig="threePt" dir="t"/>
+    </dgm:scene3d>
+    <dgm:sp3d/>
+    <dgm:txPr/>
+    <dgm:style>
+      <a:lnRef idx="2">
+        <a:scrgbClr r="0" g="0" b="0"/>
+      </a:lnRef>
+      <a:fillRef idx="1">
+        <a:scrgbClr r="0" g="0" b="0"/>
+      </a:fillRef>
+      <a:effectRef idx="0">
+        <a:scrgbClr r="0" g="0" b="0"/>
+      </a:effectRef>
+      <a:fontRef idx="minor"/>
+    </dgm:style>
+  </dgm:styleLbl>
+  <dgm:styleLbl name="solidFgAcc1">
+    <dgm:scene3d>
+      <a:camera prst="orthographicFront"/>
+      <a:lightRig rig="threePt" dir="t"/>
+    </dgm:scene3d>
+    <dgm:sp3d/>
+    <dgm:txPr/>
+    <dgm:style>
+      <a:lnRef idx="2">
+        <a:scrgbClr r="0" g="0" b="0"/>
+      </a:lnRef>
+      <a:fillRef idx="1">
+        <a:scrgbClr r="0" g="0" b="0"/>
+      </a:fillRef>
+      <a:effectRef idx="0">
+        <a:scrgbClr r="0" g="0" b="0"/>
+      </a:effectRef>
+      <a:fontRef idx="minor"/>
+    </dgm:style>
+  </dgm:styleLbl>
+  <dgm:styleLbl name="solidAlignAcc1">
+    <dgm:scene3d>
+      <a:camera prst="orthographicFront"/>
+      <a:lightRig rig="threePt" dir="t"/>
+    </dgm:scene3d>
+    <dgm:sp3d/>
+    <dgm:txPr/>
+    <dgm:style>
+      <a:lnRef idx="2">
+        <a:scrgbClr r="0" g="0" b="0"/>
+      </a:lnRef>
+      <a:fillRef idx="1">
+        <a:scrgbClr r="0" g="0" b="0"/>
+      </a:fillRef>
+      <a:effectRef idx="0">
+        <a:scrgbClr r="0" g="0" b="0"/>
+      </a:effectRef>
+      <a:fontRef idx="minor"/>
+    </dgm:style>
+  </dgm:styleLbl>
+  <dgm:styleLbl name="solidBgAcc1">
+    <dgm:scene3d>
+      <a:camera prst="orthographicFront"/>
+      <a:lightRig rig="threePt" dir="t"/>
+    </dgm:scene3d>
+    <dgm:sp3d/>
+    <dgm:txPr/>
+    <dgm:style>
+      <a:lnRef idx="2">
+        <a:scrgbClr r="0" g="0" b="0"/>
+      </a:lnRef>
+      <a:fillRef idx="1">
+        <a:scrgbClr r="0" g="0" b="0"/>
+      </a:fillRef>
+      <a:effectRef idx="0">
+        <a:scrgbClr r="0" g="0" b="0"/>
+      </a:effectRef>
+      <a:fontRef idx="minor"/>
+    </dgm:style>
+  </dgm:styleLbl>
+  <dgm:styleLbl name="fgAccFollowNode1">
+    <dgm:scene3d>
+      <a:camera prst="orthographicFront"/>
+      <a:lightRig rig="threePt" dir="t"/>
+    </dgm:scene3d>
+    <dgm:sp3d/>
+    <dgm:txPr/>
+    <dgm:style>
+      <a:lnRef idx="2">
+        <a:scrgbClr r="0" g="0" b="0"/>
+      </a:lnRef>
+      <a:fillRef idx="1">
+        <a:scrgbClr r="0" g="0" b="0"/>
+      </a:fillRef>
+      <a:effectRef idx="0">
+        <a:scrgbClr r="0" g="0" b="0"/>
+      </a:effectRef>
+      <a:fontRef idx="minor"/>
+    </dgm:style>
+  </dgm:styleLbl>
+  <dgm:styleLbl name="alignAccFollowNode1">
+    <dgm:scene3d>
+      <a:camera prst="orthographicFront"/>
+      <a:lightRig rig="threePt" dir="t"/>
+    </dgm:scene3d>
+    <dgm:sp3d/>
+    <dgm:txPr/>
+    <dgm:style>
+      <a:lnRef idx="2">
+        <a:scrgbClr r="0" g="0" b="0"/>
+      </a:lnRef>
+      <a:fillRef idx="1">
+        <a:scrgbClr r="0" g="0" b="0"/>
+      </a:fillRef>
+      <a:effectRef idx="0">
+        <a:scrgbClr r="0" g="0" b="0"/>
+      </a:effectRef>
+      <a:fontRef idx="minor"/>
+    </dgm:style>
+  </dgm:styleLbl>
+  <dgm:styleLbl name="bgAccFollowNode1">
+    <dgm:scene3d>
+      <a:camera prst="orthographicFront"/>
+      <a:lightRig rig="threePt" dir="t"/>
+    </dgm:scene3d>
+    <dgm:sp3d/>
+    <dgm:txPr/>
+    <dgm:style>
+      <a:lnRef idx="2">
+        <a:scrgbClr r="0" g="0" b="0"/>
+      </a:lnRef>
+      <a:fillRef idx="1">
+        <a:scrgbClr r="0" g="0" b="0"/>
+      </a:fillRef>
+      <a:effectRef idx="0">
+        <a:scrgbClr r="0" g="0" b="0"/>
+      </a:effectRef>
+      <a:fontRef idx="minor"/>
+    </dgm:style>
+  </dgm:styleLbl>
+  <dgm:styleLbl name="fgAcc0">
+    <dgm:scene3d>
+      <a:camera prst="orthographicFront"/>
+      <a:lightRig rig="threePt" dir="t"/>
+    </dgm:scene3d>
+    <dgm:sp3d/>
+    <dgm:txPr/>
+    <dgm:style>
+      <a:lnRef idx="2">
+        <a:scrgbClr r="0" g="0" b="0"/>
+      </a:lnRef>
+      <a:fillRef idx="1">
+        <a:scrgbClr r="0" g="0" b="0"/>
+      </a:fillRef>
+      <a:effectRef idx="0">
+        <a:scrgbClr r="0" g="0" b="0"/>
+      </a:effectRef>
+      <a:fontRef idx="minor"/>
+    </dgm:style>
+  </dgm:styleLbl>
+  <dgm:styleLbl name="fgAcc2">
+    <dgm:scene3d>
+      <a:camera prst="orthographicFront"/>
+      <a:lightRig rig="threePt" dir="t"/>
+    </dgm:scene3d>
+    <dgm:sp3d/>
+    <dgm:txPr/>
+    <dgm:style>
+      <a:lnRef idx="2">
+        <a:scrgbClr r="0" g="0" b="0"/>
+      </a:lnRef>
+      <a:fillRef idx="1">
+        <a:scrgbClr r="0" g="0" b="0"/>
+      </a:fillRef>
+      <a:effectRef idx="0">
+        <a:scrgbClr r="0" g="0" b="0"/>
+      </a:effectRef>
+      <a:fontRef idx="minor"/>
+    </dgm:style>
+  </dgm:styleLbl>
+  <dgm:styleLbl name="fgAcc3">
+    <dgm:scene3d>
+      <a:camera prst="orthographicFront"/>
+      <a:lightRig rig="threePt" dir="t"/>
+    </dgm:scene3d>
+    <dgm:sp3d/>
+    <dgm:txPr/>
+    <dgm:style>
+      <a:lnRef idx="2">
+        <a:scrgbClr r="0" g="0" b="0"/>
+      </a:lnRef>
+      <a:fillRef idx="1">
+        <a:scrgbClr r="0" g="0" b="0"/>
+      </a:fillRef>
+      <a:effectRef idx="0">
+        <a:scrgbClr r="0" g="0" b="0"/>
+      </a:effectRef>
+      <a:fontRef idx="minor"/>
+    </dgm:style>
+  </dgm:styleLbl>
+  <dgm:styleLbl name="fgAcc4">
+    <dgm:scene3d>
+      <a:camera prst="orthographicFront"/>
+      <a:lightRig rig="threePt" dir="t"/>
+    </dgm:scene3d>
+    <dgm:sp3d/>
+    <dgm:txPr/>
+    <dgm:style>
+      <a:lnRef idx="2">
+        <a:scrgbClr r="0" g="0" b="0"/>
+      </a:lnRef>
+      <a:fillRef idx="1">
+        <a:scrgbClr r="0" g="0" b="0"/>
+      </a:fillRef>
+      <a:effectRef idx="0">
+        <a:scrgbClr r="0" g="0" b="0"/>
+      </a:effectRef>
+      <a:fontRef idx="minor"/>
+    </dgm:style>
+  </dgm:styleLbl>
+  <dgm:styleLbl name="bgShp">
+    <dgm:scene3d>
+      <a:camera prst="orthographicFront"/>
+      <a:lightRig rig="threePt" dir="t"/>
+    </dgm:scene3d>
+    <dgm:sp3d/>
+    <dgm:txPr/>
+    <dgm:style>
+      <a:lnRef idx="0">
+        <a:scrgbClr r="0" g="0" b="0"/>
+      </a:lnRef>
+      <a:fillRef idx="1">
+        <a:scrgbClr r="0" g="0" b="0"/>
+      </a:fillRef>
+      <a:effectRef idx="0">
+        <a:scrgbClr r="0" g="0" b="0"/>
+      </a:effectRef>
+      <a:fontRef idx="minor"/>
+    </dgm:style>
+  </dgm:styleLbl>
+  <dgm:styleLbl name="dkBgShp">
+    <dgm:scene3d>
+      <a:camera prst="orthographicFront"/>
+      <a:lightRig rig="threePt" dir="t"/>
+    </dgm:scene3d>
+    <dgm:sp3d/>
+    <dgm:txPr/>
+    <dgm:style>
+      <a:lnRef idx="0">
+        <a:scrgbClr r="0" g="0" b="0"/>
+      </a:lnRef>
+      <a:fillRef idx="1">
+        <a:scrgbClr r="0" g="0" b="0"/>
+      </a:fillRef>
+      <a:effectRef idx="0">
+        <a:scrgbClr r="0" g="0" b="0"/>
+      </a:effectRef>
+      <a:fontRef idx="minor"/>
+    </dgm:style>
+  </dgm:styleLbl>
+  <dgm:styleLbl name="trBgShp">
+    <dgm:scene3d>
+      <a:camera prst="orthographicFront"/>
+      <a:lightRig rig="threePt" dir="t"/>
+    </dgm:scene3d>
+    <dgm:sp3d/>
+    <dgm:txPr/>
+    <dgm:style>
+      <a:lnRef idx="0">
+        <a:scrgbClr r="0" g="0" b="0"/>
+      </a:lnRef>
+      <a:fillRef idx="1">
+        <a:scrgbClr r="0" g="0" b="0"/>
+      </a:fillRef>
+      <a:effectRef idx="0">
+        <a:scrgbClr r="0" g="0" b="0"/>
+      </a:effectRef>
+      <a:fontRef idx="minor"/>
+    </dgm:style>
+  </dgm:styleLbl>
+  <dgm:styleLbl name="fgShp">
+    <dgm:scene3d>
+      <a:camera prst="orthographicFront"/>
+      <a:lightRig rig="threePt" dir="t"/>
+    </dgm:scene3d>
+    <dgm:sp3d/>
+    <dgm:txPr/>
+    <dgm:style>
+      <a:lnRef idx="2">
+        <a:scrgbClr r="0" g="0" b="0"/>
+      </a:lnRef>
+      <a:fillRef idx="1">
+        <a:scrgbClr r="0" g="0" b="0"/>
+      </a:fillRef>
+      <a:effectRef idx="0">
+        <a:scrgbClr r="0" g="0" b="0"/>
+      </a:effectRef>
+      <a:fontRef idx="minor"/>
+    </dgm:style>
+  </dgm:styleLbl>
+  <dgm:styleLbl name="revTx">
+    <dgm:scene3d>
+      <a:camera prst="orthographicFront"/>
+      <a:lightRig rig="threePt" dir="t"/>
+    </dgm:scene3d>
+    <dgm:sp3d/>
+    <dgm:txPr/>
+    <dgm:style>
+      <a:lnRef idx="0">
+        <a:scrgbClr r="0" g="0" b="0"/>
+      </a:lnRef>
+      <a:fillRef idx="0">
+        <a:scrgbClr r="0" g="0" b="0"/>
+      </a:fillRef>
+      <a:effectRef idx="0">
+        <a:scrgbClr r="0" g="0" b="0"/>
+      </a:effectRef>
+      <a:fontRef idx="minor"/>
+    </dgm:style>
+  </dgm:styleLbl>
+</dgm:styleDef>
+</file>
+
 <file path=ppt/slideLayouts/slideLayout1.xml><?xml version="1.0" encoding="utf-8"?>
 <p:sldLayout xmlns:a="http://schemas.openxmlformats.org/drawingml/2006/main" xmlns:r="http://schemas.openxmlformats.org/officeDocument/2006/relationships" xmlns:p="http://schemas.openxmlformats.org/presentationml/2006/main" type="title" preserve="1">
   <p:cSld name="タイトル スライド">
@@ -259,7 +2927,7 @@
           <a:lstStyle/>
           <a:p>
             <a:fld id="{D3DC40CF-EB49-BD41-A039-962FAB393C11}" type="datetimeFigureOut">
-              <a:t>2025/1/18</a:t>
+              <a:t>2025/2/9</a:t>
             </a:fld>
             <a:endParaRPr kumimoji="1" lang="ja-JP" altLang="en-US"/>
           </a:p>
@@ -487,7 +3155,7 @@
           <a:lstStyle/>
           <a:p>
             <a:fld id="{D3DC40CF-EB49-BD41-A039-962FAB393C11}" type="datetimeFigureOut">
-              <a:t>2025/1/18</a:t>
+              <a:t>2025/2/9</a:t>
             </a:fld>
             <a:endParaRPr kumimoji="1" lang="ja-JP" altLang="en-US"/>
           </a:p>
@@ -725,7 +3393,7 @@
           <a:lstStyle/>
           <a:p>
             <a:fld id="{D3DC40CF-EB49-BD41-A039-962FAB393C11}" type="datetimeFigureOut">
-              <a:t>2025/1/18</a:t>
+              <a:t>2025/2/9</a:t>
             </a:fld>
             <a:endParaRPr kumimoji="1" lang="ja-JP" altLang="en-US"/>
           </a:p>
@@ -953,7 +3621,7 @@
           <a:lstStyle/>
           <a:p>
             <a:fld id="{D3DC40CF-EB49-BD41-A039-962FAB393C11}" type="datetimeFigureOut">
-              <a:t>2025/1/18</a:t>
+              <a:t>2025/2/9</a:t>
             </a:fld>
             <a:endParaRPr kumimoji="1" lang="ja-JP" altLang="en-US"/>
           </a:p>
@@ -1226,7 +3894,7 @@
           <a:lstStyle/>
           <a:p>
             <a:fld id="{D3DC40CF-EB49-BD41-A039-962FAB393C11}" type="datetimeFigureOut">
-              <a:t>2025/1/18</a:t>
+              <a:t>2025/2/9</a:t>
             </a:fld>
             <a:endParaRPr kumimoji="1" lang="ja-JP" altLang="en-US"/>
           </a:p>
@@ -1553,7 +4221,7 @@
           <a:lstStyle/>
           <a:p>
             <a:fld id="{D3DC40CF-EB49-BD41-A039-962FAB393C11}" type="datetimeFigureOut">
-              <a:t>2025/1/18</a:t>
+              <a:t>2025/2/9</a:t>
             </a:fld>
             <a:endParaRPr kumimoji="1" lang="ja-JP" altLang="en-US"/>
           </a:p>
@@ -2027,7 +4695,7 @@
           <a:lstStyle/>
           <a:p>
             <a:fld id="{D3DC40CF-EB49-BD41-A039-962FAB393C11}" type="datetimeFigureOut">
-              <a:t>2025/1/18</a:t>
+              <a:t>2025/2/9</a:t>
             </a:fld>
             <a:endParaRPr kumimoji="1" lang="ja-JP" altLang="en-US"/>
           </a:p>
@@ -2166,7 +4834,7 @@
           <a:lstStyle/>
           <a:p>
             <a:fld id="{D3DC40CF-EB49-BD41-A039-962FAB393C11}" type="datetimeFigureOut">
-              <a:t>2025/1/18</a:t>
+              <a:t>2025/2/9</a:t>
             </a:fld>
             <a:endParaRPr kumimoji="1" lang="ja-JP" altLang="en-US"/>
           </a:p>
@@ -2277,7 +4945,7 @@
           <a:lstStyle/>
           <a:p>
             <a:fld id="{D3DC40CF-EB49-BD41-A039-962FAB393C11}" type="datetimeFigureOut">
-              <a:t>2025/1/18</a:t>
+              <a:t>2025/2/9</a:t>
             </a:fld>
             <a:endParaRPr kumimoji="1" lang="ja-JP" altLang="en-US"/>
           </a:p>
@@ -2618,7 +5286,7 @@
           <a:lstStyle/>
           <a:p>
             <a:fld id="{D3DC40CF-EB49-BD41-A039-962FAB393C11}" type="datetimeFigureOut">
-              <a:t>2025/1/18</a:t>
+              <a:t>2025/2/9</a:t>
             </a:fld>
             <a:endParaRPr kumimoji="1" lang="ja-JP" altLang="en-US"/>
           </a:p>
@@ -2904,7 +5572,7 @@
           <a:lstStyle/>
           <a:p>
             <a:fld id="{D3DC40CF-EB49-BD41-A039-962FAB393C11}" type="datetimeFigureOut">
-              <a:t>2025/1/18</a:t>
+              <a:t>2025/2/9</a:t>
             </a:fld>
             <a:endParaRPr kumimoji="1" lang="ja-JP" altLang="en-US"/>
           </a:p>
@@ -3175,7 +5843,7 @@
           </a:lstStyle>
           <a:p>
             <a:fld id="{D3DC40CF-EB49-BD41-A039-962FAB393C11}" type="datetimeFigureOut">
-              <a:t>2025/1/18</a:t>
+              <a:t>2025/2/9</a:t>
             </a:fld>
             <a:endParaRPr kumimoji="1" lang="ja-JP" altLang="en-US"/>
           </a:p>
@@ -5476,6 +8144,683 @@
 </p:sld>
 </file>
 
+<file path=ppt/slides/slide3.xml><?xml version="1.0" encoding="utf-8"?>
+<p:sld xmlns:a="http://schemas.openxmlformats.org/drawingml/2006/main" xmlns:r="http://schemas.openxmlformats.org/officeDocument/2006/relationships" xmlns:p="http://schemas.openxmlformats.org/presentationml/2006/main">
+  <p:cSld>
+    <p:spTree>
+      <p:nvGrpSpPr>
+        <p:cNvPr id="1" name=""/>
+        <p:cNvGrpSpPr/>
+        <p:nvPr/>
+      </p:nvGrpSpPr>
+      <p:grpSpPr>
+        <a:xfrm>
+          <a:off x="0" y="0"/>
+          <a:ext cx="0" cy="0"/>
+          <a:chOff x="0" y="0"/>
+          <a:chExt cx="0" cy="0"/>
+        </a:xfrm>
+      </p:grpSpPr>
+      <p:grpSp>
+        <p:nvGrpSpPr>
+          <p:cNvPr id="22" name="グループ化 21">
+            <a:extLst>
+              <a:ext uri="{FF2B5EF4-FFF2-40B4-BE49-F238E27FC236}">
+                <a16:creationId xmlns:a16="http://schemas.microsoft.com/office/drawing/2014/main" id="{2001699F-FBA2-4D3B-989D-149E487A5A9E}"/>
+              </a:ext>
+            </a:extLst>
+          </p:cNvPr>
+          <p:cNvGrpSpPr/>
+          <p:nvPr/>
+        </p:nvGrpSpPr>
+        <p:grpSpPr>
+          <a:xfrm>
+            <a:off x="6497978" y="1373116"/>
+            <a:ext cx="5880101" cy="3920067"/>
+            <a:chOff x="-578118" y="1451855"/>
+            <a:chExt cx="6674118" cy="4449412"/>
+          </a:xfrm>
+        </p:grpSpPr>
+        <p:graphicFrame>
+          <p:nvGraphicFramePr>
+            <p:cNvPr id="2" name="図表 1">
+              <a:extLst>
+                <a:ext uri="{FF2B5EF4-FFF2-40B4-BE49-F238E27FC236}">
+                  <a16:creationId xmlns:a16="http://schemas.microsoft.com/office/drawing/2014/main" id="{8100BBEE-2F58-03EC-DAFC-343BA600E731}"/>
+                </a:ext>
+              </a:extLst>
+            </p:cNvPr>
+            <p:cNvGraphicFramePr/>
+            <p:nvPr>
+              <p:extLst>
+                <p:ext uri="{D42A27DB-BD31-4B8C-83A1-F6EECF244321}">
+                  <p14:modId xmlns:p14="http://schemas.microsoft.com/office/powerpoint/2010/main" val="4140925391"/>
+                </p:ext>
+              </p:extLst>
+            </p:nvPr>
+          </p:nvGraphicFramePr>
+          <p:xfrm>
+            <a:off x="-578118" y="1451855"/>
+            <a:ext cx="6674118" cy="4449412"/>
+          </p:xfrm>
+          <a:graphic>
+            <a:graphicData uri="http://schemas.openxmlformats.org/drawingml/2006/diagram">
+              <dgm:relIds xmlns:dgm="http://schemas.openxmlformats.org/drawingml/2006/diagram" xmlns:r="http://schemas.openxmlformats.org/officeDocument/2006/relationships" r:dm="rId2" r:lo="rId3" r:qs="rId4" r:cs="rId5"/>
+            </a:graphicData>
+          </a:graphic>
+        </p:graphicFrame>
+        <p:cxnSp>
+          <p:nvCxnSpPr>
+            <p:cNvPr id="5" name="直線矢印コネクタ 4">
+              <a:extLst>
+                <a:ext uri="{FF2B5EF4-FFF2-40B4-BE49-F238E27FC236}">
+                  <a16:creationId xmlns:a16="http://schemas.microsoft.com/office/drawing/2014/main" id="{5874AD33-769C-7E55-8882-9D84F049E767}"/>
+                </a:ext>
+              </a:extLst>
+            </p:cNvPr>
+            <p:cNvCxnSpPr>
+              <a:cxnSpLocks/>
+            </p:cNvCxnSpPr>
+            <p:nvPr/>
+          </p:nvCxnSpPr>
+          <p:spPr>
+            <a:xfrm>
+              <a:off x="3621349" y="2218267"/>
+              <a:ext cx="592667" cy="575733"/>
+            </a:xfrm>
+            <a:prstGeom prst="straightConnector1">
+              <a:avLst/>
+            </a:prstGeom>
+            <a:ln>
+              <a:tailEnd type="triangle"/>
+            </a:ln>
+          </p:spPr>
+          <p:style>
+            <a:lnRef idx="1">
+              <a:schemeClr val="accent1"/>
+            </a:lnRef>
+            <a:fillRef idx="0">
+              <a:schemeClr val="accent1"/>
+            </a:fillRef>
+            <a:effectRef idx="0">
+              <a:schemeClr val="accent1"/>
+            </a:effectRef>
+            <a:fontRef idx="minor">
+              <a:schemeClr val="tx1"/>
+            </a:fontRef>
+          </p:style>
+        </p:cxnSp>
+        <p:cxnSp>
+          <p:nvCxnSpPr>
+            <p:cNvPr id="9" name="直線矢印コネクタ 8">
+              <a:extLst>
+                <a:ext uri="{FF2B5EF4-FFF2-40B4-BE49-F238E27FC236}">
+                  <a16:creationId xmlns:a16="http://schemas.microsoft.com/office/drawing/2014/main" id="{660D651F-C76F-B944-7AFB-02E81DB980B7}"/>
+                </a:ext>
+              </a:extLst>
+            </p:cNvPr>
+            <p:cNvCxnSpPr>
+              <a:cxnSpLocks/>
+            </p:cNvCxnSpPr>
+            <p:nvPr/>
+          </p:nvCxnSpPr>
+          <p:spPr>
+            <a:xfrm flipH="1">
+              <a:off x="3621348" y="4508680"/>
+              <a:ext cx="592667" cy="614012"/>
+            </a:xfrm>
+            <a:prstGeom prst="straightConnector1">
+              <a:avLst/>
+            </a:prstGeom>
+            <a:ln>
+              <a:tailEnd type="triangle"/>
+            </a:ln>
+          </p:spPr>
+          <p:style>
+            <a:lnRef idx="1">
+              <a:schemeClr val="accent1"/>
+            </a:lnRef>
+            <a:fillRef idx="0">
+              <a:schemeClr val="accent1"/>
+            </a:fillRef>
+            <a:effectRef idx="0">
+              <a:schemeClr val="accent1"/>
+            </a:effectRef>
+            <a:fontRef idx="minor">
+              <a:schemeClr val="tx1"/>
+            </a:fontRef>
+          </p:style>
+        </p:cxnSp>
+        <p:cxnSp>
+          <p:nvCxnSpPr>
+            <p:cNvPr id="11" name="直線矢印コネクタ 10">
+              <a:extLst>
+                <a:ext uri="{FF2B5EF4-FFF2-40B4-BE49-F238E27FC236}">
+                  <a16:creationId xmlns:a16="http://schemas.microsoft.com/office/drawing/2014/main" id="{756E03EA-645B-B72D-5981-2AE2523A3CFB}"/>
+                </a:ext>
+              </a:extLst>
+            </p:cNvPr>
+            <p:cNvCxnSpPr>
+              <a:cxnSpLocks/>
+            </p:cNvCxnSpPr>
+            <p:nvPr/>
+          </p:nvCxnSpPr>
+          <p:spPr>
+            <a:xfrm flipV="1">
+              <a:off x="1229516" y="2260601"/>
+              <a:ext cx="584200" cy="533399"/>
+            </a:xfrm>
+            <a:prstGeom prst="straightConnector1">
+              <a:avLst/>
+            </a:prstGeom>
+            <a:ln>
+              <a:tailEnd type="triangle"/>
+            </a:ln>
+          </p:spPr>
+          <p:style>
+            <a:lnRef idx="1">
+              <a:schemeClr val="accent1"/>
+            </a:lnRef>
+            <a:fillRef idx="0">
+              <a:schemeClr val="accent1"/>
+            </a:fillRef>
+            <a:effectRef idx="0">
+              <a:schemeClr val="accent1"/>
+            </a:effectRef>
+            <a:fontRef idx="minor">
+              <a:schemeClr val="tx1"/>
+            </a:fontRef>
+          </p:style>
+        </p:cxnSp>
+        <p:cxnSp>
+          <p:nvCxnSpPr>
+            <p:cNvPr id="13" name="直線矢印コネクタ 12">
+              <a:extLst>
+                <a:ext uri="{FF2B5EF4-FFF2-40B4-BE49-F238E27FC236}">
+                  <a16:creationId xmlns:a16="http://schemas.microsoft.com/office/drawing/2014/main" id="{8273B516-C735-0D6A-A383-43D28EE4BC60}"/>
+                </a:ext>
+              </a:extLst>
+            </p:cNvPr>
+            <p:cNvCxnSpPr>
+              <a:cxnSpLocks/>
+            </p:cNvCxnSpPr>
+            <p:nvPr/>
+          </p:nvCxnSpPr>
+          <p:spPr>
+            <a:xfrm flipH="1" flipV="1">
+              <a:off x="1229516" y="4500571"/>
+              <a:ext cx="673101" cy="622121"/>
+            </a:xfrm>
+            <a:prstGeom prst="straightConnector1">
+              <a:avLst/>
+            </a:prstGeom>
+            <a:ln>
+              <a:tailEnd type="triangle"/>
+            </a:ln>
+          </p:spPr>
+          <p:style>
+            <a:lnRef idx="1">
+              <a:schemeClr val="accent1"/>
+            </a:lnRef>
+            <a:fillRef idx="0">
+              <a:schemeClr val="accent1"/>
+            </a:fillRef>
+            <a:effectRef idx="0">
+              <a:schemeClr val="accent1"/>
+            </a:effectRef>
+            <a:fontRef idx="minor">
+              <a:schemeClr val="tx1"/>
+            </a:fontRef>
+          </p:style>
+        </p:cxnSp>
+      </p:grpSp>
+      <p:graphicFrame>
+        <p:nvGraphicFramePr>
+          <p:cNvPr id="21" name="表 20">
+            <a:extLst>
+              <a:ext uri="{FF2B5EF4-FFF2-40B4-BE49-F238E27FC236}">
+                <a16:creationId xmlns:a16="http://schemas.microsoft.com/office/drawing/2014/main" id="{FD259BFF-11D1-B88B-E440-1E063813106D}"/>
+              </a:ext>
+            </a:extLst>
+          </p:cNvPr>
+          <p:cNvGraphicFramePr>
+            <a:graphicFrameLocks noGrp="1"/>
+          </p:cNvGraphicFramePr>
+          <p:nvPr>
+            <p:extLst>
+              <p:ext uri="{D42A27DB-BD31-4B8C-83A1-F6EECF244321}">
+                <p14:modId xmlns:p14="http://schemas.microsoft.com/office/powerpoint/2010/main" val="1836191773"/>
+              </p:ext>
+            </p:extLst>
+          </p:nvPr>
+        </p:nvGraphicFramePr>
+        <p:xfrm>
+          <a:off x="256967" y="1467608"/>
+          <a:ext cx="6674118" cy="3479800"/>
+        </p:xfrm>
+        <a:graphic>
+          <a:graphicData uri="http://schemas.openxmlformats.org/drawingml/2006/table">
+            <a:tbl>
+              <a:tblPr firstRow="1" bandRow="1">
+                <a:tableStyleId>{5C22544A-7EE6-4342-B048-85BDC9FD1C3A}</a:tableStyleId>
+              </a:tblPr>
+              <a:tblGrid>
+                <a:gridCol w="3337059">
+                  <a:extLst>
+                    <a:ext uri="{9D8B030D-6E8A-4147-A177-3AD203B41FA5}">
+                      <a16:colId xmlns:a16="http://schemas.microsoft.com/office/drawing/2014/main" val="1043797649"/>
+                    </a:ext>
+                  </a:extLst>
+                </a:gridCol>
+                <a:gridCol w="3337059">
+                  <a:extLst>
+                    <a:ext uri="{9D8B030D-6E8A-4147-A177-3AD203B41FA5}">
+                      <a16:colId xmlns:a16="http://schemas.microsoft.com/office/drawing/2014/main" val="3960042363"/>
+                    </a:ext>
+                  </a:extLst>
+                </a:gridCol>
+              </a:tblGrid>
+              <a:tr h="370840">
+                <a:tc>
+                  <a:txBody>
+                    <a:bodyPr/>
+                    <a:lstStyle/>
+                    <a:p>
+                      <a:pPr algn="ctr"/>
+                      <a:r>
+                        <a:rPr kumimoji="1" lang="ja-JP" altLang="en-US" sz="1400"/>
+                        <a:t>妄想する</a:t>
+                      </a:r>
+                    </a:p>
+                  </a:txBody>
+                  <a:tcPr/>
+                </a:tc>
+                <a:tc>
+                  <a:txBody>
+                    <a:bodyPr/>
+                    <a:lstStyle/>
+                    <a:p>
+                      <a:pPr algn="ctr"/>
+                      <a:r>
+                        <a:rPr kumimoji="1" lang="ja-JP" altLang="en-US" sz="1400"/>
+                        <a:t>妄想しない</a:t>
+                      </a:r>
+                    </a:p>
+                  </a:txBody>
+                  <a:tcPr/>
+                </a:tc>
+                <a:extLst>
+                  <a:ext uri="{0D108BD9-81ED-4DB2-BD59-A6C34878D82A}">
+                    <a16:rowId xmlns:a16="http://schemas.microsoft.com/office/drawing/2014/main" val="2154027827"/>
+                  </a:ext>
+                </a:extLst>
+              </a:tr>
+              <a:tr h="370840">
+                <a:tc>
+                  <a:txBody>
+                    <a:bodyPr/>
+                    <a:lstStyle/>
+                    <a:p>
+                      <a:pPr algn="ctr"/>
+                      <a:r>
+                        <a:rPr kumimoji="1" lang="ja-JP" altLang="en-US" sz="1600" kern="1200">
+                          <a:solidFill>
+                            <a:schemeClr val="dk1"/>
+                          </a:solidFill>
+                          <a:effectLst/>
+                          <a:latin typeface="+mn-lt"/>
+                          <a:ea typeface="+mn-ea"/>
+                          <a:cs typeface="+mn-cs"/>
+                        </a:rPr>
+                        <a:t>注意力が妄想に使われる</a:t>
+                      </a:r>
+                      <a:endParaRPr kumimoji="1" lang="en-US" altLang="ja-JP" sz="1600" kern="1200">
+                        <a:solidFill>
+                          <a:schemeClr val="dk1"/>
+                        </a:solidFill>
+                        <a:effectLst/>
+                        <a:latin typeface="+mn-lt"/>
+                        <a:ea typeface="+mn-ea"/>
+                        <a:cs typeface="+mn-cs"/>
+                      </a:endParaRPr>
+                    </a:p>
+                    <a:p>
+                      <a:pPr algn="ctr"/>
+                      <a:r>
+                        <a:rPr kumimoji="1" lang="ja-JP" altLang="en-US" sz="1600" kern="1200">
+                          <a:solidFill>
+                            <a:schemeClr val="dk1"/>
+                          </a:solidFill>
+                          <a:effectLst/>
+                          <a:latin typeface="+mn-lt"/>
+                          <a:ea typeface="+mn-ea"/>
+                          <a:cs typeface="+mn-cs"/>
+                        </a:rPr>
+                        <a:t>↓</a:t>
+                      </a:r>
+                    </a:p>
+                    <a:p>
+                      <a:pPr algn="ctr"/>
+                      <a:r>
+                        <a:rPr kumimoji="1" lang="ja-JP" altLang="en-US" sz="1600" kern="1200">
+                          <a:solidFill>
+                            <a:schemeClr val="dk1"/>
+                          </a:solidFill>
+                          <a:effectLst/>
+                          <a:latin typeface="+mn-lt"/>
+                          <a:ea typeface="+mn-ea"/>
+                          <a:cs typeface="+mn-cs"/>
+                        </a:rPr>
+                        <a:t>本当にやりたいことに注意力を</a:t>
+                      </a:r>
+                      <a:endParaRPr kumimoji="1" lang="en-US" altLang="ja-JP" sz="1600" kern="1200">
+                        <a:solidFill>
+                          <a:schemeClr val="dk1"/>
+                        </a:solidFill>
+                        <a:effectLst/>
+                        <a:latin typeface="+mn-lt"/>
+                        <a:ea typeface="+mn-ea"/>
+                        <a:cs typeface="+mn-cs"/>
+                      </a:endParaRPr>
+                    </a:p>
+                    <a:p>
+                      <a:pPr algn="ctr"/>
+                      <a:r>
+                        <a:rPr kumimoji="1" lang="ja-JP" altLang="en-US" sz="1600" kern="1200">
+                          <a:solidFill>
+                            <a:schemeClr val="dk1"/>
+                          </a:solidFill>
+                          <a:effectLst/>
+                          <a:latin typeface="+mn-lt"/>
+                          <a:ea typeface="+mn-ea"/>
+                          <a:cs typeface="+mn-cs"/>
+                        </a:rPr>
+                        <a:t>使えない</a:t>
+                      </a:r>
+                      <a:endParaRPr kumimoji="1" lang="en-US" altLang="ja-JP" sz="1600" kern="1200">
+                        <a:solidFill>
+                          <a:schemeClr val="dk1"/>
+                        </a:solidFill>
+                        <a:effectLst/>
+                        <a:latin typeface="+mn-lt"/>
+                        <a:ea typeface="+mn-ea"/>
+                        <a:cs typeface="+mn-cs"/>
+                      </a:endParaRPr>
+                    </a:p>
+                    <a:p>
+                      <a:pPr algn="ctr"/>
+                      <a:r>
+                        <a:rPr kumimoji="1" lang="ja-JP" altLang="en-US" sz="1600" kern="1200">
+                          <a:solidFill>
+                            <a:schemeClr val="dk1"/>
+                          </a:solidFill>
+                          <a:effectLst/>
+                          <a:latin typeface="+mn-lt"/>
+                          <a:ea typeface="+mn-ea"/>
+                          <a:cs typeface="+mn-cs"/>
+                        </a:rPr>
+                        <a:t>↓</a:t>
+                      </a:r>
+                    </a:p>
+                    <a:p>
+                      <a:pPr algn="ctr"/>
+                      <a:r>
+                        <a:rPr kumimoji="1" lang="ja-JP" altLang="en-US" sz="1600" b="1" kern="1200">
+                          <a:solidFill>
+                            <a:schemeClr val="accent1">
+                              <a:lumMod val="75000"/>
+                            </a:schemeClr>
+                          </a:solidFill>
+                          <a:effectLst/>
+                          <a:latin typeface="+mn-lt"/>
+                          <a:ea typeface="+mn-ea"/>
+                          <a:cs typeface="+mn-cs"/>
+                        </a:rPr>
+                        <a:t>やりたいことができない</a:t>
+                      </a:r>
+                    </a:p>
+                  </a:txBody>
+                  <a:tcPr/>
+                </a:tc>
+                <a:tc>
+                  <a:txBody>
+                    <a:bodyPr/>
+                    <a:lstStyle/>
+                    <a:p>
+                      <a:pPr algn="ctr"/>
+                      <a:r>
+                        <a:rPr kumimoji="1" lang="ja-JP" altLang="en-US" sz="1600"/>
+                        <a:t>注意力が余る</a:t>
+                      </a:r>
+                      <a:endParaRPr kumimoji="1" lang="en-US" altLang="ja-JP" sz="1600"/>
+                    </a:p>
+                    <a:p>
+                      <a:pPr algn="ctr"/>
+                      <a:r>
+                        <a:rPr kumimoji="1" lang="ja-JP" altLang="en-US" sz="1600"/>
+                        <a:t>↓</a:t>
+                      </a:r>
+                      <a:endParaRPr kumimoji="1" lang="en-US" altLang="ja-JP" sz="1600"/>
+                    </a:p>
+                    <a:p>
+                      <a:pPr algn="ctr"/>
+                      <a:r>
+                        <a:rPr kumimoji="1" lang="ja-JP" altLang="en-US" sz="1600"/>
+                        <a:t>本当にやりたいことに注意力を</a:t>
+                      </a:r>
+                      <a:endParaRPr kumimoji="1" lang="en-US" altLang="ja-JP" sz="1600"/>
+                    </a:p>
+                    <a:p>
+                      <a:pPr algn="ctr"/>
+                      <a:r>
+                        <a:rPr kumimoji="1" lang="ja-JP" altLang="en-US" sz="1600"/>
+                        <a:t>使える</a:t>
+                      </a:r>
+                      <a:endParaRPr kumimoji="1" lang="en-US" altLang="ja-JP" sz="1600"/>
+                    </a:p>
+                    <a:p>
+                      <a:pPr algn="ctr"/>
+                      <a:r>
+                        <a:rPr kumimoji="1" lang="ja-JP" altLang="en-US" sz="1600"/>
+                        <a:t>↓</a:t>
+                      </a:r>
+                      <a:endParaRPr kumimoji="1" lang="en-US" altLang="ja-JP" sz="1600"/>
+                    </a:p>
+                    <a:p>
+                      <a:pPr algn="ctr"/>
+                      <a:r>
+                        <a:rPr kumimoji="1" lang="ja-JP" altLang="en-US" sz="1600" b="1">
+                          <a:solidFill>
+                            <a:srgbClr val="C00000"/>
+                          </a:solidFill>
+                        </a:rPr>
+                        <a:t>注意力がモチベーションと</a:t>
+                      </a:r>
+                      <a:endParaRPr kumimoji="1" lang="en-US" altLang="ja-JP" sz="1600" b="1">
+                        <a:solidFill>
+                          <a:srgbClr val="C00000"/>
+                        </a:solidFill>
+                      </a:endParaRPr>
+                    </a:p>
+                    <a:p>
+                      <a:pPr algn="ctr"/>
+                      <a:r>
+                        <a:rPr kumimoji="1" lang="ja-JP" altLang="en-US" sz="1600" b="1">
+                          <a:solidFill>
+                            <a:srgbClr val="C00000"/>
+                          </a:solidFill>
+                        </a:rPr>
+                        <a:t>実行力に変わる</a:t>
+                      </a:r>
+                      <a:endParaRPr kumimoji="1" lang="en-US" altLang="ja-JP" sz="1600" b="1">
+                        <a:solidFill>
+                          <a:srgbClr val="C00000"/>
+                        </a:solidFill>
+                      </a:endParaRPr>
+                    </a:p>
+                  </a:txBody>
+                  <a:tcPr/>
+                </a:tc>
+                <a:extLst>
+                  <a:ext uri="{0D108BD9-81ED-4DB2-BD59-A6C34878D82A}">
+                    <a16:rowId xmlns:a16="http://schemas.microsoft.com/office/drawing/2014/main" val="1796638795"/>
+                  </a:ext>
+                </a:extLst>
+              </a:tr>
+              <a:tr h="370840">
+                <a:tc>
+                  <a:txBody>
+                    <a:bodyPr/>
+                    <a:lstStyle/>
+                    <a:p>
+                      <a:pPr algn="ctr"/>
+                      <a:r>
+                        <a:rPr kumimoji="1" lang="ja-JP" altLang="en-US" sz="1600" kern="1200">
+                          <a:solidFill>
+                            <a:schemeClr val="dk1"/>
+                          </a:solidFill>
+                          <a:effectLst/>
+                          <a:latin typeface="+mn-lt"/>
+                          <a:ea typeface="+mn-ea"/>
+                          <a:cs typeface="+mn-cs"/>
+                        </a:rPr>
+                        <a:t>ネガティビティバイアスより</a:t>
+                      </a:r>
+                      <a:endParaRPr kumimoji="1" lang="en-US" altLang="ja-JP" sz="1600" kern="1200">
+                        <a:solidFill>
+                          <a:schemeClr val="dk1"/>
+                        </a:solidFill>
+                        <a:effectLst/>
+                        <a:latin typeface="+mn-lt"/>
+                        <a:ea typeface="+mn-ea"/>
+                        <a:cs typeface="+mn-cs"/>
+                      </a:endParaRPr>
+                    </a:p>
+                    <a:p>
+                      <a:pPr algn="ctr"/>
+                      <a:r>
+                        <a:rPr kumimoji="1" lang="ja-JP" altLang="en-US" sz="1600" kern="1200">
+                          <a:solidFill>
+                            <a:schemeClr val="dk1"/>
+                          </a:solidFill>
+                          <a:effectLst/>
+                          <a:latin typeface="+mn-lt"/>
+                          <a:ea typeface="+mn-ea"/>
+                          <a:cs typeface="+mn-cs"/>
+                        </a:rPr>
+                        <a:t>実際には起こらないことや、妄想に過ぎないことが気になる</a:t>
+                      </a:r>
+                      <a:endParaRPr kumimoji="1" lang="en-US" altLang="ja-JP" sz="1600" kern="1200">
+                        <a:solidFill>
+                          <a:schemeClr val="dk1"/>
+                        </a:solidFill>
+                        <a:effectLst/>
+                        <a:latin typeface="+mn-lt"/>
+                        <a:ea typeface="+mn-ea"/>
+                        <a:cs typeface="+mn-cs"/>
+                      </a:endParaRPr>
+                    </a:p>
+                    <a:p>
+                      <a:pPr algn="ctr"/>
+                      <a:r>
+                        <a:rPr kumimoji="1" lang="ja-JP" altLang="en-US" sz="1600" kern="1200">
+                          <a:solidFill>
+                            <a:schemeClr val="dk1"/>
+                          </a:solidFill>
+                          <a:effectLst/>
+                          <a:latin typeface="+mn-lt"/>
+                          <a:ea typeface="+mn-ea"/>
+                          <a:cs typeface="+mn-cs"/>
+                        </a:rPr>
+                        <a:t>↓</a:t>
+                      </a:r>
+                      <a:endParaRPr kumimoji="1" lang="en-US" altLang="ja-JP" sz="1600" kern="1200">
+                        <a:solidFill>
+                          <a:schemeClr val="dk1"/>
+                        </a:solidFill>
+                        <a:effectLst/>
+                        <a:latin typeface="+mn-lt"/>
+                        <a:ea typeface="+mn-ea"/>
+                        <a:cs typeface="+mn-cs"/>
+                      </a:endParaRPr>
+                    </a:p>
+                    <a:p>
+                      <a:pPr algn="ctr"/>
+                      <a:r>
+                        <a:rPr kumimoji="1" lang="ja-JP" altLang="en-US" sz="1600" b="1" kern="1200">
+                          <a:solidFill>
+                            <a:schemeClr val="accent1">
+                              <a:lumMod val="75000"/>
+                            </a:schemeClr>
+                          </a:solidFill>
+                          <a:effectLst/>
+                          <a:latin typeface="+mn-lt"/>
+                          <a:ea typeface="+mn-ea"/>
+                          <a:cs typeface="+mn-cs"/>
+                        </a:rPr>
+                        <a:t>不安と悩みが発生する</a:t>
+                      </a:r>
+                    </a:p>
+                  </a:txBody>
+                  <a:tcPr/>
+                </a:tc>
+                <a:tc>
+                  <a:txBody>
+                    <a:bodyPr/>
+                    <a:lstStyle/>
+                    <a:p>
+                      <a:pPr algn="ctr"/>
+                      <a:r>
+                        <a:rPr kumimoji="1" lang="ja-JP" altLang="en-US" sz="1600"/>
+                        <a:t>事実しか認識しない</a:t>
+                      </a:r>
+                      <a:endParaRPr kumimoji="1" lang="en-US" altLang="ja-JP" sz="1600"/>
+                    </a:p>
+                    <a:p>
+                      <a:pPr algn="ctr"/>
+                      <a:r>
+                        <a:rPr kumimoji="1" lang="ja-JP" altLang="en-US" sz="1600"/>
+                        <a:t>↓</a:t>
+                      </a:r>
+                      <a:endParaRPr kumimoji="1" lang="en-US" altLang="ja-JP" sz="1600"/>
+                    </a:p>
+                    <a:p>
+                      <a:pPr algn="ctr"/>
+                      <a:r>
+                        <a:rPr kumimoji="1" lang="ja-JP" altLang="en-US" sz="1600" b="1">
+                          <a:solidFill>
+                            <a:srgbClr val="C00000"/>
+                          </a:solidFill>
+                        </a:rPr>
+                        <a:t>不安や悩みが最小限になる</a:t>
+                      </a:r>
+                    </a:p>
+                  </a:txBody>
+                  <a:tcPr/>
+                </a:tc>
+                <a:extLst>
+                  <a:ext uri="{0D108BD9-81ED-4DB2-BD59-A6C34878D82A}">
+                    <a16:rowId xmlns:a16="http://schemas.microsoft.com/office/drawing/2014/main" val="2888170456"/>
+                  </a:ext>
+                </a:extLst>
+              </a:tr>
+            </a:tbl>
+          </a:graphicData>
+        </a:graphic>
+      </p:graphicFrame>
+    </p:spTree>
+    <p:extLst>
+      <p:ext uri="{BB962C8B-B14F-4D97-AF65-F5344CB8AC3E}">
+        <p14:creationId xmlns:p14="http://schemas.microsoft.com/office/powerpoint/2010/main" val="1633744608"/>
+      </p:ext>
+    </p:extLst>
+  </p:cSld>
+  <p:clrMapOvr>
+    <a:masterClrMapping/>
+  </p:clrMapOvr>
+</p:sld>
+</file>
+
 <file path=ppt/theme/theme1.xml><?xml version="1.0" encoding="utf-8"?>
 <a:theme xmlns:a="http://schemas.openxmlformats.org/drawingml/2006/main" name="Office テーマ">
   <a:themeElements>

--- a/限りある時間の使い方.pptx
+++ b/限りある時間の使い方.pptx
@@ -8,6 +8,7 @@
     <p:sldId id="258" r:id="rId2"/>
     <p:sldId id="259" r:id="rId3"/>
     <p:sldId id="260" r:id="rId4"/>
+    <p:sldId id="261" r:id="rId5"/>
   </p:sldIdLst>
   <p:sldSz cx="12192000" cy="6858000"/>
   <p:notesSz cx="6858000" cy="9144000"/>
@@ -861,7 +862,1037 @@
 </dgm:colorsDef>
 </file>
 
+<file path=ppt/diagrams/colors2.xml><?xml version="1.0" encoding="utf-8"?>
+<dgm:colorsDef xmlns:dgm="http://schemas.openxmlformats.org/drawingml/2006/diagram" xmlns:a="http://schemas.openxmlformats.org/drawingml/2006/main" uniqueId="urn:microsoft.com/office/officeart/2005/8/colors/accent1_2">
+  <dgm:title val=""/>
+  <dgm:desc val=""/>
+  <dgm:catLst>
+    <dgm:cat type="accent1" pri="11200"/>
+  </dgm:catLst>
+  <dgm:styleLbl name="node0">
+    <dgm:fillClrLst meth="repeat">
+      <a:schemeClr val="accent1"/>
+    </dgm:fillClrLst>
+    <dgm:linClrLst meth="repeat">
+      <a:schemeClr val="lt1"/>
+    </dgm:linClrLst>
+    <dgm:effectClrLst/>
+    <dgm:txLinClrLst/>
+    <dgm:txFillClrLst/>
+    <dgm:txEffectClrLst/>
+  </dgm:styleLbl>
+  <dgm:styleLbl name="alignNode1">
+    <dgm:fillClrLst meth="repeat">
+      <a:schemeClr val="accent1"/>
+    </dgm:fillClrLst>
+    <dgm:linClrLst meth="repeat">
+      <a:schemeClr val="accent1"/>
+    </dgm:linClrLst>
+    <dgm:effectClrLst/>
+    <dgm:txLinClrLst/>
+    <dgm:txFillClrLst/>
+    <dgm:txEffectClrLst/>
+  </dgm:styleLbl>
+  <dgm:styleLbl name="node1">
+    <dgm:fillClrLst meth="repeat">
+      <a:schemeClr val="accent1"/>
+    </dgm:fillClrLst>
+    <dgm:linClrLst meth="repeat">
+      <a:schemeClr val="lt1"/>
+    </dgm:linClrLst>
+    <dgm:effectClrLst/>
+    <dgm:txLinClrLst/>
+    <dgm:txFillClrLst/>
+    <dgm:txEffectClrLst/>
+  </dgm:styleLbl>
+  <dgm:styleLbl name="lnNode1">
+    <dgm:fillClrLst meth="repeat">
+      <a:schemeClr val="accent1"/>
+    </dgm:fillClrLst>
+    <dgm:linClrLst meth="repeat">
+      <a:schemeClr val="lt1"/>
+    </dgm:linClrLst>
+    <dgm:effectClrLst/>
+    <dgm:txLinClrLst/>
+    <dgm:txFillClrLst/>
+    <dgm:txEffectClrLst/>
+  </dgm:styleLbl>
+  <dgm:styleLbl name="vennNode1">
+    <dgm:fillClrLst meth="repeat">
+      <a:schemeClr val="accent1">
+        <a:alpha val="50000"/>
+      </a:schemeClr>
+    </dgm:fillClrLst>
+    <dgm:linClrLst meth="repeat">
+      <a:schemeClr val="lt1"/>
+    </dgm:linClrLst>
+    <dgm:effectClrLst/>
+    <dgm:txLinClrLst/>
+    <dgm:txFillClrLst/>
+    <dgm:txEffectClrLst/>
+  </dgm:styleLbl>
+  <dgm:styleLbl name="node2">
+    <dgm:fillClrLst meth="repeat">
+      <a:schemeClr val="accent1"/>
+    </dgm:fillClrLst>
+    <dgm:linClrLst meth="repeat">
+      <a:schemeClr val="lt1"/>
+    </dgm:linClrLst>
+    <dgm:effectClrLst/>
+    <dgm:txLinClrLst/>
+    <dgm:txFillClrLst/>
+    <dgm:txEffectClrLst/>
+  </dgm:styleLbl>
+  <dgm:styleLbl name="node3">
+    <dgm:fillClrLst meth="repeat">
+      <a:schemeClr val="accent1"/>
+    </dgm:fillClrLst>
+    <dgm:linClrLst meth="repeat">
+      <a:schemeClr val="lt1"/>
+    </dgm:linClrLst>
+    <dgm:effectClrLst/>
+    <dgm:txLinClrLst/>
+    <dgm:txFillClrLst/>
+    <dgm:txEffectClrLst/>
+  </dgm:styleLbl>
+  <dgm:styleLbl name="node4">
+    <dgm:fillClrLst meth="repeat">
+      <a:schemeClr val="accent1"/>
+    </dgm:fillClrLst>
+    <dgm:linClrLst meth="repeat">
+      <a:schemeClr val="lt1"/>
+    </dgm:linClrLst>
+    <dgm:effectClrLst/>
+    <dgm:txLinClrLst/>
+    <dgm:txFillClrLst/>
+    <dgm:txEffectClrLst/>
+  </dgm:styleLbl>
+  <dgm:styleLbl name="fgImgPlace1">
+    <dgm:fillClrLst meth="repeat">
+      <a:schemeClr val="accent1">
+        <a:tint val="50000"/>
+      </a:schemeClr>
+    </dgm:fillClrLst>
+    <dgm:linClrLst meth="repeat">
+      <a:schemeClr val="lt1"/>
+    </dgm:linClrLst>
+    <dgm:effectClrLst/>
+    <dgm:txLinClrLst/>
+    <dgm:txFillClrLst meth="repeat">
+      <a:schemeClr val="lt1"/>
+    </dgm:txFillClrLst>
+    <dgm:txEffectClrLst/>
+  </dgm:styleLbl>
+  <dgm:styleLbl name="alignImgPlace1">
+    <dgm:fillClrLst meth="repeat">
+      <a:schemeClr val="accent1">
+        <a:tint val="50000"/>
+      </a:schemeClr>
+    </dgm:fillClrLst>
+    <dgm:linClrLst meth="repeat">
+      <a:schemeClr val="lt1"/>
+    </dgm:linClrLst>
+    <dgm:effectClrLst/>
+    <dgm:txLinClrLst/>
+    <dgm:txFillClrLst meth="repeat">
+      <a:schemeClr val="lt1"/>
+    </dgm:txFillClrLst>
+    <dgm:txEffectClrLst/>
+  </dgm:styleLbl>
+  <dgm:styleLbl name="bgImgPlace1">
+    <dgm:fillClrLst meth="repeat">
+      <a:schemeClr val="accent1">
+        <a:tint val="50000"/>
+      </a:schemeClr>
+    </dgm:fillClrLst>
+    <dgm:linClrLst meth="repeat">
+      <a:schemeClr val="lt1"/>
+    </dgm:linClrLst>
+    <dgm:effectClrLst/>
+    <dgm:txLinClrLst/>
+    <dgm:txFillClrLst meth="repeat">
+      <a:schemeClr val="lt1"/>
+    </dgm:txFillClrLst>
+    <dgm:txEffectClrLst/>
+  </dgm:styleLbl>
+  <dgm:styleLbl name="sibTrans2D1">
+    <dgm:fillClrLst meth="repeat">
+      <a:schemeClr val="accent1">
+        <a:tint val="60000"/>
+      </a:schemeClr>
+    </dgm:fillClrLst>
+    <dgm:linClrLst meth="repeat">
+      <a:schemeClr val="accent1">
+        <a:tint val="60000"/>
+      </a:schemeClr>
+    </dgm:linClrLst>
+    <dgm:effectClrLst/>
+    <dgm:txLinClrLst/>
+    <dgm:txFillClrLst/>
+    <dgm:txEffectClrLst/>
+  </dgm:styleLbl>
+  <dgm:styleLbl name="fgSibTrans2D1">
+    <dgm:fillClrLst meth="repeat">
+      <a:schemeClr val="accent1">
+        <a:tint val="60000"/>
+      </a:schemeClr>
+    </dgm:fillClrLst>
+    <dgm:linClrLst meth="repeat">
+      <a:schemeClr val="accent1">
+        <a:tint val="60000"/>
+      </a:schemeClr>
+    </dgm:linClrLst>
+    <dgm:effectClrLst/>
+    <dgm:txLinClrLst/>
+    <dgm:txFillClrLst/>
+    <dgm:txEffectClrLst/>
+  </dgm:styleLbl>
+  <dgm:styleLbl name="bgSibTrans2D1">
+    <dgm:fillClrLst meth="repeat">
+      <a:schemeClr val="accent1">
+        <a:tint val="60000"/>
+      </a:schemeClr>
+    </dgm:fillClrLst>
+    <dgm:linClrLst meth="repeat">
+      <a:schemeClr val="accent1">
+        <a:tint val="60000"/>
+      </a:schemeClr>
+    </dgm:linClrLst>
+    <dgm:effectClrLst/>
+    <dgm:txLinClrLst/>
+    <dgm:txFillClrLst/>
+    <dgm:txEffectClrLst/>
+  </dgm:styleLbl>
+  <dgm:styleLbl name="sibTrans1D1">
+    <dgm:fillClrLst meth="repeat">
+      <a:schemeClr val="accent1"/>
+    </dgm:fillClrLst>
+    <dgm:linClrLst meth="repeat">
+      <a:schemeClr val="accent1"/>
+    </dgm:linClrLst>
+    <dgm:effectClrLst/>
+    <dgm:txLinClrLst/>
+    <dgm:txFillClrLst meth="repeat">
+      <a:schemeClr val="tx1"/>
+    </dgm:txFillClrLst>
+    <dgm:txEffectClrLst/>
+  </dgm:styleLbl>
+  <dgm:styleLbl name="callout">
+    <dgm:fillClrLst meth="repeat">
+      <a:schemeClr val="accent1"/>
+    </dgm:fillClrLst>
+    <dgm:linClrLst meth="repeat">
+      <a:schemeClr val="accent1">
+        <a:tint val="50000"/>
+      </a:schemeClr>
+    </dgm:linClrLst>
+    <dgm:effectClrLst/>
+    <dgm:txLinClrLst/>
+    <dgm:txFillClrLst meth="repeat">
+      <a:schemeClr val="tx1"/>
+    </dgm:txFillClrLst>
+    <dgm:txEffectClrLst/>
+  </dgm:styleLbl>
+  <dgm:styleLbl name="asst0">
+    <dgm:fillClrLst meth="repeat">
+      <a:schemeClr val="accent1"/>
+    </dgm:fillClrLst>
+    <dgm:linClrLst meth="repeat">
+      <a:schemeClr val="lt1"/>
+    </dgm:linClrLst>
+    <dgm:effectClrLst/>
+    <dgm:txLinClrLst/>
+    <dgm:txFillClrLst/>
+    <dgm:txEffectClrLst/>
+  </dgm:styleLbl>
+  <dgm:styleLbl name="asst1">
+    <dgm:fillClrLst meth="repeat">
+      <a:schemeClr val="accent1"/>
+    </dgm:fillClrLst>
+    <dgm:linClrLst meth="repeat">
+      <a:schemeClr val="lt1"/>
+    </dgm:linClrLst>
+    <dgm:effectClrLst/>
+    <dgm:txLinClrLst/>
+    <dgm:txFillClrLst/>
+    <dgm:txEffectClrLst/>
+  </dgm:styleLbl>
+  <dgm:styleLbl name="asst2">
+    <dgm:fillClrLst meth="repeat">
+      <a:schemeClr val="accent1"/>
+    </dgm:fillClrLst>
+    <dgm:linClrLst meth="repeat">
+      <a:schemeClr val="lt1"/>
+    </dgm:linClrLst>
+    <dgm:effectClrLst/>
+    <dgm:txLinClrLst/>
+    <dgm:txFillClrLst/>
+    <dgm:txEffectClrLst/>
+  </dgm:styleLbl>
+  <dgm:styleLbl name="asst3">
+    <dgm:fillClrLst meth="repeat">
+      <a:schemeClr val="accent1"/>
+    </dgm:fillClrLst>
+    <dgm:linClrLst meth="repeat">
+      <a:schemeClr val="lt1"/>
+    </dgm:linClrLst>
+    <dgm:effectClrLst/>
+    <dgm:txLinClrLst/>
+    <dgm:txFillClrLst/>
+    <dgm:txEffectClrLst/>
+  </dgm:styleLbl>
+  <dgm:styleLbl name="asst4">
+    <dgm:fillClrLst meth="repeat">
+      <a:schemeClr val="accent1"/>
+    </dgm:fillClrLst>
+    <dgm:linClrLst meth="repeat">
+      <a:schemeClr val="lt1"/>
+    </dgm:linClrLst>
+    <dgm:effectClrLst/>
+    <dgm:txLinClrLst/>
+    <dgm:txFillClrLst/>
+    <dgm:txEffectClrLst/>
+  </dgm:styleLbl>
+  <dgm:styleLbl name="parChTrans2D1">
+    <dgm:fillClrLst meth="repeat">
+      <a:schemeClr val="accent1">
+        <a:tint val="60000"/>
+      </a:schemeClr>
+    </dgm:fillClrLst>
+    <dgm:linClrLst meth="repeat">
+      <a:schemeClr val="accent1">
+        <a:tint val="60000"/>
+      </a:schemeClr>
+    </dgm:linClrLst>
+    <dgm:effectClrLst/>
+    <dgm:txLinClrLst/>
+    <dgm:txFillClrLst meth="repeat">
+      <a:schemeClr val="lt1"/>
+    </dgm:txFillClrLst>
+    <dgm:txEffectClrLst/>
+  </dgm:styleLbl>
+  <dgm:styleLbl name="parChTrans2D2">
+    <dgm:fillClrLst meth="repeat">
+      <a:schemeClr val="accent1"/>
+    </dgm:fillClrLst>
+    <dgm:linClrLst meth="repeat">
+      <a:schemeClr val="accent1"/>
+    </dgm:linClrLst>
+    <dgm:effectClrLst/>
+    <dgm:txLinClrLst/>
+    <dgm:txFillClrLst meth="repeat">
+      <a:schemeClr val="lt1"/>
+    </dgm:txFillClrLst>
+    <dgm:txEffectClrLst/>
+  </dgm:styleLbl>
+  <dgm:styleLbl name="parChTrans2D3">
+    <dgm:fillClrLst meth="repeat">
+      <a:schemeClr val="accent1"/>
+    </dgm:fillClrLst>
+    <dgm:linClrLst meth="repeat">
+      <a:schemeClr val="accent1"/>
+    </dgm:linClrLst>
+    <dgm:effectClrLst/>
+    <dgm:txLinClrLst/>
+    <dgm:txFillClrLst meth="repeat">
+      <a:schemeClr val="lt1"/>
+    </dgm:txFillClrLst>
+    <dgm:txEffectClrLst/>
+  </dgm:styleLbl>
+  <dgm:styleLbl name="parChTrans2D4">
+    <dgm:fillClrLst meth="repeat">
+      <a:schemeClr val="accent1"/>
+    </dgm:fillClrLst>
+    <dgm:linClrLst meth="repeat">
+      <a:schemeClr val="accent1"/>
+    </dgm:linClrLst>
+    <dgm:effectClrLst/>
+    <dgm:txLinClrLst/>
+    <dgm:txFillClrLst meth="repeat">
+      <a:schemeClr val="lt1"/>
+    </dgm:txFillClrLst>
+    <dgm:txEffectClrLst/>
+  </dgm:styleLbl>
+  <dgm:styleLbl name="parChTrans1D1">
+    <dgm:fillClrLst meth="repeat">
+      <a:schemeClr val="accent1"/>
+    </dgm:fillClrLst>
+    <dgm:linClrLst meth="repeat">
+      <a:schemeClr val="accent1">
+        <a:shade val="60000"/>
+      </a:schemeClr>
+    </dgm:linClrLst>
+    <dgm:effectClrLst/>
+    <dgm:txLinClrLst/>
+    <dgm:txFillClrLst meth="repeat">
+      <a:schemeClr val="tx1"/>
+    </dgm:txFillClrLst>
+    <dgm:txEffectClrLst/>
+  </dgm:styleLbl>
+  <dgm:styleLbl name="parChTrans1D2">
+    <dgm:fillClrLst meth="repeat">
+      <a:schemeClr val="accent1"/>
+    </dgm:fillClrLst>
+    <dgm:linClrLst meth="repeat">
+      <a:schemeClr val="accent1">
+        <a:shade val="60000"/>
+      </a:schemeClr>
+    </dgm:linClrLst>
+    <dgm:effectClrLst/>
+    <dgm:txLinClrLst/>
+    <dgm:txFillClrLst meth="repeat">
+      <a:schemeClr val="tx1"/>
+    </dgm:txFillClrLst>
+    <dgm:txEffectClrLst/>
+  </dgm:styleLbl>
+  <dgm:styleLbl name="parChTrans1D3">
+    <dgm:fillClrLst meth="repeat">
+      <a:schemeClr val="accent1"/>
+    </dgm:fillClrLst>
+    <dgm:linClrLst meth="repeat">
+      <a:schemeClr val="accent1">
+        <a:shade val="80000"/>
+      </a:schemeClr>
+    </dgm:linClrLst>
+    <dgm:effectClrLst/>
+    <dgm:txLinClrLst/>
+    <dgm:txFillClrLst meth="repeat">
+      <a:schemeClr val="tx1"/>
+    </dgm:txFillClrLst>
+    <dgm:txEffectClrLst/>
+  </dgm:styleLbl>
+  <dgm:styleLbl name="parChTrans1D4">
+    <dgm:fillClrLst meth="repeat">
+      <a:schemeClr val="accent1"/>
+    </dgm:fillClrLst>
+    <dgm:linClrLst meth="repeat">
+      <a:schemeClr val="accent1">
+        <a:shade val="80000"/>
+      </a:schemeClr>
+    </dgm:linClrLst>
+    <dgm:effectClrLst/>
+    <dgm:txLinClrLst/>
+    <dgm:txFillClrLst meth="repeat">
+      <a:schemeClr val="tx1"/>
+    </dgm:txFillClrLst>
+    <dgm:txEffectClrLst/>
+  </dgm:styleLbl>
+  <dgm:styleLbl name="fgAcc1">
+    <dgm:fillClrLst meth="repeat">
+      <a:schemeClr val="lt1">
+        <a:alpha val="90000"/>
+      </a:schemeClr>
+    </dgm:fillClrLst>
+    <dgm:linClrLst meth="repeat">
+      <a:schemeClr val="accent1"/>
+    </dgm:linClrLst>
+    <dgm:effectClrLst/>
+    <dgm:txLinClrLst/>
+    <dgm:txFillClrLst meth="repeat">
+      <a:schemeClr val="dk1"/>
+    </dgm:txFillClrLst>
+    <dgm:txEffectClrLst/>
+  </dgm:styleLbl>
+  <dgm:styleLbl name="conFgAcc1">
+    <dgm:fillClrLst meth="repeat">
+      <a:schemeClr val="lt1">
+        <a:alpha val="90000"/>
+      </a:schemeClr>
+    </dgm:fillClrLst>
+    <dgm:linClrLst meth="repeat">
+      <a:schemeClr val="accent1"/>
+    </dgm:linClrLst>
+    <dgm:effectClrLst/>
+    <dgm:txLinClrLst/>
+    <dgm:txFillClrLst meth="repeat">
+      <a:schemeClr val="dk1"/>
+    </dgm:txFillClrLst>
+    <dgm:txEffectClrLst/>
+  </dgm:styleLbl>
+  <dgm:styleLbl name="alignAcc1">
+    <dgm:fillClrLst meth="repeat">
+      <a:schemeClr val="lt1">
+        <a:alpha val="90000"/>
+      </a:schemeClr>
+    </dgm:fillClrLst>
+    <dgm:linClrLst meth="repeat">
+      <a:schemeClr val="accent1"/>
+    </dgm:linClrLst>
+    <dgm:effectClrLst/>
+    <dgm:txLinClrLst/>
+    <dgm:txFillClrLst meth="repeat">
+      <a:schemeClr val="dk1"/>
+    </dgm:txFillClrLst>
+    <dgm:txEffectClrLst/>
+  </dgm:styleLbl>
+  <dgm:styleLbl name="trAlignAcc1">
+    <dgm:fillClrLst meth="repeat">
+      <a:schemeClr val="lt1">
+        <a:alpha val="40000"/>
+      </a:schemeClr>
+    </dgm:fillClrLst>
+    <dgm:linClrLst meth="repeat">
+      <a:schemeClr val="accent1"/>
+    </dgm:linClrLst>
+    <dgm:effectClrLst/>
+    <dgm:txLinClrLst/>
+    <dgm:txFillClrLst meth="repeat">
+      <a:schemeClr val="dk1"/>
+    </dgm:txFillClrLst>
+    <dgm:txEffectClrLst/>
+  </dgm:styleLbl>
+  <dgm:styleLbl name="bgAcc1">
+    <dgm:fillClrLst meth="repeat">
+      <a:schemeClr val="lt1">
+        <a:alpha val="90000"/>
+      </a:schemeClr>
+    </dgm:fillClrLst>
+    <dgm:linClrLst meth="repeat">
+      <a:schemeClr val="accent1"/>
+    </dgm:linClrLst>
+    <dgm:effectClrLst/>
+    <dgm:txLinClrLst/>
+    <dgm:txFillClrLst meth="repeat">
+      <a:schemeClr val="dk1"/>
+    </dgm:txFillClrLst>
+    <dgm:txEffectClrLst/>
+  </dgm:styleLbl>
+  <dgm:styleLbl name="solidFgAcc1">
+    <dgm:fillClrLst meth="repeat">
+      <a:schemeClr val="lt1"/>
+    </dgm:fillClrLst>
+    <dgm:linClrLst meth="repeat">
+      <a:schemeClr val="accent1"/>
+    </dgm:linClrLst>
+    <dgm:effectClrLst/>
+    <dgm:txLinClrLst/>
+    <dgm:txFillClrLst meth="repeat">
+      <a:schemeClr val="dk1"/>
+    </dgm:txFillClrLst>
+    <dgm:txEffectClrLst/>
+  </dgm:styleLbl>
+  <dgm:styleLbl name="solidAlignAcc1">
+    <dgm:fillClrLst meth="repeat">
+      <a:schemeClr val="lt1"/>
+    </dgm:fillClrLst>
+    <dgm:linClrLst meth="repeat">
+      <a:schemeClr val="accent1"/>
+    </dgm:linClrLst>
+    <dgm:effectClrLst/>
+    <dgm:txLinClrLst/>
+    <dgm:txFillClrLst meth="repeat">
+      <a:schemeClr val="dk1"/>
+    </dgm:txFillClrLst>
+    <dgm:txEffectClrLst/>
+  </dgm:styleLbl>
+  <dgm:styleLbl name="solidBgAcc1">
+    <dgm:fillClrLst meth="repeat">
+      <a:schemeClr val="lt1"/>
+    </dgm:fillClrLst>
+    <dgm:linClrLst meth="repeat">
+      <a:schemeClr val="accent1"/>
+    </dgm:linClrLst>
+    <dgm:effectClrLst/>
+    <dgm:txLinClrLst/>
+    <dgm:txFillClrLst meth="repeat">
+      <a:schemeClr val="dk1"/>
+    </dgm:txFillClrLst>
+    <dgm:txEffectClrLst/>
+  </dgm:styleLbl>
+  <dgm:styleLbl name="fgAccFollowNode1">
+    <dgm:fillClrLst meth="repeat">
+      <a:schemeClr val="accent1">
+        <a:alpha val="90000"/>
+        <a:tint val="40000"/>
+      </a:schemeClr>
+    </dgm:fillClrLst>
+    <dgm:linClrLst meth="repeat">
+      <a:schemeClr val="accent1">
+        <a:alpha val="90000"/>
+        <a:tint val="40000"/>
+      </a:schemeClr>
+    </dgm:linClrLst>
+    <dgm:effectClrLst/>
+    <dgm:txLinClrLst/>
+    <dgm:txFillClrLst meth="repeat">
+      <a:schemeClr val="dk1"/>
+    </dgm:txFillClrLst>
+    <dgm:txEffectClrLst/>
+  </dgm:styleLbl>
+  <dgm:styleLbl name="alignAccFollowNode1">
+    <dgm:fillClrLst meth="repeat">
+      <a:schemeClr val="accent1">
+        <a:alpha val="90000"/>
+        <a:tint val="40000"/>
+      </a:schemeClr>
+    </dgm:fillClrLst>
+    <dgm:linClrLst meth="repeat">
+      <a:schemeClr val="accent1">
+        <a:alpha val="90000"/>
+        <a:tint val="40000"/>
+      </a:schemeClr>
+    </dgm:linClrLst>
+    <dgm:effectClrLst/>
+    <dgm:txLinClrLst/>
+    <dgm:txFillClrLst meth="repeat">
+      <a:schemeClr val="dk1"/>
+    </dgm:txFillClrLst>
+    <dgm:txEffectClrLst/>
+  </dgm:styleLbl>
+  <dgm:styleLbl name="bgAccFollowNode1">
+    <dgm:fillClrLst meth="repeat">
+      <a:schemeClr val="accent1">
+        <a:alpha val="90000"/>
+        <a:tint val="40000"/>
+      </a:schemeClr>
+    </dgm:fillClrLst>
+    <dgm:linClrLst meth="repeat">
+      <a:schemeClr val="accent1">
+        <a:alpha val="90000"/>
+        <a:tint val="40000"/>
+      </a:schemeClr>
+    </dgm:linClrLst>
+    <dgm:effectClrLst/>
+    <dgm:txLinClrLst/>
+    <dgm:txFillClrLst meth="repeat">
+      <a:schemeClr val="dk1"/>
+    </dgm:txFillClrLst>
+    <dgm:txEffectClrLst/>
+  </dgm:styleLbl>
+  <dgm:styleLbl name="fgAcc0">
+    <dgm:fillClrLst meth="repeat">
+      <a:schemeClr val="lt1">
+        <a:alpha val="90000"/>
+      </a:schemeClr>
+    </dgm:fillClrLst>
+    <dgm:linClrLst meth="repeat">
+      <a:schemeClr val="accent1"/>
+    </dgm:linClrLst>
+    <dgm:effectClrLst/>
+    <dgm:txLinClrLst/>
+    <dgm:txFillClrLst meth="repeat">
+      <a:schemeClr val="dk1"/>
+    </dgm:txFillClrLst>
+    <dgm:txEffectClrLst/>
+  </dgm:styleLbl>
+  <dgm:styleLbl name="fgAcc2">
+    <dgm:fillClrLst meth="repeat">
+      <a:schemeClr val="lt1">
+        <a:alpha val="90000"/>
+      </a:schemeClr>
+    </dgm:fillClrLst>
+    <dgm:linClrLst meth="repeat">
+      <a:schemeClr val="accent1"/>
+    </dgm:linClrLst>
+    <dgm:effectClrLst/>
+    <dgm:txLinClrLst/>
+    <dgm:txFillClrLst meth="repeat">
+      <a:schemeClr val="dk1"/>
+    </dgm:txFillClrLst>
+    <dgm:txEffectClrLst/>
+  </dgm:styleLbl>
+  <dgm:styleLbl name="fgAcc3">
+    <dgm:fillClrLst meth="repeat">
+      <a:schemeClr val="lt1">
+        <a:alpha val="90000"/>
+      </a:schemeClr>
+    </dgm:fillClrLst>
+    <dgm:linClrLst meth="repeat">
+      <a:schemeClr val="accent1"/>
+    </dgm:linClrLst>
+    <dgm:effectClrLst/>
+    <dgm:txLinClrLst/>
+    <dgm:txFillClrLst meth="repeat">
+      <a:schemeClr val="dk1"/>
+    </dgm:txFillClrLst>
+    <dgm:txEffectClrLst/>
+  </dgm:styleLbl>
+  <dgm:styleLbl name="fgAcc4">
+    <dgm:fillClrLst meth="repeat">
+      <a:schemeClr val="lt1">
+        <a:alpha val="90000"/>
+      </a:schemeClr>
+    </dgm:fillClrLst>
+    <dgm:linClrLst meth="repeat">
+      <a:schemeClr val="accent1"/>
+    </dgm:linClrLst>
+    <dgm:effectClrLst/>
+    <dgm:txLinClrLst/>
+    <dgm:txFillClrLst meth="repeat">
+      <a:schemeClr val="dk1"/>
+    </dgm:txFillClrLst>
+    <dgm:txEffectClrLst/>
+  </dgm:styleLbl>
+  <dgm:styleLbl name="bgShp">
+    <dgm:fillClrLst meth="repeat">
+      <a:schemeClr val="accent1">
+        <a:tint val="40000"/>
+      </a:schemeClr>
+    </dgm:fillClrLst>
+    <dgm:linClrLst meth="repeat">
+      <a:schemeClr val="accent1"/>
+    </dgm:linClrLst>
+    <dgm:effectClrLst/>
+    <dgm:txLinClrLst/>
+    <dgm:txFillClrLst meth="repeat">
+      <a:schemeClr val="dk1"/>
+    </dgm:txFillClrLst>
+    <dgm:txEffectClrLst/>
+  </dgm:styleLbl>
+  <dgm:styleLbl name="dkBgShp">
+    <dgm:fillClrLst meth="repeat">
+      <a:schemeClr val="accent1">
+        <a:shade val="80000"/>
+      </a:schemeClr>
+    </dgm:fillClrLst>
+    <dgm:linClrLst meth="repeat">
+      <a:schemeClr val="accent1"/>
+    </dgm:linClrLst>
+    <dgm:effectClrLst/>
+    <dgm:txLinClrLst/>
+    <dgm:txFillClrLst meth="repeat">
+      <a:schemeClr val="lt1"/>
+    </dgm:txFillClrLst>
+    <dgm:txEffectClrLst/>
+  </dgm:styleLbl>
+  <dgm:styleLbl name="trBgShp">
+    <dgm:fillClrLst meth="repeat">
+      <a:schemeClr val="accent1">
+        <a:tint val="50000"/>
+        <a:alpha val="40000"/>
+      </a:schemeClr>
+    </dgm:fillClrLst>
+    <dgm:linClrLst meth="repeat">
+      <a:schemeClr val="accent1"/>
+    </dgm:linClrLst>
+    <dgm:effectClrLst/>
+    <dgm:txLinClrLst/>
+    <dgm:txFillClrLst meth="repeat">
+      <a:schemeClr val="lt1"/>
+    </dgm:txFillClrLst>
+    <dgm:txEffectClrLst/>
+  </dgm:styleLbl>
+  <dgm:styleLbl name="fgShp">
+    <dgm:fillClrLst meth="repeat">
+      <a:schemeClr val="accent1">
+        <a:tint val="60000"/>
+      </a:schemeClr>
+    </dgm:fillClrLst>
+    <dgm:linClrLst meth="repeat">
+      <a:schemeClr val="lt1"/>
+    </dgm:linClrLst>
+    <dgm:effectClrLst/>
+    <dgm:txLinClrLst/>
+    <dgm:txFillClrLst meth="repeat">
+      <a:schemeClr val="dk1"/>
+    </dgm:txFillClrLst>
+    <dgm:txEffectClrLst/>
+  </dgm:styleLbl>
+  <dgm:styleLbl name="revTx">
+    <dgm:fillClrLst meth="repeat">
+      <a:schemeClr val="lt1">
+        <a:alpha val="0"/>
+      </a:schemeClr>
+    </dgm:fillClrLst>
+    <dgm:linClrLst meth="repeat">
+      <a:schemeClr val="dk1">
+        <a:alpha val="0"/>
+      </a:schemeClr>
+    </dgm:linClrLst>
+    <dgm:effectClrLst/>
+    <dgm:txLinClrLst/>
+    <dgm:txFillClrLst meth="repeat">
+      <a:schemeClr val="tx1"/>
+    </dgm:txFillClrLst>
+    <dgm:txEffectClrLst/>
+  </dgm:styleLbl>
+</dgm:colorsDef>
+</file>
+
 <file path=ppt/diagrams/data1.xml><?xml version="1.0" encoding="utf-8"?>
+<dgm:dataModel xmlns:dgm="http://schemas.openxmlformats.org/drawingml/2006/diagram" xmlns:a="http://schemas.openxmlformats.org/drawingml/2006/main">
+  <dgm:ptLst>
+    <dgm:pt modelId="{48D67309-796F-7948-8313-B56592027800}" type="doc">
+      <dgm:prSet loTypeId="urn:microsoft.com/office/officeart/2005/8/layout/radial3" loCatId="" qsTypeId="urn:microsoft.com/office/officeart/2005/8/quickstyle/simple1" qsCatId="simple" csTypeId="urn:microsoft.com/office/officeart/2005/8/colors/accent1_2" csCatId="accent1" phldr="1"/>
+      <dgm:spPr/>
+      <dgm:t>
+        <a:bodyPr/>
+        <a:lstStyle/>
+        <a:p>
+          <a:endParaRPr kumimoji="1" lang="ja-JP" altLang="en-US"/>
+        </a:p>
+      </dgm:t>
+    </dgm:pt>
+    <dgm:pt modelId="{40624721-0030-7B49-9776-5E775818DC0A}">
+      <dgm:prSet phldrT="[テキスト]" custT="1"/>
+      <dgm:spPr/>
+      <dgm:t>
+        <a:bodyPr/>
+        <a:lstStyle/>
+        <a:p>
+          <a:r>
+            <a:rPr lang="ja-JP" altLang="en-US" sz="2000" b="1"/>
+            <a:t>妄想の負のスパイラル</a:t>
+          </a:r>
+          <a:endParaRPr kumimoji="1" lang="ja-JP" altLang="en-US" sz="2000" b="1"/>
+        </a:p>
+      </dgm:t>
+    </dgm:pt>
+    <dgm:pt modelId="{12528435-93B1-2343-B347-840401A0EE13}" type="parTrans" cxnId="{03627451-AD82-6545-8B9D-B4B8F787C635}">
+      <dgm:prSet/>
+      <dgm:spPr/>
+      <dgm:t>
+        <a:bodyPr/>
+        <a:lstStyle/>
+        <a:p>
+          <a:endParaRPr kumimoji="1" lang="ja-JP" altLang="en-US" sz="1600" b="1"/>
+        </a:p>
+      </dgm:t>
+    </dgm:pt>
+    <dgm:pt modelId="{D30DBD55-A4BB-EC49-AE97-A39060C4B672}" type="sibTrans" cxnId="{03627451-AD82-6545-8B9D-B4B8F787C635}">
+      <dgm:prSet/>
+      <dgm:spPr/>
+      <dgm:t>
+        <a:bodyPr/>
+        <a:lstStyle/>
+        <a:p>
+          <a:endParaRPr kumimoji="1" lang="ja-JP" altLang="en-US" sz="1600" b="1"/>
+        </a:p>
+      </dgm:t>
+    </dgm:pt>
+    <dgm:pt modelId="{BD0B410F-4597-7C4C-A293-A4ED3D0D5717}">
+      <dgm:prSet phldrT="[テキスト]" custT="1"/>
+      <dgm:spPr/>
+      <dgm:t>
+        <a:bodyPr/>
+        <a:lstStyle/>
+        <a:p>
+          <a:r>
+            <a:rPr lang="ja-JP" altLang="en-US" sz="1200" b="1"/>
+            <a:t>一時的に承認欲求が満たされる</a:t>
+          </a:r>
+          <a:endParaRPr kumimoji="1" lang="ja-JP" altLang="en-US" sz="1200" b="1"/>
+        </a:p>
+      </dgm:t>
+    </dgm:pt>
+    <dgm:pt modelId="{B1FA00B9-1E4A-AF46-87AF-F0C68765D742}" type="parTrans" cxnId="{CFBCA418-DC6F-224C-A074-A94DFB337D56}">
+      <dgm:prSet/>
+      <dgm:spPr/>
+      <dgm:t>
+        <a:bodyPr/>
+        <a:lstStyle/>
+        <a:p>
+          <a:endParaRPr kumimoji="1" lang="ja-JP" altLang="en-US" sz="1600" b="1"/>
+        </a:p>
+      </dgm:t>
+    </dgm:pt>
+    <dgm:pt modelId="{39F33945-A124-6049-A3D1-3DF602D44D54}" type="sibTrans" cxnId="{CFBCA418-DC6F-224C-A074-A94DFB337D56}">
+      <dgm:prSet/>
+      <dgm:spPr/>
+      <dgm:t>
+        <a:bodyPr/>
+        <a:lstStyle/>
+        <a:p>
+          <a:endParaRPr kumimoji="1" lang="ja-JP" altLang="en-US" sz="1600" b="1"/>
+        </a:p>
+      </dgm:t>
+    </dgm:pt>
+    <dgm:pt modelId="{9921D39B-5332-0A4B-BEF3-1A35A76806C6}">
+      <dgm:prSet phldrT="[テキスト]" custT="1"/>
+      <dgm:spPr/>
+      <dgm:t>
+        <a:bodyPr/>
+        <a:lstStyle/>
+        <a:p>
+          <a:r>
+            <a:rPr lang="ja-JP" altLang="en-US" sz="1200" b="1"/>
+            <a:t>現実との乖離がますます広がる</a:t>
+          </a:r>
+          <a:endParaRPr kumimoji="1" lang="ja-JP" altLang="en-US" sz="1200" b="1"/>
+        </a:p>
+      </dgm:t>
+    </dgm:pt>
+    <dgm:pt modelId="{D7CA4540-504E-894F-BC7E-D5D3FACE20F6}" type="parTrans" cxnId="{886C8ADD-E42A-1E43-808F-32F9CE1BDD36}">
+      <dgm:prSet/>
+      <dgm:spPr/>
+      <dgm:t>
+        <a:bodyPr/>
+        <a:lstStyle/>
+        <a:p>
+          <a:endParaRPr kumimoji="1" lang="ja-JP" altLang="en-US" sz="1600" b="1"/>
+        </a:p>
+      </dgm:t>
+    </dgm:pt>
+    <dgm:pt modelId="{00090DD0-3AFE-A94F-A25E-4F9EC137AF1A}" type="sibTrans" cxnId="{886C8ADD-E42A-1E43-808F-32F9CE1BDD36}">
+      <dgm:prSet/>
+      <dgm:spPr/>
+      <dgm:t>
+        <a:bodyPr/>
+        <a:lstStyle/>
+        <a:p>
+          <a:endParaRPr kumimoji="1" lang="ja-JP" altLang="en-US" sz="1600" b="1"/>
+        </a:p>
+      </dgm:t>
+    </dgm:pt>
+    <dgm:pt modelId="{107DE2A6-1E5D-434C-9C0B-0B0CEDCF20F0}">
+      <dgm:prSet phldrT="[テキスト]" custT="1"/>
+      <dgm:spPr/>
+      <dgm:t>
+        <a:bodyPr/>
+        <a:lstStyle/>
+        <a:p>
+          <a:r>
+            <a:rPr lang="ja-JP" altLang="en-US" sz="1200" b="1"/>
+            <a:t>現実への不満が強まる</a:t>
+          </a:r>
+          <a:endParaRPr kumimoji="1" lang="ja-JP" altLang="en-US" sz="1200" b="1"/>
+        </a:p>
+      </dgm:t>
+    </dgm:pt>
+    <dgm:pt modelId="{0A366266-1ACA-B148-B11D-DFDE0F3FF073}" type="parTrans" cxnId="{712A99EA-1F09-DC46-B237-827DE27B57FE}">
+      <dgm:prSet/>
+      <dgm:spPr/>
+      <dgm:t>
+        <a:bodyPr/>
+        <a:lstStyle/>
+        <a:p>
+          <a:endParaRPr kumimoji="1" lang="ja-JP" altLang="en-US" sz="1600" b="1"/>
+        </a:p>
+      </dgm:t>
+    </dgm:pt>
+    <dgm:pt modelId="{43282E38-111C-EB4A-99A6-7FE6D1EBAA8D}" type="sibTrans" cxnId="{712A99EA-1F09-DC46-B237-827DE27B57FE}">
+      <dgm:prSet/>
+      <dgm:spPr/>
+      <dgm:t>
+        <a:bodyPr/>
+        <a:lstStyle/>
+        <a:p>
+          <a:endParaRPr kumimoji="1" lang="ja-JP" altLang="en-US" sz="1600" b="1"/>
+        </a:p>
+      </dgm:t>
+    </dgm:pt>
+    <dgm:pt modelId="{B1BA2A07-6EFA-0C48-A411-0481F7FE1A60}">
+      <dgm:prSet phldrT="[テキスト]" custT="1"/>
+      <dgm:spPr/>
+      <dgm:t>
+        <a:bodyPr/>
+        <a:lstStyle/>
+        <a:p>
+          <a:r>
+            <a:rPr lang="ja-JP" altLang="en-US" sz="1200" b="1"/>
+            <a:t>架空の承認を多数得る</a:t>
+          </a:r>
+          <a:endParaRPr kumimoji="1" lang="ja-JP" altLang="en-US" sz="1200" b="1"/>
+        </a:p>
+      </dgm:t>
+    </dgm:pt>
+    <dgm:pt modelId="{3966D4AE-FDCF-CB4A-8F89-FB0A5FAF1667}" type="parTrans" cxnId="{0CED8ED9-10AB-CD43-8FEB-45FF04C9EF07}">
+      <dgm:prSet/>
+      <dgm:spPr/>
+      <dgm:t>
+        <a:bodyPr/>
+        <a:lstStyle/>
+        <a:p>
+          <a:endParaRPr kumimoji="1" lang="ja-JP" altLang="en-US" sz="1600" b="1"/>
+        </a:p>
+      </dgm:t>
+    </dgm:pt>
+    <dgm:pt modelId="{498C0A02-82DB-8A40-A142-1894055868FF}" type="sibTrans" cxnId="{0CED8ED9-10AB-CD43-8FEB-45FF04C9EF07}">
+      <dgm:prSet/>
+      <dgm:spPr/>
+      <dgm:t>
+        <a:bodyPr/>
+        <a:lstStyle/>
+        <a:p>
+          <a:endParaRPr kumimoji="1" lang="ja-JP" altLang="en-US" sz="1600" b="1"/>
+        </a:p>
+      </dgm:t>
+    </dgm:pt>
+    <dgm:pt modelId="{CEA69825-6F7E-ED45-A36F-2259EBD74A8F}" type="pres">
+      <dgm:prSet presAssocID="{48D67309-796F-7948-8313-B56592027800}" presName="composite" presStyleCnt="0">
+        <dgm:presLayoutVars>
+          <dgm:chMax val="1"/>
+          <dgm:dir/>
+          <dgm:resizeHandles val="exact"/>
+        </dgm:presLayoutVars>
+      </dgm:prSet>
+      <dgm:spPr/>
+    </dgm:pt>
+    <dgm:pt modelId="{8AA7C7FD-578F-4748-AD5F-3DE31210A332}" type="pres">
+      <dgm:prSet presAssocID="{48D67309-796F-7948-8313-B56592027800}" presName="radial" presStyleCnt="0">
+        <dgm:presLayoutVars>
+          <dgm:animLvl val="ctr"/>
+        </dgm:presLayoutVars>
+      </dgm:prSet>
+      <dgm:spPr/>
+    </dgm:pt>
+    <dgm:pt modelId="{64D1392F-5E11-D54D-9955-37560F7FF0F8}" type="pres">
+      <dgm:prSet presAssocID="{40624721-0030-7B49-9776-5E775818DC0A}" presName="centerShape" presStyleLbl="vennNode1" presStyleIdx="0" presStyleCnt="5"/>
+      <dgm:spPr/>
+    </dgm:pt>
+    <dgm:pt modelId="{C1F3AB9B-9C80-A341-B5C3-C99D67EFA0B8}" type="pres">
+      <dgm:prSet presAssocID="{B1BA2A07-6EFA-0C48-A411-0481F7FE1A60}" presName="node" presStyleLbl="vennNode1" presStyleIdx="1" presStyleCnt="5">
+        <dgm:presLayoutVars>
+          <dgm:bulletEnabled val="1"/>
+        </dgm:presLayoutVars>
+      </dgm:prSet>
+      <dgm:spPr/>
+    </dgm:pt>
+    <dgm:pt modelId="{F086BCCB-AC87-0A47-9E62-FAC98F12D6C2}" type="pres">
+      <dgm:prSet presAssocID="{BD0B410F-4597-7C4C-A293-A4ED3D0D5717}" presName="node" presStyleLbl="vennNode1" presStyleIdx="2" presStyleCnt="5">
+        <dgm:presLayoutVars>
+          <dgm:bulletEnabled val="1"/>
+        </dgm:presLayoutVars>
+      </dgm:prSet>
+      <dgm:spPr/>
+    </dgm:pt>
+    <dgm:pt modelId="{FFF77012-B89A-0F4E-BDC8-0EB1994EA887}" type="pres">
+      <dgm:prSet presAssocID="{9921D39B-5332-0A4B-BEF3-1A35A76806C6}" presName="node" presStyleLbl="vennNode1" presStyleIdx="3" presStyleCnt="5">
+        <dgm:presLayoutVars>
+          <dgm:bulletEnabled val="1"/>
+        </dgm:presLayoutVars>
+      </dgm:prSet>
+      <dgm:spPr/>
+    </dgm:pt>
+    <dgm:pt modelId="{55F3E454-2113-9449-9FB3-7DEFFB424817}" type="pres">
+      <dgm:prSet presAssocID="{107DE2A6-1E5D-434C-9C0B-0B0CEDCF20F0}" presName="node" presStyleLbl="vennNode1" presStyleIdx="4" presStyleCnt="5">
+        <dgm:presLayoutVars>
+          <dgm:bulletEnabled val="1"/>
+        </dgm:presLayoutVars>
+      </dgm:prSet>
+      <dgm:spPr/>
+    </dgm:pt>
+  </dgm:ptLst>
+  <dgm:cxnLst>
+    <dgm:cxn modelId="{CFBCA418-DC6F-224C-A074-A94DFB337D56}" srcId="{40624721-0030-7B49-9776-5E775818DC0A}" destId="{BD0B410F-4597-7C4C-A293-A4ED3D0D5717}" srcOrd="1" destOrd="0" parTransId="{B1FA00B9-1E4A-AF46-87AF-F0C68765D742}" sibTransId="{39F33945-A124-6049-A3D1-3DF602D44D54}"/>
+    <dgm:cxn modelId="{30D9C321-F3E0-E141-A870-4CD564E7D742}" type="presOf" srcId="{9921D39B-5332-0A4B-BEF3-1A35A76806C6}" destId="{FFF77012-B89A-0F4E-BDC8-0EB1994EA887}" srcOrd="0" destOrd="0" presId="urn:microsoft.com/office/officeart/2005/8/layout/radial3"/>
+    <dgm:cxn modelId="{27102725-7001-384C-9988-8342A5B1876A}" type="presOf" srcId="{B1BA2A07-6EFA-0C48-A411-0481F7FE1A60}" destId="{C1F3AB9B-9C80-A341-B5C3-C99D67EFA0B8}" srcOrd="0" destOrd="0" presId="urn:microsoft.com/office/officeart/2005/8/layout/radial3"/>
+    <dgm:cxn modelId="{0A2F5C40-CDCA-1645-87C7-126579B28EFB}" type="presOf" srcId="{107DE2A6-1E5D-434C-9C0B-0B0CEDCF20F0}" destId="{55F3E454-2113-9449-9FB3-7DEFFB424817}" srcOrd="0" destOrd="0" presId="urn:microsoft.com/office/officeart/2005/8/layout/radial3"/>
+    <dgm:cxn modelId="{03627451-AD82-6545-8B9D-B4B8F787C635}" srcId="{48D67309-796F-7948-8313-B56592027800}" destId="{40624721-0030-7B49-9776-5E775818DC0A}" srcOrd="0" destOrd="0" parTransId="{12528435-93B1-2343-B347-840401A0EE13}" sibTransId="{D30DBD55-A4BB-EC49-AE97-A39060C4B672}"/>
+    <dgm:cxn modelId="{0990D568-085C-8B40-9D47-EBD0793132A2}" type="presOf" srcId="{40624721-0030-7B49-9776-5E775818DC0A}" destId="{64D1392F-5E11-D54D-9955-37560F7FF0F8}" srcOrd="0" destOrd="0" presId="urn:microsoft.com/office/officeart/2005/8/layout/radial3"/>
+    <dgm:cxn modelId="{0CED8ED9-10AB-CD43-8FEB-45FF04C9EF07}" srcId="{40624721-0030-7B49-9776-5E775818DC0A}" destId="{B1BA2A07-6EFA-0C48-A411-0481F7FE1A60}" srcOrd="0" destOrd="0" parTransId="{3966D4AE-FDCF-CB4A-8F89-FB0A5FAF1667}" sibTransId="{498C0A02-82DB-8A40-A142-1894055868FF}"/>
+    <dgm:cxn modelId="{886C8ADD-E42A-1E43-808F-32F9CE1BDD36}" srcId="{40624721-0030-7B49-9776-5E775818DC0A}" destId="{9921D39B-5332-0A4B-BEF3-1A35A76806C6}" srcOrd="2" destOrd="0" parTransId="{D7CA4540-504E-894F-BC7E-D5D3FACE20F6}" sibTransId="{00090DD0-3AFE-A94F-A25E-4F9EC137AF1A}"/>
+    <dgm:cxn modelId="{712A99EA-1F09-DC46-B237-827DE27B57FE}" srcId="{40624721-0030-7B49-9776-5E775818DC0A}" destId="{107DE2A6-1E5D-434C-9C0B-0B0CEDCF20F0}" srcOrd="3" destOrd="0" parTransId="{0A366266-1ACA-B148-B11D-DFDE0F3FF073}" sibTransId="{43282E38-111C-EB4A-99A6-7FE6D1EBAA8D}"/>
+    <dgm:cxn modelId="{0DBC4CFB-C46E-F348-AC3F-E60CD377905C}" type="presOf" srcId="{48D67309-796F-7948-8313-B56592027800}" destId="{CEA69825-6F7E-ED45-A36F-2259EBD74A8F}" srcOrd="0" destOrd="0" presId="urn:microsoft.com/office/officeart/2005/8/layout/radial3"/>
+    <dgm:cxn modelId="{4C18CDFC-6A8E-504E-BEC1-F529ECD871D4}" type="presOf" srcId="{BD0B410F-4597-7C4C-A293-A4ED3D0D5717}" destId="{F086BCCB-AC87-0A47-9E62-FAC98F12D6C2}" srcOrd="0" destOrd="0" presId="urn:microsoft.com/office/officeart/2005/8/layout/radial3"/>
+    <dgm:cxn modelId="{14A4F592-285C-6F4E-8BCD-606901DDD31A}" type="presParOf" srcId="{CEA69825-6F7E-ED45-A36F-2259EBD74A8F}" destId="{8AA7C7FD-578F-4748-AD5F-3DE31210A332}" srcOrd="0" destOrd="0" presId="urn:microsoft.com/office/officeart/2005/8/layout/radial3"/>
+    <dgm:cxn modelId="{0579E13C-00FD-354B-B1C6-FA55C488B210}" type="presParOf" srcId="{8AA7C7FD-578F-4748-AD5F-3DE31210A332}" destId="{64D1392F-5E11-D54D-9955-37560F7FF0F8}" srcOrd="0" destOrd="0" presId="urn:microsoft.com/office/officeart/2005/8/layout/radial3"/>
+    <dgm:cxn modelId="{A817E431-211C-B148-A6C8-62C2E08ED2DA}" type="presParOf" srcId="{8AA7C7FD-578F-4748-AD5F-3DE31210A332}" destId="{C1F3AB9B-9C80-A341-B5C3-C99D67EFA0B8}" srcOrd="1" destOrd="0" presId="urn:microsoft.com/office/officeart/2005/8/layout/radial3"/>
+    <dgm:cxn modelId="{94C30D93-3FB9-1846-A7F8-F8F2FD152988}" type="presParOf" srcId="{8AA7C7FD-578F-4748-AD5F-3DE31210A332}" destId="{F086BCCB-AC87-0A47-9E62-FAC98F12D6C2}" srcOrd="2" destOrd="0" presId="urn:microsoft.com/office/officeart/2005/8/layout/radial3"/>
+    <dgm:cxn modelId="{D5C49CB6-AC82-5F4C-9487-F2CF0D801CB2}" type="presParOf" srcId="{8AA7C7FD-578F-4748-AD5F-3DE31210A332}" destId="{FFF77012-B89A-0F4E-BDC8-0EB1994EA887}" srcOrd="3" destOrd="0" presId="urn:microsoft.com/office/officeart/2005/8/layout/radial3"/>
+    <dgm:cxn modelId="{F75FD8C0-C699-5F46-8806-2FA125055811}" type="presParOf" srcId="{8AA7C7FD-578F-4748-AD5F-3DE31210A332}" destId="{55F3E454-2113-9449-9FB3-7DEFFB424817}" srcOrd="4" destOrd="0" presId="urn:microsoft.com/office/officeart/2005/8/layout/radial3"/>
+  </dgm:cxnLst>
+  <dgm:bg/>
+  <dgm:whole/>
+  <dgm:extLst>
+    <a:ext uri="http://schemas.microsoft.com/office/drawing/2008/diagram">
+      <dsp:dataModelExt xmlns:dsp="http://schemas.microsoft.com/office/drawing/2008/diagram" relId="rId6" minVer="http://schemas.openxmlformats.org/drawingml/2006/diagram"/>
+    </a:ext>
+  </dgm:extLst>
+</dgm:dataModel>
+</file>
+
+<file path=ppt/diagrams/data2.xml><?xml version="1.0" encoding="utf-8"?>
 <dgm:dataModel xmlns:dgm="http://schemas.openxmlformats.org/drawingml/2006/diagram" xmlns:a="http://schemas.openxmlformats.org/drawingml/2006/main">
   <dgm:ptLst>
     <dgm:pt modelId="{48D67309-796F-7948-8313-B56592027800}" type="doc">
@@ -1556,6 +2587,418 @@
 </dsp:drawing>
 </file>
 
+<file path=ppt/diagrams/drawing2.xml><?xml version="1.0" encoding="utf-8"?>
+<dsp:drawing xmlns:dgm="http://schemas.openxmlformats.org/drawingml/2006/diagram" xmlns:dsp="http://schemas.microsoft.com/office/drawing/2008/diagram" xmlns:a="http://schemas.openxmlformats.org/drawingml/2006/main">
+  <dsp:spTree>
+    <dsp:nvGrpSpPr>
+      <dsp:cNvPr id="0" name=""/>
+      <dsp:cNvGrpSpPr/>
+    </dsp:nvGrpSpPr>
+    <dsp:grpSpPr/>
+    <dsp:sp modelId="{64D1392F-5E11-D54D-9955-37560F7FF0F8}">
+      <dsp:nvSpPr>
+        <dsp:cNvPr id="0" name=""/>
+        <dsp:cNvSpPr/>
+      </dsp:nvSpPr>
+      <dsp:spPr>
+        <a:xfrm>
+          <a:off x="1852844" y="872827"/>
+          <a:ext cx="2174412" cy="2174412"/>
+        </a:xfrm>
+        <a:prstGeom prst="ellipse">
+          <a:avLst/>
+        </a:prstGeom>
+        <a:solidFill>
+          <a:schemeClr val="accent1">
+            <a:alpha val="50000"/>
+            <a:hueOff val="0"/>
+            <a:satOff val="0"/>
+            <a:lumOff val="0"/>
+            <a:alphaOff val="0"/>
+          </a:schemeClr>
+        </a:solidFill>
+        <a:ln w="12700" cap="flat" cmpd="sng" algn="ctr">
+          <a:solidFill>
+            <a:schemeClr val="lt1">
+              <a:hueOff val="0"/>
+              <a:satOff val="0"/>
+              <a:lumOff val="0"/>
+              <a:alphaOff val="0"/>
+            </a:schemeClr>
+          </a:solidFill>
+          <a:prstDash val="solid"/>
+          <a:miter lim="800000"/>
+        </a:ln>
+        <a:effectLst/>
+      </dsp:spPr>
+      <dsp:style>
+        <a:lnRef idx="2">
+          <a:scrgbClr r="0" g="0" b="0"/>
+        </a:lnRef>
+        <a:fillRef idx="1">
+          <a:scrgbClr r="0" g="0" b="0"/>
+        </a:fillRef>
+        <a:effectRef idx="0">
+          <a:scrgbClr r="0" g="0" b="0"/>
+        </a:effectRef>
+        <a:fontRef idx="minor">
+          <a:schemeClr val="tx1"/>
+        </a:fontRef>
+      </dsp:style>
+      <dsp:txBody>
+        <a:bodyPr spcFirstLastPara="0" vert="horz" wrap="square" lIns="25400" tIns="25400" rIns="25400" bIns="25400" numCol="1" spcCol="1270" anchor="ctr" anchorCtr="0">
+          <a:noAutofit/>
+        </a:bodyPr>
+        <a:lstStyle/>
+        <a:p>
+          <a:pPr marL="0" lvl="0" indent="0" algn="ctr" defTabSz="889000">
+            <a:lnSpc>
+              <a:spcPct val="90000"/>
+            </a:lnSpc>
+            <a:spcBef>
+              <a:spcPct val="0"/>
+            </a:spcBef>
+            <a:spcAft>
+              <a:spcPct val="35000"/>
+            </a:spcAft>
+            <a:buNone/>
+          </a:pPr>
+          <a:r>
+            <a:rPr lang="ja-JP" altLang="en-US" sz="2000" b="1" kern="1200"/>
+            <a:t>妄想の負のスパイラル</a:t>
+          </a:r>
+          <a:endParaRPr kumimoji="1" lang="ja-JP" altLang="en-US" sz="2000" b="1" kern="1200"/>
+        </a:p>
+      </dsp:txBody>
+      <dsp:txXfrm>
+        <a:off x="2171279" y="1191262"/>
+        <a:ext cx="1537542" cy="1537542"/>
+      </dsp:txXfrm>
+    </dsp:sp>
+    <dsp:sp modelId="{C1F3AB9B-9C80-A341-B5C3-C99D67EFA0B8}">
+      <dsp:nvSpPr>
+        <dsp:cNvPr id="0" name=""/>
+        <dsp:cNvSpPr/>
+      </dsp:nvSpPr>
+      <dsp:spPr>
+        <a:xfrm>
+          <a:off x="2396447" y="388"/>
+          <a:ext cx="1087206" cy="1087206"/>
+        </a:xfrm>
+        <a:prstGeom prst="ellipse">
+          <a:avLst/>
+        </a:prstGeom>
+        <a:solidFill>
+          <a:schemeClr val="accent1">
+            <a:alpha val="50000"/>
+            <a:hueOff val="0"/>
+            <a:satOff val="0"/>
+            <a:lumOff val="0"/>
+            <a:alphaOff val="0"/>
+          </a:schemeClr>
+        </a:solidFill>
+        <a:ln w="12700" cap="flat" cmpd="sng" algn="ctr">
+          <a:solidFill>
+            <a:schemeClr val="lt1">
+              <a:hueOff val="0"/>
+              <a:satOff val="0"/>
+              <a:lumOff val="0"/>
+              <a:alphaOff val="0"/>
+            </a:schemeClr>
+          </a:solidFill>
+          <a:prstDash val="solid"/>
+          <a:miter lim="800000"/>
+        </a:ln>
+        <a:effectLst/>
+      </dsp:spPr>
+      <dsp:style>
+        <a:lnRef idx="2">
+          <a:scrgbClr r="0" g="0" b="0"/>
+        </a:lnRef>
+        <a:fillRef idx="1">
+          <a:scrgbClr r="0" g="0" b="0"/>
+        </a:fillRef>
+        <a:effectRef idx="0">
+          <a:scrgbClr r="0" g="0" b="0"/>
+        </a:effectRef>
+        <a:fontRef idx="minor">
+          <a:schemeClr val="tx1"/>
+        </a:fontRef>
+      </dsp:style>
+      <dsp:txBody>
+        <a:bodyPr spcFirstLastPara="0" vert="horz" wrap="square" lIns="15240" tIns="15240" rIns="15240" bIns="15240" numCol="1" spcCol="1270" anchor="ctr" anchorCtr="0">
+          <a:noAutofit/>
+        </a:bodyPr>
+        <a:lstStyle/>
+        <a:p>
+          <a:pPr marL="0" lvl="0" indent="0" algn="ctr" defTabSz="533400">
+            <a:lnSpc>
+              <a:spcPct val="90000"/>
+            </a:lnSpc>
+            <a:spcBef>
+              <a:spcPct val="0"/>
+            </a:spcBef>
+            <a:spcAft>
+              <a:spcPct val="35000"/>
+            </a:spcAft>
+            <a:buNone/>
+          </a:pPr>
+          <a:r>
+            <a:rPr lang="ja-JP" altLang="en-US" sz="1200" b="1" kern="1200"/>
+            <a:t>架空の承認を多数得る</a:t>
+          </a:r>
+          <a:endParaRPr kumimoji="1" lang="ja-JP" altLang="en-US" sz="1200" b="1" kern="1200"/>
+        </a:p>
+      </dsp:txBody>
+      <dsp:txXfrm>
+        <a:off x="2555665" y="159606"/>
+        <a:ext cx="768770" cy="768770"/>
+      </dsp:txXfrm>
+    </dsp:sp>
+    <dsp:sp modelId="{F086BCCB-AC87-0A47-9E62-FAC98F12D6C2}">
+      <dsp:nvSpPr>
+        <dsp:cNvPr id="0" name=""/>
+        <dsp:cNvSpPr/>
+      </dsp:nvSpPr>
+      <dsp:spPr>
+        <a:xfrm>
+          <a:off x="3812489" y="1416430"/>
+          <a:ext cx="1087206" cy="1087206"/>
+        </a:xfrm>
+        <a:prstGeom prst="ellipse">
+          <a:avLst/>
+        </a:prstGeom>
+        <a:solidFill>
+          <a:schemeClr val="accent1">
+            <a:alpha val="50000"/>
+            <a:hueOff val="0"/>
+            <a:satOff val="0"/>
+            <a:lumOff val="0"/>
+            <a:alphaOff val="0"/>
+          </a:schemeClr>
+        </a:solidFill>
+        <a:ln w="12700" cap="flat" cmpd="sng" algn="ctr">
+          <a:solidFill>
+            <a:schemeClr val="lt1">
+              <a:hueOff val="0"/>
+              <a:satOff val="0"/>
+              <a:lumOff val="0"/>
+              <a:alphaOff val="0"/>
+            </a:schemeClr>
+          </a:solidFill>
+          <a:prstDash val="solid"/>
+          <a:miter lim="800000"/>
+        </a:ln>
+        <a:effectLst/>
+      </dsp:spPr>
+      <dsp:style>
+        <a:lnRef idx="2">
+          <a:scrgbClr r="0" g="0" b="0"/>
+        </a:lnRef>
+        <a:fillRef idx="1">
+          <a:scrgbClr r="0" g="0" b="0"/>
+        </a:fillRef>
+        <a:effectRef idx="0">
+          <a:scrgbClr r="0" g="0" b="0"/>
+        </a:effectRef>
+        <a:fontRef idx="minor">
+          <a:schemeClr val="tx1"/>
+        </a:fontRef>
+      </dsp:style>
+      <dsp:txBody>
+        <a:bodyPr spcFirstLastPara="0" vert="horz" wrap="square" lIns="15240" tIns="15240" rIns="15240" bIns="15240" numCol="1" spcCol="1270" anchor="ctr" anchorCtr="0">
+          <a:noAutofit/>
+        </a:bodyPr>
+        <a:lstStyle/>
+        <a:p>
+          <a:pPr marL="0" lvl="0" indent="0" algn="ctr" defTabSz="533400">
+            <a:lnSpc>
+              <a:spcPct val="90000"/>
+            </a:lnSpc>
+            <a:spcBef>
+              <a:spcPct val="0"/>
+            </a:spcBef>
+            <a:spcAft>
+              <a:spcPct val="35000"/>
+            </a:spcAft>
+            <a:buNone/>
+          </a:pPr>
+          <a:r>
+            <a:rPr lang="ja-JP" altLang="en-US" sz="1200" b="1" kern="1200"/>
+            <a:t>一時的に承認欲求が満たされる</a:t>
+          </a:r>
+          <a:endParaRPr kumimoji="1" lang="ja-JP" altLang="en-US" sz="1200" b="1" kern="1200"/>
+        </a:p>
+      </dsp:txBody>
+      <dsp:txXfrm>
+        <a:off x="3971707" y="1575648"/>
+        <a:ext cx="768770" cy="768770"/>
+      </dsp:txXfrm>
+    </dsp:sp>
+    <dsp:sp modelId="{FFF77012-B89A-0F4E-BDC8-0EB1994EA887}">
+      <dsp:nvSpPr>
+        <dsp:cNvPr id="0" name=""/>
+        <dsp:cNvSpPr/>
+      </dsp:nvSpPr>
+      <dsp:spPr>
+        <a:xfrm>
+          <a:off x="2396447" y="2832472"/>
+          <a:ext cx="1087206" cy="1087206"/>
+        </a:xfrm>
+        <a:prstGeom prst="ellipse">
+          <a:avLst/>
+        </a:prstGeom>
+        <a:solidFill>
+          <a:schemeClr val="accent1">
+            <a:alpha val="50000"/>
+            <a:hueOff val="0"/>
+            <a:satOff val="0"/>
+            <a:lumOff val="0"/>
+            <a:alphaOff val="0"/>
+          </a:schemeClr>
+        </a:solidFill>
+        <a:ln w="12700" cap="flat" cmpd="sng" algn="ctr">
+          <a:solidFill>
+            <a:schemeClr val="lt1">
+              <a:hueOff val="0"/>
+              <a:satOff val="0"/>
+              <a:lumOff val="0"/>
+              <a:alphaOff val="0"/>
+            </a:schemeClr>
+          </a:solidFill>
+          <a:prstDash val="solid"/>
+          <a:miter lim="800000"/>
+        </a:ln>
+        <a:effectLst/>
+      </dsp:spPr>
+      <dsp:style>
+        <a:lnRef idx="2">
+          <a:scrgbClr r="0" g="0" b="0"/>
+        </a:lnRef>
+        <a:fillRef idx="1">
+          <a:scrgbClr r="0" g="0" b="0"/>
+        </a:fillRef>
+        <a:effectRef idx="0">
+          <a:scrgbClr r="0" g="0" b="0"/>
+        </a:effectRef>
+        <a:fontRef idx="minor">
+          <a:schemeClr val="tx1"/>
+        </a:fontRef>
+      </dsp:style>
+      <dsp:txBody>
+        <a:bodyPr spcFirstLastPara="0" vert="horz" wrap="square" lIns="15240" tIns="15240" rIns="15240" bIns="15240" numCol="1" spcCol="1270" anchor="ctr" anchorCtr="0">
+          <a:noAutofit/>
+        </a:bodyPr>
+        <a:lstStyle/>
+        <a:p>
+          <a:pPr marL="0" lvl="0" indent="0" algn="ctr" defTabSz="533400">
+            <a:lnSpc>
+              <a:spcPct val="90000"/>
+            </a:lnSpc>
+            <a:spcBef>
+              <a:spcPct val="0"/>
+            </a:spcBef>
+            <a:spcAft>
+              <a:spcPct val="35000"/>
+            </a:spcAft>
+            <a:buNone/>
+          </a:pPr>
+          <a:r>
+            <a:rPr lang="ja-JP" altLang="en-US" sz="1200" b="1" kern="1200"/>
+            <a:t>現実との乖離がますます広がる</a:t>
+          </a:r>
+          <a:endParaRPr kumimoji="1" lang="ja-JP" altLang="en-US" sz="1200" b="1" kern="1200"/>
+        </a:p>
+      </dsp:txBody>
+      <dsp:txXfrm>
+        <a:off x="2555665" y="2991690"/>
+        <a:ext cx="768770" cy="768770"/>
+      </dsp:txXfrm>
+    </dsp:sp>
+    <dsp:sp modelId="{55F3E454-2113-9449-9FB3-7DEFFB424817}">
+      <dsp:nvSpPr>
+        <dsp:cNvPr id="0" name=""/>
+        <dsp:cNvSpPr/>
+      </dsp:nvSpPr>
+      <dsp:spPr>
+        <a:xfrm>
+          <a:off x="980405" y="1416430"/>
+          <a:ext cx="1087206" cy="1087206"/>
+        </a:xfrm>
+        <a:prstGeom prst="ellipse">
+          <a:avLst/>
+        </a:prstGeom>
+        <a:solidFill>
+          <a:schemeClr val="accent1">
+            <a:alpha val="50000"/>
+            <a:hueOff val="0"/>
+            <a:satOff val="0"/>
+            <a:lumOff val="0"/>
+            <a:alphaOff val="0"/>
+          </a:schemeClr>
+        </a:solidFill>
+        <a:ln w="12700" cap="flat" cmpd="sng" algn="ctr">
+          <a:solidFill>
+            <a:schemeClr val="lt1">
+              <a:hueOff val="0"/>
+              <a:satOff val="0"/>
+              <a:lumOff val="0"/>
+              <a:alphaOff val="0"/>
+            </a:schemeClr>
+          </a:solidFill>
+          <a:prstDash val="solid"/>
+          <a:miter lim="800000"/>
+        </a:ln>
+        <a:effectLst/>
+      </dsp:spPr>
+      <dsp:style>
+        <a:lnRef idx="2">
+          <a:scrgbClr r="0" g="0" b="0"/>
+        </a:lnRef>
+        <a:fillRef idx="1">
+          <a:scrgbClr r="0" g="0" b="0"/>
+        </a:fillRef>
+        <a:effectRef idx="0">
+          <a:scrgbClr r="0" g="0" b="0"/>
+        </a:effectRef>
+        <a:fontRef idx="minor">
+          <a:schemeClr val="tx1"/>
+        </a:fontRef>
+      </dsp:style>
+      <dsp:txBody>
+        <a:bodyPr spcFirstLastPara="0" vert="horz" wrap="square" lIns="15240" tIns="15240" rIns="15240" bIns="15240" numCol="1" spcCol="1270" anchor="ctr" anchorCtr="0">
+          <a:noAutofit/>
+        </a:bodyPr>
+        <a:lstStyle/>
+        <a:p>
+          <a:pPr marL="0" lvl="0" indent="0" algn="ctr" defTabSz="533400">
+            <a:lnSpc>
+              <a:spcPct val="90000"/>
+            </a:lnSpc>
+            <a:spcBef>
+              <a:spcPct val="0"/>
+            </a:spcBef>
+            <a:spcAft>
+              <a:spcPct val="35000"/>
+            </a:spcAft>
+            <a:buNone/>
+          </a:pPr>
+          <a:r>
+            <a:rPr lang="ja-JP" altLang="en-US" sz="1200" b="1" kern="1200"/>
+            <a:t>現実への不満が強まる</a:t>
+          </a:r>
+          <a:endParaRPr kumimoji="1" lang="ja-JP" altLang="en-US" sz="1200" b="1" kern="1200"/>
+        </a:p>
+      </dsp:txBody>
+      <dsp:txXfrm>
+        <a:off x="1139623" y="1575648"/>
+        <a:ext cx="768770" cy="768770"/>
+      </dsp:txXfrm>
+    </dsp:sp>
+  </dsp:spTree>
+</dsp:drawing>
+</file>
+
 <file path=ppt/diagrams/layout1.xml><?xml version="1.0" encoding="utf-8"?>
 <dgm:layoutDef xmlns:dgm="http://schemas.openxmlformats.org/drawingml/2006/diagram" xmlns:a="http://schemas.openxmlformats.org/drawingml/2006/main" uniqueId="urn:microsoft.com/office/officeart/2005/8/layout/radial3">
   <dgm:title val=""/>
@@ -1747,7 +3190,1232 @@
 </dgm:layoutDef>
 </file>
 
+<file path=ppt/diagrams/layout2.xml><?xml version="1.0" encoding="utf-8"?>
+<dgm:layoutDef xmlns:dgm="http://schemas.openxmlformats.org/drawingml/2006/diagram" xmlns:a="http://schemas.openxmlformats.org/drawingml/2006/main" uniqueId="urn:microsoft.com/office/officeart/2005/8/layout/radial3">
+  <dgm:title val=""/>
+  <dgm:desc val=""/>
+  <dgm:catLst>
+    <dgm:cat type="relationship" pri="31000"/>
+    <dgm:cat type="cycle" pri="12000"/>
+  </dgm:catLst>
+  <dgm:sampData>
+    <dgm:dataModel>
+      <dgm:ptLst>
+        <dgm:pt modelId="0" type="doc"/>
+        <dgm:pt modelId="1">
+          <dgm:prSet phldr="1"/>
+        </dgm:pt>
+        <dgm:pt modelId="11">
+          <dgm:prSet phldr="1"/>
+        </dgm:pt>
+        <dgm:pt modelId="12">
+          <dgm:prSet phldr="1"/>
+        </dgm:pt>
+        <dgm:pt modelId="13">
+          <dgm:prSet phldr="1"/>
+        </dgm:pt>
+        <dgm:pt modelId="14">
+          <dgm:prSet phldr="1"/>
+        </dgm:pt>
+      </dgm:ptLst>
+      <dgm:cxnLst>
+        <dgm:cxn modelId="2" srcId="0" destId="1" srcOrd="0" destOrd="0"/>
+        <dgm:cxn modelId="3" srcId="1" destId="11" srcOrd="0" destOrd="0"/>
+        <dgm:cxn modelId="4" srcId="1" destId="12" srcOrd="1" destOrd="0"/>
+        <dgm:cxn modelId="5" srcId="1" destId="13" srcOrd="2" destOrd="0"/>
+        <dgm:cxn modelId="6" srcId="1" destId="14" srcOrd="3" destOrd="0"/>
+      </dgm:cxnLst>
+      <dgm:bg/>
+      <dgm:whole/>
+    </dgm:dataModel>
+  </dgm:sampData>
+  <dgm:styleData>
+    <dgm:dataModel>
+      <dgm:ptLst>
+        <dgm:pt modelId="0" type="doc"/>
+        <dgm:pt modelId="1"/>
+        <dgm:pt modelId="11"/>
+        <dgm:pt modelId="12"/>
+        <dgm:pt modelId="13"/>
+      </dgm:ptLst>
+      <dgm:cxnLst>
+        <dgm:cxn modelId="2" srcId="0" destId="1" srcOrd="0" destOrd="0"/>
+        <dgm:cxn modelId="15" srcId="1" destId="11" srcOrd="0" destOrd="0"/>
+        <dgm:cxn modelId="16" srcId="1" destId="12" srcOrd="1" destOrd="0"/>
+        <dgm:cxn modelId="17" srcId="1" destId="13" srcOrd="2" destOrd="0"/>
+      </dgm:cxnLst>
+      <dgm:bg/>
+      <dgm:whole/>
+    </dgm:dataModel>
+  </dgm:styleData>
+  <dgm:clrData>
+    <dgm:dataModel>
+      <dgm:ptLst>
+        <dgm:pt modelId="0" type="doc"/>
+        <dgm:pt modelId="1"/>
+        <dgm:pt modelId="11"/>
+        <dgm:pt modelId="12"/>
+        <dgm:pt modelId="13"/>
+        <dgm:pt modelId="14"/>
+        <dgm:pt modelId="15"/>
+        <dgm:pt modelId="16"/>
+      </dgm:ptLst>
+      <dgm:cxnLst>
+        <dgm:cxn modelId="2" srcId="0" destId="1" srcOrd="0" destOrd="0"/>
+        <dgm:cxn modelId="16" srcId="1" destId="11" srcOrd="0" destOrd="0"/>
+        <dgm:cxn modelId="17" srcId="1" destId="12" srcOrd="1" destOrd="0"/>
+        <dgm:cxn modelId="18" srcId="1" destId="13" srcOrd="2" destOrd="0"/>
+        <dgm:cxn modelId="19" srcId="1" destId="14" srcOrd="3" destOrd="0"/>
+        <dgm:cxn modelId="20" srcId="1" destId="15" srcOrd="4" destOrd="0"/>
+        <dgm:cxn modelId="21" srcId="1" destId="16" srcOrd="5" destOrd="0"/>
+      </dgm:cxnLst>
+      <dgm:bg/>
+      <dgm:whole/>
+    </dgm:dataModel>
+  </dgm:clrData>
+  <dgm:layoutNode name="composite">
+    <dgm:varLst>
+      <dgm:chMax val="1"/>
+      <dgm:dir/>
+      <dgm:resizeHandles val="exact"/>
+    </dgm:varLst>
+    <dgm:alg type="composite">
+      <dgm:param type="ar" val="1"/>
+    </dgm:alg>
+    <dgm:shape xmlns:r="http://schemas.openxmlformats.org/officeDocument/2006/relationships" r:blip="">
+      <dgm:adjLst/>
+    </dgm:shape>
+    <dgm:presOf/>
+    <dgm:constrLst/>
+    <dgm:ruleLst/>
+    <dgm:layoutNode name="radial">
+      <dgm:varLst>
+        <dgm:animLvl val="ctr"/>
+      </dgm:varLst>
+      <dgm:choose name="Name0">
+        <dgm:if name="Name1" func="var" arg="dir" op="equ" val="norm">
+          <dgm:choose name="Name2">
+            <dgm:if name="Name3" axis="ch ch" ptType="node node" st="1 1" cnt="1 0" func="cnt" op="lte" val="1">
+              <dgm:alg type="cycle">
+                <dgm:param type="stAng" val="90"/>
+                <dgm:param type="spanAng" val="360"/>
+                <dgm:param type="ctrShpMap" val="fNode"/>
+              </dgm:alg>
+            </dgm:if>
+            <dgm:else name="Name4">
+              <dgm:alg type="cycle">
+                <dgm:param type="stAng" val="0"/>
+                <dgm:param type="spanAng" val="360"/>
+                <dgm:param type="ctrShpMap" val="fNode"/>
+              </dgm:alg>
+            </dgm:else>
+          </dgm:choose>
+        </dgm:if>
+        <dgm:else name="Name5">
+          <dgm:alg type="cycle">
+            <dgm:param type="stAng" val="0"/>
+            <dgm:param type="spanAng" val="-360"/>
+            <dgm:param type="ctrShpMap" val="fNode"/>
+          </dgm:alg>
+        </dgm:else>
+      </dgm:choose>
+      <dgm:shape xmlns:r="http://schemas.openxmlformats.org/officeDocument/2006/relationships" r:blip="">
+        <dgm:adjLst/>
+      </dgm:shape>
+      <dgm:presOf/>
+      <dgm:constrLst>
+        <dgm:constr type="w" for="ch" forName="centerShape" refType="w"/>
+        <dgm:constr type="h" for="ch" forName="centerShape" refType="h"/>
+        <dgm:constr type="w" for="ch" forName="node" refType="w" fact="0.5"/>
+        <dgm:constr type="h" for="ch" forName="node" refType="h" fact="0.5"/>
+        <dgm:constr type="sp" refType="w" refFor="ch" refForName="node" fact="-0.2"/>
+        <dgm:constr type="sibSp" refType="w" refFor="ch" refForName="node" fact="-0.2"/>
+        <dgm:constr type="primFontSz" for="ch" forName="centerShape" val="65"/>
+        <dgm:constr type="primFontSz" for="des" forName="node" val="65"/>
+        <dgm:constr type="primFontSz" for="ch" forName="node" refType="primFontSz" refFor="ch" refForName="centerShape" op="lte"/>
+      </dgm:constrLst>
+      <dgm:ruleLst/>
+      <dgm:forEach name="Name6" axis="ch" ptType="node" cnt="1">
+        <dgm:layoutNode name="centerShape" styleLbl="vennNode1">
+          <dgm:alg type="tx"/>
+          <dgm:shape xmlns:r="http://schemas.openxmlformats.org/officeDocument/2006/relationships" type="ellipse" r:blip="">
+            <dgm:adjLst/>
+          </dgm:shape>
+          <dgm:presOf axis="self"/>
+          <dgm:constrLst>
+            <dgm:constr type="tMarg" refType="primFontSz" fact="0.1"/>
+            <dgm:constr type="bMarg" refType="primFontSz" fact="0.1"/>
+            <dgm:constr type="lMarg" refType="primFontSz" fact="0.1"/>
+            <dgm:constr type="rMarg" refType="primFontSz" fact="0.1"/>
+          </dgm:constrLst>
+          <dgm:ruleLst>
+            <dgm:rule type="primFontSz" val="5" fact="NaN" max="NaN"/>
+          </dgm:ruleLst>
+        </dgm:layoutNode>
+        <dgm:forEach name="Name7" axis="ch" ptType="node">
+          <dgm:layoutNode name="node" styleLbl="vennNode1">
+            <dgm:varLst>
+              <dgm:bulletEnabled val="1"/>
+            </dgm:varLst>
+            <dgm:alg type="tx">
+              <dgm:param type="txAnchorVertCh" val="mid"/>
+            </dgm:alg>
+            <dgm:shape xmlns:r="http://schemas.openxmlformats.org/officeDocument/2006/relationships" type="ellipse" r:blip="">
+              <dgm:adjLst/>
+            </dgm:shape>
+            <dgm:presOf axis="desOrSelf" ptType="node"/>
+            <dgm:constrLst>
+              <dgm:constr type="tMarg" refType="primFontSz" fact="0.1"/>
+              <dgm:constr type="bMarg" refType="primFontSz" fact="0.1"/>
+              <dgm:constr type="lMarg" refType="primFontSz" fact="0.1"/>
+              <dgm:constr type="rMarg" refType="primFontSz" fact="0.1"/>
+            </dgm:constrLst>
+            <dgm:ruleLst>
+              <dgm:rule type="primFontSz" val="5" fact="NaN" max="NaN"/>
+            </dgm:ruleLst>
+          </dgm:layoutNode>
+        </dgm:forEach>
+      </dgm:forEach>
+    </dgm:layoutNode>
+  </dgm:layoutNode>
+</dgm:layoutDef>
+</file>
+
 <file path=ppt/diagrams/quickStyle1.xml><?xml version="1.0" encoding="utf-8"?>
+<dgm:styleDef xmlns:dgm="http://schemas.openxmlformats.org/drawingml/2006/diagram" xmlns:a="http://schemas.openxmlformats.org/drawingml/2006/main" uniqueId="urn:microsoft.com/office/officeart/2005/8/quickstyle/simple1">
+  <dgm:title val=""/>
+  <dgm:desc val=""/>
+  <dgm:catLst>
+    <dgm:cat type="simple" pri="10100"/>
+  </dgm:catLst>
+  <dgm:scene3d>
+    <a:camera prst="orthographicFront"/>
+    <a:lightRig rig="threePt" dir="t"/>
+  </dgm:scene3d>
+  <dgm:styleLbl name="node0">
+    <dgm:scene3d>
+      <a:camera prst="orthographicFront"/>
+      <a:lightRig rig="threePt" dir="t"/>
+    </dgm:scene3d>
+    <dgm:sp3d/>
+    <dgm:txPr/>
+    <dgm:style>
+      <a:lnRef idx="2">
+        <a:scrgbClr r="0" g="0" b="0"/>
+      </a:lnRef>
+      <a:fillRef idx="1">
+        <a:scrgbClr r="0" g="0" b="0"/>
+      </a:fillRef>
+      <a:effectRef idx="0">
+        <a:scrgbClr r="0" g="0" b="0"/>
+      </a:effectRef>
+      <a:fontRef idx="minor">
+        <a:schemeClr val="lt1"/>
+      </a:fontRef>
+    </dgm:style>
+  </dgm:styleLbl>
+  <dgm:styleLbl name="lnNode1">
+    <dgm:scene3d>
+      <a:camera prst="orthographicFront"/>
+      <a:lightRig rig="threePt" dir="t"/>
+    </dgm:scene3d>
+    <dgm:sp3d/>
+    <dgm:txPr/>
+    <dgm:style>
+      <a:lnRef idx="2">
+        <a:scrgbClr r="0" g="0" b="0"/>
+      </a:lnRef>
+      <a:fillRef idx="1">
+        <a:scrgbClr r="0" g="0" b="0"/>
+      </a:fillRef>
+      <a:effectRef idx="0">
+        <a:scrgbClr r="0" g="0" b="0"/>
+      </a:effectRef>
+      <a:fontRef idx="minor">
+        <a:schemeClr val="lt1"/>
+      </a:fontRef>
+    </dgm:style>
+  </dgm:styleLbl>
+  <dgm:styleLbl name="vennNode1">
+    <dgm:scene3d>
+      <a:camera prst="orthographicFront"/>
+      <a:lightRig rig="threePt" dir="t"/>
+    </dgm:scene3d>
+    <dgm:sp3d/>
+    <dgm:txPr/>
+    <dgm:style>
+      <a:lnRef idx="2">
+        <a:scrgbClr r="0" g="0" b="0"/>
+      </a:lnRef>
+      <a:fillRef idx="1">
+        <a:scrgbClr r="0" g="0" b="0"/>
+      </a:fillRef>
+      <a:effectRef idx="0">
+        <a:scrgbClr r="0" g="0" b="0"/>
+      </a:effectRef>
+      <a:fontRef idx="minor">
+        <a:schemeClr val="tx1"/>
+      </a:fontRef>
+    </dgm:style>
+  </dgm:styleLbl>
+  <dgm:styleLbl name="alignNode1">
+    <dgm:scene3d>
+      <a:camera prst="orthographicFront"/>
+      <a:lightRig rig="threePt" dir="t"/>
+    </dgm:scene3d>
+    <dgm:sp3d/>
+    <dgm:txPr/>
+    <dgm:style>
+      <a:lnRef idx="2">
+        <a:scrgbClr r="0" g="0" b="0"/>
+      </a:lnRef>
+      <a:fillRef idx="1">
+        <a:scrgbClr r="0" g="0" b="0"/>
+      </a:fillRef>
+      <a:effectRef idx="0">
+        <a:scrgbClr r="0" g="0" b="0"/>
+      </a:effectRef>
+      <a:fontRef idx="minor">
+        <a:schemeClr val="lt1"/>
+      </a:fontRef>
+    </dgm:style>
+  </dgm:styleLbl>
+  <dgm:styleLbl name="node1">
+    <dgm:scene3d>
+      <a:camera prst="orthographicFront"/>
+      <a:lightRig rig="threePt" dir="t"/>
+    </dgm:scene3d>
+    <dgm:sp3d/>
+    <dgm:txPr/>
+    <dgm:style>
+      <a:lnRef idx="2">
+        <a:scrgbClr r="0" g="0" b="0"/>
+      </a:lnRef>
+      <a:fillRef idx="1">
+        <a:scrgbClr r="0" g="0" b="0"/>
+      </a:fillRef>
+      <a:effectRef idx="0">
+        <a:scrgbClr r="0" g="0" b="0"/>
+      </a:effectRef>
+      <a:fontRef idx="minor">
+        <a:schemeClr val="lt1"/>
+      </a:fontRef>
+    </dgm:style>
+  </dgm:styleLbl>
+  <dgm:styleLbl name="node2">
+    <dgm:scene3d>
+      <a:camera prst="orthographicFront"/>
+      <a:lightRig rig="threePt" dir="t"/>
+    </dgm:scene3d>
+    <dgm:sp3d/>
+    <dgm:txPr/>
+    <dgm:style>
+      <a:lnRef idx="2">
+        <a:scrgbClr r="0" g="0" b="0"/>
+      </a:lnRef>
+      <a:fillRef idx="1">
+        <a:scrgbClr r="0" g="0" b="0"/>
+      </a:fillRef>
+      <a:effectRef idx="0">
+        <a:scrgbClr r="0" g="0" b="0"/>
+      </a:effectRef>
+      <a:fontRef idx="minor">
+        <a:schemeClr val="lt1"/>
+      </a:fontRef>
+    </dgm:style>
+  </dgm:styleLbl>
+  <dgm:styleLbl name="node3">
+    <dgm:scene3d>
+      <a:camera prst="orthographicFront"/>
+      <a:lightRig rig="threePt" dir="t"/>
+    </dgm:scene3d>
+    <dgm:sp3d/>
+    <dgm:txPr/>
+    <dgm:style>
+      <a:lnRef idx="2">
+        <a:scrgbClr r="0" g="0" b="0"/>
+      </a:lnRef>
+      <a:fillRef idx="1">
+        <a:scrgbClr r="0" g="0" b="0"/>
+      </a:fillRef>
+      <a:effectRef idx="0">
+        <a:scrgbClr r="0" g="0" b="0"/>
+      </a:effectRef>
+      <a:fontRef idx="minor">
+        <a:schemeClr val="lt1"/>
+      </a:fontRef>
+    </dgm:style>
+  </dgm:styleLbl>
+  <dgm:styleLbl name="node4">
+    <dgm:scene3d>
+      <a:camera prst="orthographicFront"/>
+      <a:lightRig rig="threePt" dir="t"/>
+    </dgm:scene3d>
+    <dgm:sp3d/>
+    <dgm:txPr/>
+    <dgm:style>
+      <a:lnRef idx="2">
+        <a:scrgbClr r="0" g="0" b="0"/>
+      </a:lnRef>
+      <a:fillRef idx="1">
+        <a:scrgbClr r="0" g="0" b="0"/>
+      </a:fillRef>
+      <a:effectRef idx="0">
+        <a:scrgbClr r="0" g="0" b="0"/>
+      </a:effectRef>
+      <a:fontRef idx="minor">
+        <a:schemeClr val="lt1"/>
+      </a:fontRef>
+    </dgm:style>
+  </dgm:styleLbl>
+  <dgm:styleLbl name="fgImgPlace1">
+    <dgm:scene3d>
+      <a:camera prst="orthographicFront"/>
+      <a:lightRig rig="threePt" dir="t"/>
+    </dgm:scene3d>
+    <dgm:sp3d/>
+    <dgm:txPr/>
+    <dgm:style>
+      <a:lnRef idx="2">
+        <a:scrgbClr r="0" g="0" b="0"/>
+      </a:lnRef>
+      <a:fillRef idx="1">
+        <a:scrgbClr r="0" g="0" b="0"/>
+      </a:fillRef>
+      <a:effectRef idx="0">
+        <a:scrgbClr r="0" g="0" b="0"/>
+      </a:effectRef>
+      <a:fontRef idx="minor"/>
+    </dgm:style>
+  </dgm:styleLbl>
+  <dgm:styleLbl name="alignImgPlace1">
+    <dgm:scene3d>
+      <a:camera prst="orthographicFront"/>
+      <a:lightRig rig="threePt" dir="t"/>
+    </dgm:scene3d>
+    <dgm:sp3d/>
+    <dgm:txPr/>
+    <dgm:style>
+      <a:lnRef idx="2">
+        <a:scrgbClr r="0" g="0" b="0"/>
+      </a:lnRef>
+      <a:fillRef idx="1">
+        <a:scrgbClr r="0" g="0" b="0"/>
+      </a:fillRef>
+      <a:effectRef idx="0">
+        <a:scrgbClr r="0" g="0" b="0"/>
+      </a:effectRef>
+      <a:fontRef idx="minor"/>
+    </dgm:style>
+  </dgm:styleLbl>
+  <dgm:styleLbl name="bgImgPlace1">
+    <dgm:scene3d>
+      <a:camera prst="orthographicFront"/>
+      <a:lightRig rig="threePt" dir="t"/>
+    </dgm:scene3d>
+    <dgm:sp3d/>
+    <dgm:txPr/>
+    <dgm:style>
+      <a:lnRef idx="2">
+        <a:scrgbClr r="0" g="0" b="0"/>
+      </a:lnRef>
+      <a:fillRef idx="1">
+        <a:scrgbClr r="0" g="0" b="0"/>
+      </a:fillRef>
+      <a:effectRef idx="0">
+        <a:scrgbClr r="0" g="0" b="0"/>
+      </a:effectRef>
+      <a:fontRef idx="minor"/>
+    </dgm:style>
+  </dgm:styleLbl>
+  <dgm:styleLbl name="sibTrans2D1">
+    <dgm:scene3d>
+      <a:camera prst="orthographicFront"/>
+      <a:lightRig rig="threePt" dir="t"/>
+    </dgm:scene3d>
+    <dgm:sp3d/>
+    <dgm:txPr/>
+    <dgm:style>
+      <a:lnRef idx="0">
+        <a:scrgbClr r="0" g="0" b="0"/>
+      </a:lnRef>
+      <a:fillRef idx="1">
+        <a:scrgbClr r="0" g="0" b="0"/>
+      </a:fillRef>
+      <a:effectRef idx="0">
+        <a:scrgbClr r="0" g="0" b="0"/>
+      </a:effectRef>
+      <a:fontRef idx="minor">
+        <a:schemeClr val="lt1"/>
+      </a:fontRef>
+    </dgm:style>
+  </dgm:styleLbl>
+  <dgm:styleLbl name="fgSibTrans2D1">
+    <dgm:scene3d>
+      <a:camera prst="orthographicFront"/>
+      <a:lightRig rig="threePt" dir="t"/>
+    </dgm:scene3d>
+    <dgm:sp3d/>
+    <dgm:txPr/>
+    <dgm:style>
+      <a:lnRef idx="0">
+        <a:scrgbClr r="0" g="0" b="0"/>
+      </a:lnRef>
+      <a:fillRef idx="1">
+        <a:scrgbClr r="0" g="0" b="0"/>
+      </a:fillRef>
+      <a:effectRef idx="0">
+        <a:scrgbClr r="0" g="0" b="0"/>
+      </a:effectRef>
+      <a:fontRef idx="minor">
+        <a:schemeClr val="lt1"/>
+      </a:fontRef>
+    </dgm:style>
+  </dgm:styleLbl>
+  <dgm:styleLbl name="bgSibTrans2D1">
+    <dgm:scene3d>
+      <a:camera prst="orthographicFront"/>
+      <a:lightRig rig="threePt" dir="t"/>
+    </dgm:scene3d>
+    <dgm:sp3d/>
+    <dgm:txPr/>
+    <dgm:style>
+      <a:lnRef idx="0">
+        <a:scrgbClr r="0" g="0" b="0"/>
+      </a:lnRef>
+      <a:fillRef idx="1">
+        <a:scrgbClr r="0" g="0" b="0"/>
+      </a:fillRef>
+      <a:effectRef idx="0">
+        <a:scrgbClr r="0" g="0" b="0"/>
+      </a:effectRef>
+      <a:fontRef idx="minor">
+        <a:schemeClr val="lt1"/>
+      </a:fontRef>
+    </dgm:style>
+  </dgm:styleLbl>
+  <dgm:styleLbl name="sibTrans1D1">
+    <dgm:scene3d>
+      <a:camera prst="orthographicFront"/>
+      <a:lightRig rig="threePt" dir="t"/>
+    </dgm:scene3d>
+    <dgm:sp3d/>
+    <dgm:txPr/>
+    <dgm:style>
+      <a:lnRef idx="1">
+        <a:scrgbClr r="0" g="0" b="0"/>
+      </a:lnRef>
+      <a:fillRef idx="0">
+        <a:scrgbClr r="0" g="0" b="0"/>
+      </a:fillRef>
+      <a:effectRef idx="0">
+        <a:scrgbClr r="0" g="0" b="0"/>
+      </a:effectRef>
+      <a:fontRef idx="minor"/>
+    </dgm:style>
+  </dgm:styleLbl>
+  <dgm:styleLbl name="callout">
+    <dgm:scene3d>
+      <a:camera prst="orthographicFront"/>
+      <a:lightRig rig="threePt" dir="t"/>
+    </dgm:scene3d>
+    <dgm:sp3d/>
+    <dgm:txPr/>
+    <dgm:style>
+      <a:lnRef idx="2">
+        <a:scrgbClr r="0" g="0" b="0"/>
+      </a:lnRef>
+      <a:fillRef idx="1">
+        <a:scrgbClr r="0" g="0" b="0"/>
+      </a:fillRef>
+      <a:effectRef idx="0">
+        <a:scrgbClr r="0" g="0" b="0"/>
+      </a:effectRef>
+      <a:fontRef idx="minor"/>
+    </dgm:style>
+  </dgm:styleLbl>
+  <dgm:styleLbl name="asst0">
+    <dgm:scene3d>
+      <a:camera prst="orthographicFront"/>
+      <a:lightRig rig="threePt" dir="t"/>
+    </dgm:scene3d>
+    <dgm:sp3d/>
+    <dgm:txPr/>
+    <dgm:style>
+      <a:lnRef idx="2">
+        <a:scrgbClr r="0" g="0" b="0"/>
+      </a:lnRef>
+      <a:fillRef idx="1">
+        <a:scrgbClr r="0" g="0" b="0"/>
+      </a:fillRef>
+      <a:effectRef idx="0">
+        <a:scrgbClr r="0" g="0" b="0"/>
+      </a:effectRef>
+      <a:fontRef idx="minor">
+        <a:schemeClr val="lt1"/>
+      </a:fontRef>
+    </dgm:style>
+  </dgm:styleLbl>
+  <dgm:styleLbl name="asst1">
+    <dgm:scene3d>
+      <a:camera prst="orthographicFront"/>
+      <a:lightRig rig="threePt" dir="t"/>
+    </dgm:scene3d>
+    <dgm:sp3d/>
+    <dgm:txPr/>
+    <dgm:style>
+      <a:lnRef idx="2">
+        <a:scrgbClr r="0" g="0" b="0"/>
+      </a:lnRef>
+      <a:fillRef idx="1">
+        <a:scrgbClr r="0" g="0" b="0"/>
+      </a:fillRef>
+      <a:effectRef idx="0">
+        <a:scrgbClr r="0" g="0" b="0"/>
+      </a:effectRef>
+      <a:fontRef idx="minor">
+        <a:schemeClr val="lt1"/>
+      </a:fontRef>
+    </dgm:style>
+  </dgm:styleLbl>
+  <dgm:styleLbl name="asst2">
+    <dgm:scene3d>
+      <a:camera prst="orthographicFront"/>
+      <a:lightRig rig="threePt" dir="t"/>
+    </dgm:scene3d>
+    <dgm:sp3d/>
+    <dgm:txPr/>
+    <dgm:style>
+      <a:lnRef idx="2">
+        <a:scrgbClr r="0" g="0" b="0"/>
+      </a:lnRef>
+      <a:fillRef idx="1">
+        <a:scrgbClr r="0" g="0" b="0"/>
+      </a:fillRef>
+      <a:effectRef idx="0">
+        <a:scrgbClr r="0" g="0" b="0"/>
+      </a:effectRef>
+      <a:fontRef idx="minor">
+        <a:schemeClr val="lt1"/>
+      </a:fontRef>
+    </dgm:style>
+  </dgm:styleLbl>
+  <dgm:styleLbl name="asst3">
+    <dgm:scene3d>
+      <a:camera prst="orthographicFront"/>
+      <a:lightRig rig="threePt" dir="t"/>
+    </dgm:scene3d>
+    <dgm:sp3d/>
+    <dgm:txPr/>
+    <dgm:style>
+      <a:lnRef idx="2">
+        <a:scrgbClr r="0" g="0" b="0"/>
+      </a:lnRef>
+      <a:fillRef idx="1">
+        <a:scrgbClr r="0" g="0" b="0"/>
+      </a:fillRef>
+      <a:effectRef idx="0">
+        <a:scrgbClr r="0" g="0" b="0"/>
+      </a:effectRef>
+      <a:fontRef idx="minor">
+        <a:schemeClr val="lt1"/>
+      </a:fontRef>
+    </dgm:style>
+  </dgm:styleLbl>
+  <dgm:styleLbl name="asst4">
+    <dgm:scene3d>
+      <a:camera prst="orthographicFront"/>
+      <a:lightRig rig="threePt" dir="t"/>
+    </dgm:scene3d>
+    <dgm:sp3d/>
+    <dgm:txPr/>
+    <dgm:style>
+      <a:lnRef idx="2">
+        <a:scrgbClr r="0" g="0" b="0"/>
+      </a:lnRef>
+      <a:fillRef idx="1">
+        <a:scrgbClr r="0" g="0" b="0"/>
+      </a:fillRef>
+      <a:effectRef idx="0">
+        <a:scrgbClr r="0" g="0" b="0"/>
+      </a:effectRef>
+      <a:fontRef idx="minor">
+        <a:schemeClr val="lt1"/>
+      </a:fontRef>
+    </dgm:style>
+  </dgm:styleLbl>
+  <dgm:styleLbl name="parChTrans2D1">
+    <dgm:scene3d>
+      <a:camera prst="orthographicFront"/>
+      <a:lightRig rig="threePt" dir="t"/>
+    </dgm:scene3d>
+    <dgm:sp3d/>
+    <dgm:txPr/>
+    <dgm:style>
+      <a:lnRef idx="2">
+        <a:scrgbClr r="0" g="0" b="0"/>
+      </a:lnRef>
+      <a:fillRef idx="1">
+        <a:scrgbClr r="0" g="0" b="0"/>
+      </a:fillRef>
+      <a:effectRef idx="0">
+        <a:scrgbClr r="0" g="0" b="0"/>
+      </a:effectRef>
+      <a:fontRef idx="minor">
+        <a:schemeClr val="lt1"/>
+      </a:fontRef>
+    </dgm:style>
+  </dgm:styleLbl>
+  <dgm:styleLbl name="parChTrans2D2">
+    <dgm:scene3d>
+      <a:camera prst="orthographicFront"/>
+      <a:lightRig rig="threePt" dir="t"/>
+    </dgm:scene3d>
+    <dgm:sp3d/>
+    <dgm:txPr/>
+    <dgm:style>
+      <a:lnRef idx="2">
+        <a:scrgbClr r="0" g="0" b="0"/>
+      </a:lnRef>
+      <a:fillRef idx="1">
+        <a:scrgbClr r="0" g="0" b="0"/>
+      </a:fillRef>
+      <a:effectRef idx="0">
+        <a:scrgbClr r="0" g="0" b="0"/>
+      </a:effectRef>
+      <a:fontRef idx="minor">
+        <a:schemeClr val="lt1"/>
+      </a:fontRef>
+    </dgm:style>
+  </dgm:styleLbl>
+  <dgm:styleLbl name="parChTrans2D3">
+    <dgm:scene3d>
+      <a:camera prst="orthographicFront"/>
+      <a:lightRig rig="threePt" dir="t"/>
+    </dgm:scene3d>
+    <dgm:sp3d/>
+    <dgm:txPr/>
+    <dgm:style>
+      <a:lnRef idx="2">
+        <a:scrgbClr r="0" g="0" b="0"/>
+      </a:lnRef>
+      <a:fillRef idx="1">
+        <a:scrgbClr r="0" g="0" b="0"/>
+      </a:fillRef>
+      <a:effectRef idx="0">
+        <a:scrgbClr r="0" g="0" b="0"/>
+      </a:effectRef>
+      <a:fontRef idx="minor">
+        <a:schemeClr val="lt1"/>
+      </a:fontRef>
+    </dgm:style>
+  </dgm:styleLbl>
+  <dgm:styleLbl name="parChTrans2D4">
+    <dgm:scene3d>
+      <a:camera prst="orthographicFront"/>
+      <a:lightRig rig="threePt" dir="t"/>
+    </dgm:scene3d>
+    <dgm:sp3d/>
+    <dgm:txPr/>
+    <dgm:style>
+      <a:lnRef idx="2">
+        <a:scrgbClr r="0" g="0" b="0"/>
+      </a:lnRef>
+      <a:fillRef idx="1">
+        <a:scrgbClr r="0" g="0" b="0"/>
+      </a:fillRef>
+      <a:effectRef idx="0">
+        <a:scrgbClr r="0" g="0" b="0"/>
+      </a:effectRef>
+      <a:fontRef idx="minor">
+        <a:schemeClr val="lt1"/>
+      </a:fontRef>
+    </dgm:style>
+  </dgm:styleLbl>
+  <dgm:styleLbl name="parChTrans1D1">
+    <dgm:scene3d>
+      <a:camera prst="orthographicFront"/>
+      <a:lightRig rig="threePt" dir="t"/>
+    </dgm:scene3d>
+    <dgm:sp3d/>
+    <dgm:txPr/>
+    <dgm:style>
+      <a:lnRef idx="2">
+        <a:scrgbClr r="0" g="0" b="0"/>
+      </a:lnRef>
+      <a:fillRef idx="0">
+        <a:scrgbClr r="0" g="0" b="0"/>
+      </a:fillRef>
+      <a:effectRef idx="0">
+        <a:scrgbClr r="0" g="0" b="0"/>
+      </a:effectRef>
+      <a:fontRef idx="minor"/>
+    </dgm:style>
+  </dgm:styleLbl>
+  <dgm:styleLbl name="parChTrans1D2">
+    <dgm:scene3d>
+      <a:camera prst="orthographicFront"/>
+      <a:lightRig rig="threePt" dir="t"/>
+    </dgm:scene3d>
+    <dgm:sp3d/>
+    <dgm:txPr/>
+    <dgm:style>
+      <a:lnRef idx="2">
+        <a:scrgbClr r="0" g="0" b="0"/>
+      </a:lnRef>
+      <a:fillRef idx="0">
+        <a:scrgbClr r="0" g="0" b="0"/>
+      </a:fillRef>
+      <a:effectRef idx="0">
+        <a:scrgbClr r="0" g="0" b="0"/>
+      </a:effectRef>
+      <a:fontRef idx="minor"/>
+    </dgm:style>
+  </dgm:styleLbl>
+  <dgm:styleLbl name="parChTrans1D3">
+    <dgm:scene3d>
+      <a:camera prst="orthographicFront"/>
+      <a:lightRig rig="threePt" dir="t"/>
+    </dgm:scene3d>
+    <dgm:sp3d/>
+    <dgm:txPr/>
+    <dgm:style>
+      <a:lnRef idx="2">
+        <a:scrgbClr r="0" g="0" b="0"/>
+      </a:lnRef>
+      <a:fillRef idx="0">
+        <a:scrgbClr r="0" g="0" b="0"/>
+      </a:fillRef>
+      <a:effectRef idx="0">
+        <a:scrgbClr r="0" g="0" b="0"/>
+      </a:effectRef>
+      <a:fontRef idx="minor"/>
+    </dgm:style>
+  </dgm:styleLbl>
+  <dgm:styleLbl name="parChTrans1D4">
+    <dgm:scene3d>
+      <a:camera prst="orthographicFront"/>
+      <a:lightRig rig="threePt" dir="t"/>
+    </dgm:scene3d>
+    <dgm:sp3d/>
+    <dgm:txPr/>
+    <dgm:style>
+      <a:lnRef idx="2">
+        <a:scrgbClr r="0" g="0" b="0"/>
+      </a:lnRef>
+      <a:fillRef idx="0">
+        <a:scrgbClr r="0" g="0" b="0"/>
+      </a:fillRef>
+      <a:effectRef idx="0">
+        <a:scrgbClr r="0" g="0" b="0"/>
+      </a:effectRef>
+      <a:fontRef idx="minor"/>
+    </dgm:style>
+  </dgm:styleLbl>
+  <dgm:styleLbl name="fgAcc1">
+    <dgm:scene3d>
+      <a:camera prst="orthographicFront"/>
+      <a:lightRig rig="threePt" dir="t"/>
+    </dgm:scene3d>
+    <dgm:sp3d/>
+    <dgm:txPr/>
+    <dgm:style>
+      <a:lnRef idx="2">
+        <a:scrgbClr r="0" g="0" b="0"/>
+      </a:lnRef>
+      <a:fillRef idx="1">
+        <a:scrgbClr r="0" g="0" b="0"/>
+      </a:fillRef>
+      <a:effectRef idx="0">
+        <a:scrgbClr r="0" g="0" b="0"/>
+      </a:effectRef>
+      <a:fontRef idx="minor"/>
+    </dgm:style>
+  </dgm:styleLbl>
+  <dgm:styleLbl name="conFgAcc1">
+    <dgm:scene3d>
+      <a:camera prst="orthographicFront"/>
+      <a:lightRig rig="threePt" dir="t"/>
+    </dgm:scene3d>
+    <dgm:sp3d/>
+    <dgm:txPr/>
+    <dgm:style>
+      <a:lnRef idx="2">
+        <a:scrgbClr r="0" g="0" b="0"/>
+      </a:lnRef>
+      <a:fillRef idx="1">
+        <a:scrgbClr r="0" g="0" b="0"/>
+      </a:fillRef>
+      <a:effectRef idx="0">
+        <a:scrgbClr r="0" g="0" b="0"/>
+      </a:effectRef>
+      <a:fontRef idx="minor"/>
+    </dgm:style>
+  </dgm:styleLbl>
+  <dgm:styleLbl name="alignAcc1">
+    <dgm:scene3d>
+      <a:camera prst="orthographicFront"/>
+      <a:lightRig rig="threePt" dir="t"/>
+    </dgm:scene3d>
+    <dgm:sp3d/>
+    <dgm:txPr/>
+    <dgm:style>
+      <a:lnRef idx="2">
+        <a:scrgbClr r="0" g="0" b="0"/>
+      </a:lnRef>
+      <a:fillRef idx="1">
+        <a:scrgbClr r="0" g="0" b="0"/>
+      </a:fillRef>
+      <a:effectRef idx="0">
+        <a:scrgbClr r="0" g="0" b="0"/>
+      </a:effectRef>
+      <a:fontRef idx="minor"/>
+    </dgm:style>
+  </dgm:styleLbl>
+  <dgm:styleLbl name="trAlignAcc1">
+    <dgm:scene3d>
+      <a:camera prst="orthographicFront"/>
+      <a:lightRig rig="threePt" dir="t"/>
+    </dgm:scene3d>
+    <dgm:sp3d/>
+    <dgm:txPr/>
+    <dgm:style>
+      <a:lnRef idx="1">
+        <a:scrgbClr r="0" g="0" b="0"/>
+      </a:lnRef>
+      <a:fillRef idx="1">
+        <a:scrgbClr r="0" g="0" b="0"/>
+      </a:fillRef>
+      <a:effectRef idx="0">
+        <a:scrgbClr r="0" g="0" b="0"/>
+      </a:effectRef>
+      <a:fontRef idx="minor"/>
+    </dgm:style>
+  </dgm:styleLbl>
+  <dgm:styleLbl name="bgAcc1">
+    <dgm:scene3d>
+      <a:camera prst="orthographicFront"/>
+      <a:lightRig rig="threePt" dir="t"/>
+    </dgm:scene3d>
+    <dgm:sp3d/>
+    <dgm:txPr/>
+    <dgm:style>
+      <a:lnRef idx="2">
+        <a:scrgbClr r="0" g="0" b="0"/>
+      </a:lnRef>
+      <a:fillRef idx="1">
+        <a:scrgbClr r="0" g="0" b="0"/>
+      </a:fillRef>
+      <a:effectRef idx="0">
+        <a:scrgbClr r="0" g="0" b="0"/>
+      </a:effectRef>
+      <a:fontRef idx="minor"/>
+    </dgm:style>
+  </dgm:styleLbl>
+  <dgm:styleLbl name="solidFgAcc1">
+    <dgm:scene3d>
+      <a:camera prst="orthographicFront"/>
+      <a:lightRig rig="threePt" dir="t"/>
+    </dgm:scene3d>
+    <dgm:sp3d/>
+    <dgm:txPr/>
+    <dgm:style>
+      <a:lnRef idx="2">
+        <a:scrgbClr r="0" g="0" b="0"/>
+      </a:lnRef>
+      <a:fillRef idx="1">
+        <a:scrgbClr r="0" g="0" b="0"/>
+      </a:fillRef>
+      <a:effectRef idx="0">
+        <a:scrgbClr r="0" g="0" b="0"/>
+      </a:effectRef>
+      <a:fontRef idx="minor"/>
+    </dgm:style>
+  </dgm:styleLbl>
+  <dgm:styleLbl name="solidAlignAcc1">
+    <dgm:scene3d>
+      <a:camera prst="orthographicFront"/>
+      <a:lightRig rig="threePt" dir="t"/>
+    </dgm:scene3d>
+    <dgm:sp3d/>
+    <dgm:txPr/>
+    <dgm:style>
+      <a:lnRef idx="2">
+        <a:scrgbClr r="0" g="0" b="0"/>
+      </a:lnRef>
+      <a:fillRef idx="1">
+        <a:scrgbClr r="0" g="0" b="0"/>
+      </a:fillRef>
+      <a:effectRef idx="0">
+        <a:scrgbClr r="0" g="0" b="0"/>
+      </a:effectRef>
+      <a:fontRef idx="minor"/>
+    </dgm:style>
+  </dgm:styleLbl>
+  <dgm:styleLbl name="solidBgAcc1">
+    <dgm:scene3d>
+      <a:camera prst="orthographicFront"/>
+      <a:lightRig rig="threePt" dir="t"/>
+    </dgm:scene3d>
+    <dgm:sp3d/>
+    <dgm:txPr/>
+    <dgm:style>
+      <a:lnRef idx="2">
+        <a:scrgbClr r="0" g="0" b="0"/>
+      </a:lnRef>
+      <a:fillRef idx="1">
+        <a:scrgbClr r="0" g="0" b="0"/>
+      </a:fillRef>
+      <a:effectRef idx="0">
+        <a:scrgbClr r="0" g="0" b="0"/>
+      </a:effectRef>
+      <a:fontRef idx="minor"/>
+    </dgm:style>
+  </dgm:styleLbl>
+  <dgm:styleLbl name="fgAccFollowNode1">
+    <dgm:scene3d>
+      <a:camera prst="orthographicFront"/>
+      <a:lightRig rig="threePt" dir="t"/>
+    </dgm:scene3d>
+    <dgm:sp3d/>
+    <dgm:txPr/>
+    <dgm:style>
+      <a:lnRef idx="2">
+        <a:scrgbClr r="0" g="0" b="0"/>
+      </a:lnRef>
+      <a:fillRef idx="1">
+        <a:scrgbClr r="0" g="0" b="0"/>
+      </a:fillRef>
+      <a:effectRef idx="0">
+        <a:scrgbClr r="0" g="0" b="0"/>
+      </a:effectRef>
+      <a:fontRef idx="minor"/>
+    </dgm:style>
+  </dgm:styleLbl>
+  <dgm:styleLbl name="alignAccFollowNode1">
+    <dgm:scene3d>
+      <a:camera prst="orthographicFront"/>
+      <a:lightRig rig="threePt" dir="t"/>
+    </dgm:scene3d>
+    <dgm:sp3d/>
+    <dgm:txPr/>
+    <dgm:style>
+      <a:lnRef idx="2">
+        <a:scrgbClr r="0" g="0" b="0"/>
+      </a:lnRef>
+      <a:fillRef idx="1">
+        <a:scrgbClr r="0" g="0" b="0"/>
+      </a:fillRef>
+      <a:effectRef idx="0">
+        <a:scrgbClr r="0" g="0" b="0"/>
+      </a:effectRef>
+      <a:fontRef idx="minor"/>
+    </dgm:style>
+  </dgm:styleLbl>
+  <dgm:styleLbl name="bgAccFollowNode1">
+    <dgm:scene3d>
+      <a:camera prst="orthographicFront"/>
+      <a:lightRig rig="threePt" dir="t"/>
+    </dgm:scene3d>
+    <dgm:sp3d/>
+    <dgm:txPr/>
+    <dgm:style>
+      <a:lnRef idx="2">
+        <a:scrgbClr r="0" g="0" b="0"/>
+      </a:lnRef>
+      <a:fillRef idx="1">
+        <a:scrgbClr r="0" g="0" b="0"/>
+      </a:fillRef>
+      <a:effectRef idx="0">
+        <a:scrgbClr r="0" g="0" b="0"/>
+      </a:effectRef>
+      <a:fontRef idx="minor"/>
+    </dgm:style>
+  </dgm:styleLbl>
+  <dgm:styleLbl name="fgAcc0">
+    <dgm:scene3d>
+      <a:camera prst="orthographicFront"/>
+      <a:lightRig rig="threePt" dir="t"/>
+    </dgm:scene3d>
+    <dgm:sp3d/>
+    <dgm:txPr/>
+    <dgm:style>
+      <a:lnRef idx="2">
+        <a:scrgbClr r="0" g="0" b="0"/>
+      </a:lnRef>
+      <a:fillRef idx="1">
+        <a:scrgbClr r="0" g="0" b="0"/>
+      </a:fillRef>
+      <a:effectRef idx="0">
+        <a:scrgbClr r="0" g="0" b="0"/>
+      </a:effectRef>
+      <a:fontRef idx="minor"/>
+    </dgm:style>
+  </dgm:styleLbl>
+  <dgm:styleLbl name="fgAcc2">
+    <dgm:scene3d>
+      <a:camera prst="orthographicFront"/>
+      <a:lightRig rig="threePt" dir="t"/>
+    </dgm:scene3d>
+    <dgm:sp3d/>
+    <dgm:txPr/>
+    <dgm:style>
+      <a:lnRef idx="2">
+        <a:scrgbClr r="0" g="0" b="0"/>
+      </a:lnRef>
+      <a:fillRef idx="1">
+        <a:scrgbClr r="0" g="0" b="0"/>
+      </a:fillRef>
+      <a:effectRef idx="0">
+        <a:scrgbClr r="0" g="0" b="0"/>
+      </a:effectRef>
+      <a:fontRef idx="minor"/>
+    </dgm:style>
+  </dgm:styleLbl>
+  <dgm:styleLbl name="fgAcc3">
+    <dgm:scene3d>
+      <a:camera prst="orthographicFront"/>
+      <a:lightRig rig="threePt" dir="t"/>
+    </dgm:scene3d>
+    <dgm:sp3d/>
+    <dgm:txPr/>
+    <dgm:style>
+      <a:lnRef idx="2">
+        <a:scrgbClr r="0" g="0" b="0"/>
+      </a:lnRef>
+      <a:fillRef idx="1">
+        <a:scrgbClr r="0" g="0" b="0"/>
+      </a:fillRef>
+      <a:effectRef idx="0">
+        <a:scrgbClr r="0" g="0" b="0"/>
+      </a:effectRef>
+      <a:fontRef idx="minor"/>
+    </dgm:style>
+  </dgm:styleLbl>
+  <dgm:styleLbl name="fgAcc4">
+    <dgm:scene3d>
+      <a:camera prst="orthographicFront"/>
+      <a:lightRig rig="threePt" dir="t"/>
+    </dgm:scene3d>
+    <dgm:sp3d/>
+    <dgm:txPr/>
+    <dgm:style>
+      <a:lnRef idx="2">
+        <a:scrgbClr r="0" g="0" b="0"/>
+      </a:lnRef>
+      <a:fillRef idx="1">
+        <a:scrgbClr r="0" g="0" b="0"/>
+      </a:fillRef>
+      <a:effectRef idx="0">
+        <a:scrgbClr r="0" g="0" b="0"/>
+      </a:effectRef>
+      <a:fontRef idx="minor"/>
+    </dgm:style>
+  </dgm:styleLbl>
+  <dgm:styleLbl name="bgShp">
+    <dgm:scene3d>
+      <a:camera prst="orthographicFront"/>
+      <a:lightRig rig="threePt" dir="t"/>
+    </dgm:scene3d>
+    <dgm:sp3d/>
+    <dgm:txPr/>
+    <dgm:style>
+      <a:lnRef idx="0">
+        <a:scrgbClr r="0" g="0" b="0"/>
+      </a:lnRef>
+      <a:fillRef idx="1">
+        <a:scrgbClr r="0" g="0" b="0"/>
+      </a:fillRef>
+      <a:effectRef idx="0">
+        <a:scrgbClr r="0" g="0" b="0"/>
+      </a:effectRef>
+      <a:fontRef idx="minor"/>
+    </dgm:style>
+  </dgm:styleLbl>
+  <dgm:styleLbl name="dkBgShp">
+    <dgm:scene3d>
+      <a:camera prst="orthographicFront"/>
+      <a:lightRig rig="threePt" dir="t"/>
+    </dgm:scene3d>
+    <dgm:sp3d/>
+    <dgm:txPr/>
+    <dgm:style>
+      <a:lnRef idx="0">
+        <a:scrgbClr r="0" g="0" b="0"/>
+      </a:lnRef>
+      <a:fillRef idx="1">
+        <a:scrgbClr r="0" g="0" b="0"/>
+      </a:fillRef>
+      <a:effectRef idx="0">
+        <a:scrgbClr r="0" g="0" b="0"/>
+      </a:effectRef>
+      <a:fontRef idx="minor"/>
+    </dgm:style>
+  </dgm:styleLbl>
+  <dgm:styleLbl name="trBgShp">
+    <dgm:scene3d>
+      <a:camera prst="orthographicFront"/>
+      <a:lightRig rig="threePt" dir="t"/>
+    </dgm:scene3d>
+    <dgm:sp3d/>
+    <dgm:txPr/>
+    <dgm:style>
+      <a:lnRef idx="0">
+        <a:scrgbClr r="0" g="0" b="0"/>
+      </a:lnRef>
+      <a:fillRef idx="1">
+        <a:scrgbClr r="0" g="0" b="0"/>
+      </a:fillRef>
+      <a:effectRef idx="0">
+        <a:scrgbClr r="0" g="0" b="0"/>
+      </a:effectRef>
+      <a:fontRef idx="minor"/>
+    </dgm:style>
+  </dgm:styleLbl>
+  <dgm:styleLbl name="fgShp">
+    <dgm:scene3d>
+      <a:camera prst="orthographicFront"/>
+      <a:lightRig rig="threePt" dir="t"/>
+    </dgm:scene3d>
+    <dgm:sp3d/>
+    <dgm:txPr/>
+    <dgm:style>
+      <a:lnRef idx="2">
+        <a:scrgbClr r="0" g="0" b="0"/>
+      </a:lnRef>
+      <a:fillRef idx="1">
+        <a:scrgbClr r="0" g="0" b="0"/>
+      </a:fillRef>
+      <a:effectRef idx="0">
+        <a:scrgbClr r="0" g="0" b="0"/>
+      </a:effectRef>
+      <a:fontRef idx="minor"/>
+    </dgm:style>
+  </dgm:styleLbl>
+  <dgm:styleLbl name="revTx">
+    <dgm:scene3d>
+      <a:camera prst="orthographicFront"/>
+      <a:lightRig rig="threePt" dir="t"/>
+    </dgm:scene3d>
+    <dgm:sp3d/>
+    <dgm:txPr/>
+    <dgm:style>
+      <a:lnRef idx="0">
+        <a:scrgbClr r="0" g="0" b="0"/>
+      </a:lnRef>
+      <a:fillRef idx="0">
+        <a:scrgbClr r="0" g="0" b="0"/>
+      </a:fillRef>
+      <a:effectRef idx="0">
+        <a:scrgbClr r="0" g="0" b="0"/>
+      </a:effectRef>
+      <a:fontRef idx="minor"/>
+    </dgm:style>
+  </dgm:styleLbl>
+</dgm:styleDef>
+</file>
+
+<file path=ppt/diagrams/quickStyle2.xml><?xml version="1.0" encoding="utf-8"?>
 <dgm:styleDef xmlns:dgm="http://schemas.openxmlformats.org/drawingml/2006/diagram" xmlns:a="http://schemas.openxmlformats.org/drawingml/2006/main" uniqueId="urn:microsoft.com/office/officeart/2005/8/quickstyle/simple1">
   <dgm:title val=""/>
   <dgm:desc val=""/>
@@ -8821,6 +11489,681 @@
 </p:sld>
 </file>
 
+<file path=ppt/slides/slide4.xml><?xml version="1.0" encoding="utf-8"?>
+<p:sld xmlns:a="http://schemas.openxmlformats.org/drawingml/2006/main" xmlns:r="http://schemas.openxmlformats.org/officeDocument/2006/relationships" xmlns:p="http://schemas.openxmlformats.org/presentationml/2006/main">
+  <p:cSld>
+    <p:spTree>
+      <p:nvGrpSpPr>
+        <p:cNvPr id="1" name="">
+          <a:extLst>
+            <a:ext uri="{FF2B5EF4-FFF2-40B4-BE49-F238E27FC236}">
+              <a16:creationId xmlns:a16="http://schemas.microsoft.com/office/drawing/2014/main" id="{B6E3D27D-64E6-4077-1CDE-AF9050859136}"/>
+            </a:ext>
+          </a:extLst>
+        </p:cNvPr>
+        <p:cNvGrpSpPr/>
+        <p:nvPr/>
+      </p:nvGrpSpPr>
+      <p:grpSpPr>
+        <a:xfrm>
+          <a:off x="0" y="0"/>
+          <a:ext cx="0" cy="0"/>
+          <a:chOff x="0" y="0"/>
+          <a:chExt cx="0" cy="0"/>
+        </a:xfrm>
+      </p:grpSpPr>
+      <p:grpSp>
+        <p:nvGrpSpPr>
+          <p:cNvPr id="22" name="グループ化 21">
+            <a:extLst>
+              <a:ext uri="{FF2B5EF4-FFF2-40B4-BE49-F238E27FC236}">
+                <a16:creationId xmlns:a16="http://schemas.microsoft.com/office/drawing/2014/main" id="{B1D38F6E-7ED2-CA20-D714-6E7BB28924A5}"/>
+              </a:ext>
+            </a:extLst>
+          </p:cNvPr>
+          <p:cNvGrpSpPr/>
+          <p:nvPr/>
+        </p:nvGrpSpPr>
+        <p:grpSpPr>
+          <a:xfrm>
+            <a:off x="6497978" y="1373116"/>
+            <a:ext cx="5880101" cy="3920067"/>
+            <a:chOff x="-578118" y="1451855"/>
+            <a:chExt cx="6674118" cy="4449412"/>
+          </a:xfrm>
+        </p:grpSpPr>
+        <p:graphicFrame>
+          <p:nvGraphicFramePr>
+            <p:cNvPr id="2" name="図表 1">
+              <a:extLst>
+                <a:ext uri="{FF2B5EF4-FFF2-40B4-BE49-F238E27FC236}">
+                  <a16:creationId xmlns:a16="http://schemas.microsoft.com/office/drawing/2014/main" id="{AE89569F-3553-2A1F-5C1B-4DC0E22BDCA5}"/>
+                </a:ext>
+              </a:extLst>
+            </p:cNvPr>
+            <p:cNvGraphicFramePr/>
+            <p:nvPr/>
+          </p:nvGraphicFramePr>
+          <p:xfrm>
+            <a:off x="-578118" y="1451855"/>
+            <a:ext cx="6674118" cy="4449412"/>
+          </p:xfrm>
+          <a:graphic>
+            <a:graphicData uri="http://schemas.openxmlformats.org/drawingml/2006/diagram">
+              <dgm:relIds xmlns:dgm="http://schemas.openxmlformats.org/drawingml/2006/diagram" xmlns:r="http://schemas.openxmlformats.org/officeDocument/2006/relationships" r:dm="rId2" r:lo="rId3" r:qs="rId4" r:cs="rId5"/>
+            </a:graphicData>
+          </a:graphic>
+        </p:graphicFrame>
+        <p:cxnSp>
+          <p:nvCxnSpPr>
+            <p:cNvPr id="5" name="直線矢印コネクタ 4">
+              <a:extLst>
+                <a:ext uri="{FF2B5EF4-FFF2-40B4-BE49-F238E27FC236}">
+                  <a16:creationId xmlns:a16="http://schemas.microsoft.com/office/drawing/2014/main" id="{617E9133-4E3B-C2B7-8170-37BB2268F3D2}"/>
+                </a:ext>
+              </a:extLst>
+            </p:cNvPr>
+            <p:cNvCxnSpPr>
+              <a:cxnSpLocks/>
+            </p:cNvCxnSpPr>
+            <p:nvPr/>
+          </p:nvCxnSpPr>
+          <p:spPr>
+            <a:xfrm>
+              <a:off x="3621349" y="2218267"/>
+              <a:ext cx="592667" cy="575733"/>
+            </a:xfrm>
+            <a:prstGeom prst="straightConnector1">
+              <a:avLst/>
+            </a:prstGeom>
+            <a:ln>
+              <a:tailEnd type="triangle"/>
+            </a:ln>
+          </p:spPr>
+          <p:style>
+            <a:lnRef idx="1">
+              <a:schemeClr val="accent1"/>
+            </a:lnRef>
+            <a:fillRef idx="0">
+              <a:schemeClr val="accent1"/>
+            </a:fillRef>
+            <a:effectRef idx="0">
+              <a:schemeClr val="accent1"/>
+            </a:effectRef>
+            <a:fontRef idx="minor">
+              <a:schemeClr val="tx1"/>
+            </a:fontRef>
+          </p:style>
+        </p:cxnSp>
+        <p:cxnSp>
+          <p:nvCxnSpPr>
+            <p:cNvPr id="9" name="直線矢印コネクタ 8">
+              <a:extLst>
+                <a:ext uri="{FF2B5EF4-FFF2-40B4-BE49-F238E27FC236}">
+                  <a16:creationId xmlns:a16="http://schemas.microsoft.com/office/drawing/2014/main" id="{4E7AE437-53C8-9142-DC37-74AC08E7DB9A}"/>
+                </a:ext>
+              </a:extLst>
+            </p:cNvPr>
+            <p:cNvCxnSpPr>
+              <a:cxnSpLocks/>
+            </p:cNvCxnSpPr>
+            <p:nvPr/>
+          </p:nvCxnSpPr>
+          <p:spPr>
+            <a:xfrm flipH="1">
+              <a:off x="3621348" y="4508680"/>
+              <a:ext cx="592667" cy="614012"/>
+            </a:xfrm>
+            <a:prstGeom prst="straightConnector1">
+              <a:avLst/>
+            </a:prstGeom>
+            <a:ln>
+              <a:tailEnd type="triangle"/>
+            </a:ln>
+          </p:spPr>
+          <p:style>
+            <a:lnRef idx="1">
+              <a:schemeClr val="accent1"/>
+            </a:lnRef>
+            <a:fillRef idx="0">
+              <a:schemeClr val="accent1"/>
+            </a:fillRef>
+            <a:effectRef idx="0">
+              <a:schemeClr val="accent1"/>
+            </a:effectRef>
+            <a:fontRef idx="minor">
+              <a:schemeClr val="tx1"/>
+            </a:fontRef>
+          </p:style>
+        </p:cxnSp>
+        <p:cxnSp>
+          <p:nvCxnSpPr>
+            <p:cNvPr id="11" name="直線矢印コネクタ 10">
+              <a:extLst>
+                <a:ext uri="{FF2B5EF4-FFF2-40B4-BE49-F238E27FC236}">
+                  <a16:creationId xmlns:a16="http://schemas.microsoft.com/office/drawing/2014/main" id="{56C56D3F-3E82-1B0D-EF6A-B6FDC252ADA7}"/>
+                </a:ext>
+              </a:extLst>
+            </p:cNvPr>
+            <p:cNvCxnSpPr>
+              <a:cxnSpLocks/>
+            </p:cNvCxnSpPr>
+            <p:nvPr/>
+          </p:nvCxnSpPr>
+          <p:spPr>
+            <a:xfrm flipV="1">
+              <a:off x="1229516" y="2260601"/>
+              <a:ext cx="584200" cy="533399"/>
+            </a:xfrm>
+            <a:prstGeom prst="straightConnector1">
+              <a:avLst/>
+            </a:prstGeom>
+            <a:ln>
+              <a:tailEnd type="triangle"/>
+            </a:ln>
+          </p:spPr>
+          <p:style>
+            <a:lnRef idx="1">
+              <a:schemeClr val="accent1"/>
+            </a:lnRef>
+            <a:fillRef idx="0">
+              <a:schemeClr val="accent1"/>
+            </a:fillRef>
+            <a:effectRef idx="0">
+              <a:schemeClr val="accent1"/>
+            </a:effectRef>
+            <a:fontRef idx="minor">
+              <a:schemeClr val="tx1"/>
+            </a:fontRef>
+          </p:style>
+        </p:cxnSp>
+        <p:cxnSp>
+          <p:nvCxnSpPr>
+            <p:cNvPr id="13" name="直線矢印コネクタ 12">
+              <a:extLst>
+                <a:ext uri="{FF2B5EF4-FFF2-40B4-BE49-F238E27FC236}">
+                  <a16:creationId xmlns:a16="http://schemas.microsoft.com/office/drawing/2014/main" id="{624787CF-1138-9F8D-B306-BC1320130379}"/>
+                </a:ext>
+              </a:extLst>
+            </p:cNvPr>
+            <p:cNvCxnSpPr>
+              <a:cxnSpLocks/>
+            </p:cNvCxnSpPr>
+            <p:nvPr/>
+          </p:nvCxnSpPr>
+          <p:spPr>
+            <a:xfrm flipH="1" flipV="1">
+              <a:off x="1229516" y="4500571"/>
+              <a:ext cx="673101" cy="622121"/>
+            </a:xfrm>
+            <a:prstGeom prst="straightConnector1">
+              <a:avLst/>
+            </a:prstGeom>
+            <a:ln>
+              <a:tailEnd type="triangle"/>
+            </a:ln>
+          </p:spPr>
+          <p:style>
+            <a:lnRef idx="1">
+              <a:schemeClr val="accent1"/>
+            </a:lnRef>
+            <a:fillRef idx="0">
+              <a:schemeClr val="accent1"/>
+            </a:fillRef>
+            <a:effectRef idx="0">
+              <a:schemeClr val="accent1"/>
+            </a:effectRef>
+            <a:fontRef idx="minor">
+              <a:schemeClr val="tx1"/>
+            </a:fontRef>
+          </p:style>
+        </p:cxnSp>
+      </p:grpSp>
+      <p:graphicFrame>
+        <p:nvGraphicFramePr>
+          <p:cNvPr id="21" name="表 20">
+            <a:extLst>
+              <a:ext uri="{FF2B5EF4-FFF2-40B4-BE49-F238E27FC236}">
+                <a16:creationId xmlns:a16="http://schemas.microsoft.com/office/drawing/2014/main" id="{0F0BCFB9-3053-393F-54B2-B5C3CDFFDAF3}"/>
+              </a:ext>
+            </a:extLst>
+          </p:cNvPr>
+          <p:cNvGraphicFramePr>
+            <a:graphicFrameLocks noGrp="1"/>
+          </p:cNvGraphicFramePr>
+          <p:nvPr>
+            <p:extLst>
+              <p:ext uri="{D42A27DB-BD31-4B8C-83A1-F6EECF244321}">
+                <p14:modId xmlns:p14="http://schemas.microsoft.com/office/powerpoint/2010/main" val="702642490"/>
+              </p:ext>
+            </p:extLst>
+          </p:nvPr>
+        </p:nvGraphicFramePr>
+        <p:xfrm>
+          <a:off x="256967" y="1467608"/>
+          <a:ext cx="6674118" cy="3270585"/>
+        </p:xfrm>
+        <a:graphic>
+          <a:graphicData uri="http://schemas.openxmlformats.org/drawingml/2006/table">
+            <a:tbl>
+              <a:tblPr firstRow="1" bandRow="1">
+                <a:tableStyleId>{5C22544A-7EE6-4342-B048-85BDC9FD1C3A}</a:tableStyleId>
+              </a:tblPr>
+              <a:tblGrid>
+                <a:gridCol w="3337059">
+                  <a:extLst>
+                    <a:ext uri="{9D8B030D-6E8A-4147-A177-3AD203B41FA5}">
+                      <a16:colId xmlns:a16="http://schemas.microsoft.com/office/drawing/2014/main" val="1043797649"/>
+                    </a:ext>
+                  </a:extLst>
+                </a:gridCol>
+                <a:gridCol w="3337059">
+                  <a:extLst>
+                    <a:ext uri="{9D8B030D-6E8A-4147-A177-3AD203B41FA5}">
+                      <a16:colId xmlns:a16="http://schemas.microsoft.com/office/drawing/2014/main" val="3960042363"/>
+                    </a:ext>
+                  </a:extLst>
+                </a:gridCol>
+              </a:tblGrid>
+              <a:tr h="496905">
+                <a:tc>
+                  <a:txBody>
+                    <a:bodyPr/>
+                    <a:lstStyle/>
+                    <a:p>
+                      <a:pPr algn="ctr"/>
+                      <a:r>
+                        <a:rPr kumimoji="1" lang="ja-JP" altLang="en-US" sz="1400"/>
+                        <a:t>妄想する</a:t>
+                      </a:r>
+                    </a:p>
+                  </a:txBody>
+                  <a:tcPr/>
+                </a:tc>
+                <a:tc>
+                  <a:txBody>
+                    <a:bodyPr/>
+                    <a:lstStyle/>
+                    <a:p>
+                      <a:pPr algn="ctr"/>
+                      <a:r>
+                        <a:rPr kumimoji="1" lang="ja-JP" altLang="en-US" sz="1400"/>
+                        <a:t>妄想しない</a:t>
+                      </a:r>
+                    </a:p>
+                  </a:txBody>
+                  <a:tcPr/>
+                </a:tc>
+                <a:extLst>
+                  <a:ext uri="{0D108BD9-81ED-4DB2-BD59-A6C34878D82A}">
+                    <a16:rowId xmlns:a16="http://schemas.microsoft.com/office/drawing/2014/main" val="2154027827"/>
+                  </a:ext>
+                </a:extLst>
+              </a:tr>
+              <a:tr h="1756184">
+                <a:tc>
+                  <a:txBody>
+                    <a:bodyPr/>
+                    <a:lstStyle/>
+                    <a:p>
+                      <a:pPr algn="ctr"/>
+                      <a:r>
+                        <a:rPr kumimoji="1" lang="ja-JP" altLang="en-US" sz="1600" kern="1200">
+                          <a:solidFill>
+                            <a:schemeClr val="dk1"/>
+                          </a:solidFill>
+                          <a:effectLst/>
+                          <a:latin typeface="+mn-lt"/>
+                          <a:ea typeface="+mn-ea"/>
+                          <a:cs typeface="+mn-cs"/>
+                        </a:rPr>
+                        <a:t>ネガティビティバイアスにより</a:t>
+                      </a:r>
+                      <a:endParaRPr kumimoji="1" lang="en-US" altLang="ja-JP" sz="1600" kern="1200">
+                        <a:solidFill>
+                          <a:schemeClr val="dk1"/>
+                        </a:solidFill>
+                        <a:effectLst/>
+                        <a:latin typeface="+mn-lt"/>
+                        <a:ea typeface="+mn-ea"/>
+                        <a:cs typeface="+mn-cs"/>
+                      </a:endParaRPr>
+                    </a:p>
+                    <a:p>
+                      <a:pPr algn="ctr"/>
+                      <a:r>
+                        <a:rPr kumimoji="1" lang="ja-JP" altLang="en-US" sz="1600" kern="1200">
+                          <a:solidFill>
+                            <a:schemeClr val="dk1"/>
+                          </a:solidFill>
+                          <a:effectLst/>
+                          <a:latin typeface="+mn-lt"/>
+                          <a:ea typeface="+mn-ea"/>
+                          <a:cs typeface="+mn-cs"/>
+                        </a:rPr>
+                        <a:t>実際には起こらないことや、妄想に過ぎないことが気になる</a:t>
+                      </a:r>
+                      <a:endParaRPr kumimoji="1" lang="en-US" altLang="ja-JP" sz="1600" kern="1200">
+                        <a:solidFill>
+                          <a:schemeClr val="dk1"/>
+                        </a:solidFill>
+                        <a:effectLst/>
+                        <a:latin typeface="+mn-lt"/>
+                        <a:ea typeface="+mn-ea"/>
+                        <a:cs typeface="+mn-cs"/>
+                      </a:endParaRPr>
+                    </a:p>
+                    <a:p>
+                      <a:pPr algn="ctr"/>
+                      <a:r>
+                        <a:rPr kumimoji="1" lang="ja-JP" altLang="en-US" sz="1600" kern="1200">
+                          <a:solidFill>
+                            <a:schemeClr val="dk1"/>
+                          </a:solidFill>
+                          <a:effectLst/>
+                          <a:latin typeface="+mn-lt"/>
+                          <a:ea typeface="+mn-ea"/>
+                          <a:cs typeface="+mn-cs"/>
+                        </a:rPr>
+                        <a:t>↓</a:t>
+                      </a:r>
+                      <a:endParaRPr kumimoji="1" lang="en-US" altLang="ja-JP" sz="1600" kern="1200">
+                        <a:solidFill>
+                          <a:schemeClr val="dk1"/>
+                        </a:solidFill>
+                        <a:effectLst/>
+                        <a:latin typeface="+mn-lt"/>
+                        <a:ea typeface="+mn-ea"/>
+                        <a:cs typeface="+mn-cs"/>
+                      </a:endParaRPr>
+                    </a:p>
+                    <a:p>
+                      <a:pPr algn="ctr"/>
+                      <a:r>
+                        <a:rPr kumimoji="1" lang="ja-JP" altLang="en-US" sz="1600" b="0" kern="1200">
+                          <a:solidFill>
+                            <a:schemeClr val="tx1"/>
+                          </a:solidFill>
+                          <a:effectLst/>
+                          <a:latin typeface="+mn-lt"/>
+                          <a:ea typeface="+mn-ea"/>
+                          <a:cs typeface="+mn-cs"/>
+                        </a:rPr>
+                        <a:t>不安や悩みが発生する</a:t>
+                      </a:r>
+                      <a:endParaRPr kumimoji="1" lang="en-US" altLang="ja-JP" sz="1600" b="0" kern="1200">
+                        <a:solidFill>
+                          <a:schemeClr val="tx1"/>
+                        </a:solidFill>
+                        <a:effectLst/>
+                        <a:latin typeface="+mn-lt"/>
+                        <a:ea typeface="+mn-ea"/>
+                        <a:cs typeface="+mn-cs"/>
+                      </a:endParaRPr>
+                    </a:p>
+                    <a:p>
+                      <a:pPr algn="ctr"/>
+                      <a:r>
+                        <a:rPr kumimoji="1" lang="ja-JP" altLang="en-US" sz="1600" b="0" kern="1200">
+                          <a:solidFill>
+                            <a:schemeClr val="tx1"/>
+                          </a:solidFill>
+                          <a:effectLst/>
+                          <a:latin typeface="+mn-lt"/>
+                          <a:ea typeface="+mn-ea"/>
+                          <a:cs typeface="+mn-cs"/>
+                        </a:rPr>
+                        <a:t>（</a:t>
+                      </a:r>
+                      <a:r>
+                        <a:rPr kumimoji="1" lang="ja-JP" altLang="en-US" sz="1600" b="1" kern="1200">
+                          <a:solidFill>
+                            <a:schemeClr val="accent1">
+                              <a:lumMod val="75000"/>
+                            </a:schemeClr>
+                          </a:solidFill>
+                          <a:effectLst/>
+                          <a:latin typeface="+mn-lt"/>
+                          <a:ea typeface="+mn-ea"/>
+                          <a:cs typeface="+mn-cs"/>
+                        </a:rPr>
+                        <a:t>気分が落ちる</a:t>
+                      </a:r>
+                      <a:r>
+                        <a:rPr kumimoji="1" lang="ja-JP" altLang="en-US" sz="1600" b="0" kern="1200">
+                          <a:solidFill>
+                            <a:schemeClr val="tx1"/>
+                          </a:solidFill>
+                          <a:effectLst/>
+                          <a:latin typeface="+mn-lt"/>
+                          <a:ea typeface="+mn-ea"/>
+                          <a:cs typeface="+mn-cs"/>
+                        </a:rPr>
+                        <a:t>）</a:t>
+                      </a:r>
+                      <a:endParaRPr kumimoji="1" lang="en-US" altLang="ja-JP" sz="1600" b="0" kern="1200">
+                        <a:solidFill>
+                          <a:schemeClr val="tx1"/>
+                        </a:solidFill>
+                        <a:effectLst/>
+                        <a:latin typeface="+mn-lt"/>
+                        <a:ea typeface="+mn-ea"/>
+                        <a:cs typeface="+mn-cs"/>
+                      </a:endParaRPr>
+                    </a:p>
+                    <a:p>
+                      <a:pPr algn="ctr"/>
+                      <a:r>
+                        <a:rPr kumimoji="1" lang="ja-JP" altLang="en-US" sz="1600" b="0" kern="1200">
+                          <a:solidFill>
+                            <a:schemeClr val="tx1"/>
+                          </a:solidFill>
+                          <a:effectLst/>
+                          <a:latin typeface="+mn-lt"/>
+                          <a:ea typeface="+mn-ea"/>
+                          <a:cs typeface="+mn-cs"/>
+                        </a:rPr>
+                        <a:t>↓</a:t>
+                      </a:r>
+                      <a:endParaRPr kumimoji="1" lang="en-US" altLang="ja-JP" sz="1600" b="0" kern="1200">
+                        <a:solidFill>
+                          <a:schemeClr val="tx1"/>
+                        </a:solidFill>
+                        <a:effectLst/>
+                        <a:latin typeface="+mn-lt"/>
+                        <a:ea typeface="+mn-ea"/>
+                        <a:cs typeface="+mn-cs"/>
+                      </a:endParaRPr>
+                    </a:p>
+                    <a:p>
+                      <a:pPr algn="ctr"/>
+                      <a:r>
+                        <a:rPr kumimoji="1" lang="ja-JP" altLang="en-US" sz="1600" b="0" kern="1200">
+                          <a:solidFill>
+                            <a:schemeClr val="tx1"/>
+                          </a:solidFill>
+                          <a:effectLst/>
+                          <a:latin typeface="+mn-lt"/>
+                          <a:ea typeface="+mn-ea"/>
+                          <a:cs typeface="+mn-cs"/>
+                        </a:rPr>
+                        <a:t>その対策が最優先事項になる</a:t>
+                      </a:r>
+                      <a:endParaRPr kumimoji="1" lang="en-US" altLang="ja-JP" sz="1600" b="0" kern="1200">
+                        <a:solidFill>
+                          <a:schemeClr val="tx1"/>
+                        </a:solidFill>
+                        <a:effectLst/>
+                        <a:latin typeface="+mn-lt"/>
+                        <a:ea typeface="+mn-ea"/>
+                        <a:cs typeface="+mn-cs"/>
+                      </a:endParaRPr>
+                    </a:p>
+                    <a:p>
+                      <a:pPr algn="ctr"/>
+                      <a:r>
+                        <a:rPr kumimoji="1" lang="ja-JP" altLang="en-US" sz="1600" b="0" kern="1200">
+                          <a:solidFill>
+                            <a:schemeClr val="tx1"/>
+                          </a:solidFill>
+                          <a:effectLst/>
+                          <a:latin typeface="+mn-lt"/>
+                          <a:ea typeface="+mn-ea"/>
+                          <a:cs typeface="+mn-cs"/>
+                        </a:rPr>
+                        <a:t>↓</a:t>
+                      </a:r>
+                      <a:endParaRPr kumimoji="1" lang="en-US" altLang="ja-JP" sz="1600" b="0" kern="1200">
+                        <a:solidFill>
+                          <a:schemeClr val="tx1"/>
+                        </a:solidFill>
+                        <a:effectLst/>
+                        <a:latin typeface="+mn-lt"/>
+                        <a:ea typeface="+mn-ea"/>
+                        <a:cs typeface="+mn-cs"/>
+                      </a:endParaRPr>
+                    </a:p>
+                    <a:p>
+                      <a:pPr algn="ctr"/>
+                      <a:r>
+                        <a:rPr kumimoji="1" lang="ja-JP" altLang="en-US" sz="1600" b="1" kern="1200">
+                          <a:solidFill>
+                            <a:schemeClr val="accent1">
+                              <a:lumMod val="75000"/>
+                            </a:schemeClr>
+                          </a:solidFill>
+                          <a:effectLst/>
+                          <a:latin typeface="+mn-lt"/>
+                          <a:ea typeface="+mn-ea"/>
+                          <a:cs typeface="+mn-cs"/>
+                        </a:rPr>
+                        <a:t>本当にやりたかったことが後回しになる</a:t>
+                      </a:r>
+                    </a:p>
+                  </a:txBody>
+                  <a:tcPr/>
+                </a:tc>
+                <a:tc>
+                  <a:txBody>
+                    <a:bodyPr/>
+                    <a:lstStyle/>
+                    <a:p>
+                      <a:pPr algn="ctr"/>
+                      <a:r>
+                        <a:rPr kumimoji="1" lang="ja-JP" altLang="en-US" sz="1600"/>
+                        <a:t>事実しか認識しない</a:t>
+                      </a:r>
+                      <a:endParaRPr kumimoji="1" lang="en-US" altLang="ja-JP" sz="1600"/>
+                    </a:p>
+                    <a:p>
+                      <a:pPr algn="ctr"/>
+                      <a:r>
+                        <a:rPr kumimoji="1" lang="ja-JP" altLang="en-US" sz="1600"/>
+                        <a:t>↓</a:t>
+                      </a:r>
+                      <a:endParaRPr kumimoji="1" lang="en-US" altLang="ja-JP" sz="1600"/>
+                    </a:p>
+                    <a:p>
+                      <a:pPr algn="ctr"/>
+                      <a:r>
+                        <a:rPr kumimoji="1" lang="ja-JP" altLang="en-US" sz="1600" b="0">
+                          <a:solidFill>
+                            <a:schemeClr val="tx1"/>
+                          </a:solidFill>
+                        </a:rPr>
+                        <a:t>不安や悩みが最小限になる</a:t>
+                      </a:r>
+                      <a:endParaRPr kumimoji="1" lang="en-US" altLang="ja-JP" sz="1600" b="0">
+                        <a:solidFill>
+                          <a:schemeClr val="tx1"/>
+                        </a:solidFill>
+                      </a:endParaRPr>
+                    </a:p>
+                    <a:p>
+                      <a:pPr algn="ctr"/>
+                      <a:r>
+                        <a:rPr kumimoji="1" lang="ja-JP" altLang="en-US" sz="1600" b="0">
+                          <a:solidFill>
+                            <a:schemeClr val="tx1"/>
+                          </a:solidFill>
+                        </a:rPr>
+                        <a:t>（</a:t>
+                      </a:r>
+                      <a:r>
+                        <a:rPr kumimoji="1" lang="ja-JP" altLang="en-US" sz="1600" b="1">
+                          <a:solidFill>
+                            <a:srgbClr val="C00000"/>
+                          </a:solidFill>
+                        </a:rPr>
+                        <a:t>気分が上がる</a:t>
+                      </a:r>
+                      <a:r>
+                        <a:rPr kumimoji="1" lang="ja-JP" altLang="en-US" sz="1600" b="0">
+                          <a:solidFill>
+                            <a:schemeClr val="tx1"/>
+                          </a:solidFill>
+                        </a:rPr>
+                        <a:t>）</a:t>
+                      </a:r>
+                      <a:endParaRPr kumimoji="1" lang="en-US" altLang="ja-JP" sz="1600" b="0">
+                        <a:solidFill>
+                          <a:schemeClr val="tx1"/>
+                        </a:solidFill>
+                      </a:endParaRPr>
+                    </a:p>
+                    <a:p>
+                      <a:pPr algn="ctr"/>
+                      <a:r>
+                        <a:rPr kumimoji="1" lang="ja-JP" altLang="en-US" sz="1600" b="0">
+                          <a:solidFill>
+                            <a:schemeClr val="tx1"/>
+                          </a:solidFill>
+                        </a:rPr>
+                        <a:t>↓</a:t>
+                      </a:r>
+                      <a:endParaRPr kumimoji="1" lang="en-US" altLang="ja-JP" sz="1600" b="0">
+                        <a:solidFill>
+                          <a:schemeClr val="tx1"/>
+                        </a:solidFill>
+                      </a:endParaRPr>
+                    </a:p>
+                    <a:p>
+                      <a:pPr algn="ctr"/>
+                      <a:r>
+                        <a:rPr kumimoji="1" lang="ja-JP" altLang="en-US" sz="1600" b="1">
+                          <a:solidFill>
+                            <a:srgbClr val="C00000"/>
+                          </a:solidFill>
+                        </a:rPr>
+                        <a:t>本当にやりたいことに集中できる</a:t>
+                      </a:r>
+                    </a:p>
+                  </a:txBody>
+                  <a:tcPr/>
+                </a:tc>
+                <a:extLst>
+                  <a:ext uri="{0D108BD9-81ED-4DB2-BD59-A6C34878D82A}">
+                    <a16:rowId xmlns:a16="http://schemas.microsoft.com/office/drawing/2014/main" val="2888170456"/>
+                  </a:ext>
+                </a:extLst>
+              </a:tr>
+            </a:tbl>
+          </a:graphicData>
+        </a:graphic>
+      </p:graphicFrame>
+    </p:spTree>
+    <p:extLst>
+      <p:ext uri="{BB962C8B-B14F-4D97-AF65-F5344CB8AC3E}">
+        <p14:creationId xmlns:p14="http://schemas.microsoft.com/office/powerpoint/2010/main" val="1837834737"/>
+      </p:ext>
+    </p:extLst>
+  </p:cSld>
+  <p:clrMapOvr>
+    <a:masterClrMapping/>
+  </p:clrMapOvr>
+</p:sld>
+</file>
+
 <file path=ppt/theme/theme1.xml><?xml version="1.0" encoding="utf-8"?>
 <a:theme xmlns:a="http://schemas.openxmlformats.org/drawingml/2006/main" name="Office テーマ">
   <a:themeElements>

--- a/限りある時間の使い方.pptx
+++ b/限りある時間の使い方.pptx
@@ -7,8 +7,9 @@
   <p:sldIdLst>
     <p:sldId id="258" r:id="rId2"/>
     <p:sldId id="259" r:id="rId3"/>
-    <p:sldId id="260" r:id="rId4"/>
-    <p:sldId id="261" r:id="rId5"/>
+    <p:sldId id="261" r:id="rId4"/>
+    <p:sldId id="265" r:id="rId5"/>
+    <p:sldId id="266" r:id="rId6"/>
   </p:sldIdLst>
   <p:sldSz cx="12192000" cy="6858000"/>
   <p:notesSz cx="6858000" cy="9144000"/>
@@ -116,753 +117,6 @@
 </file>
 
 <file path=ppt/diagrams/colors1.xml><?xml version="1.0" encoding="utf-8"?>
-<dgm:colorsDef xmlns:dgm="http://schemas.openxmlformats.org/drawingml/2006/diagram" xmlns:a="http://schemas.openxmlformats.org/drawingml/2006/main" uniqueId="urn:microsoft.com/office/officeart/2005/8/colors/accent1_2">
-  <dgm:title val=""/>
-  <dgm:desc val=""/>
-  <dgm:catLst>
-    <dgm:cat type="accent1" pri="11200"/>
-  </dgm:catLst>
-  <dgm:styleLbl name="node0">
-    <dgm:fillClrLst meth="repeat">
-      <a:schemeClr val="accent1"/>
-    </dgm:fillClrLst>
-    <dgm:linClrLst meth="repeat">
-      <a:schemeClr val="lt1"/>
-    </dgm:linClrLst>
-    <dgm:effectClrLst/>
-    <dgm:txLinClrLst/>
-    <dgm:txFillClrLst/>
-    <dgm:txEffectClrLst/>
-  </dgm:styleLbl>
-  <dgm:styleLbl name="alignNode1">
-    <dgm:fillClrLst meth="repeat">
-      <a:schemeClr val="accent1"/>
-    </dgm:fillClrLst>
-    <dgm:linClrLst meth="repeat">
-      <a:schemeClr val="accent1"/>
-    </dgm:linClrLst>
-    <dgm:effectClrLst/>
-    <dgm:txLinClrLst/>
-    <dgm:txFillClrLst/>
-    <dgm:txEffectClrLst/>
-  </dgm:styleLbl>
-  <dgm:styleLbl name="node1">
-    <dgm:fillClrLst meth="repeat">
-      <a:schemeClr val="accent1"/>
-    </dgm:fillClrLst>
-    <dgm:linClrLst meth="repeat">
-      <a:schemeClr val="lt1"/>
-    </dgm:linClrLst>
-    <dgm:effectClrLst/>
-    <dgm:txLinClrLst/>
-    <dgm:txFillClrLst/>
-    <dgm:txEffectClrLst/>
-  </dgm:styleLbl>
-  <dgm:styleLbl name="lnNode1">
-    <dgm:fillClrLst meth="repeat">
-      <a:schemeClr val="accent1"/>
-    </dgm:fillClrLst>
-    <dgm:linClrLst meth="repeat">
-      <a:schemeClr val="lt1"/>
-    </dgm:linClrLst>
-    <dgm:effectClrLst/>
-    <dgm:txLinClrLst/>
-    <dgm:txFillClrLst/>
-    <dgm:txEffectClrLst/>
-  </dgm:styleLbl>
-  <dgm:styleLbl name="vennNode1">
-    <dgm:fillClrLst meth="repeat">
-      <a:schemeClr val="accent1">
-        <a:alpha val="50000"/>
-      </a:schemeClr>
-    </dgm:fillClrLst>
-    <dgm:linClrLst meth="repeat">
-      <a:schemeClr val="lt1"/>
-    </dgm:linClrLst>
-    <dgm:effectClrLst/>
-    <dgm:txLinClrLst/>
-    <dgm:txFillClrLst/>
-    <dgm:txEffectClrLst/>
-  </dgm:styleLbl>
-  <dgm:styleLbl name="node2">
-    <dgm:fillClrLst meth="repeat">
-      <a:schemeClr val="accent1"/>
-    </dgm:fillClrLst>
-    <dgm:linClrLst meth="repeat">
-      <a:schemeClr val="lt1"/>
-    </dgm:linClrLst>
-    <dgm:effectClrLst/>
-    <dgm:txLinClrLst/>
-    <dgm:txFillClrLst/>
-    <dgm:txEffectClrLst/>
-  </dgm:styleLbl>
-  <dgm:styleLbl name="node3">
-    <dgm:fillClrLst meth="repeat">
-      <a:schemeClr val="accent1"/>
-    </dgm:fillClrLst>
-    <dgm:linClrLst meth="repeat">
-      <a:schemeClr val="lt1"/>
-    </dgm:linClrLst>
-    <dgm:effectClrLst/>
-    <dgm:txLinClrLst/>
-    <dgm:txFillClrLst/>
-    <dgm:txEffectClrLst/>
-  </dgm:styleLbl>
-  <dgm:styleLbl name="node4">
-    <dgm:fillClrLst meth="repeat">
-      <a:schemeClr val="accent1"/>
-    </dgm:fillClrLst>
-    <dgm:linClrLst meth="repeat">
-      <a:schemeClr val="lt1"/>
-    </dgm:linClrLst>
-    <dgm:effectClrLst/>
-    <dgm:txLinClrLst/>
-    <dgm:txFillClrLst/>
-    <dgm:txEffectClrLst/>
-  </dgm:styleLbl>
-  <dgm:styleLbl name="fgImgPlace1">
-    <dgm:fillClrLst meth="repeat">
-      <a:schemeClr val="accent1">
-        <a:tint val="50000"/>
-      </a:schemeClr>
-    </dgm:fillClrLst>
-    <dgm:linClrLst meth="repeat">
-      <a:schemeClr val="lt1"/>
-    </dgm:linClrLst>
-    <dgm:effectClrLst/>
-    <dgm:txLinClrLst/>
-    <dgm:txFillClrLst meth="repeat">
-      <a:schemeClr val="lt1"/>
-    </dgm:txFillClrLst>
-    <dgm:txEffectClrLst/>
-  </dgm:styleLbl>
-  <dgm:styleLbl name="alignImgPlace1">
-    <dgm:fillClrLst meth="repeat">
-      <a:schemeClr val="accent1">
-        <a:tint val="50000"/>
-      </a:schemeClr>
-    </dgm:fillClrLst>
-    <dgm:linClrLst meth="repeat">
-      <a:schemeClr val="lt1"/>
-    </dgm:linClrLst>
-    <dgm:effectClrLst/>
-    <dgm:txLinClrLst/>
-    <dgm:txFillClrLst meth="repeat">
-      <a:schemeClr val="lt1"/>
-    </dgm:txFillClrLst>
-    <dgm:txEffectClrLst/>
-  </dgm:styleLbl>
-  <dgm:styleLbl name="bgImgPlace1">
-    <dgm:fillClrLst meth="repeat">
-      <a:schemeClr val="accent1">
-        <a:tint val="50000"/>
-      </a:schemeClr>
-    </dgm:fillClrLst>
-    <dgm:linClrLst meth="repeat">
-      <a:schemeClr val="lt1"/>
-    </dgm:linClrLst>
-    <dgm:effectClrLst/>
-    <dgm:txLinClrLst/>
-    <dgm:txFillClrLst meth="repeat">
-      <a:schemeClr val="lt1"/>
-    </dgm:txFillClrLst>
-    <dgm:txEffectClrLst/>
-  </dgm:styleLbl>
-  <dgm:styleLbl name="sibTrans2D1">
-    <dgm:fillClrLst meth="repeat">
-      <a:schemeClr val="accent1">
-        <a:tint val="60000"/>
-      </a:schemeClr>
-    </dgm:fillClrLst>
-    <dgm:linClrLst meth="repeat">
-      <a:schemeClr val="accent1">
-        <a:tint val="60000"/>
-      </a:schemeClr>
-    </dgm:linClrLst>
-    <dgm:effectClrLst/>
-    <dgm:txLinClrLst/>
-    <dgm:txFillClrLst/>
-    <dgm:txEffectClrLst/>
-  </dgm:styleLbl>
-  <dgm:styleLbl name="fgSibTrans2D1">
-    <dgm:fillClrLst meth="repeat">
-      <a:schemeClr val="accent1">
-        <a:tint val="60000"/>
-      </a:schemeClr>
-    </dgm:fillClrLst>
-    <dgm:linClrLst meth="repeat">
-      <a:schemeClr val="accent1">
-        <a:tint val="60000"/>
-      </a:schemeClr>
-    </dgm:linClrLst>
-    <dgm:effectClrLst/>
-    <dgm:txLinClrLst/>
-    <dgm:txFillClrLst/>
-    <dgm:txEffectClrLst/>
-  </dgm:styleLbl>
-  <dgm:styleLbl name="bgSibTrans2D1">
-    <dgm:fillClrLst meth="repeat">
-      <a:schemeClr val="accent1">
-        <a:tint val="60000"/>
-      </a:schemeClr>
-    </dgm:fillClrLst>
-    <dgm:linClrLst meth="repeat">
-      <a:schemeClr val="accent1">
-        <a:tint val="60000"/>
-      </a:schemeClr>
-    </dgm:linClrLst>
-    <dgm:effectClrLst/>
-    <dgm:txLinClrLst/>
-    <dgm:txFillClrLst/>
-    <dgm:txEffectClrLst/>
-  </dgm:styleLbl>
-  <dgm:styleLbl name="sibTrans1D1">
-    <dgm:fillClrLst meth="repeat">
-      <a:schemeClr val="accent1"/>
-    </dgm:fillClrLst>
-    <dgm:linClrLst meth="repeat">
-      <a:schemeClr val="accent1"/>
-    </dgm:linClrLst>
-    <dgm:effectClrLst/>
-    <dgm:txLinClrLst/>
-    <dgm:txFillClrLst meth="repeat">
-      <a:schemeClr val="tx1"/>
-    </dgm:txFillClrLst>
-    <dgm:txEffectClrLst/>
-  </dgm:styleLbl>
-  <dgm:styleLbl name="callout">
-    <dgm:fillClrLst meth="repeat">
-      <a:schemeClr val="accent1"/>
-    </dgm:fillClrLst>
-    <dgm:linClrLst meth="repeat">
-      <a:schemeClr val="accent1">
-        <a:tint val="50000"/>
-      </a:schemeClr>
-    </dgm:linClrLst>
-    <dgm:effectClrLst/>
-    <dgm:txLinClrLst/>
-    <dgm:txFillClrLst meth="repeat">
-      <a:schemeClr val="tx1"/>
-    </dgm:txFillClrLst>
-    <dgm:txEffectClrLst/>
-  </dgm:styleLbl>
-  <dgm:styleLbl name="asst0">
-    <dgm:fillClrLst meth="repeat">
-      <a:schemeClr val="accent1"/>
-    </dgm:fillClrLst>
-    <dgm:linClrLst meth="repeat">
-      <a:schemeClr val="lt1"/>
-    </dgm:linClrLst>
-    <dgm:effectClrLst/>
-    <dgm:txLinClrLst/>
-    <dgm:txFillClrLst/>
-    <dgm:txEffectClrLst/>
-  </dgm:styleLbl>
-  <dgm:styleLbl name="asst1">
-    <dgm:fillClrLst meth="repeat">
-      <a:schemeClr val="accent1"/>
-    </dgm:fillClrLst>
-    <dgm:linClrLst meth="repeat">
-      <a:schemeClr val="lt1"/>
-    </dgm:linClrLst>
-    <dgm:effectClrLst/>
-    <dgm:txLinClrLst/>
-    <dgm:txFillClrLst/>
-    <dgm:txEffectClrLst/>
-  </dgm:styleLbl>
-  <dgm:styleLbl name="asst2">
-    <dgm:fillClrLst meth="repeat">
-      <a:schemeClr val="accent1"/>
-    </dgm:fillClrLst>
-    <dgm:linClrLst meth="repeat">
-      <a:schemeClr val="lt1"/>
-    </dgm:linClrLst>
-    <dgm:effectClrLst/>
-    <dgm:txLinClrLst/>
-    <dgm:txFillClrLst/>
-    <dgm:txEffectClrLst/>
-  </dgm:styleLbl>
-  <dgm:styleLbl name="asst3">
-    <dgm:fillClrLst meth="repeat">
-      <a:schemeClr val="accent1"/>
-    </dgm:fillClrLst>
-    <dgm:linClrLst meth="repeat">
-      <a:schemeClr val="lt1"/>
-    </dgm:linClrLst>
-    <dgm:effectClrLst/>
-    <dgm:txLinClrLst/>
-    <dgm:txFillClrLst/>
-    <dgm:txEffectClrLst/>
-  </dgm:styleLbl>
-  <dgm:styleLbl name="asst4">
-    <dgm:fillClrLst meth="repeat">
-      <a:schemeClr val="accent1"/>
-    </dgm:fillClrLst>
-    <dgm:linClrLst meth="repeat">
-      <a:schemeClr val="lt1"/>
-    </dgm:linClrLst>
-    <dgm:effectClrLst/>
-    <dgm:txLinClrLst/>
-    <dgm:txFillClrLst/>
-    <dgm:txEffectClrLst/>
-  </dgm:styleLbl>
-  <dgm:styleLbl name="parChTrans2D1">
-    <dgm:fillClrLst meth="repeat">
-      <a:schemeClr val="accent1">
-        <a:tint val="60000"/>
-      </a:schemeClr>
-    </dgm:fillClrLst>
-    <dgm:linClrLst meth="repeat">
-      <a:schemeClr val="accent1">
-        <a:tint val="60000"/>
-      </a:schemeClr>
-    </dgm:linClrLst>
-    <dgm:effectClrLst/>
-    <dgm:txLinClrLst/>
-    <dgm:txFillClrLst meth="repeat">
-      <a:schemeClr val="lt1"/>
-    </dgm:txFillClrLst>
-    <dgm:txEffectClrLst/>
-  </dgm:styleLbl>
-  <dgm:styleLbl name="parChTrans2D2">
-    <dgm:fillClrLst meth="repeat">
-      <a:schemeClr val="accent1"/>
-    </dgm:fillClrLst>
-    <dgm:linClrLst meth="repeat">
-      <a:schemeClr val="accent1"/>
-    </dgm:linClrLst>
-    <dgm:effectClrLst/>
-    <dgm:txLinClrLst/>
-    <dgm:txFillClrLst meth="repeat">
-      <a:schemeClr val="lt1"/>
-    </dgm:txFillClrLst>
-    <dgm:txEffectClrLst/>
-  </dgm:styleLbl>
-  <dgm:styleLbl name="parChTrans2D3">
-    <dgm:fillClrLst meth="repeat">
-      <a:schemeClr val="accent1"/>
-    </dgm:fillClrLst>
-    <dgm:linClrLst meth="repeat">
-      <a:schemeClr val="accent1"/>
-    </dgm:linClrLst>
-    <dgm:effectClrLst/>
-    <dgm:txLinClrLst/>
-    <dgm:txFillClrLst meth="repeat">
-      <a:schemeClr val="lt1"/>
-    </dgm:txFillClrLst>
-    <dgm:txEffectClrLst/>
-  </dgm:styleLbl>
-  <dgm:styleLbl name="parChTrans2D4">
-    <dgm:fillClrLst meth="repeat">
-      <a:schemeClr val="accent1"/>
-    </dgm:fillClrLst>
-    <dgm:linClrLst meth="repeat">
-      <a:schemeClr val="accent1"/>
-    </dgm:linClrLst>
-    <dgm:effectClrLst/>
-    <dgm:txLinClrLst/>
-    <dgm:txFillClrLst meth="repeat">
-      <a:schemeClr val="lt1"/>
-    </dgm:txFillClrLst>
-    <dgm:txEffectClrLst/>
-  </dgm:styleLbl>
-  <dgm:styleLbl name="parChTrans1D1">
-    <dgm:fillClrLst meth="repeat">
-      <a:schemeClr val="accent1"/>
-    </dgm:fillClrLst>
-    <dgm:linClrLst meth="repeat">
-      <a:schemeClr val="accent1">
-        <a:shade val="60000"/>
-      </a:schemeClr>
-    </dgm:linClrLst>
-    <dgm:effectClrLst/>
-    <dgm:txLinClrLst/>
-    <dgm:txFillClrLst meth="repeat">
-      <a:schemeClr val="tx1"/>
-    </dgm:txFillClrLst>
-    <dgm:txEffectClrLst/>
-  </dgm:styleLbl>
-  <dgm:styleLbl name="parChTrans1D2">
-    <dgm:fillClrLst meth="repeat">
-      <a:schemeClr val="accent1"/>
-    </dgm:fillClrLst>
-    <dgm:linClrLst meth="repeat">
-      <a:schemeClr val="accent1">
-        <a:shade val="60000"/>
-      </a:schemeClr>
-    </dgm:linClrLst>
-    <dgm:effectClrLst/>
-    <dgm:txLinClrLst/>
-    <dgm:txFillClrLst meth="repeat">
-      <a:schemeClr val="tx1"/>
-    </dgm:txFillClrLst>
-    <dgm:txEffectClrLst/>
-  </dgm:styleLbl>
-  <dgm:styleLbl name="parChTrans1D3">
-    <dgm:fillClrLst meth="repeat">
-      <a:schemeClr val="accent1"/>
-    </dgm:fillClrLst>
-    <dgm:linClrLst meth="repeat">
-      <a:schemeClr val="accent1">
-        <a:shade val="80000"/>
-      </a:schemeClr>
-    </dgm:linClrLst>
-    <dgm:effectClrLst/>
-    <dgm:txLinClrLst/>
-    <dgm:txFillClrLst meth="repeat">
-      <a:schemeClr val="tx1"/>
-    </dgm:txFillClrLst>
-    <dgm:txEffectClrLst/>
-  </dgm:styleLbl>
-  <dgm:styleLbl name="parChTrans1D4">
-    <dgm:fillClrLst meth="repeat">
-      <a:schemeClr val="accent1"/>
-    </dgm:fillClrLst>
-    <dgm:linClrLst meth="repeat">
-      <a:schemeClr val="accent1">
-        <a:shade val="80000"/>
-      </a:schemeClr>
-    </dgm:linClrLst>
-    <dgm:effectClrLst/>
-    <dgm:txLinClrLst/>
-    <dgm:txFillClrLst meth="repeat">
-      <a:schemeClr val="tx1"/>
-    </dgm:txFillClrLst>
-    <dgm:txEffectClrLst/>
-  </dgm:styleLbl>
-  <dgm:styleLbl name="fgAcc1">
-    <dgm:fillClrLst meth="repeat">
-      <a:schemeClr val="lt1">
-        <a:alpha val="90000"/>
-      </a:schemeClr>
-    </dgm:fillClrLst>
-    <dgm:linClrLst meth="repeat">
-      <a:schemeClr val="accent1"/>
-    </dgm:linClrLst>
-    <dgm:effectClrLst/>
-    <dgm:txLinClrLst/>
-    <dgm:txFillClrLst meth="repeat">
-      <a:schemeClr val="dk1"/>
-    </dgm:txFillClrLst>
-    <dgm:txEffectClrLst/>
-  </dgm:styleLbl>
-  <dgm:styleLbl name="conFgAcc1">
-    <dgm:fillClrLst meth="repeat">
-      <a:schemeClr val="lt1">
-        <a:alpha val="90000"/>
-      </a:schemeClr>
-    </dgm:fillClrLst>
-    <dgm:linClrLst meth="repeat">
-      <a:schemeClr val="accent1"/>
-    </dgm:linClrLst>
-    <dgm:effectClrLst/>
-    <dgm:txLinClrLst/>
-    <dgm:txFillClrLst meth="repeat">
-      <a:schemeClr val="dk1"/>
-    </dgm:txFillClrLst>
-    <dgm:txEffectClrLst/>
-  </dgm:styleLbl>
-  <dgm:styleLbl name="alignAcc1">
-    <dgm:fillClrLst meth="repeat">
-      <a:schemeClr val="lt1">
-        <a:alpha val="90000"/>
-      </a:schemeClr>
-    </dgm:fillClrLst>
-    <dgm:linClrLst meth="repeat">
-      <a:schemeClr val="accent1"/>
-    </dgm:linClrLst>
-    <dgm:effectClrLst/>
-    <dgm:txLinClrLst/>
-    <dgm:txFillClrLst meth="repeat">
-      <a:schemeClr val="dk1"/>
-    </dgm:txFillClrLst>
-    <dgm:txEffectClrLst/>
-  </dgm:styleLbl>
-  <dgm:styleLbl name="trAlignAcc1">
-    <dgm:fillClrLst meth="repeat">
-      <a:schemeClr val="lt1">
-        <a:alpha val="40000"/>
-      </a:schemeClr>
-    </dgm:fillClrLst>
-    <dgm:linClrLst meth="repeat">
-      <a:schemeClr val="accent1"/>
-    </dgm:linClrLst>
-    <dgm:effectClrLst/>
-    <dgm:txLinClrLst/>
-    <dgm:txFillClrLst meth="repeat">
-      <a:schemeClr val="dk1"/>
-    </dgm:txFillClrLst>
-    <dgm:txEffectClrLst/>
-  </dgm:styleLbl>
-  <dgm:styleLbl name="bgAcc1">
-    <dgm:fillClrLst meth="repeat">
-      <a:schemeClr val="lt1">
-        <a:alpha val="90000"/>
-      </a:schemeClr>
-    </dgm:fillClrLst>
-    <dgm:linClrLst meth="repeat">
-      <a:schemeClr val="accent1"/>
-    </dgm:linClrLst>
-    <dgm:effectClrLst/>
-    <dgm:txLinClrLst/>
-    <dgm:txFillClrLst meth="repeat">
-      <a:schemeClr val="dk1"/>
-    </dgm:txFillClrLst>
-    <dgm:txEffectClrLst/>
-  </dgm:styleLbl>
-  <dgm:styleLbl name="solidFgAcc1">
-    <dgm:fillClrLst meth="repeat">
-      <a:schemeClr val="lt1"/>
-    </dgm:fillClrLst>
-    <dgm:linClrLst meth="repeat">
-      <a:schemeClr val="accent1"/>
-    </dgm:linClrLst>
-    <dgm:effectClrLst/>
-    <dgm:txLinClrLst/>
-    <dgm:txFillClrLst meth="repeat">
-      <a:schemeClr val="dk1"/>
-    </dgm:txFillClrLst>
-    <dgm:txEffectClrLst/>
-  </dgm:styleLbl>
-  <dgm:styleLbl name="solidAlignAcc1">
-    <dgm:fillClrLst meth="repeat">
-      <a:schemeClr val="lt1"/>
-    </dgm:fillClrLst>
-    <dgm:linClrLst meth="repeat">
-      <a:schemeClr val="accent1"/>
-    </dgm:linClrLst>
-    <dgm:effectClrLst/>
-    <dgm:txLinClrLst/>
-    <dgm:txFillClrLst meth="repeat">
-      <a:schemeClr val="dk1"/>
-    </dgm:txFillClrLst>
-    <dgm:txEffectClrLst/>
-  </dgm:styleLbl>
-  <dgm:styleLbl name="solidBgAcc1">
-    <dgm:fillClrLst meth="repeat">
-      <a:schemeClr val="lt1"/>
-    </dgm:fillClrLst>
-    <dgm:linClrLst meth="repeat">
-      <a:schemeClr val="accent1"/>
-    </dgm:linClrLst>
-    <dgm:effectClrLst/>
-    <dgm:txLinClrLst/>
-    <dgm:txFillClrLst meth="repeat">
-      <a:schemeClr val="dk1"/>
-    </dgm:txFillClrLst>
-    <dgm:txEffectClrLst/>
-  </dgm:styleLbl>
-  <dgm:styleLbl name="fgAccFollowNode1">
-    <dgm:fillClrLst meth="repeat">
-      <a:schemeClr val="accent1">
-        <a:alpha val="90000"/>
-        <a:tint val="40000"/>
-      </a:schemeClr>
-    </dgm:fillClrLst>
-    <dgm:linClrLst meth="repeat">
-      <a:schemeClr val="accent1">
-        <a:alpha val="90000"/>
-        <a:tint val="40000"/>
-      </a:schemeClr>
-    </dgm:linClrLst>
-    <dgm:effectClrLst/>
-    <dgm:txLinClrLst/>
-    <dgm:txFillClrLst meth="repeat">
-      <a:schemeClr val="dk1"/>
-    </dgm:txFillClrLst>
-    <dgm:txEffectClrLst/>
-  </dgm:styleLbl>
-  <dgm:styleLbl name="alignAccFollowNode1">
-    <dgm:fillClrLst meth="repeat">
-      <a:schemeClr val="accent1">
-        <a:alpha val="90000"/>
-        <a:tint val="40000"/>
-      </a:schemeClr>
-    </dgm:fillClrLst>
-    <dgm:linClrLst meth="repeat">
-      <a:schemeClr val="accent1">
-        <a:alpha val="90000"/>
-        <a:tint val="40000"/>
-      </a:schemeClr>
-    </dgm:linClrLst>
-    <dgm:effectClrLst/>
-    <dgm:txLinClrLst/>
-    <dgm:txFillClrLst meth="repeat">
-      <a:schemeClr val="dk1"/>
-    </dgm:txFillClrLst>
-    <dgm:txEffectClrLst/>
-  </dgm:styleLbl>
-  <dgm:styleLbl name="bgAccFollowNode1">
-    <dgm:fillClrLst meth="repeat">
-      <a:schemeClr val="accent1">
-        <a:alpha val="90000"/>
-        <a:tint val="40000"/>
-      </a:schemeClr>
-    </dgm:fillClrLst>
-    <dgm:linClrLst meth="repeat">
-      <a:schemeClr val="accent1">
-        <a:alpha val="90000"/>
-        <a:tint val="40000"/>
-      </a:schemeClr>
-    </dgm:linClrLst>
-    <dgm:effectClrLst/>
-    <dgm:txLinClrLst/>
-    <dgm:txFillClrLst meth="repeat">
-      <a:schemeClr val="dk1"/>
-    </dgm:txFillClrLst>
-    <dgm:txEffectClrLst/>
-  </dgm:styleLbl>
-  <dgm:styleLbl name="fgAcc0">
-    <dgm:fillClrLst meth="repeat">
-      <a:schemeClr val="lt1">
-        <a:alpha val="90000"/>
-      </a:schemeClr>
-    </dgm:fillClrLst>
-    <dgm:linClrLst meth="repeat">
-      <a:schemeClr val="accent1"/>
-    </dgm:linClrLst>
-    <dgm:effectClrLst/>
-    <dgm:txLinClrLst/>
-    <dgm:txFillClrLst meth="repeat">
-      <a:schemeClr val="dk1"/>
-    </dgm:txFillClrLst>
-    <dgm:txEffectClrLst/>
-  </dgm:styleLbl>
-  <dgm:styleLbl name="fgAcc2">
-    <dgm:fillClrLst meth="repeat">
-      <a:schemeClr val="lt1">
-        <a:alpha val="90000"/>
-      </a:schemeClr>
-    </dgm:fillClrLst>
-    <dgm:linClrLst meth="repeat">
-      <a:schemeClr val="accent1"/>
-    </dgm:linClrLst>
-    <dgm:effectClrLst/>
-    <dgm:txLinClrLst/>
-    <dgm:txFillClrLst meth="repeat">
-      <a:schemeClr val="dk1"/>
-    </dgm:txFillClrLst>
-    <dgm:txEffectClrLst/>
-  </dgm:styleLbl>
-  <dgm:styleLbl name="fgAcc3">
-    <dgm:fillClrLst meth="repeat">
-      <a:schemeClr val="lt1">
-        <a:alpha val="90000"/>
-      </a:schemeClr>
-    </dgm:fillClrLst>
-    <dgm:linClrLst meth="repeat">
-      <a:schemeClr val="accent1"/>
-    </dgm:linClrLst>
-    <dgm:effectClrLst/>
-    <dgm:txLinClrLst/>
-    <dgm:txFillClrLst meth="repeat">
-      <a:schemeClr val="dk1"/>
-    </dgm:txFillClrLst>
-    <dgm:txEffectClrLst/>
-  </dgm:styleLbl>
-  <dgm:styleLbl name="fgAcc4">
-    <dgm:fillClrLst meth="repeat">
-      <a:schemeClr val="lt1">
-        <a:alpha val="90000"/>
-      </a:schemeClr>
-    </dgm:fillClrLst>
-    <dgm:linClrLst meth="repeat">
-      <a:schemeClr val="accent1"/>
-    </dgm:linClrLst>
-    <dgm:effectClrLst/>
-    <dgm:txLinClrLst/>
-    <dgm:txFillClrLst meth="repeat">
-      <a:schemeClr val="dk1"/>
-    </dgm:txFillClrLst>
-    <dgm:txEffectClrLst/>
-  </dgm:styleLbl>
-  <dgm:styleLbl name="bgShp">
-    <dgm:fillClrLst meth="repeat">
-      <a:schemeClr val="accent1">
-        <a:tint val="40000"/>
-      </a:schemeClr>
-    </dgm:fillClrLst>
-    <dgm:linClrLst meth="repeat">
-      <a:schemeClr val="accent1"/>
-    </dgm:linClrLst>
-    <dgm:effectClrLst/>
-    <dgm:txLinClrLst/>
-    <dgm:txFillClrLst meth="repeat">
-      <a:schemeClr val="dk1"/>
-    </dgm:txFillClrLst>
-    <dgm:txEffectClrLst/>
-  </dgm:styleLbl>
-  <dgm:styleLbl name="dkBgShp">
-    <dgm:fillClrLst meth="repeat">
-      <a:schemeClr val="accent1">
-        <a:shade val="80000"/>
-      </a:schemeClr>
-    </dgm:fillClrLst>
-    <dgm:linClrLst meth="repeat">
-      <a:schemeClr val="accent1"/>
-    </dgm:linClrLst>
-    <dgm:effectClrLst/>
-    <dgm:txLinClrLst/>
-    <dgm:txFillClrLst meth="repeat">
-      <a:schemeClr val="lt1"/>
-    </dgm:txFillClrLst>
-    <dgm:txEffectClrLst/>
-  </dgm:styleLbl>
-  <dgm:styleLbl name="trBgShp">
-    <dgm:fillClrLst meth="repeat">
-      <a:schemeClr val="accent1">
-        <a:tint val="50000"/>
-        <a:alpha val="40000"/>
-      </a:schemeClr>
-    </dgm:fillClrLst>
-    <dgm:linClrLst meth="repeat">
-      <a:schemeClr val="accent1"/>
-    </dgm:linClrLst>
-    <dgm:effectClrLst/>
-    <dgm:txLinClrLst/>
-    <dgm:txFillClrLst meth="repeat">
-      <a:schemeClr val="lt1"/>
-    </dgm:txFillClrLst>
-    <dgm:txEffectClrLst/>
-  </dgm:styleLbl>
-  <dgm:styleLbl name="fgShp">
-    <dgm:fillClrLst meth="repeat">
-      <a:schemeClr val="accent1">
-        <a:tint val="60000"/>
-      </a:schemeClr>
-    </dgm:fillClrLst>
-    <dgm:linClrLst meth="repeat">
-      <a:schemeClr val="lt1"/>
-    </dgm:linClrLst>
-    <dgm:effectClrLst/>
-    <dgm:txLinClrLst/>
-    <dgm:txFillClrLst meth="repeat">
-      <a:schemeClr val="dk1"/>
-    </dgm:txFillClrLst>
-    <dgm:txEffectClrLst/>
-  </dgm:styleLbl>
-  <dgm:styleLbl name="revTx">
-    <dgm:fillClrLst meth="repeat">
-      <a:schemeClr val="lt1">
-        <a:alpha val="0"/>
-      </a:schemeClr>
-    </dgm:fillClrLst>
-    <dgm:linClrLst meth="repeat">
-      <a:schemeClr val="dk1">
-        <a:alpha val="0"/>
-      </a:schemeClr>
-    </dgm:linClrLst>
-    <dgm:effectClrLst/>
-    <dgm:txLinClrLst/>
-    <dgm:txFillClrLst meth="repeat">
-      <a:schemeClr val="tx1"/>
-    </dgm:txFillClrLst>
-    <dgm:txEffectClrLst/>
-  </dgm:styleLbl>
-</dgm:colorsDef>
-</file>
-
-<file path=ppt/diagrams/colors2.xml><?xml version="1.0" encoding="utf-8"?>
 <dgm:colorsDef xmlns:dgm="http://schemas.openxmlformats.org/drawingml/2006/diagram" xmlns:a="http://schemas.openxmlformats.org/drawingml/2006/main" uniqueId="urn:microsoft.com/office/officeart/2005/8/colors/accent1_2">
   <dgm:title val=""/>
   <dgm:desc val=""/>
@@ -1892,702 +1146,7 @@
 </dgm:dataModel>
 </file>
 
-<file path=ppt/diagrams/data2.xml><?xml version="1.0" encoding="utf-8"?>
-<dgm:dataModel xmlns:dgm="http://schemas.openxmlformats.org/drawingml/2006/diagram" xmlns:a="http://schemas.openxmlformats.org/drawingml/2006/main">
-  <dgm:ptLst>
-    <dgm:pt modelId="{48D67309-796F-7948-8313-B56592027800}" type="doc">
-      <dgm:prSet loTypeId="urn:microsoft.com/office/officeart/2005/8/layout/radial3" loCatId="" qsTypeId="urn:microsoft.com/office/officeart/2005/8/quickstyle/simple1" qsCatId="simple" csTypeId="urn:microsoft.com/office/officeart/2005/8/colors/accent1_2" csCatId="accent1" phldr="1"/>
-      <dgm:spPr/>
-      <dgm:t>
-        <a:bodyPr/>
-        <a:lstStyle/>
-        <a:p>
-          <a:endParaRPr kumimoji="1" lang="ja-JP" altLang="en-US"/>
-        </a:p>
-      </dgm:t>
-    </dgm:pt>
-    <dgm:pt modelId="{40624721-0030-7B49-9776-5E775818DC0A}">
-      <dgm:prSet phldrT="[テキスト]" custT="1"/>
-      <dgm:spPr/>
-      <dgm:t>
-        <a:bodyPr/>
-        <a:lstStyle/>
-        <a:p>
-          <a:r>
-            <a:rPr lang="ja-JP" altLang="en-US" sz="2000" b="1"/>
-            <a:t>妄想の負のスパイラル</a:t>
-          </a:r>
-          <a:endParaRPr kumimoji="1" lang="ja-JP" altLang="en-US" sz="2000" b="1"/>
-        </a:p>
-      </dgm:t>
-    </dgm:pt>
-    <dgm:pt modelId="{12528435-93B1-2343-B347-840401A0EE13}" type="parTrans" cxnId="{03627451-AD82-6545-8B9D-B4B8F787C635}">
-      <dgm:prSet/>
-      <dgm:spPr/>
-      <dgm:t>
-        <a:bodyPr/>
-        <a:lstStyle/>
-        <a:p>
-          <a:endParaRPr kumimoji="1" lang="ja-JP" altLang="en-US" sz="1600" b="1"/>
-        </a:p>
-      </dgm:t>
-    </dgm:pt>
-    <dgm:pt modelId="{D30DBD55-A4BB-EC49-AE97-A39060C4B672}" type="sibTrans" cxnId="{03627451-AD82-6545-8B9D-B4B8F787C635}">
-      <dgm:prSet/>
-      <dgm:spPr/>
-      <dgm:t>
-        <a:bodyPr/>
-        <a:lstStyle/>
-        <a:p>
-          <a:endParaRPr kumimoji="1" lang="ja-JP" altLang="en-US" sz="1600" b="1"/>
-        </a:p>
-      </dgm:t>
-    </dgm:pt>
-    <dgm:pt modelId="{BD0B410F-4597-7C4C-A293-A4ED3D0D5717}">
-      <dgm:prSet phldrT="[テキスト]" custT="1"/>
-      <dgm:spPr/>
-      <dgm:t>
-        <a:bodyPr/>
-        <a:lstStyle/>
-        <a:p>
-          <a:r>
-            <a:rPr lang="ja-JP" altLang="en-US" sz="1200" b="1"/>
-            <a:t>一時的に承認欲求が満たされる</a:t>
-          </a:r>
-          <a:endParaRPr kumimoji="1" lang="ja-JP" altLang="en-US" sz="1200" b="1"/>
-        </a:p>
-      </dgm:t>
-    </dgm:pt>
-    <dgm:pt modelId="{B1FA00B9-1E4A-AF46-87AF-F0C68765D742}" type="parTrans" cxnId="{CFBCA418-DC6F-224C-A074-A94DFB337D56}">
-      <dgm:prSet/>
-      <dgm:spPr/>
-      <dgm:t>
-        <a:bodyPr/>
-        <a:lstStyle/>
-        <a:p>
-          <a:endParaRPr kumimoji="1" lang="ja-JP" altLang="en-US" sz="1600" b="1"/>
-        </a:p>
-      </dgm:t>
-    </dgm:pt>
-    <dgm:pt modelId="{39F33945-A124-6049-A3D1-3DF602D44D54}" type="sibTrans" cxnId="{CFBCA418-DC6F-224C-A074-A94DFB337D56}">
-      <dgm:prSet/>
-      <dgm:spPr/>
-      <dgm:t>
-        <a:bodyPr/>
-        <a:lstStyle/>
-        <a:p>
-          <a:endParaRPr kumimoji="1" lang="ja-JP" altLang="en-US" sz="1600" b="1"/>
-        </a:p>
-      </dgm:t>
-    </dgm:pt>
-    <dgm:pt modelId="{9921D39B-5332-0A4B-BEF3-1A35A76806C6}">
-      <dgm:prSet phldrT="[テキスト]" custT="1"/>
-      <dgm:spPr/>
-      <dgm:t>
-        <a:bodyPr/>
-        <a:lstStyle/>
-        <a:p>
-          <a:r>
-            <a:rPr lang="ja-JP" altLang="en-US" sz="1200" b="1"/>
-            <a:t>現実との乖離がますます広がる</a:t>
-          </a:r>
-          <a:endParaRPr kumimoji="1" lang="ja-JP" altLang="en-US" sz="1200" b="1"/>
-        </a:p>
-      </dgm:t>
-    </dgm:pt>
-    <dgm:pt modelId="{D7CA4540-504E-894F-BC7E-D5D3FACE20F6}" type="parTrans" cxnId="{886C8ADD-E42A-1E43-808F-32F9CE1BDD36}">
-      <dgm:prSet/>
-      <dgm:spPr/>
-      <dgm:t>
-        <a:bodyPr/>
-        <a:lstStyle/>
-        <a:p>
-          <a:endParaRPr kumimoji="1" lang="ja-JP" altLang="en-US" sz="1600" b="1"/>
-        </a:p>
-      </dgm:t>
-    </dgm:pt>
-    <dgm:pt modelId="{00090DD0-3AFE-A94F-A25E-4F9EC137AF1A}" type="sibTrans" cxnId="{886C8ADD-E42A-1E43-808F-32F9CE1BDD36}">
-      <dgm:prSet/>
-      <dgm:spPr/>
-      <dgm:t>
-        <a:bodyPr/>
-        <a:lstStyle/>
-        <a:p>
-          <a:endParaRPr kumimoji="1" lang="ja-JP" altLang="en-US" sz="1600" b="1"/>
-        </a:p>
-      </dgm:t>
-    </dgm:pt>
-    <dgm:pt modelId="{107DE2A6-1E5D-434C-9C0B-0B0CEDCF20F0}">
-      <dgm:prSet phldrT="[テキスト]" custT="1"/>
-      <dgm:spPr/>
-      <dgm:t>
-        <a:bodyPr/>
-        <a:lstStyle/>
-        <a:p>
-          <a:r>
-            <a:rPr lang="ja-JP" altLang="en-US" sz="1200" b="1"/>
-            <a:t>現実への不満が強まる</a:t>
-          </a:r>
-          <a:endParaRPr kumimoji="1" lang="ja-JP" altLang="en-US" sz="1200" b="1"/>
-        </a:p>
-      </dgm:t>
-    </dgm:pt>
-    <dgm:pt modelId="{0A366266-1ACA-B148-B11D-DFDE0F3FF073}" type="parTrans" cxnId="{712A99EA-1F09-DC46-B237-827DE27B57FE}">
-      <dgm:prSet/>
-      <dgm:spPr/>
-      <dgm:t>
-        <a:bodyPr/>
-        <a:lstStyle/>
-        <a:p>
-          <a:endParaRPr kumimoji="1" lang="ja-JP" altLang="en-US" sz="1600" b="1"/>
-        </a:p>
-      </dgm:t>
-    </dgm:pt>
-    <dgm:pt modelId="{43282E38-111C-EB4A-99A6-7FE6D1EBAA8D}" type="sibTrans" cxnId="{712A99EA-1F09-DC46-B237-827DE27B57FE}">
-      <dgm:prSet/>
-      <dgm:spPr/>
-      <dgm:t>
-        <a:bodyPr/>
-        <a:lstStyle/>
-        <a:p>
-          <a:endParaRPr kumimoji="1" lang="ja-JP" altLang="en-US" sz="1600" b="1"/>
-        </a:p>
-      </dgm:t>
-    </dgm:pt>
-    <dgm:pt modelId="{B1BA2A07-6EFA-0C48-A411-0481F7FE1A60}">
-      <dgm:prSet phldrT="[テキスト]" custT="1"/>
-      <dgm:spPr/>
-      <dgm:t>
-        <a:bodyPr/>
-        <a:lstStyle/>
-        <a:p>
-          <a:r>
-            <a:rPr lang="ja-JP" altLang="en-US" sz="1200" b="1"/>
-            <a:t>架空の承認を多数得る</a:t>
-          </a:r>
-          <a:endParaRPr kumimoji="1" lang="ja-JP" altLang="en-US" sz="1200" b="1"/>
-        </a:p>
-      </dgm:t>
-    </dgm:pt>
-    <dgm:pt modelId="{3966D4AE-FDCF-CB4A-8F89-FB0A5FAF1667}" type="parTrans" cxnId="{0CED8ED9-10AB-CD43-8FEB-45FF04C9EF07}">
-      <dgm:prSet/>
-      <dgm:spPr/>
-      <dgm:t>
-        <a:bodyPr/>
-        <a:lstStyle/>
-        <a:p>
-          <a:endParaRPr kumimoji="1" lang="ja-JP" altLang="en-US" sz="1600" b="1"/>
-        </a:p>
-      </dgm:t>
-    </dgm:pt>
-    <dgm:pt modelId="{498C0A02-82DB-8A40-A142-1894055868FF}" type="sibTrans" cxnId="{0CED8ED9-10AB-CD43-8FEB-45FF04C9EF07}">
-      <dgm:prSet/>
-      <dgm:spPr/>
-      <dgm:t>
-        <a:bodyPr/>
-        <a:lstStyle/>
-        <a:p>
-          <a:endParaRPr kumimoji="1" lang="ja-JP" altLang="en-US" sz="1600" b="1"/>
-        </a:p>
-      </dgm:t>
-    </dgm:pt>
-    <dgm:pt modelId="{CEA69825-6F7E-ED45-A36F-2259EBD74A8F}" type="pres">
-      <dgm:prSet presAssocID="{48D67309-796F-7948-8313-B56592027800}" presName="composite" presStyleCnt="0">
-        <dgm:presLayoutVars>
-          <dgm:chMax val="1"/>
-          <dgm:dir/>
-          <dgm:resizeHandles val="exact"/>
-        </dgm:presLayoutVars>
-      </dgm:prSet>
-      <dgm:spPr/>
-    </dgm:pt>
-    <dgm:pt modelId="{8AA7C7FD-578F-4748-AD5F-3DE31210A332}" type="pres">
-      <dgm:prSet presAssocID="{48D67309-796F-7948-8313-B56592027800}" presName="radial" presStyleCnt="0">
-        <dgm:presLayoutVars>
-          <dgm:animLvl val="ctr"/>
-        </dgm:presLayoutVars>
-      </dgm:prSet>
-      <dgm:spPr/>
-    </dgm:pt>
-    <dgm:pt modelId="{64D1392F-5E11-D54D-9955-37560F7FF0F8}" type="pres">
-      <dgm:prSet presAssocID="{40624721-0030-7B49-9776-5E775818DC0A}" presName="centerShape" presStyleLbl="vennNode1" presStyleIdx="0" presStyleCnt="5"/>
-      <dgm:spPr/>
-    </dgm:pt>
-    <dgm:pt modelId="{C1F3AB9B-9C80-A341-B5C3-C99D67EFA0B8}" type="pres">
-      <dgm:prSet presAssocID="{B1BA2A07-6EFA-0C48-A411-0481F7FE1A60}" presName="node" presStyleLbl="vennNode1" presStyleIdx="1" presStyleCnt="5">
-        <dgm:presLayoutVars>
-          <dgm:bulletEnabled val="1"/>
-        </dgm:presLayoutVars>
-      </dgm:prSet>
-      <dgm:spPr/>
-    </dgm:pt>
-    <dgm:pt modelId="{F086BCCB-AC87-0A47-9E62-FAC98F12D6C2}" type="pres">
-      <dgm:prSet presAssocID="{BD0B410F-4597-7C4C-A293-A4ED3D0D5717}" presName="node" presStyleLbl="vennNode1" presStyleIdx="2" presStyleCnt="5">
-        <dgm:presLayoutVars>
-          <dgm:bulletEnabled val="1"/>
-        </dgm:presLayoutVars>
-      </dgm:prSet>
-      <dgm:spPr/>
-    </dgm:pt>
-    <dgm:pt modelId="{FFF77012-B89A-0F4E-BDC8-0EB1994EA887}" type="pres">
-      <dgm:prSet presAssocID="{9921D39B-5332-0A4B-BEF3-1A35A76806C6}" presName="node" presStyleLbl="vennNode1" presStyleIdx="3" presStyleCnt="5">
-        <dgm:presLayoutVars>
-          <dgm:bulletEnabled val="1"/>
-        </dgm:presLayoutVars>
-      </dgm:prSet>
-      <dgm:spPr/>
-    </dgm:pt>
-    <dgm:pt modelId="{55F3E454-2113-9449-9FB3-7DEFFB424817}" type="pres">
-      <dgm:prSet presAssocID="{107DE2A6-1E5D-434C-9C0B-0B0CEDCF20F0}" presName="node" presStyleLbl="vennNode1" presStyleIdx="4" presStyleCnt="5">
-        <dgm:presLayoutVars>
-          <dgm:bulletEnabled val="1"/>
-        </dgm:presLayoutVars>
-      </dgm:prSet>
-      <dgm:spPr/>
-    </dgm:pt>
-  </dgm:ptLst>
-  <dgm:cxnLst>
-    <dgm:cxn modelId="{CFBCA418-DC6F-224C-A074-A94DFB337D56}" srcId="{40624721-0030-7B49-9776-5E775818DC0A}" destId="{BD0B410F-4597-7C4C-A293-A4ED3D0D5717}" srcOrd="1" destOrd="0" parTransId="{B1FA00B9-1E4A-AF46-87AF-F0C68765D742}" sibTransId="{39F33945-A124-6049-A3D1-3DF602D44D54}"/>
-    <dgm:cxn modelId="{30D9C321-F3E0-E141-A870-4CD564E7D742}" type="presOf" srcId="{9921D39B-5332-0A4B-BEF3-1A35A76806C6}" destId="{FFF77012-B89A-0F4E-BDC8-0EB1994EA887}" srcOrd="0" destOrd="0" presId="urn:microsoft.com/office/officeart/2005/8/layout/radial3"/>
-    <dgm:cxn modelId="{27102725-7001-384C-9988-8342A5B1876A}" type="presOf" srcId="{B1BA2A07-6EFA-0C48-A411-0481F7FE1A60}" destId="{C1F3AB9B-9C80-A341-B5C3-C99D67EFA0B8}" srcOrd="0" destOrd="0" presId="urn:microsoft.com/office/officeart/2005/8/layout/radial3"/>
-    <dgm:cxn modelId="{0A2F5C40-CDCA-1645-87C7-126579B28EFB}" type="presOf" srcId="{107DE2A6-1E5D-434C-9C0B-0B0CEDCF20F0}" destId="{55F3E454-2113-9449-9FB3-7DEFFB424817}" srcOrd="0" destOrd="0" presId="urn:microsoft.com/office/officeart/2005/8/layout/radial3"/>
-    <dgm:cxn modelId="{03627451-AD82-6545-8B9D-B4B8F787C635}" srcId="{48D67309-796F-7948-8313-B56592027800}" destId="{40624721-0030-7B49-9776-5E775818DC0A}" srcOrd="0" destOrd="0" parTransId="{12528435-93B1-2343-B347-840401A0EE13}" sibTransId="{D30DBD55-A4BB-EC49-AE97-A39060C4B672}"/>
-    <dgm:cxn modelId="{0990D568-085C-8B40-9D47-EBD0793132A2}" type="presOf" srcId="{40624721-0030-7B49-9776-5E775818DC0A}" destId="{64D1392F-5E11-D54D-9955-37560F7FF0F8}" srcOrd="0" destOrd="0" presId="urn:microsoft.com/office/officeart/2005/8/layout/radial3"/>
-    <dgm:cxn modelId="{0CED8ED9-10AB-CD43-8FEB-45FF04C9EF07}" srcId="{40624721-0030-7B49-9776-5E775818DC0A}" destId="{B1BA2A07-6EFA-0C48-A411-0481F7FE1A60}" srcOrd="0" destOrd="0" parTransId="{3966D4AE-FDCF-CB4A-8F89-FB0A5FAF1667}" sibTransId="{498C0A02-82DB-8A40-A142-1894055868FF}"/>
-    <dgm:cxn modelId="{886C8ADD-E42A-1E43-808F-32F9CE1BDD36}" srcId="{40624721-0030-7B49-9776-5E775818DC0A}" destId="{9921D39B-5332-0A4B-BEF3-1A35A76806C6}" srcOrd="2" destOrd="0" parTransId="{D7CA4540-504E-894F-BC7E-D5D3FACE20F6}" sibTransId="{00090DD0-3AFE-A94F-A25E-4F9EC137AF1A}"/>
-    <dgm:cxn modelId="{712A99EA-1F09-DC46-B237-827DE27B57FE}" srcId="{40624721-0030-7B49-9776-5E775818DC0A}" destId="{107DE2A6-1E5D-434C-9C0B-0B0CEDCF20F0}" srcOrd="3" destOrd="0" parTransId="{0A366266-1ACA-B148-B11D-DFDE0F3FF073}" sibTransId="{43282E38-111C-EB4A-99A6-7FE6D1EBAA8D}"/>
-    <dgm:cxn modelId="{0DBC4CFB-C46E-F348-AC3F-E60CD377905C}" type="presOf" srcId="{48D67309-796F-7948-8313-B56592027800}" destId="{CEA69825-6F7E-ED45-A36F-2259EBD74A8F}" srcOrd="0" destOrd="0" presId="urn:microsoft.com/office/officeart/2005/8/layout/radial3"/>
-    <dgm:cxn modelId="{4C18CDFC-6A8E-504E-BEC1-F529ECD871D4}" type="presOf" srcId="{BD0B410F-4597-7C4C-A293-A4ED3D0D5717}" destId="{F086BCCB-AC87-0A47-9E62-FAC98F12D6C2}" srcOrd="0" destOrd="0" presId="urn:microsoft.com/office/officeart/2005/8/layout/radial3"/>
-    <dgm:cxn modelId="{14A4F592-285C-6F4E-8BCD-606901DDD31A}" type="presParOf" srcId="{CEA69825-6F7E-ED45-A36F-2259EBD74A8F}" destId="{8AA7C7FD-578F-4748-AD5F-3DE31210A332}" srcOrd="0" destOrd="0" presId="urn:microsoft.com/office/officeart/2005/8/layout/radial3"/>
-    <dgm:cxn modelId="{0579E13C-00FD-354B-B1C6-FA55C488B210}" type="presParOf" srcId="{8AA7C7FD-578F-4748-AD5F-3DE31210A332}" destId="{64D1392F-5E11-D54D-9955-37560F7FF0F8}" srcOrd="0" destOrd="0" presId="urn:microsoft.com/office/officeart/2005/8/layout/radial3"/>
-    <dgm:cxn modelId="{A817E431-211C-B148-A6C8-62C2E08ED2DA}" type="presParOf" srcId="{8AA7C7FD-578F-4748-AD5F-3DE31210A332}" destId="{C1F3AB9B-9C80-A341-B5C3-C99D67EFA0B8}" srcOrd="1" destOrd="0" presId="urn:microsoft.com/office/officeart/2005/8/layout/radial3"/>
-    <dgm:cxn modelId="{94C30D93-3FB9-1846-A7F8-F8F2FD152988}" type="presParOf" srcId="{8AA7C7FD-578F-4748-AD5F-3DE31210A332}" destId="{F086BCCB-AC87-0A47-9E62-FAC98F12D6C2}" srcOrd="2" destOrd="0" presId="urn:microsoft.com/office/officeart/2005/8/layout/radial3"/>
-    <dgm:cxn modelId="{D5C49CB6-AC82-5F4C-9487-F2CF0D801CB2}" type="presParOf" srcId="{8AA7C7FD-578F-4748-AD5F-3DE31210A332}" destId="{FFF77012-B89A-0F4E-BDC8-0EB1994EA887}" srcOrd="3" destOrd="0" presId="urn:microsoft.com/office/officeart/2005/8/layout/radial3"/>
-    <dgm:cxn modelId="{F75FD8C0-C699-5F46-8806-2FA125055811}" type="presParOf" srcId="{8AA7C7FD-578F-4748-AD5F-3DE31210A332}" destId="{55F3E454-2113-9449-9FB3-7DEFFB424817}" srcOrd="4" destOrd="0" presId="urn:microsoft.com/office/officeart/2005/8/layout/radial3"/>
-  </dgm:cxnLst>
-  <dgm:bg/>
-  <dgm:whole/>
-  <dgm:extLst>
-    <a:ext uri="http://schemas.microsoft.com/office/drawing/2008/diagram">
-      <dsp:dataModelExt xmlns:dsp="http://schemas.microsoft.com/office/drawing/2008/diagram" relId="rId6" minVer="http://schemas.openxmlformats.org/drawingml/2006/diagram"/>
-    </a:ext>
-  </dgm:extLst>
-</dgm:dataModel>
-</file>
-
 <file path=ppt/diagrams/drawing1.xml><?xml version="1.0" encoding="utf-8"?>
-<dsp:drawing xmlns:dgm="http://schemas.openxmlformats.org/drawingml/2006/diagram" xmlns:dsp="http://schemas.microsoft.com/office/drawing/2008/diagram" xmlns:a="http://schemas.openxmlformats.org/drawingml/2006/main">
-  <dsp:spTree>
-    <dsp:nvGrpSpPr>
-      <dsp:cNvPr id="0" name=""/>
-      <dsp:cNvGrpSpPr/>
-    </dsp:nvGrpSpPr>
-    <dsp:grpSpPr/>
-    <dsp:sp modelId="{64D1392F-5E11-D54D-9955-37560F7FF0F8}">
-      <dsp:nvSpPr>
-        <dsp:cNvPr id="0" name=""/>
-        <dsp:cNvSpPr/>
-      </dsp:nvSpPr>
-      <dsp:spPr>
-        <a:xfrm>
-          <a:off x="1852844" y="872827"/>
-          <a:ext cx="2174412" cy="2174412"/>
-        </a:xfrm>
-        <a:prstGeom prst="ellipse">
-          <a:avLst/>
-        </a:prstGeom>
-        <a:solidFill>
-          <a:schemeClr val="accent1">
-            <a:alpha val="50000"/>
-            <a:hueOff val="0"/>
-            <a:satOff val="0"/>
-            <a:lumOff val="0"/>
-            <a:alphaOff val="0"/>
-          </a:schemeClr>
-        </a:solidFill>
-        <a:ln w="12700" cap="flat" cmpd="sng" algn="ctr">
-          <a:solidFill>
-            <a:schemeClr val="lt1">
-              <a:hueOff val="0"/>
-              <a:satOff val="0"/>
-              <a:lumOff val="0"/>
-              <a:alphaOff val="0"/>
-            </a:schemeClr>
-          </a:solidFill>
-          <a:prstDash val="solid"/>
-          <a:miter lim="800000"/>
-        </a:ln>
-        <a:effectLst/>
-      </dsp:spPr>
-      <dsp:style>
-        <a:lnRef idx="2">
-          <a:scrgbClr r="0" g="0" b="0"/>
-        </a:lnRef>
-        <a:fillRef idx="1">
-          <a:scrgbClr r="0" g="0" b="0"/>
-        </a:fillRef>
-        <a:effectRef idx="0">
-          <a:scrgbClr r="0" g="0" b="0"/>
-        </a:effectRef>
-        <a:fontRef idx="minor">
-          <a:schemeClr val="tx1"/>
-        </a:fontRef>
-      </dsp:style>
-      <dsp:txBody>
-        <a:bodyPr spcFirstLastPara="0" vert="horz" wrap="square" lIns="25400" tIns="25400" rIns="25400" bIns="25400" numCol="1" spcCol="1270" anchor="ctr" anchorCtr="0">
-          <a:noAutofit/>
-        </a:bodyPr>
-        <a:lstStyle/>
-        <a:p>
-          <a:pPr marL="0" lvl="0" indent="0" algn="ctr" defTabSz="889000">
-            <a:lnSpc>
-              <a:spcPct val="90000"/>
-            </a:lnSpc>
-            <a:spcBef>
-              <a:spcPct val="0"/>
-            </a:spcBef>
-            <a:spcAft>
-              <a:spcPct val="35000"/>
-            </a:spcAft>
-            <a:buNone/>
-          </a:pPr>
-          <a:r>
-            <a:rPr lang="ja-JP" altLang="en-US" sz="2000" b="1" kern="1200"/>
-            <a:t>妄想の負のスパイラル</a:t>
-          </a:r>
-          <a:endParaRPr kumimoji="1" lang="ja-JP" altLang="en-US" sz="2000" b="1" kern="1200"/>
-        </a:p>
-      </dsp:txBody>
-      <dsp:txXfrm>
-        <a:off x="2171279" y="1191262"/>
-        <a:ext cx="1537542" cy="1537542"/>
-      </dsp:txXfrm>
-    </dsp:sp>
-    <dsp:sp modelId="{C1F3AB9B-9C80-A341-B5C3-C99D67EFA0B8}">
-      <dsp:nvSpPr>
-        <dsp:cNvPr id="0" name=""/>
-        <dsp:cNvSpPr/>
-      </dsp:nvSpPr>
-      <dsp:spPr>
-        <a:xfrm>
-          <a:off x="2396447" y="388"/>
-          <a:ext cx="1087206" cy="1087206"/>
-        </a:xfrm>
-        <a:prstGeom prst="ellipse">
-          <a:avLst/>
-        </a:prstGeom>
-        <a:solidFill>
-          <a:schemeClr val="accent1">
-            <a:alpha val="50000"/>
-            <a:hueOff val="0"/>
-            <a:satOff val="0"/>
-            <a:lumOff val="0"/>
-            <a:alphaOff val="0"/>
-          </a:schemeClr>
-        </a:solidFill>
-        <a:ln w="12700" cap="flat" cmpd="sng" algn="ctr">
-          <a:solidFill>
-            <a:schemeClr val="lt1">
-              <a:hueOff val="0"/>
-              <a:satOff val="0"/>
-              <a:lumOff val="0"/>
-              <a:alphaOff val="0"/>
-            </a:schemeClr>
-          </a:solidFill>
-          <a:prstDash val="solid"/>
-          <a:miter lim="800000"/>
-        </a:ln>
-        <a:effectLst/>
-      </dsp:spPr>
-      <dsp:style>
-        <a:lnRef idx="2">
-          <a:scrgbClr r="0" g="0" b="0"/>
-        </a:lnRef>
-        <a:fillRef idx="1">
-          <a:scrgbClr r="0" g="0" b="0"/>
-        </a:fillRef>
-        <a:effectRef idx="0">
-          <a:scrgbClr r="0" g="0" b="0"/>
-        </a:effectRef>
-        <a:fontRef idx="minor">
-          <a:schemeClr val="tx1"/>
-        </a:fontRef>
-      </dsp:style>
-      <dsp:txBody>
-        <a:bodyPr spcFirstLastPara="0" vert="horz" wrap="square" lIns="15240" tIns="15240" rIns="15240" bIns="15240" numCol="1" spcCol="1270" anchor="ctr" anchorCtr="0">
-          <a:noAutofit/>
-        </a:bodyPr>
-        <a:lstStyle/>
-        <a:p>
-          <a:pPr marL="0" lvl="0" indent="0" algn="ctr" defTabSz="533400">
-            <a:lnSpc>
-              <a:spcPct val="90000"/>
-            </a:lnSpc>
-            <a:spcBef>
-              <a:spcPct val="0"/>
-            </a:spcBef>
-            <a:spcAft>
-              <a:spcPct val="35000"/>
-            </a:spcAft>
-            <a:buNone/>
-          </a:pPr>
-          <a:r>
-            <a:rPr lang="ja-JP" altLang="en-US" sz="1200" b="1" kern="1200"/>
-            <a:t>架空の承認を多数得る</a:t>
-          </a:r>
-          <a:endParaRPr kumimoji="1" lang="ja-JP" altLang="en-US" sz="1200" b="1" kern="1200"/>
-        </a:p>
-      </dsp:txBody>
-      <dsp:txXfrm>
-        <a:off x="2555665" y="159606"/>
-        <a:ext cx="768770" cy="768770"/>
-      </dsp:txXfrm>
-    </dsp:sp>
-    <dsp:sp modelId="{F086BCCB-AC87-0A47-9E62-FAC98F12D6C2}">
-      <dsp:nvSpPr>
-        <dsp:cNvPr id="0" name=""/>
-        <dsp:cNvSpPr/>
-      </dsp:nvSpPr>
-      <dsp:spPr>
-        <a:xfrm>
-          <a:off x="3812489" y="1416430"/>
-          <a:ext cx="1087206" cy="1087206"/>
-        </a:xfrm>
-        <a:prstGeom prst="ellipse">
-          <a:avLst/>
-        </a:prstGeom>
-        <a:solidFill>
-          <a:schemeClr val="accent1">
-            <a:alpha val="50000"/>
-            <a:hueOff val="0"/>
-            <a:satOff val="0"/>
-            <a:lumOff val="0"/>
-            <a:alphaOff val="0"/>
-          </a:schemeClr>
-        </a:solidFill>
-        <a:ln w="12700" cap="flat" cmpd="sng" algn="ctr">
-          <a:solidFill>
-            <a:schemeClr val="lt1">
-              <a:hueOff val="0"/>
-              <a:satOff val="0"/>
-              <a:lumOff val="0"/>
-              <a:alphaOff val="0"/>
-            </a:schemeClr>
-          </a:solidFill>
-          <a:prstDash val="solid"/>
-          <a:miter lim="800000"/>
-        </a:ln>
-        <a:effectLst/>
-      </dsp:spPr>
-      <dsp:style>
-        <a:lnRef idx="2">
-          <a:scrgbClr r="0" g="0" b="0"/>
-        </a:lnRef>
-        <a:fillRef idx="1">
-          <a:scrgbClr r="0" g="0" b="0"/>
-        </a:fillRef>
-        <a:effectRef idx="0">
-          <a:scrgbClr r="0" g="0" b="0"/>
-        </a:effectRef>
-        <a:fontRef idx="minor">
-          <a:schemeClr val="tx1"/>
-        </a:fontRef>
-      </dsp:style>
-      <dsp:txBody>
-        <a:bodyPr spcFirstLastPara="0" vert="horz" wrap="square" lIns="15240" tIns="15240" rIns="15240" bIns="15240" numCol="1" spcCol="1270" anchor="ctr" anchorCtr="0">
-          <a:noAutofit/>
-        </a:bodyPr>
-        <a:lstStyle/>
-        <a:p>
-          <a:pPr marL="0" lvl="0" indent="0" algn="ctr" defTabSz="533400">
-            <a:lnSpc>
-              <a:spcPct val="90000"/>
-            </a:lnSpc>
-            <a:spcBef>
-              <a:spcPct val="0"/>
-            </a:spcBef>
-            <a:spcAft>
-              <a:spcPct val="35000"/>
-            </a:spcAft>
-            <a:buNone/>
-          </a:pPr>
-          <a:r>
-            <a:rPr lang="ja-JP" altLang="en-US" sz="1200" b="1" kern="1200"/>
-            <a:t>一時的に承認欲求が満たされる</a:t>
-          </a:r>
-          <a:endParaRPr kumimoji="1" lang="ja-JP" altLang="en-US" sz="1200" b="1" kern="1200"/>
-        </a:p>
-      </dsp:txBody>
-      <dsp:txXfrm>
-        <a:off x="3971707" y="1575648"/>
-        <a:ext cx="768770" cy="768770"/>
-      </dsp:txXfrm>
-    </dsp:sp>
-    <dsp:sp modelId="{FFF77012-B89A-0F4E-BDC8-0EB1994EA887}">
-      <dsp:nvSpPr>
-        <dsp:cNvPr id="0" name=""/>
-        <dsp:cNvSpPr/>
-      </dsp:nvSpPr>
-      <dsp:spPr>
-        <a:xfrm>
-          <a:off x="2396447" y="2832472"/>
-          <a:ext cx="1087206" cy="1087206"/>
-        </a:xfrm>
-        <a:prstGeom prst="ellipse">
-          <a:avLst/>
-        </a:prstGeom>
-        <a:solidFill>
-          <a:schemeClr val="accent1">
-            <a:alpha val="50000"/>
-            <a:hueOff val="0"/>
-            <a:satOff val="0"/>
-            <a:lumOff val="0"/>
-            <a:alphaOff val="0"/>
-          </a:schemeClr>
-        </a:solidFill>
-        <a:ln w="12700" cap="flat" cmpd="sng" algn="ctr">
-          <a:solidFill>
-            <a:schemeClr val="lt1">
-              <a:hueOff val="0"/>
-              <a:satOff val="0"/>
-              <a:lumOff val="0"/>
-              <a:alphaOff val="0"/>
-            </a:schemeClr>
-          </a:solidFill>
-          <a:prstDash val="solid"/>
-          <a:miter lim="800000"/>
-        </a:ln>
-        <a:effectLst/>
-      </dsp:spPr>
-      <dsp:style>
-        <a:lnRef idx="2">
-          <a:scrgbClr r="0" g="0" b="0"/>
-        </a:lnRef>
-        <a:fillRef idx="1">
-          <a:scrgbClr r="0" g="0" b="0"/>
-        </a:fillRef>
-        <a:effectRef idx="0">
-          <a:scrgbClr r="0" g="0" b="0"/>
-        </a:effectRef>
-        <a:fontRef idx="minor">
-          <a:schemeClr val="tx1"/>
-        </a:fontRef>
-      </dsp:style>
-      <dsp:txBody>
-        <a:bodyPr spcFirstLastPara="0" vert="horz" wrap="square" lIns="15240" tIns="15240" rIns="15240" bIns="15240" numCol="1" spcCol="1270" anchor="ctr" anchorCtr="0">
-          <a:noAutofit/>
-        </a:bodyPr>
-        <a:lstStyle/>
-        <a:p>
-          <a:pPr marL="0" lvl="0" indent="0" algn="ctr" defTabSz="533400">
-            <a:lnSpc>
-              <a:spcPct val="90000"/>
-            </a:lnSpc>
-            <a:spcBef>
-              <a:spcPct val="0"/>
-            </a:spcBef>
-            <a:spcAft>
-              <a:spcPct val="35000"/>
-            </a:spcAft>
-            <a:buNone/>
-          </a:pPr>
-          <a:r>
-            <a:rPr lang="ja-JP" altLang="en-US" sz="1200" b="1" kern="1200"/>
-            <a:t>現実との乖離がますます広がる</a:t>
-          </a:r>
-          <a:endParaRPr kumimoji="1" lang="ja-JP" altLang="en-US" sz="1200" b="1" kern="1200"/>
-        </a:p>
-      </dsp:txBody>
-      <dsp:txXfrm>
-        <a:off x="2555665" y="2991690"/>
-        <a:ext cx="768770" cy="768770"/>
-      </dsp:txXfrm>
-    </dsp:sp>
-    <dsp:sp modelId="{55F3E454-2113-9449-9FB3-7DEFFB424817}">
-      <dsp:nvSpPr>
-        <dsp:cNvPr id="0" name=""/>
-        <dsp:cNvSpPr/>
-      </dsp:nvSpPr>
-      <dsp:spPr>
-        <a:xfrm>
-          <a:off x="980405" y="1416430"/>
-          <a:ext cx="1087206" cy="1087206"/>
-        </a:xfrm>
-        <a:prstGeom prst="ellipse">
-          <a:avLst/>
-        </a:prstGeom>
-        <a:solidFill>
-          <a:schemeClr val="accent1">
-            <a:alpha val="50000"/>
-            <a:hueOff val="0"/>
-            <a:satOff val="0"/>
-            <a:lumOff val="0"/>
-            <a:alphaOff val="0"/>
-          </a:schemeClr>
-        </a:solidFill>
-        <a:ln w="12700" cap="flat" cmpd="sng" algn="ctr">
-          <a:solidFill>
-            <a:schemeClr val="lt1">
-              <a:hueOff val="0"/>
-              <a:satOff val="0"/>
-              <a:lumOff val="0"/>
-              <a:alphaOff val="0"/>
-            </a:schemeClr>
-          </a:solidFill>
-          <a:prstDash val="solid"/>
-          <a:miter lim="800000"/>
-        </a:ln>
-        <a:effectLst/>
-      </dsp:spPr>
-      <dsp:style>
-        <a:lnRef idx="2">
-          <a:scrgbClr r="0" g="0" b="0"/>
-        </a:lnRef>
-        <a:fillRef idx="1">
-          <a:scrgbClr r="0" g="0" b="0"/>
-        </a:fillRef>
-        <a:effectRef idx="0">
-          <a:scrgbClr r="0" g="0" b="0"/>
-        </a:effectRef>
-        <a:fontRef idx="minor">
-          <a:schemeClr val="tx1"/>
-        </a:fontRef>
-      </dsp:style>
-      <dsp:txBody>
-        <a:bodyPr spcFirstLastPara="0" vert="horz" wrap="square" lIns="15240" tIns="15240" rIns="15240" bIns="15240" numCol="1" spcCol="1270" anchor="ctr" anchorCtr="0">
-          <a:noAutofit/>
-        </a:bodyPr>
-        <a:lstStyle/>
-        <a:p>
-          <a:pPr marL="0" lvl="0" indent="0" algn="ctr" defTabSz="533400">
-            <a:lnSpc>
-              <a:spcPct val="90000"/>
-            </a:lnSpc>
-            <a:spcBef>
-              <a:spcPct val="0"/>
-            </a:spcBef>
-            <a:spcAft>
-              <a:spcPct val="35000"/>
-            </a:spcAft>
-            <a:buNone/>
-          </a:pPr>
-          <a:r>
-            <a:rPr lang="ja-JP" altLang="en-US" sz="1200" b="1" kern="1200"/>
-            <a:t>現実への不満が強まる</a:t>
-          </a:r>
-          <a:endParaRPr kumimoji="1" lang="ja-JP" altLang="en-US" sz="1200" b="1" kern="1200"/>
-        </a:p>
-      </dsp:txBody>
-      <dsp:txXfrm>
-        <a:off x="1139623" y="1575648"/>
-        <a:ext cx="768770" cy="768770"/>
-      </dsp:txXfrm>
-    </dsp:sp>
-  </dsp:spTree>
-</dsp:drawing>
-</file>
-
-<file path=ppt/diagrams/drawing2.xml><?xml version="1.0" encoding="utf-8"?>
 <dsp:drawing xmlns:dgm="http://schemas.openxmlformats.org/drawingml/2006/diagram" xmlns:dsp="http://schemas.microsoft.com/office/drawing/2008/diagram" xmlns:a="http://schemas.openxmlformats.org/drawingml/2006/main">
   <dsp:spTree>
     <dsp:nvGrpSpPr>
@@ -3190,1232 +1749,7 @@
 </dgm:layoutDef>
 </file>
 
-<file path=ppt/diagrams/layout2.xml><?xml version="1.0" encoding="utf-8"?>
-<dgm:layoutDef xmlns:dgm="http://schemas.openxmlformats.org/drawingml/2006/diagram" xmlns:a="http://schemas.openxmlformats.org/drawingml/2006/main" uniqueId="urn:microsoft.com/office/officeart/2005/8/layout/radial3">
-  <dgm:title val=""/>
-  <dgm:desc val=""/>
-  <dgm:catLst>
-    <dgm:cat type="relationship" pri="31000"/>
-    <dgm:cat type="cycle" pri="12000"/>
-  </dgm:catLst>
-  <dgm:sampData>
-    <dgm:dataModel>
-      <dgm:ptLst>
-        <dgm:pt modelId="0" type="doc"/>
-        <dgm:pt modelId="1">
-          <dgm:prSet phldr="1"/>
-        </dgm:pt>
-        <dgm:pt modelId="11">
-          <dgm:prSet phldr="1"/>
-        </dgm:pt>
-        <dgm:pt modelId="12">
-          <dgm:prSet phldr="1"/>
-        </dgm:pt>
-        <dgm:pt modelId="13">
-          <dgm:prSet phldr="1"/>
-        </dgm:pt>
-        <dgm:pt modelId="14">
-          <dgm:prSet phldr="1"/>
-        </dgm:pt>
-      </dgm:ptLst>
-      <dgm:cxnLst>
-        <dgm:cxn modelId="2" srcId="0" destId="1" srcOrd="0" destOrd="0"/>
-        <dgm:cxn modelId="3" srcId="1" destId="11" srcOrd="0" destOrd="0"/>
-        <dgm:cxn modelId="4" srcId="1" destId="12" srcOrd="1" destOrd="0"/>
-        <dgm:cxn modelId="5" srcId="1" destId="13" srcOrd="2" destOrd="0"/>
-        <dgm:cxn modelId="6" srcId="1" destId="14" srcOrd="3" destOrd="0"/>
-      </dgm:cxnLst>
-      <dgm:bg/>
-      <dgm:whole/>
-    </dgm:dataModel>
-  </dgm:sampData>
-  <dgm:styleData>
-    <dgm:dataModel>
-      <dgm:ptLst>
-        <dgm:pt modelId="0" type="doc"/>
-        <dgm:pt modelId="1"/>
-        <dgm:pt modelId="11"/>
-        <dgm:pt modelId="12"/>
-        <dgm:pt modelId="13"/>
-      </dgm:ptLst>
-      <dgm:cxnLst>
-        <dgm:cxn modelId="2" srcId="0" destId="1" srcOrd="0" destOrd="0"/>
-        <dgm:cxn modelId="15" srcId="1" destId="11" srcOrd="0" destOrd="0"/>
-        <dgm:cxn modelId="16" srcId="1" destId="12" srcOrd="1" destOrd="0"/>
-        <dgm:cxn modelId="17" srcId="1" destId="13" srcOrd="2" destOrd="0"/>
-      </dgm:cxnLst>
-      <dgm:bg/>
-      <dgm:whole/>
-    </dgm:dataModel>
-  </dgm:styleData>
-  <dgm:clrData>
-    <dgm:dataModel>
-      <dgm:ptLst>
-        <dgm:pt modelId="0" type="doc"/>
-        <dgm:pt modelId="1"/>
-        <dgm:pt modelId="11"/>
-        <dgm:pt modelId="12"/>
-        <dgm:pt modelId="13"/>
-        <dgm:pt modelId="14"/>
-        <dgm:pt modelId="15"/>
-        <dgm:pt modelId="16"/>
-      </dgm:ptLst>
-      <dgm:cxnLst>
-        <dgm:cxn modelId="2" srcId="0" destId="1" srcOrd="0" destOrd="0"/>
-        <dgm:cxn modelId="16" srcId="1" destId="11" srcOrd="0" destOrd="0"/>
-        <dgm:cxn modelId="17" srcId="1" destId="12" srcOrd="1" destOrd="0"/>
-        <dgm:cxn modelId="18" srcId="1" destId="13" srcOrd="2" destOrd="0"/>
-        <dgm:cxn modelId="19" srcId="1" destId="14" srcOrd="3" destOrd="0"/>
-        <dgm:cxn modelId="20" srcId="1" destId="15" srcOrd="4" destOrd="0"/>
-        <dgm:cxn modelId="21" srcId="1" destId="16" srcOrd="5" destOrd="0"/>
-      </dgm:cxnLst>
-      <dgm:bg/>
-      <dgm:whole/>
-    </dgm:dataModel>
-  </dgm:clrData>
-  <dgm:layoutNode name="composite">
-    <dgm:varLst>
-      <dgm:chMax val="1"/>
-      <dgm:dir/>
-      <dgm:resizeHandles val="exact"/>
-    </dgm:varLst>
-    <dgm:alg type="composite">
-      <dgm:param type="ar" val="1"/>
-    </dgm:alg>
-    <dgm:shape xmlns:r="http://schemas.openxmlformats.org/officeDocument/2006/relationships" r:blip="">
-      <dgm:adjLst/>
-    </dgm:shape>
-    <dgm:presOf/>
-    <dgm:constrLst/>
-    <dgm:ruleLst/>
-    <dgm:layoutNode name="radial">
-      <dgm:varLst>
-        <dgm:animLvl val="ctr"/>
-      </dgm:varLst>
-      <dgm:choose name="Name0">
-        <dgm:if name="Name1" func="var" arg="dir" op="equ" val="norm">
-          <dgm:choose name="Name2">
-            <dgm:if name="Name3" axis="ch ch" ptType="node node" st="1 1" cnt="1 0" func="cnt" op="lte" val="1">
-              <dgm:alg type="cycle">
-                <dgm:param type="stAng" val="90"/>
-                <dgm:param type="spanAng" val="360"/>
-                <dgm:param type="ctrShpMap" val="fNode"/>
-              </dgm:alg>
-            </dgm:if>
-            <dgm:else name="Name4">
-              <dgm:alg type="cycle">
-                <dgm:param type="stAng" val="0"/>
-                <dgm:param type="spanAng" val="360"/>
-                <dgm:param type="ctrShpMap" val="fNode"/>
-              </dgm:alg>
-            </dgm:else>
-          </dgm:choose>
-        </dgm:if>
-        <dgm:else name="Name5">
-          <dgm:alg type="cycle">
-            <dgm:param type="stAng" val="0"/>
-            <dgm:param type="spanAng" val="-360"/>
-            <dgm:param type="ctrShpMap" val="fNode"/>
-          </dgm:alg>
-        </dgm:else>
-      </dgm:choose>
-      <dgm:shape xmlns:r="http://schemas.openxmlformats.org/officeDocument/2006/relationships" r:blip="">
-        <dgm:adjLst/>
-      </dgm:shape>
-      <dgm:presOf/>
-      <dgm:constrLst>
-        <dgm:constr type="w" for="ch" forName="centerShape" refType="w"/>
-        <dgm:constr type="h" for="ch" forName="centerShape" refType="h"/>
-        <dgm:constr type="w" for="ch" forName="node" refType="w" fact="0.5"/>
-        <dgm:constr type="h" for="ch" forName="node" refType="h" fact="0.5"/>
-        <dgm:constr type="sp" refType="w" refFor="ch" refForName="node" fact="-0.2"/>
-        <dgm:constr type="sibSp" refType="w" refFor="ch" refForName="node" fact="-0.2"/>
-        <dgm:constr type="primFontSz" for="ch" forName="centerShape" val="65"/>
-        <dgm:constr type="primFontSz" for="des" forName="node" val="65"/>
-        <dgm:constr type="primFontSz" for="ch" forName="node" refType="primFontSz" refFor="ch" refForName="centerShape" op="lte"/>
-      </dgm:constrLst>
-      <dgm:ruleLst/>
-      <dgm:forEach name="Name6" axis="ch" ptType="node" cnt="1">
-        <dgm:layoutNode name="centerShape" styleLbl="vennNode1">
-          <dgm:alg type="tx"/>
-          <dgm:shape xmlns:r="http://schemas.openxmlformats.org/officeDocument/2006/relationships" type="ellipse" r:blip="">
-            <dgm:adjLst/>
-          </dgm:shape>
-          <dgm:presOf axis="self"/>
-          <dgm:constrLst>
-            <dgm:constr type="tMarg" refType="primFontSz" fact="0.1"/>
-            <dgm:constr type="bMarg" refType="primFontSz" fact="0.1"/>
-            <dgm:constr type="lMarg" refType="primFontSz" fact="0.1"/>
-            <dgm:constr type="rMarg" refType="primFontSz" fact="0.1"/>
-          </dgm:constrLst>
-          <dgm:ruleLst>
-            <dgm:rule type="primFontSz" val="5" fact="NaN" max="NaN"/>
-          </dgm:ruleLst>
-        </dgm:layoutNode>
-        <dgm:forEach name="Name7" axis="ch" ptType="node">
-          <dgm:layoutNode name="node" styleLbl="vennNode1">
-            <dgm:varLst>
-              <dgm:bulletEnabled val="1"/>
-            </dgm:varLst>
-            <dgm:alg type="tx">
-              <dgm:param type="txAnchorVertCh" val="mid"/>
-            </dgm:alg>
-            <dgm:shape xmlns:r="http://schemas.openxmlformats.org/officeDocument/2006/relationships" type="ellipse" r:blip="">
-              <dgm:adjLst/>
-            </dgm:shape>
-            <dgm:presOf axis="desOrSelf" ptType="node"/>
-            <dgm:constrLst>
-              <dgm:constr type="tMarg" refType="primFontSz" fact="0.1"/>
-              <dgm:constr type="bMarg" refType="primFontSz" fact="0.1"/>
-              <dgm:constr type="lMarg" refType="primFontSz" fact="0.1"/>
-              <dgm:constr type="rMarg" refType="primFontSz" fact="0.1"/>
-            </dgm:constrLst>
-            <dgm:ruleLst>
-              <dgm:rule type="primFontSz" val="5" fact="NaN" max="NaN"/>
-            </dgm:ruleLst>
-          </dgm:layoutNode>
-        </dgm:forEach>
-      </dgm:forEach>
-    </dgm:layoutNode>
-  </dgm:layoutNode>
-</dgm:layoutDef>
-</file>
-
 <file path=ppt/diagrams/quickStyle1.xml><?xml version="1.0" encoding="utf-8"?>
-<dgm:styleDef xmlns:dgm="http://schemas.openxmlformats.org/drawingml/2006/diagram" xmlns:a="http://schemas.openxmlformats.org/drawingml/2006/main" uniqueId="urn:microsoft.com/office/officeart/2005/8/quickstyle/simple1">
-  <dgm:title val=""/>
-  <dgm:desc val=""/>
-  <dgm:catLst>
-    <dgm:cat type="simple" pri="10100"/>
-  </dgm:catLst>
-  <dgm:scene3d>
-    <a:camera prst="orthographicFront"/>
-    <a:lightRig rig="threePt" dir="t"/>
-  </dgm:scene3d>
-  <dgm:styleLbl name="node0">
-    <dgm:scene3d>
-      <a:camera prst="orthographicFront"/>
-      <a:lightRig rig="threePt" dir="t"/>
-    </dgm:scene3d>
-    <dgm:sp3d/>
-    <dgm:txPr/>
-    <dgm:style>
-      <a:lnRef idx="2">
-        <a:scrgbClr r="0" g="0" b="0"/>
-      </a:lnRef>
-      <a:fillRef idx="1">
-        <a:scrgbClr r="0" g="0" b="0"/>
-      </a:fillRef>
-      <a:effectRef idx="0">
-        <a:scrgbClr r="0" g="0" b="0"/>
-      </a:effectRef>
-      <a:fontRef idx="minor">
-        <a:schemeClr val="lt1"/>
-      </a:fontRef>
-    </dgm:style>
-  </dgm:styleLbl>
-  <dgm:styleLbl name="lnNode1">
-    <dgm:scene3d>
-      <a:camera prst="orthographicFront"/>
-      <a:lightRig rig="threePt" dir="t"/>
-    </dgm:scene3d>
-    <dgm:sp3d/>
-    <dgm:txPr/>
-    <dgm:style>
-      <a:lnRef idx="2">
-        <a:scrgbClr r="0" g="0" b="0"/>
-      </a:lnRef>
-      <a:fillRef idx="1">
-        <a:scrgbClr r="0" g="0" b="0"/>
-      </a:fillRef>
-      <a:effectRef idx="0">
-        <a:scrgbClr r="0" g="0" b="0"/>
-      </a:effectRef>
-      <a:fontRef idx="minor">
-        <a:schemeClr val="lt1"/>
-      </a:fontRef>
-    </dgm:style>
-  </dgm:styleLbl>
-  <dgm:styleLbl name="vennNode1">
-    <dgm:scene3d>
-      <a:camera prst="orthographicFront"/>
-      <a:lightRig rig="threePt" dir="t"/>
-    </dgm:scene3d>
-    <dgm:sp3d/>
-    <dgm:txPr/>
-    <dgm:style>
-      <a:lnRef idx="2">
-        <a:scrgbClr r="0" g="0" b="0"/>
-      </a:lnRef>
-      <a:fillRef idx="1">
-        <a:scrgbClr r="0" g="0" b="0"/>
-      </a:fillRef>
-      <a:effectRef idx="0">
-        <a:scrgbClr r="0" g="0" b="0"/>
-      </a:effectRef>
-      <a:fontRef idx="minor">
-        <a:schemeClr val="tx1"/>
-      </a:fontRef>
-    </dgm:style>
-  </dgm:styleLbl>
-  <dgm:styleLbl name="alignNode1">
-    <dgm:scene3d>
-      <a:camera prst="orthographicFront"/>
-      <a:lightRig rig="threePt" dir="t"/>
-    </dgm:scene3d>
-    <dgm:sp3d/>
-    <dgm:txPr/>
-    <dgm:style>
-      <a:lnRef idx="2">
-        <a:scrgbClr r="0" g="0" b="0"/>
-      </a:lnRef>
-      <a:fillRef idx="1">
-        <a:scrgbClr r="0" g="0" b="0"/>
-      </a:fillRef>
-      <a:effectRef idx="0">
-        <a:scrgbClr r="0" g="0" b="0"/>
-      </a:effectRef>
-      <a:fontRef idx="minor">
-        <a:schemeClr val="lt1"/>
-      </a:fontRef>
-    </dgm:style>
-  </dgm:styleLbl>
-  <dgm:styleLbl name="node1">
-    <dgm:scene3d>
-      <a:camera prst="orthographicFront"/>
-      <a:lightRig rig="threePt" dir="t"/>
-    </dgm:scene3d>
-    <dgm:sp3d/>
-    <dgm:txPr/>
-    <dgm:style>
-      <a:lnRef idx="2">
-        <a:scrgbClr r="0" g="0" b="0"/>
-      </a:lnRef>
-      <a:fillRef idx="1">
-        <a:scrgbClr r="0" g="0" b="0"/>
-      </a:fillRef>
-      <a:effectRef idx="0">
-        <a:scrgbClr r="0" g="0" b="0"/>
-      </a:effectRef>
-      <a:fontRef idx="minor">
-        <a:schemeClr val="lt1"/>
-      </a:fontRef>
-    </dgm:style>
-  </dgm:styleLbl>
-  <dgm:styleLbl name="node2">
-    <dgm:scene3d>
-      <a:camera prst="orthographicFront"/>
-      <a:lightRig rig="threePt" dir="t"/>
-    </dgm:scene3d>
-    <dgm:sp3d/>
-    <dgm:txPr/>
-    <dgm:style>
-      <a:lnRef idx="2">
-        <a:scrgbClr r="0" g="0" b="0"/>
-      </a:lnRef>
-      <a:fillRef idx="1">
-        <a:scrgbClr r="0" g="0" b="0"/>
-      </a:fillRef>
-      <a:effectRef idx="0">
-        <a:scrgbClr r="0" g="0" b="0"/>
-      </a:effectRef>
-      <a:fontRef idx="minor">
-        <a:schemeClr val="lt1"/>
-      </a:fontRef>
-    </dgm:style>
-  </dgm:styleLbl>
-  <dgm:styleLbl name="node3">
-    <dgm:scene3d>
-      <a:camera prst="orthographicFront"/>
-      <a:lightRig rig="threePt" dir="t"/>
-    </dgm:scene3d>
-    <dgm:sp3d/>
-    <dgm:txPr/>
-    <dgm:style>
-      <a:lnRef idx="2">
-        <a:scrgbClr r="0" g="0" b="0"/>
-      </a:lnRef>
-      <a:fillRef idx="1">
-        <a:scrgbClr r="0" g="0" b="0"/>
-      </a:fillRef>
-      <a:effectRef idx="0">
-        <a:scrgbClr r="0" g="0" b="0"/>
-      </a:effectRef>
-      <a:fontRef idx="minor">
-        <a:schemeClr val="lt1"/>
-      </a:fontRef>
-    </dgm:style>
-  </dgm:styleLbl>
-  <dgm:styleLbl name="node4">
-    <dgm:scene3d>
-      <a:camera prst="orthographicFront"/>
-      <a:lightRig rig="threePt" dir="t"/>
-    </dgm:scene3d>
-    <dgm:sp3d/>
-    <dgm:txPr/>
-    <dgm:style>
-      <a:lnRef idx="2">
-        <a:scrgbClr r="0" g="0" b="0"/>
-      </a:lnRef>
-      <a:fillRef idx="1">
-        <a:scrgbClr r="0" g="0" b="0"/>
-      </a:fillRef>
-      <a:effectRef idx="0">
-        <a:scrgbClr r="0" g="0" b="0"/>
-      </a:effectRef>
-      <a:fontRef idx="minor">
-        <a:schemeClr val="lt1"/>
-      </a:fontRef>
-    </dgm:style>
-  </dgm:styleLbl>
-  <dgm:styleLbl name="fgImgPlace1">
-    <dgm:scene3d>
-      <a:camera prst="orthographicFront"/>
-      <a:lightRig rig="threePt" dir="t"/>
-    </dgm:scene3d>
-    <dgm:sp3d/>
-    <dgm:txPr/>
-    <dgm:style>
-      <a:lnRef idx="2">
-        <a:scrgbClr r="0" g="0" b="0"/>
-      </a:lnRef>
-      <a:fillRef idx="1">
-        <a:scrgbClr r="0" g="0" b="0"/>
-      </a:fillRef>
-      <a:effectRef idx="0">
-        <a:scrgbClr r="0" g="0" b="0"/>
-      </a:effectRef>
-      <a:fontRef idx="minor"/>
-    </dgm:style>
-  </dgm:styleLbl>
-  <dgm:styleLbl name="alignImgPlace1">
-    <dgm:scene3d>
-      <a:camera prst="orthographicFront"/>
-      <a:lightRig rig="threePt" dir="t"/>
-    </dgm:scene3d>
-    <dgm:sp3d/>
-    <dgm:txPr/>
-    <dgm:style>
-      <a:lnRef idx="2">
-        <a:scrgbClr r="0" g="0" b="0"/>
-      </a:lnRef>
-      <a:fillRef idx="1">
-        <a:scrgbClr r="0" g="0" b="0"/>
-      </a:fillRef>
-      <a:effectRef idx="0">
-        <a:scrgbClr r="0" g="0" b="0"/>
-      </a:effectRef>
-      <a:fontRef idx="minor"/>
-    </dgm:style>
-  </dgm:styleLbl>
-  <dgm:styleLbl name="bgImgPlace1">
-    <dgm:scene3d>
-      <a:camera prst="orthographicFront"/>
-      <a:lightRig rig="threePt" dir="t"/>
-    </dgm:scene3d>
-    <dgm:sp3d/>
-    <dgm:txPr/>
-    <dgm:style>
-      <a:lnRef idx="2">
-        <a:scrgbClr r="0" g="0" b="0"/>
-      </a:lnRef>
-      <a:fillRef idx="1">
-        <a:scrgbClr r="0" g="0" b="0"/>
-      </a:fillRef>
-      <a:effectRef idx="0">
-        <a:scrgbClr r="0" g="0" b="0"/>
-      </a:effectRef>
-      <a:fontRef idx="minor"/>
-    </dgm:style>
-  </dgm:styleLbl>
-  <dgm:styleLbl name="sibTrans2D1">
-    <dgm:scene3d>
-      <a:camera prst="orthographicFront"/>
-      <a:lightRig rig="threePt" dir="t"/>
-    </dgm:scene3d>
-    <dgm:sp3d/>
-    <dgm:txPr/>
-    <dgm:style>
-      <a:lnRef idx="0">
-        <a:scrgbClr r="0" g="0" b="0"/>
-      </a:lnRef>
-      <a:fillRef idx="1">
-        <a:scrgbClr r="0" g="0" b="0"/>
-      </a:fillRef>
-      <a:effectRef idx="0">
-        <a:scrgbClr r="0" g="0" b="0"/>
-      </a:effectRef>
-      <a:fontRef idx="minor">
-        <a:schemeClr val="lt1"/>
-      </a:fontRef>
-    </dgm:style>
-  </dgm:styleLbl>
-  <dgm:styleLbl name="fgSibTrans2D1">
-    <dgm:scene3d>
-      <a:camera prst="orthographicFront"/>
-      <a:lightRig rig="threePt" dir="t"/>
-    </dgm:scene3d>
-    <dgm:sp3d/>
-    <dgm:txPr/>
-    <dgm:style>
-      <a:lnRef idx="0">
-        <a:scrgbClr r="0" g="0" b="0"/>
-      </a:lnRef>
-      <a:fillRef idx="1">
-        <a:scrgbClr r="0" g="0" b="0"/>
-      </a:fillRef>
-      <a:effectRef idx="0">
-        <a:scrgbClr r="0" g="0" b="0"/>
-      </a:effectRef>
-      <a:fontRef idx="minor">
-        <a:schemeClr val="lt1"/>
-      </a:fontRef>
-    </dgm:style>
-  </dgm:styleLbl>
-  <dgm:styleLbl name="bgSibTrans2D1">
-    <dgm:scene3d>
-      <a:camera prst="orthographicFront"/>
-      <a:lightRig rig="threePt" dir="t"/>
-    </dgm:scene3d>
-    <dgm:sp3d/>
-    <dgm:txPr/>
-    <dgm:style>
-      <a:lnRef idx="0">
-        <a:scrgbClr r="0" g="0" b="0"/>
-      </a:lnRef>
-      <a:fillRef idx="1">
-        <a:scrgbClr r="0" g="0" b="0"/>
-      </a:fillRef>
-      <a:effectRef idx="0">
-        <a:scrgbClr r="0" g="0" b="0"/>
-      </a:effectRef>
-      <a:fontRef idx="minor">
-        <a:schemeClr val="lt1"/>
-      </a:fontRef>
-    </dgm:style>
-  </dgm:styleLbl>
-  <dgm:styleLbl name="sibTrans1D1">
-    <dgm:scene3d>
-      <a:camera prst="orthographicFront"/>
-      <a:lightRig rig="threePt" dir="t"/>
-    </dgm:scene3d>
-    <dgm:sp3d/>
-    <dgm:txPr/>
-    <dgm:style>
-      <a:lnRef idx="1">
-        <a:scrgbClr r="0" g="0" b="0"/>
-      </a:lnRef>
-      <a:fillRef idx="0">
-        <a:scrgbClr r="0" g="0" b="0"/>
-      </a:fillRef>
-      <a:effectRef idx="0">
-        <a:scrgbClr r="0" g="0" b="0"/>
-      </a:effectRef>
-      <a:fontRef idx="minor"/>
-    </dgm:style>
-  </dgm:styleLbl>
-  <dgm:styleLbl name="callout">
-    <dgm:scene3d>
-      <a:camera prst="orthographicFront"/>
-      <a:lightRig rig="threePt" dir="t"/>
-    </dgm:scene3d>
-    <dgm:sp3d/>
-    <dgm:txPr/>
-    <dgm:style>
-      <a:lnRef idx="2">
-        <a:scrgbClr r="0" g="0" b="0"/>
-      </a:lnRef>
-      <a:fillRef idx="1">
-        <a:scrgbClr r="0" g="0" b="0"/>
-      </a:fillRef>
-      <a:effectRef idx="0">
-        <a:scrgbClr r="0" g="0" b="0"/>
-      </a:effectRef>
-      <a:fontRef idx="minor"/>
-    </dgm:style>
-  </dgm:styleLbl>
-  <dgm:styleLbl name="asst0">
-    <dgm:scene3d>
-      <a:camera prst="orthographicFront"/>
-      <a:lightRig rig="threePt" dir="t"/>
-    </dgm:scene3d>
-    <dgm:sp3d/>
-    <dgm:txPr/>
-    <dgm:style>
-      <a:lnRef idx="2">
-        <a:scrgbClr r="0" g="0" b="0"/>
-      </a:lnRef>
-      <a:fillRef idx="1">
-        <a:scrgbClr r="0" g="0" b="0"/>
-      </a:fillRef>
-      <a:effectRef idx="0">
-        <a:scrgbClr r="0" g="0" b="0"/>
-      </a:effectRef>
-      <a:fontRef idx="minor">
-        <a:schemeClr val="lt1"/>
-      </a:fontRef>
-    </dgm:style>
-  </dgm:styleLbl>
-  <dgm:styleLbl name="asst1">
-    <dgm:scene3d>
-      <a:camera prst="orthographicFront"/>
-      <a:lightRig rig="threePt" dir="t"/>
-    </dgm:scene3d>
-    <dgm:sp3d/>
-    <dgm:txPr/>
-    <dgm:style>
-      <a:lnRef idx="2">
-        <a:scrgbClr r="0" g="0" b="0"/>
-      </a:lnRef>
-      <a:fillRef idx="1">
-        <a:scrgbClr r="0" g="0" b="0"/>
-      </a:fillRef>
-      <a:effectRef idx="0">
-        <a:scrgbClr r="0" g="0" b="0"/>
-      </a:effectRef>
-      <a:fontRef idx="minor">
-        <a:schemeClr val="lt1"/>
-      </a:fontRef>
-    </dgm:style>
-  </dgm:styleLbl>
-  <dgm:styleLbl name="asst2">
-    <dgm:scene3d>
-      <a:camera prst="orthographicFront"/>
-      <a:lightRig rig="threePt" dir="t"/>
-    </dgm:scene3d>
-    <dgm:sp3d/>
-    <dgm:txPr/>
-    <dgm:style>
-      <a:lnRef idx="2">
-        <a:scrgbClr r="0" g="0" b="0"/>
-      </a:lnRef>
-      <a:fillRef idx="1">
-        <a:scrgbClr r="0" g="0" b="0"/>
-      </a:fillRef>
-      <a:effectRef idx="0">
-        <a:scrgbClr r="0" g="0" b="0"/>
-      </a:effectRef>
-      <a:fontRef idx="minor">
-        <a:schemeClr val="lt1"/>
-      </a:fontRef>
-    </dgm:style>
-  </dgm:styleLbl>
-  <dgm:styleLbl name="asst3">
-    <dgm:scene3d>
-      <a:camera prst="orthographicFront"/>
-      <a:lightRig rig="threePt" dir="t"/>
-    </dgm:scene3d>
-    <dgm:sp3d/>
-    <dgm:txPr/>
-    <dgm:style>
-      <a:lnRef idx="2">
-        <a:scrgbClr r="0" g="0" b="0"/>
-      </a:lnRef>
-      <a:fillRef idx="1">
-        <a:scrgbClr r="0" g="0" b="0"/>
-      </a:fillRef>
-      <a:effectRef idx="0">
-        <a:scrgbClr r="0" g="0" b="0"/>
-      </a:effectRef>
-      <a:fontRef idx="minor">
-        <a:schemeClr val="lt1"/>
-      </a:fontRef>
-    </dgm:style>
-  </dgm:styleLbl>
-  <dgm:styleLbl name="asst4">
-    <dgm:scene3d>
-      <a:camera prst="orthographicFront"/>
-      <a:lightRig rig="threePt" dir="t"/>
-    </dgm:scene3d>
-    <dgm:sp3d/>
-    <dgm:txPr/>
-    <dgm:style>
-      <a:lnRef idx="2">
-        <a:scrgbClr r="0" g="0" b="0"/>
-      </a:lnRef>
-      <a:fillRef idx="1">
-        <a:scrgbClr r="0" g="0" b="0"/>
-      </a:fillRef>
-      <a:effectRef idx="0">
-        <a:scrgbClr r="0" g="0" b="0"/>
-      </a:effectRef>
-      <a:fontRef idx="minor">
-        <a:schemeClr val="lt1"/>
-      </a:fontRef>
-    </dgm:style>
-  </dgm:styleLbl>
-  <dgm:styleLbl name="parChTrans2D1">
-    <dgm:scene3d>
-      <a:camera prst="orthographicFront"/>
-      <a:lightRig rig="threePt" dir="t"/>
-    </dgm:scene3d>
-    <dgm:sp3d/>
-    <dgm:txPr/>
-    <dgm:style>
-      <a:lnRef idx="2">
-        <a:scrgbClr r="0" g="0" b="0"/>
-      </a:lnRef>
-      <a:fillRef idx="1">
-        <a:scrgbClr r="0" g="0" b="0"/>
-      </a:fillRef>
-      <a:effectRef idx="0">
-        <a:scrgbClr r="0" g="0" b="0"/>
-      </a:effectRef>
-      <a:fontRef idx="minor">
-        <a:schemeClr val="lt1"/>
-      </a:fontRef>
-    </dgm:style>
-  </dgm:styleLbl>
-  <dgm:styleLbl name="parChTrans2D2">
-    <dgm:scene3d>
-      <a:camera prst="orthographicFront"/>
-      <a:lightRig rig="threePt" dir="t"/>
-    </dgm:scene3d>
-    <dgm:sp3d/>
-    <dgm:txPr/>
-    <dgm:style>
-      <a:lnRef idx="2">
-        <a:scrgbClr r="0" g="0" b="0"/>
-      </a:lnRef>
-      <a:fillRef idx="1">
-        <a:scrgbClr r="0" g="0" b="0"/>
-      </a:fillRef>
-      <a:effectRef idx="0">
-        <a:scrgbClr r="0" g="0" b="0"/>
-      </a:effectRef>
-      <a:fontRef idx="minor">
-        <a:schemeClr val="lt1"/>
-      </a:fontRef>
-    </dgm:style>
-  </dgm:styleLbl>
-  <dgm:styleLbl name="parChTrans2D3">
-    <dgm:scene3d>
-      <a:camera prst="orthographicFront"/>
-      <a:lightRig rig="threePt" dir="t"/>
-    </dgm:scene3d>
-    <dgm:sp3d/>
-    <dgm:txPr/>
-    <dgm:style>
-      <a:lnRef idx="2">
-        <a:scrgbClr r="0" g="0" b="0"/>
-      </a:lnRef>
-      <a:fillRef idx="1">
-        <a:scrgbClr r="0" g="0" b="0"/>
-      </a:fillRef>
-      <a:effectRef idx="0">
-        <a:scrgbClr r="0" g="0" b="0"/>
-      </a:effectRef>
-      <a:fontRef idx="minor">
-        <a:schemeClr val="lt1"/>
-      </a:fontRef>
-    </dgm:style>
-  </dgm:styleLbl>
-  <dgm:styleLbl name="parChTrans2D4">
-    <dgm:scene3d>
-      <a:camera prst="orthographicFront"/>
-      <a:lightRig rig="threePt" dir="t"/>
-    </dgm:scene3d>
-    <dgm:sp3d/>
-    <dgm:txPr/>
-    <dgm:style>
-      <a:lnRef idx="2">
-        <a:scrgbClr r="0" g="0" b="0"/>
-      </a:lnRef>
-      <a:fillRef idx="1">
-        <a:scrgbClr r="0" g="0" b="0"/>
-      </a:fillRef>
-      <a:effectRef idx="0">
-        <a:scrgbClr r="0" g="0" b="0"/>
-      </a:effectRef>
-      <a:fontRef idx="minor">
-        <a:schemeClr val="lt1"/>
-      </a:fontRef>
-    </dgm:style>
-  </dgm:styleLbl>
-  <dgm:styleLbl name="parChTrans1D1">
-    <dgm:scene3d>
-      <a:camera prst="orthographicFront"/>
-      <a:lightRig rig="threePt" dir="t"/>
-    </dgm:scene3d>
-    <dgm:sp3d/>
-    <dgm:txPr/>
-    <dgm:style>
-      <a:lnRef idx="2">
-        <a:scrgbClr r="0" g="0" b="0"/>
-      </a:lnRef>
-      <a:fillRef idx="0">
-        <a:scrgbClr r="0" g="0" b="0"/>
-      </a:fillRef>
-      <a:effectRef idx="0">
-        <a:scrgbClr r="0" g="0" b="0"/>
-      </a:effectRef>
-      <a:fontRef idx="minor"/>
-    </dgm:style>
-  </dgm:styleLbl>
-  <dgm:styleLbl name="parChTrans1D2">
-    <dgm:scene3d>
-      <a:camera prst="orthographicFront"/>
-      <a:lightRig rig="threePt" dir="t"/>
-    </dgm:scene3d>
-    <dgm:sp3d/>
-    <dgm:txPr/>
-    <dgm:style>
-      <a:lnRef idx="2">
-        <a:scrgbClr r="0" g="0" b="0"/>
-      </a:lnRef>
-      <a:fillRef idx="0">
-        <a:scrgbClr r="0" g="0" b="0"/>
-      </a:fillRef>
-      <a:effectRef idx="0">
-        <a:scrgbClr r="0" g="0" b="0"/>
-      </a:effectRef>
-      <a:fontRef idx="minor"/>
-    </dgm:style>
-  </dgm:styleLbl>
-  <dgm:styleLbl name="parChTrans1D3">
-    <dgm:scene3d>
-      <a:camera prst="orthographicFront"/>
-      <a:lightRig rig="threePt" dir="t"/>
-    </dgm:scene3d>
-    <dgm:sp3d/>
-    <dgm:txPr/>
-    <dgm:style>
-      <a:lnRef idx="2">
-        <a:scrgbClr r="0" g="0" b="0"/>
-      </a:lnRef>
-      <a:fillRef idx="0">
-        <a:scrgbClr r="0" g="0" b="0"/>
-      </a:fillRef>
-      <a:effectRef idx="0">
-        <a:scrgbClr r="0" g="0" b="0"/>
-      </a:effectRef>
-      <a:fontRef idx="minor"/>
-    </dgm:style>
-  </dgm:styleLbl>
-  <dgm:styleLbl name="parChTrans1D4">
-    <dgm:scene3d>
-      <a:camera prst="orthographicFront"/>
-      <a:lightRig rig="threePt" dir="t"/>
-    </dgm:scene3d>
-    <dgm:sp3d/>
-    <dgm:txPr/>
-    <dgm:style>
-      <a:lnRef idx="2">
-        <a:scrgbClr r="0" g="0" b="0"/>
-      </a:lnRef>
-      <a:fillRef idx="0">
-        <a:scrgbClr r="0" g="0" b="0"/>
-      </a:fillRef>
-      <a:effectRef idx="0">
-        <a:scrgbClr r="0" g="0" b="0"/>
-      </a:effectRef>
-      <a:fontRef idx="minor"/>
-    </dgm:style>
-  </dgm:styleLbl>
-  <dgm:styleLbl name="fgAcc1">
-    <dgm:scene3d>
-      <a:camera prst="orthographicFront"/>
-      <a:lightRig rig="threePt" dir="t"/>
-    </dgm:scene3d>
-    <dgm:sp3d/>
-    <dgm:txPr/>
-    <dgm:style>
-      <a:lnRef idx="2">
-        <a:scrgbClr r="0" g="0" b="0"/>
-      </a:lnRef>
-      <a:fillRef idx="1">
-        <a:scrgbClr r="0" g="0" b="0"/>
-      </a:fillRef>
-      <a:effectRef idx="0">
-        <a:scrgbClr r="0" g="0" b="0"/>
-      </a:effectRef>
-      <a:fontRef idx="minor"/>
-    </dgm:style>
-  </dgm:styleLbl>
-  <dgm:styleLbl name="conFgAcc1">
-    <dgm:scene3d>
-      <a:camera prst="orthographicFront"/>
-      <a:lightRig rig="threePt" dir="t"/>
-    </dgm:scene3d>
-    <dgm:sp3d/>
-    <dgm:txPr/>
-    <dgm:style>
-      <a:lnRef idx="2">
-        <a:scrgbClr r="0" g="0" b="0"/>
-      </a:lnRef>
-      <a:fillRef idx="1">
-        <a:scrgbClr r="0" g="0" b="0"/>
-      </a:fillRef>
-      <a:effectRef idx="0">
-        <a:scrgbClr r="0" g="0" b="0"/>
-      </a:effectRef>
-      <a:fontRef idx="minor"/>
-    </dgm:style>
-  </dgm:styleLbl>
-  <dgm:styleLbl name="alignAcc1">
-    <dgm:scene3d>
-      <a:camera prst="orthographicFront"/>
-      <a:lightRig rig="threePt" dir="t"/>
-    </dgm:scene3d>
-    <dgm:sp3d/>
-    <dgm:txPr/>
-    <dgm:style>
-      <a:lnRef idx="2">
-        <a:scrgbClr r="0" g="0" b="0"/>
-      </a:lnRef>
-      <a:fillRef idx="1">
-        <a:scrgbClr r="0" g="0" b="0"/>
-      </a:fillRef>
-      <a:effectRef idx="0">
-        <a:scrgbClr r="0" g="0" b="0"/>
-      </a:effectRef>
-      <a:fontRef idx="minor"/>
-    </dgm:style>
-  </dgm:styleLbl>
-  <dgm:styleLbl name="trAlignAcc1">
-    <dgm:scene3d>
-      <a:camera prst="orthographicFront"/>
-      <a:lightRig rig="threePt" dir="t"/>
-    </dgm:scene3d>
-    <dgm:sp3d/>
-    <dgm:txPr/>
-    <dgm:style>
-      <a:lnRef idx="1">
-        <a:scrgbClr r="0" g="0" b="0"/>
-      </a:lnRef>
-      <a:fillRef idx="1">
-        <a:scrgbClr r="0" g="0" b="0"/>
-      </a:fillRef>
-      <a:effectRef idx="0">
-        <a:scrgbClr r="0" g="0" b="0"/>
-      </a:effectRef>
-      <a:fontRef idx="minor"/>
-    </dgm:style>
-  </dgm:styleLbl>
-  <dgm:styleLbl name="bgAcc1">
-    <dgm:scene3d>
-      <a:camera prst="orthographicFront"/>
-      <a:lightRig rig="threePt" dir="t"/>
-    </dgm:scene3d>
-    <dgm:sp3d/>
-    <dgm:txPr/>
-    <dgm:style>
-      <a:lnRef idx="2">
-        <a:scrgbClr r="0" g="0" b="0"/>
-      </a:lnRef>
-      <a:fillRef idx="1">
-        <a:scrgbClr r="0" g="0" b="0"/>
-      </a:fillRef>
-      <a:effectRef idx="0">
-        <a:scrgbClr r="0" g="0" b="0"/>
-      </a:effectRef>
-      <a:fontRef idx="minor"/>
-    </dgm:style>
-  </dgm:styleLbl>
-  <dgm:styleLbl name="solidFgAcc1">
-    <dgm:scene3d>
-      <a:camera prst="orthographicFront"/>
-      <a:lightRig rig="threePt" dir="t"/>
-    </dgm:scene3d>
-    <dgm:sp3d/>
-    <dgm:txPr/>
-    <dgm:style>
-      <a:lnRef idx="2">
-        <a:scrgbClr r="0" g="0" b="0"/>
-      </a:lnRef>
-      <a:fillRef idx="1">
-        <a:scrgbClr r="0" g="0" b="0"/>
-      </a:fillRef>
-      <a:effectRef idx="0">
-        <a:scrgbClr r="0" g="0" b="0"/>
-      </a:effectRef>
-      <a:fontRef idx="minor"/>
-    </dgm:style>
-  </dgm:styleLbl>
-  <dgm:styleLbl name="solidAlignAcc1">
-    <dgm:scene3d>
-      <a:camera prst="orthographicFront"/>
-      <a:lightRig rig="threePt" dir="t"/>
-    </dgm:scene3d>
-    <dgm:sp3d/>
-    <dgm:txPr/>
-    <dgm:style>
-      <a:lnRef idx="2">
-        <a:scrgbClr r="0" g="0" b="0"/>
-      </a:lnRef>
-      <a:fillRef idx="1">
-        <a:scrgbClr r="0" g="0" b="0"/>
-      </a:fillRef>
-      <a:effectRef idx="0">
-        <a:scrgbClr r="0" g="0" b="0"/>
-      </a:effectRef>
-      <a:fontRef idx="minor"/>
-    </dgm:style>
-  </dgm:styleLbl>
-  <dgm:styleLbl name="solidBgAcc1">
-    <dgm:scene3d>
-      <a:camera prst="orthographicFront"/>
-      <a:lightRig rig="threePt" dir="t"/>
-    </dgm:scene3d>
-    <dgm:sp3d/>
-    <dgm:txPr/>
-    <dgm:style>
-      <a:lnRef idx="2">
-        <a:scrgbClr r="0" g="0" b="0"/>
-      </a:lnRef>
-      <a:fillRef idx="1">
-        <a:scrgbClr r="0" g="0" b="0"/>
-      </a:fillRef>
-      <a:effectRef idx="0">
-        <a:scrgbClr r="0" g="0" b="0"/>
-      </a:effectRef>
-      <a:fontRef idx="minor"/>
-    </dgm:style>
-  </dgm:styleLbl>
-  <dgm:styleLbl name="fgAccFollowNode1">
-    <dgm:scene3d>
-      <a:camera prst="orthographicFront"/>
-      <a:lightRig rig="threePt" dir="t"/>
-    </dgm:scene3d>
-    <dgm:sp3d/>
-    <dgm:txPr/>
-    <dgm:style>
-      <a:lnRef idx="2">
-        <a:scrgbClr r="0" g="0" b="0"/>
-      </a:lnRef>
-      <a:fillRef idx="1">
-        <a:scrgbClr r="0" g="0" b="0"/>
-      </a:fillRef>
-      <a:effectRef idx="0">
-        <a:scrgbClr r="0" g="0" b="0"/>
-      </a:effectRef>
-      <a:fontRef idx="minor"/>
-    </dgm:style>
-  </dgm:styleLbl>
-  <dgm:styleLbl name="alignAccFollowNode1">
-    <dgm:scene3d>
-      <a:camera prst="orthographicFront"/>
-      <a:lightRig rig="threePt" dir="t"/>
-    </dgm:scene3d>
-    <dgm:sp3d/>
-    <dgm:txPr/>
-    <dgm:style>
-      <a:lnRef idx="2">
-        <a:scrgbClr r="0" g="0" b="0"/>
-      </a:lnRef>
-      <a:fillRef idx="1">
-        <a:scrgbClr r="0" g="0" b="0"/>
-      </a:fillRef>
-      <a:effectRef idx="0">
-        <a:scrgbClr r="0" g="0" b="0"/>
-      </a:effectRef>
-      <a:fontRef idx="minor"/>
-    </dgm:style>
-  </dgm:styleLbl>
-  <dgm:styleLbl name="bgAccFollowNode1">
-    <dgm:scene3d>
-      <a:camera prst="orthographicFront"/>
-      <a:lightRig rig="threePt" dir="t"/>
-    </dgm:scene3d>
-    <dgm:sp3d/>
-    <dgm:txPr/>
-    <dgm:style>
-      <a:lnRef idx="2">
-        <a:scrgbClr r="0" g="0" b="0"/>
-      </a:lnRef>
-      <a:fillRef idx="1">
-        <a:scrgbClr r="0" g="0" b="0"/>
-      </a:fillRef>
-      <a:effectRef idx="0">
-        <a:scrgbClr r="0" g="0" b="0"/>
-      </a:effectRef>
-      <a:fontRef idx="minor"/>
-    </dgm:style>
-  </dgm:styleLbl>
-  <dgm:styleLbl name="fgAcc0">
-    <dgm:scene3d>
-      <a:camera prst="orthographicFront"/>
-      <a:lightRig rig="threePt" dir="t"/>
-    </dgm:scene3d>
-    <dgm:sp3d/>
-    <dgm:txPr/>
-    <dgm:style>
-      <a:lnRef idx="2">
-        <a:scrgbClr r="0" g="0" b="0"/>
-      </a:lnRef>
-      <a:fillRef idx="1">
-        <a:scrgbClr r="0" g="0" b="0"/>
-      </a:fillRef>
-      <a:effectRef idx="0">
-        <a:scrgbClr r="0" g="0" b="0"/>
-      </a:effectRef>
-      <a:fontRef idx="minor"/>
-    </dgm:style>
-  </dgm:styleLbl>
-  <dgm:styleLbl name="fgAcc2">
-    <dgm:scene3d>
-      <a:camera prst="orthographicFront"/>
-      <a:lightRig rig="threePt" dir="t"/>
-    </dgm:scene3d>
-    <dgm:sp3d/>
-    <dgm:txPr/>
-    <dgm:style>
-      <a:lnRef idx="2">
-        <a:scrgbClr r="0" g="0" b="0"/>
-      </a:lnRef>
-      <a:fillRef idx="1">
-        <a:scrgbClr r="0" g="0" b="0"/>
-      </a:fillRef>
-      <a:effectRef idx="0">
-        <a:scrgbClr r="0" g="0" b="0"/>
-      </a:effectRef>
-      <a:fontRef idx="minor"/>
-    </dgm:style>
-  </dgm:styleLbl>
-  <dgm:styleLbl name="fgAcc3">
-    <dgm:scene3d>
-      <a:camera prst="orthographicFront"/>
-      <a:lightRig rig="threePt" dir="t"/>
-    </dgm:scene3d>
-    <dgm:sp3d/>
-    <dgm:txPr/>
-    <dgm:style>
-      <a:lnRef idx="2">
-        <a:scrgbClr r="0" g="0" b="0"/>
-      </a:lnRef>
-      <a:fillRef idx="1">
-        <a:scrgbClr r="0" g="0" b="0"/>
-      </a:fillRef>
-      <a:effectRef idx="0">
-        <a:scrgbClr r="0" g="0" b="0"/>
-      </a:effectRef>
-      <a:fontRef idx="minor"/>
-    </dgm:style>
-  </dgm:styleLbl>
-  <dgm:styleLbl name="fgAcc4">
-    <dgm:scene3d>
-      <a:camera prst="orthographicFront"/>
-      <a:lightRig rig="threePt" dir="t"/>
-    </dgm:scene3d>
-    <dgm:sp3d/>
-    <dgm:txPr/>
-    <dgm:style>
-      <a:lnRef idx="2">
-        <a:scrgbClr r="0" g="0" b="0"/>
-      </a:lnRef>
-      <a:fillRef idx="1">
-        <a:scrgbClr r="0" g="0" b="0"/>
-      </a:fillRef>
-      <a:effectRef idx="0">
-        <a:scrgbClr r="0" g="0" b="0"/>
-      </a:effectRef>
-      <a:fontRef idx="minor"/>
-    </dgm:style>
-  </dgm:styleLbl>
-  <dgm:styleLbl name="bgShp">
-    <dgm:scene3d>
-      <a:camera prst="orthographicFront"/>
-      <a:lightRig rig="threePt" dir="t"/>
-    </dgm:scene3d>
-    <dgm:sp3d/>
-    <dgm:txPr/>
-    <dgm:style>
-      <a:lnRef idx="0">
-        <a:scrgbClr r="0" g="0" b="0"/>
-      </a:lnRef>
-      <a:fillRef idx="1">
-        <a:scrgbClr r="0" g="0" b="0"/>
-      </a:fillRef>
-      <a:effectRef idx="0">
-        <a:scrgbClr r="0" g="0" b="0"/>
-      </a:effectRef>
-      <a:fontRef idx="minor"/>
-    </dgm:style>
-  </dgm:styleLbl>
-  <dgm:styleLbl name="dkBgShp">
-    <dgm:scene3d>
-      <a:camera prst="orthographicFront"/>
-      <a:lightRig rig="threePt" dir="t"/>
-    </dgm:scene3d>
-    <dgm:sp3d/>
-    <dgm:txPr/>
-    <dgm:style>
-      <a:lnRef idx="0">
-        <a:scrgbClr r="0" g="0" b="0"/>
-      </a:lnRef>
-      <a:fillRef idx="1">
-        <a:scrgbClr r="0" g="0" b="0"/>
-      </a:fillRef>
-      <a:effectRef idx="0">
-        <a:scrgbClr r="0" g="0" b="0"/>
-      </a:effectRef>
-      <a:fontRef idx="minor"/>
-    </dgm:style>
-  </dgm:styleLbl>
-  <dgm:styleLbl name="trBgShp">
-    <dgm:scene3d>
-      <a:camera prst="orthographicFront"/>
-      <a:lightRig rig="threePt" dir="t"/>
-    </dgm:scene3d>
-    <dgm:sp3d/>
-    <dgm:txPr/>
-    <dgm:style>
-      <a:lnRef idx="0">
-        <a:scrgbClr r="0" g="0" b="0"/>
-      </a:lnRef>
-      <a:fillRef idx="1">
-        <a:scrgbClr r="0" g="0" b="0"/>
-      </a:fillRef>
-      <a:effectRef idx="0">
-        <a:scrgbClr r="0" g="0" b="0"/>
-      </a:effectRef>
-      <a:fontRef idx="minor"/>
-    </dgm:style>
-  </dgm:styleLbl>
-  <dgm:styleLbl name="fgShp">
-    <dgm:scene3d>
-      <a:camera prst="orthographicFront"/>
-      <a:lightRig rig="threePt" dir="t"/>
-    </dgm:scene3d>
-    <dgm:sp3d/>
-    <dgm:txPr/>
-    <dgm:style>
-      <a:lnRef idx="2">
-        <a:scrgbClr r="0" g="0" b="0"/>
-      </a:lnRef>
-      <a:fillRef idx="1">
-        <a:scrgbClr r="0" g="0" b="0"/>
-      </a:fillRef>
-      <a:effectRef idx="0">
-        <a:scrgbClr r="0" g="0" b="0"/>
-      </a:effectRef>
-      <a:fontRef idx="minor"/>
-    </dgm:style>
-  </dgm:styleLbl>
-  <dgm:styleLbl name="revTx">
-    <dgm:scene3d>
-      <a:camera prst="orthographicFront"/>
-      <a:lightRig rig="threePt" dir="t"/>
-    </dgm:scene3d>
-    <dgm:sp3d/>
-    <dgm:txPr/>
-    <dgm:style>
-      <a:lnRef idx="0">
-        <a:scrgbClr r="0" g="0" b="0"/>
-      </a:lnRef>
-      <a:fillRef idx="0">
-        <a:scrgbClr r="0" g="0" b="0"/>
-      </a:fillRef>
-      <a:effectRef idx="0">
-        <a:scrgbClr r="0" g="0" b="0"/>
-      </a:effectRef>
-      <a:fontRef idx="minor"/>
-    </dgm:style>
-  </dgm:styleLbl>
-</dgm:styleDef>
-</file>
-
-<file path=ppt/diagrams/quickStyle2.xml><?xml version="1.0" encoding="utf-8"?>
 <dgm:styleDef xmlns:dgm="http://schemas.openxmlformats.org/drawingml/2006/diagram" xmlns:a="http://schemas.openxmlformats.org/drawingml/2006/main" uniqueId="urn:microsoft.com/office/officeart/2005/8/quickstyle/simple1">
   <dgm:title val=""/>
   <dgm:desc val=""/>
@@ -5595,7 +2929,7 @@
           <a:lstStyle/>
           <a:p>
             <a:fld id="{D3DC40CF-EB49-BD41-A039-962FAB393C11}" type="datetimeFigureOut">
-              <a:t>2025/2/9</a:t>
+              <a:t>2025/2/14</a:t>
             </a:fld>
             <a:endParaRPr kumimoji="1" lang="ja-JP" altLang="en-US"/>
           </a:p>
@@ -5823,7 +3157,7 @@
           <a:lstStyle/>
           <a:p>
             <a:fld id="{D3DC40CF-EB49-BD41-A039-962FAB393C11}" type="datetimeFigureOut">
-              <a:t>2025/2/9</a:t>
+              <a:t>2025/2/14</a:t>
             </a:fld>
             <a:endParaRPr kumimoji="1" lang="ja-JP" altLang="en-US"/>
           </a:p>
@@ -6061,7 +3395,7 @@
           <a:lstStyle/>
           <a:p>
             <a:fld id="{D3DC40CF-EB49-BD41-A039-962FAB393C11}" type="datetimeFigureOut">
-              <a:t>2025/2/9</a:t>
+              <a:t>2025/2/14</a:t>
             </a:fld>
             <a:endParaRPr kumimoji="1" lang="ja-JP" altLang="en-US"/>
           </a:p>
@@ -6289,7 +3623,7 @@
           <a:lstStyle/>
           <a:p>
             <a:fld id="{D3DC40CF-EB49-BD41-A039-962FAB393C11}" type="datetimeFigureOut">
-              <a:t>2025/2/9</a:t>
+              <a:t>2025/2/14</a:t>
             </a:fld>
             <a:endParaRPr kumimoji="1" lang="ja-JP" altLang="en-US"/>
           </a:p>
@@ -6562,7 +3896,7 @@
           <a:lstStyle/>
           <a:p>
             <a:fld id="{D3DC40CF-EB49-BD41-A039-962FAB393C11}" type="datetimeFigureOut">
-              <a:t>2025/2/9</a:t>
+              <a:t>2025/2/14</a:t>
             </a:fld>
             <a:endParaRPr kumimoji="1" lang="ja-JP" altLang="en-US"/>
           </a:p>
@@ -6889,7 +4223,7 @@
           <a:lstStyle/>
           <a:p>
             <a:fld id="{D3DC40CF-EB49-BD41-A039-962FAB393C11}" type="datetimeFigureOut">
-              <a:t>2025/2/9</a:t>
+              <a:t>2025/2/14</a:t>
             </a:fld>
             <a:endParaRPr kumimoji="1" lang="ja-JP" altLang="en-US"/>
           </a:p>
@@ -7363,7 +4697,7 @@
           <a:lstStyle/>
           <a:p>
             <a:fld id="{D3DC40CF-EB49-BD41-A039-962FAB393C11}" type="datetimeFigureOut">
-              <a:t>2025/2/9</a:t>
+              <a:t>2025/2/14</a:t>
             </a:fld>
             <a:endParaRPr kumimoji="1" lang="ja-JP" altLang="en-US"/>
           </a:p>
@@ -7502,7 +4836,7 @@
           <a:lstStyle/>
           <a:p>
             <a:fld id="{D3DC40CF-EB49-BD41-A039-962FAB393C11}" type="datetimeFigureOut">
-              <a:t>2025/2/9</a:t>
+              <a:t>2025/2/14</a:t>
             </a:fld>
             <a:endParaRPr kumimoji="1" lang="ja-JP" altLang="en-US"/>
           </a:p>
@@ -7613,7 +4947,7 @@
           <a:lstStyle/>
           <a:p>
             <a:fld id="{D3DC40CF-EB49-BD41-A039-962FAB393C11}" type="datetimeFigureOut">
-              <a:t>2025/2/9</a:t>
+              <a:t>2025/2/14</a:t>
             </a:fld>
             <a:endParaRPr kumimoji="1" lang="ja-JP" altLang="en-US"/>
           </a:p>
@@ -7954,7 +5288,7 @@
           <a:lstStyle/>
           <a:p>
             <a:fld id="{D3DC40CF-EB49-BD41-A039-962FAB393C11}" type="datetimeFigureOut">
-              <a:t>2025/2/9</a:t>
+              <a:t>2025/2/14</a:t>
             </a:fld>
             <a:endParaRPr kumimoji="1" lang="ja-JP" altLang="en-US"/>
           </a:p>
@@ -8240,7 +5574,7 @@
           <a:lstStyle/>
           <a:p>
             <a:fld id="{D3DC40CF-EB49-BD41-A039-962FAB393C11}" type="datetimeFigureOut">
-              <a:t>2025/2/9</a:t>
+              <a:t>2025/2/14</a:t>
             </a:fld>
             <a:endParaRPr kumimoji="1" lang="ja-JP" altLang="en-US"/>
           </a:p>
@@ -8511,7 +5845,7 @@
           </a:lstStyle>
           <a:p>
             <a:fld id="{D3DC40CF-EB49-BD41-A039-962FAB393C11}" type="datetimeFigureOut">
-              <a:t>2025/2/9</a:t>
+              <a:t>2025/2/14</a:t>
             </a:fld>
             <a:endParaRPr kumimoji="1" lang="ja-JP" altLang="en-US"/>
           </a:p>
@@ -10813,683 +8147,6 @@
 </file>
 
 <file path=ppt/slides/slide3.xml><?xml version="1.0" encoding="utf-8"?>
-<p:sld xmlns:a="http://schemas.openxmlformats.org/drawingml/2006/main" xmlns:r="http://schemas.openxmlformats.org/officeDocument/2006/relationships" xmlns:p="http://schemas.openxmlformats.org/presentationml/2006/main">
-  <p:cSld>
-    <p:spTree>
-      <p:nvGrpSpPr>
-        <p:cNvPr id="1" name=""/>
-        <p:cNvGrpSpPr/>
-        <p:nvPr/>
-      </p:nvGrpSpPr>
-      <p:grpSpPr>
-        <a:xfrm>
-          <a:off x="0" y="0"/>
-          <a:ext cx="0" cy="0"/>
-          <a:chOff x="0" y="0"/>
-          <a:chExt cx="0" cy="0"/>
-        </a:xfrm>
-      </p:grpSpPr>
-      <p:grpSp>
-        <p:nvGrpSpPr>
-          <p:cNvPr id="22" name="グループ化 21">
-            <a:extLst>
-              <a:ext uri="{FF2B5EF4-FFF2-40B4-BE49-F238E27FC236}">
-                <a16:creationId xmlns:a16="http://schemas.microsoft.com/office/drawing/2014/main" id="{2001699F-FBA2-4D3B-989D-149E487A5A9E}"/>
-              </a:ext>
-            </a:extLst>
-          </p:cNvPr>
-          <p:cNvGrpSpPr/>
-          <p:nvPr/>
-        </p:nvGrpSpPr>
-        <p:grpSpPr>
-          <a:xfrm>
-            <a:off x="6497978" y="1373116"/>
-            <a:ext cx="5880101" cy="3920067"/>
-            <a:chOff x="-578118" y="1451855"/>
-            <a:chExt cx="6674118" cy="4449412"/>
-          </a:xfrm>
-        </p:grpSpPr>
-        <p:graphicFrame>
-          <p:nvGraphicFramePr>
-            <p:cNvPr id="2" name="図表 1">
-              <a:extLst>
-                <a:ext uri="{FF2B5EF4-FFF2-40B4-BE49-F238E27FC236}">
-                  <a16:creationId xmlns:a16="http://schemas.microsoft.com/office/drawing/2014/main" id="{8100BBEE-2F58-03EC-DAFC-343BA600E731}"/>
-                </a:ext>
-              </a:extLst>
-            </p:cNvPr>
-            <p:cNvGraphicFramePr/>
-            <p:nvPr>
-              <p:extLst>
-                <p:ext uri="{D42A27DB-BD31-4B8C-83A1-F6EECF244321}">
-                  <p14:modId xmlns:p14="http://schemas.microsoft.com/office/powerpoint/2010/main" val="4140925391"/>
-                </p:ext>
-              </p:extLst>
-            </p:nvPr>
-          </p:nvGraphicFramePr>
-          <p:xfrm>
-            <a:off x="-578118" y="1451855"/>
-            <a:ext cx="6674118" cy="4449412"/>
-          </p:xfrm>
-          <a:graphic>
-            <a:graphicData uri="http://schemas.openxmlformats.org/drawingml/2006/diagram">
-              <dgm:relIds xmlns:dgm="http://schemas.openxmlformats.org/drawingml/2006/diagram" xmlns:r="http://schemas.openxmlformats.org/officeDocument/2006/relationships" r:dm="rId2" r:lo="rId3" r:qs="rId4" r:cs="rId5"/>
-            </a:graphicData>
-          </a:graphic>
-        </p:graphicFrame>
-        <p:cxnSp>
-          <p:nvCxnSpPr>
-            <p:cNvPr id="5" name="直線矢印コネクタ 4">
-              <a:extLst>
-                <a:ext uri="{FF2B5EF4-FFF2-40B4-BE49-F238E27FC236}">
-                  <a16:creationId xmlns:a16="http://schemas.microsoft.com/office/drawing/2014/main" id="{5874AD33-769C-7E55-8882-9D84F049E767}"/>
-                </a:ext>
-              </a:extLst>
-            </p:cNvPr>
-            <p:cNvCxnSpPr>
-              <a:cxnSpLocks/>
-            </p:cNvCxnSpPr>
-            <p:nvPr/>
-          </p:nvCxnSpPr>
-          <p:spPr>
-            <a:xfrm>
-              <a:off x="3621349" y="2218267"/>
-              <a:ext cx="592667" cy="575733"/>
-            </a:xfrm>
-            <a:prstGeom prst="straightConnector1">
-              <a:avLst/>
-            </a:prstGeom>
-            <a:ln>
-              <a:tailEnd type="triangle"/>
-            </a:ln>
-          </p:spPr>
-          <p:style>
-            <a:lnRef idx="1">
-              <a:schemeClr val="accent1"/>
-            </a:lnRef>
-            <a:fillRef idx="0">
-              <a:schemeClr val="accent1"/>
-            </a:fillRef>
-            <a:effectRef idx="0">
-              <a:schemeClr val="accent1"/>
-            </a:effectRef>
-            <a:fontRef idx="minor">
-              <a:schemeClr val="tx1"/>
-            </a:fontRef>
-          </p:style>
-        </p:cxnSp>
-        <p:cxnSp>
-          <p:nvCxnSpPr>
-            <p:cNvPr id="9" name="直線矢印コネクタ 8">
-              <a:extLst>
-                <a:ext uri="{FF2B5EF4-FFF2-40B4-BE49-F238E27FC236}">
-                  <a16:creationId xmlns:a16="http://schemas.microsoft.com/office/drawing/2014/main" id="{660D651F-C76F-B944-7AFB-02E81DB980B7}"/>
-                </a:ext>
-              </a:extLst>
-            </p:cNvPr>
-            <p:cNvCxnSpPr>
-              <a:cxnSpLocks/>
-            </p:cNvCxnSpPr>
-            <p:nvPr/>
-          </p:nvCxnSpPr>
-          <p:spPr>
-            <a:xfrm flipH="1">
-              <a:off x="3621348" y="4508680"/>
-              <a:ext cx="592667" cy="614012"/>
-            </a:xfrm>
-            <a:prstGeom prst="straightConnector1">
-              <a:avLst/>
-            </a:prstGeom>
-            <a:ln>
-              <a:tailEnd type="triangle"/>
-            </a:ln>
-          </p:spPr>
-          <p:style>
-            <a:lnRef idx="1">
-              <a:schemeClr val="accent1"/>
-            </a:lnRef>
-            <a:fillRef idx="0">
-              <a:schemeClr val="accent1"/>
-            </a:fillRef>
-            <a:effectRef idx="0">
-              <a:schemeClr val="accent1"/>
-            </a:effectRef>
-            <a:fontRef idx="minor">
-              <a:schemeClr val="tx1"/>
-            </a:fontRef>
-          </p:style>
-        </p:cxnSp>
-        <p:cxnSp>
-          <p:nvCxnSpPr>
-            <p:cNvPr id="11" name="直線矢印コネクタ 10">
-              <a:extLst>
-                <a:ext uri="{FF2B5EF4-FFF2-40B4-BE49-F238E27FC236}">
-                  <a16:creationId xmlns:a16="http://schemas.microsoft.com/office/drawing/2014/main" id="{756E03EA-645B-B72D-5981-2AE2523A3CFB}"/>
-                </a:ext>
-              </a:extLst>
-            </p:cNvPr>
-            <p:cNvCxnSpPr>
-              <a:cxnSpLocks/>
-            </p:cNvCxnSpPr>
-            <p:nvPr/>
-          </p:nvCxnSpPr>
-          <p:spPr>
-            <a:xfrm flipV="1">
-              <a:off x="1229516" y="2260601"/>
-              <a:ext cx="584200" cy="533399"/>
-            </a:xfrm>
-            <a:prstGeom prst="straightConnector1">
-              <a:avLst/>
-            </a:prstGeom>
-            <a:ln>
-              <a:tailEnd type="triangle"/>
-            </a:ln>
-          </p:spPr>
-          <p:style>
-            <a:lnRef idx="1">
-              <a:schemeClr val="accent1"/>
-            </a:lnRef>
-            <a:fillRef idx="0">
-              <a:schemeClr val="accent1"/>
-            </a:fillRef>
-            <a:effectRef idx="0">
-              <a:schemeClr val="accent1"/>
-            </a:effectRef>
-            <a:fontRef idx="minor">
-              <a:schemeClr val="tx1"/>
-            </a:fontRef>
-          </p:style>
-        </p:cxnSp>
-        <p:cxnSp>
-          <p:nvCxnSpPr>
-            <p:cNvPr id="13" name="直線矢印コネクタ 12">
-              <a:extLst>
-                <a:ext uri="{FF2B5EF4-FFF2-40B4-BE49-F238E27FC236}">
-                  <a16:creationId xmlns:a16="http://schemas.microsoft.com/office/drawing/2014/main" id="{8273B516-C735-0D6A-A383-43D28EE4BC60}"/>
-                </a:ext>
-              </a:extLst>
-            </p:cNvPr>
-            <p:cNvCxnSpPr>
-              <a:cxnSpLocks/>
-            </p:cNvCxnSpPr>
-            <p:nvPr/>
-          </p:nvCxnSpPr>
-          <p:spPr>
-            <a:xfrm flipH="1" flipV="1">
-              <a:off x="1229516" y="4500571"/>
-              <a:ext cx="673101" cy="622121"/>
-            </a:xfrm>
-            <a:prstGeom prst="straightConnector1">
-              <a:avLst/>
-            </a:prstGeom>
-            <a:ln>
-              <a:tailEnd type="triangle"/>
-            </a:ln>
-          </p:spPr>
-          <p:style>
-            <a:lnRef idx="1">
-              <a:schemeClr val="accent1"/>
-            </a:lnRef>
-            <a:fillRef idx="0">
-              <a:schemeClr val="accent1"/>
-            </a:fillRef>
-            <a:effectRef idx="0">
-              <a:schemeClr val="accent1"/>
-            </a:effectRef>
-            <a:fontRef idx="minor">
-              <a:schemeClr val="tx1"/>
-            </a:fontRef>
-          </p:style>
-        </p:cxnSp>
-      </p:grpSp>
-      <p:graphicFrame>
-        <p:nvGraphicFramePr>
-          <p:cNvPr id="21" name="表 20">
-            <a:extLst>
-              <a:ext uri="{FF2B5EF4-FFF2-40B4-BE49-F238E27FC236}">
-                <a16:creationId xmlns:a16="http://schemas.microsoft.com/office/drawing/2014/main" id="{FD259BFF-11D1-B88B-E440-1E063813106D}"/>
-              </a:ext>
-            </a:extLst>
-          </p:cNvPr>
-          <p:cNvGraphicFramePr>
-            <a:graphicFrameLocks noGrp="1"/>
-          </p:cNvGraphicFramePr>
-          <p:nvPr>
-            <p:extLst>
-              <p:ext uri="{D42A27DB-BD31-4B8C-83A1-F6EECF244321}">
-                <p14:modId xmlns:p14="http://schemas.microsoft.com/office/powerpoint/2010/main" val="1836191773"/>
-              </p:ext>
-            </p:extLst>
-          </p:nvPr>
-        </p:nvGraphicFramePr>
-        <p:xfrm>
-          <a:off x="256967" y="1467608"/>
-          <a:ext cx="6674118" cy="3479800"/>
-        </p:xfrm>
-        <a:graphic>
-          <a:graphicData uri="http://schemas.openxmlformats.org/drawingml/2006/table">
-            <a:tbl>
-              <a:tblPr firstRow="1" bandRow="1">
-                <a:tableStyleId>{5C22544A-7EE6-4342-B048-85BDC9FD1C3A}</a:tableStyleId>
-              </a:tblPr>
-              <a:tblGrid>
-                <a:gridCol w="3337059">
-                  <a:extLst>
-                    <a:ext uri="{9D8B030D-6E8A-4147-A177-3AD203B41FA5}">
-                      <a16:colId xmlns:a16="http://schemas.microsoft.com/office/drawing/2014/main" val="1043797649"/>
-                    </a:ext>
-                  </a:extLst>
-                </a:gridCol>
-                <a:gridCol w="3337059">
-                  <a:extLst>
-                    <a:ext uri="{9D8B030D-6E8A-4147-A177-3AD203B41FA5}">
-                      <a16:colId xmlns:a16="http://schemas.microsoft.com/office/drawing/2014/main" val="3960042363"/>
-                    </a:ext>
-                  </a:extLst>
-                </a:gridCol>
-              </a:tblGrid>
-              <a:tr h="370840">
-                <a:tc>
-                  <a:txBody>
-                    <a:bodyPr/>
-                    <a:lstStyle/>
-                    <a:p>
-                      <a:pPr algn="ctr"/>
-                      <a:r>
-                        <a:rPr kumimoji="1" lang="ja-JP" altLang="en-US" sz="1400"/>
-                        <a:t>妄想する</a:t>
-                      </a:r>
-                    </a:p>
-                  </a:txBody>
-                  <a:tcPr/>
-                </a:tc>
-                <a:tc>
-                  <a:txBody>
-                    <a:bodyPr/>
-                    <a:lstStyle/>
-                    <a:p>
-                      <a:pPr algn="ctr"/>
-                      <a:r>
-                        <a:rPr kumimoji="1" lang="ja-JP" altLang="en-US" sz="1400"/>
-                        <a:t>妄想しない</a:t>
-                      </a:r>
-                    </a:p>
-                  </a:txBody>
-                  <a:tcPr/>
-                </a:tc>
-                <a:extLst>
-                  <a:ext uri="{0D108BD9-81ED-4DB2-BD59-A6C34878D82A}">
-                    <a16:rowId xmlns:a16="http://schemas.microsoft.com/office/drawing/2014/main" val="2154027827"/>
-                  </a:ext>
-                </a:extLst>
-              </a:tr>
-              <a:tr h="370840">
-                <a:tc>
-                  <a:txBody>
-                    <a:bodyPr/>
-                    <a:lstStyle/>
-                    <a:p>
-                      <a:pPr algn="ctr"/>
-                      <a:r>
-                        <a:rPr kumimoji="1" lang="ja-JP" altLang="en-US" sz="1600" kern="1200">
-                          <a:solidFill>
-                            <a:schemeClr val="dk1"/>
-                          </a:solidFill>
-                          <a:effectLst/>
-                          <a:latin typeface="+mn-lt"/>
-                          <a:ea typeface="+mn-ea"/>
-                          <a:cs typeface="+mn-cs"/>
-                        </a:rPr>
-                        <a:t>注意力が妄想に使われる</a:t>
-                      </a:r>
-                      <a:endParaRPr kumimoji="1" lang="en-US" altLang="ja-JP" sz="1600" kern="1200">
-                        <a:solidFill>
-                          <a:schemeClr val="dk1"/>
-                        </a:solidFill>
-                        <a:effectLst/>
-                        <a:latin typeface="+mn-lt"/>
-                        <a:ea typeface="+mn-ea"/>
-                        <a:cs typeface="+mn-cs"/>
-                      </a:endParaRPr>
-                    </a:p>
-                    <a:p>
-                      <a:pPr algn="ctr"/>
-                      <a:r>
-                        <a:rPr kumimoji="1" lang="ja-JP" altLang="en-US" sz="1600" kern="1200">
-                          <a:solidFill>
-                            <a:schemeClr val="dk1"/>
-                          </a:solidFill>
-                          <a:effectLst/>
-                          <a:latin typeface="+mn-lt"/>
-                          <a:ea typeface="+mn-ea"/>
-                          <a:cs typeface="+mn-cs"/>
-                        </a:rPr>
-                        <a:t>↓</a:t>
-                      </a:r>
-                    </a:p>
-                    <a:p>
-                      <a:pPr algn="ctr"/>
-                      <a:r>
-                        <a:rPr kumimoji="1" lang="ja-JP" altLang="en-US" sz="1600" kern="1200">
-                          <a:solidFill>
-                            <a:schemeClr val="dk1"/>
-                          </a:solidFill>
-                          <a:effectLst/>
-                          <a:latin typeface="+mn-lt"/>
-                          <a:ea typeface="+mn-ea"/>
-                          <a:cs typeface="+mn-cs"/>
-                        </a:rPr>
-                        <a:t>本当にやりたいことに注意力を</a:t>
-                      </a:r>
-                      <a:endParaRPr kumimoji="1" lang="en-US" altLang="ja-JP" sz="1600" kern="1200">
-                        <a:solidFill>
-                          <a:schemeClr val="dk1"/>
-                        </a:solidFill>
-                        <a:effectLst/>
-                        <a:latin typeface="+mn-lt"/>
-                        <a:ea typeface="+mn-ea"/>
-                        <a:cs typeface="+mn-cs"/>
-                      </a:endParaRPr>
-                    </a:p>
-                    <a:p>
-                      <a:pPr algn="ctr"/>
-                      <a:r>
-                        <a:rPr kumimoji="1" lang="ja-JP" altLang="en-US" sz="1600" kern="1200">
-                          <a:solidFill>
-                            <a:schemeClr val="dk1"/>
-                          </a:solidFill>
-                          <a:effectLst/>
-                          <a:latin typeface="+mn-lt"/>
-                          <a:ea typeface="+mn-ea"/>
-                          <a:cs typeface="+mn-cs"/>
-                        </a:rPr>
-                        <a:t>使えない</a:t>
-                      </a:r>
-                      <a:endParaRPr kumimoji="1" lang="en-US" altLang="ja-JP" sz="1600" kern="1200">
-                        <a:solidFill>
-                          <a:schemeClr val="dk1"/>
-                        </a:solidFill>
-                        <a:effectLst/>
-                        <a:latin typeface="+mn-lt"/>
-                        <a:ea typeface="+mn-ea"/>
-                        <a:cs typeface="+mn-cs"/>
-                      </a:endParaRPr>
-                    </a:p>
-                    <a:p>
-                      <a:pPr algn="ctr"/>
-                      <a:r>
-                        <a:rPr kumimoji="1" lang="ja-JP" altLang="en-US" sz="1600" kern="1200">
-                          <a:solidFill>
-                            <a:schemeClr val="dk1"/>
-                          </a:solidFill>
-                          <a:effectLst/>
-                          <a:latin typeface="+mn-lt"/>
-                          <a:ea typeface="+mn-ea"/>
-                          <a:cs typeface="+mn-cs"/>
-                        </a:rPr>
-                        <a:t>↓</a:t>
-                      </a:r>
-                    </a:p>
-                    <a:p>
-                      <a:pPr algn="ctr"/>
-                      <a:r>
-                        <a:rPr kumimoji="1" lang="ja-JP" altLang="en-US" sz="1600" b="1" kern="1200">
-                          <a:solidFill>
-                            <a:schemeClr val="accent1">
-                              <a:lumMod val="75000"/>
-                            </a:schemeClr>
-                          </a:solidFill>
-                          <a:effectLst/>
-                          <a:latin typeface="+mn-lt"/>
-                          <a:ea typeface="+mn-ea"/>
-                          <a:cs typeface="+mn-cs"/>
-                        </a:rPr>
-                        <a:t>やりたいことができない</a:t>
-                      </a:r>
-                    </a:p>
-                  </a:txBody>
-                  <a:tcPr/>
-                </a:tc>
-                <a:tc>
-                  <a:txBody>
-                    <a:bodyPr/>
-                    <a:lstStyle/>
-                    <a:p>
-                      <a:pPr algn="ctr"/>
-                      <a:r>
-                        <a:rPr kumimoji="1" lang="ja-JP" altLang="en-US" sz="1600"/>
-                        <a:t>注意力が余る</a:t>
-                      </a:r>
-                      <a:endParaRPr kumimoji="1" lang="en-US" altLang="ja-JP" sz="1600"/>
-                    </a:p>
-                    <a:p>
-                      <a:pPr algn="ctr"/>
-                      <a:r>
-                        <a:rPr kumimoji="1" lang="ja-JP" altLang="en-US" sz="1600"/>
-                        <a:t>↓</a:t>
-                      </a:r>
-                      <a:endParaRPr kumimoji="1" lang="en-US" altLang="ja-JP" sz="1600"/>
-                    </a:p>
-                    <a:p>
-                      <a:pPr algn="ctr"/>
-                      <a:r>
-                        <a:rPr kumimoji="1" lang="ja-JP" altLang="en-US" sz="1600"/>
-                        <a:t>本当にやりたいことに注意力を</a:t>
-                      </a:r>
-                      <a:endParaRPr kumimoji="1" lang="en-US" altLang="ja-JP" sz="1600"/>
-                    </a:p>
-                    <a:p>
-                      <a:pPr algn="ctr"/>
-                      <a:r>
-                        <a:rPr kumimoji="1" lang="ja-JP" altLang="en-US" sz="1600"/>
-                        <a:t>使える</a:t>
-                      </a:r>
-                      <a:endParaRPr kumimoji="1" lang="en-US" altLang="ja-JP" sz="1600"/>
-                    </a:p>
-                    <a:p>
-                      <a:pPr algn="ctr"/>
-                      <a:r>
-                        <a:rPr kumimoji="1" lang="ja-JP" altLang="en-US" sz="1600"/>
-                        <a:t>↓</a:t>
-                      </a:r>
-                      <a:endParaRPr kumimoji="1" lang="en-US" altLang="ja-JP" sz="1600"/>
-                    </a:p>
-                    <a:p>
-                      <a:pPr algn="ctr"/>
-                      <a:r>
-                        <a:rPr kumimoji="1" lang="ja-JP" altLang="en-US" sz="1600" b="1">
-                          <a:solidFill>
-                            <a:srgbClr val="C00000"/>
-                          </a:solidFill>
-                        </a:rPr>
-                        <a:t>注意力がモチベーションと</a:t>
-                      </a:r>
-                      <a:endParaRPr kumimoji="1" lang="en-US" altLang="ja-JP" sz="1600" b="1">
-                        <a:solidFill>
-                          <a:srgbClr val="C00000"/>
-                        </a:solidFill>
-                      </a:endParaRPr>
-                    </a:p>
-                    <a:p>
-                      <a:pPr algn="ctr"/>
-                      <a:r>
-                        <a:rPr kumimoji="1" lang="ja-JP" altLang="en-US" sz="1600" b="1">
-                          <a:solidFill>
-                            <a:srgbClr val="C00000"/>
-                          </a:solidFill>
-                        </a:rPr>
-                        <a:t>実行力に変わる</a:t>
-                      </a:r>
-                      <a:endParaRPr kumimoji="1" lang="en-US" altLang="ja-JP" sz="1600" b="1">
-                        <a:solidFill>
-                          <a:srgbClr val="C00000"/>
-                        </a:solidFill>
-                      </a:endParaRPr>
-                    </a:p>
-                  </a:txBody>
-                  <a:tcPr/>
-                </a:tc>
-                <a:extLst>
-                  <a:ext uri="{0D108BD9-81ED-4DB2-BD59-A6C34878D82A}">
-                    <a16:rowId xmlns:a16="http://schemas.microsoft.com/office/drawing/2014/main" val="1796638795"/>
-                  </a:ext>
-                </a:extLst>
-              </a:tr>
-              <a:tr h="370840">
-                <a:tc>
-                  <a:txBody>
-                    <a:bodyPr/>
-                    <a:lstStyle/>
-                    <a:p>
-                      <a:pPr algn="ctr"/>
-                      <a:r>
-                        <a:rPr kumimoji="1" lang="ja-JP" altLang="en-US" sz="1600" kern="1200">
-                          <a:solidFill>
-                            <a:schemeClr val="dk1"/>
-                          </a:solidFill>
-                          <a:effectLst/>
-                          <a:latin typeface="+mn-lt"/>
-                          <a:ea typeface="+mn-ea"/>
-                          <a:cs typeface="+mn-cs"/>
-                        </a:rPr>
-                        <a:t>ネガティビティバイアスより</a:t>
-                      </a:r>
-                      <a:endParaRPr kumimoji="1" lang="en-US" altLang="ja-JP" sz="1600" kern="1200">
-                        <a:solidFill>
-                          <a:schemeClr val="dk1"/>
-                        </a:solidFill>
-                        <a:effectLst/>
-                        <a:latin typeface="+mn-lt"/>
-                        <a:ea typeface="+mn-ea"/>
-                        <a:cs typeface="+mn-cs"/>
-                      </a:endParaRPr>
-                    </a:p>
-                    <a:p>
-                      <a:pPr algn="ctr"/>
-                      <a:r>
-                        <a:rPr kumimoji="1" lang="ja-JP" altLang="en-US" sz="1600" kern="1200">
-                          <a:solidFill>
-                            <a:schemeClr val="dk1"/>
-                          </a:solidFill>
-                          <a:effectLst/>
-                          <a:latin typeface="+mn-lt"/>
-                          <a:ea typeface="+mn-ea"/>
-                          <a:cs typeface="+mn-cs"/>
-                        </a:rPr>
-                        <a:t>実際には起こらないことや、妄想に過ぎないことが気になる</a:t>
-                      </a:r>
-                      <a:endParaRPr kumimoji="1" lang="en-US" altLang="ja-JP" sz="1600" kern="1200">
-                        <a:solidFill>
-                          <a:schemeClr val="dk1"/>
-                        </a:solidFill>
-                        <a:effectLst/>
-                        <a:latin typeface="+mn-lt"/>
-                        <a:ea typeface="+mn-ea"/>
-                        <a:cs typeface="+mn-cs"/>
-                      </a:endParaRPr>
-                    </a:p>
-                    <a:p>
-                      <a:pPr algn="ctr"/>
-                      <a:r>
-                        <a:rPr kumimoji="1" lang="ja-JP" altLang="en-US" sz="1600" kern="1200">
-                          <a:solidFill>
-                            <a:schemeClr val="dk1"/>
-                          </a:solidFill>
-                          <a:effectLst/>
-                          <a:latin typeface="+mn-lt"/>
-                          <a:ea typeface="+mn-ea"/>
-                          <a:cs typeface="+mn-cs"/>
-                        </a:rPr>
-                        <a:t>↓</a:t>
-                      </a:r>
-                      <a:endParaRPr kumimoji="1" lang="en-US" altLang="ja-JP" sz="1600" kern="1200">
-                        <a:solidFill>
-                          <a:schemeClr val="dk1"/>
-                        </a:solidFill>
-                        <a:effectLst/>
-                        <a:latin typeface="+mn-lt"/>
-                        <a:ea typeface="+mn-ea"/>
-                        <a:cs typeface="+mn-cs"/>
-                      </a:endParaRPr>
-                    </a:p>
-                    <a:p>
-                      <a:pPr algn="ctr"/>
-                      <a:r>
-                        <a:rPr kumimoji="1" lang="ja-JP" altLang="en-US" sz="1600" b="1" kern="1200">
-                          <a:solidFill>
-                            <a:schemeClr val="accent1">
-                              <a:lumMod val="75000"/>
-                            </a:schemeClr>
-                          </a:solidFill>
-                          <a:effectLst/>
-                          <a:latin typeface="+mn-lt"/>
-                          <a:ea typeface="+mn-ea"/>
-                          <a:cs typeface="+mn-cs"/>
-                        </a:rPr>
-                        <a:t>不安と悩みが発生する</a:t>
-                      </a:r>
-                    </a:p>
-                  </a:txBody>
-                  <a:tcPr/>
-                </a:tc>
-                <a:tc>
-                  <a:txBody>
-                    <a:bodyPr/>
-                    <a:lstStyle/>
-                    <a:p>
-                      <a:pPr algn="ctr"/>
-                      <a:r>
-                        <a:rPr kumimoji="1" lang="ja-JP" altLang="en-US" sz="1600"/>
-                        <a:t>事実しか認識しない</a:t>
-                      </a:r>
-                      <a:endParaRPr kumimoji="1" lang="en-US" altLang="ja-JP" sz="1600"/>
-                    </a:p>
-                    <a:p>
-                      <a:pPr algn="ctr"/>
-                      <a:r>
-                        <a:rPr kumimoji="1" lang="ja-JP" altLang="en-US" sz="1600"/>
-                        <a:t>↓</a:t>
-                      </a:r>
-                      <a:endParaRPr kumimoji="1" lang="en-US" altLang="ja-JP" sz="1600"/>
-                    </a:p>
-                    <a:p>
-                      <a:pPr algn="ctr"/>
-                      <a:r>
-                        <a:rPr kumimoji="1" lang="ja-JP" altLang="en-US" sz="1600" b="1">
-                          <a:solidFill>
-                            <a:srgbClr val="C00000"/>
-                          </a:solidFill>
-                        </a:rPr>
-                        <a:t>不安や悩みが最小限になる</a:t>
-                      </a:r>
-                    </a:p>
-                  </a:txBody>
-                  <a:tcPr/>
-                </a:tc>
-                <a:extLst>
-                  <a:ext uri="{0D108BD9-81ED-4DB2-BD59-A6C34878D82A}">
-                    <a16:rowId xmlns:a16="http://schemas.microsoft.com/office/drawing/2014/main" val="2888170456"/>
-                  </a:ext>
-                </a:extLst>
-              </a:tr>
-            </a:tbl>
-          </a:graphicData>
-        </a:graphic>
-      </p:graphicFrame>
-    </p:spTree>
-    <p:extLst>
-      <p:ext uri="{BB962C8B-B14F-4D97-AF65-F5344CB8AC3E}">
-        <p14:creationId xmlns:p14="http://schemas.microsoft.com/office/powerpoint/2010/main" val="1633744608"/>
-      </p:ext>
-    </p:extLst>
-  </p:cSld>
-  <p:clrMapOvr>
-    <a:masterClrMapping/>
-  </p:clrMapOvr>
-</p:sld>
-</file>
-
-<file path=ppt/slides/slide4.xml><?xml version="1.0" encoding="utf-8"?>
 <p:sld xmlns:a="http://schemas.openxmlformats.org/drawingml/2006/main" xmlns:r="http://schemas.openxmlformats.org/officeDocument/2006/relationships" xmlns:p="http://schemas.openxmlformats.org/presentationml/2006/main">
   <p:cSld>
     <p:spTree>
@@ -12164,6 +8821,1438 @@
 </p:sld>
 </file>
 
+<file path=ppt/slides/slide4.xml><?xml version="1.0" encoding="utf-8"?>
+<p:sld xmlns:a="http://schemas.openxmlformats.org/drawingml/2006/main" xmlns:r="http://schemas.openxmlformats.org/officeDocument/2006/relationships" xmlns:p="http://schemas.openxmlformats.org/presentationml/2006/main">
+  <p:cSld>
+    <p:spTree>
+      <p:nvGrpSpPr>
+        <p:cNvPr id="1" name=""/>
+        <p:cNvGrpSpPr/>
+        <p:nvPr/>
+      </p:nvGrpSpPr>
+      <p:grpSpPr>
+        <a:xfrm>
+          <a:off x="0" y="0"/>
+          <a:ext cx="0" cy="0"/>
+          <a:chOff x="0" y="0"/>
+          <a:chExt cx="0" cy="0"/>
+        </a:xfrm>
+      </p:grpSpPr>
+      <p:cxnSp>
+        <p:nvCxnSpPr>
+          <p:cNvPr id="6" name="直線コネクタ 5">
+            <a:extLst>
+              <a:ext uri="{FF2B5EF4-FFF2-40B4-BE49-F238E27FC236}">
+                <a16:creationId xmlns:a16="http://schemas.microsoft.com/office/drawing/2014/main" id="{C061AB25-ABBE-8624-69DC-2D997CCFC65F}"/>
+              </a:ext>
+            </a:extLst>
+          </p:cNvPr>
+          <p:cNvCxnSpPr>
+            <a:cxnSpLocks/>
+          </p:cNvCxnSpPr>
+          <p:nvPr/>
+        </p:nvCxnSpPr>
+        <p:spPr>
+          <a:xfrm>
+            <a:off x="2837793" y="3238500"/>
+            <a:ext cx="7152835" cy="0"/>
+          </a:xfrm>
+          <a:prstGeom prst="line">
+            <a:avLst/>
+          </a:prstGeom>
+          <a:ln>
+            <a:headEnd type="arrow"/>
+            <a:tailEnd type="arrow"/>
+          </a:ln>
+        </p:spPr>
+        <p:style>
+          <a:lnRef idx="1">
+            <a:schemeClr val="dk1"/>
+          </a:lnRef>
+          <a:fillRef idx="0">
+            <a:schemeClr val="dk1"/>
+          </a:fillRef>
+          <a:effectRef idx="0">
+            <a:schemeClr val="dk1"/>
+          </a:effectRef>
+          <a:fontRef idx="minor">
+            <a:schemeClr val="tx1"/>
+          </a:fontRef>
+        </p:style>
+      </p:cxnSp>
+      <p:cxnSp>
+        <p:nvCxnSpPr>
+          <p:cNvPr id="7" name="直線コネクタ 6">
+            <a:extLst>
+              <a:ext uri="{FF2B5EF4-FFF2-40B4-BE49-F238E27FC236}">
+                <a16:creationId xmlns:a16="http://schemas.microsoft.com/office/drawing/2014/main" id="{06FF6DAE-67E5-CECA-FA36-694402A25BC2}"/>
+              </a:ext>
+            </a:extLst>
+          </p:cNvPr>
+          <p:cNvCxnSpPr>
+            <a:cxnSpLocks/>
+          </p:cNvCxnSpPr>
+          <p:nvPr/>
+        </p:nvCxnSpPr>
+        <p:spPr>
+          <a:xfrm>
+            <a:off x="6096000" y="819807"/>
+            <a:ext cx="0" cy="5549462"/>
+          </a:xfrm>
+          <a:prstGeom prst="line">
+            <a:avLst/>
+          </a:prstGeom>
+          <a:ln>
+            <a:headEnd type="arrow"/>
+            <a:tailEnd type="arrow"/>
+          </a:ln>
+        </p:spPr>
+        <p:style>
+          <a:lnRef idx="1">
+            <a:schemeClr val="dk1"/>
+          </a:lnRef>
+          <a:fillRef idx="0">
+            <a:schemeClr val="dk1"/>
+          </a:fillRef>
+          <a:effectRef idx="0">
+            <a:schemeClr val="dk1"/>
+          </a:effectRef>
+          <a:fontRef idx="minor">
+            <a:schemeClr val="tx1"/>
+          </a:fontRef>
+        </p:style>
+      </p:cxnSp>
+      <p:sp>
+        <p:nvSpPr>
+          <p:cNvPr id="3" name="正方形/長方形 2">
+            <a:extLst>
+              <a:ext uri="{FF2B5EF4-FFF2-40B4-BE49-F238E27FC236}">
+                <a16:creationId xmlns:a16="http://schemas.microsoft.com/office/drawing/2014/main" id="{CCA1F554-BCDE-5AA2-BDAF-ADDAC49206A4}"/>
+              </a:ext>
+            </a:extLst>
+          </p:cNvPr>
+          <p:cNvSpPr/>
+          <p:nvPr/>
+        </p:nvSpPr>
+        <p:spPr>
+          <a:xfrm>
+            <a:off x="5029199" y="2298700"/>
+            <a:ext cx="1066797" cy="939796"/>
+          </a:xfrm>
+          <a:prstGeom prst="rect">
+            <a:avLst/>
+          </a:prstGeom>
+          <a:solidFill>
+            <a:srgbClr val="00B050"/>
+          </a:solidFill>
+          <a:ln>
+            <a:noFill/>
+          </a:ln>
+        </p:spPr>
+        <p:style>
+          <a:lnRef idx="2">
+            <a:schemeClr val="accent1">
+              <a:shade val="15000"/>
+            </a:schemeClr>
+          </a:lnRef>
+          <a:fillRef idx="1">
+            <a:schemeClr val="accent1"/>
+          </a:fillRef>
+          <a:effectRef idx="0">
+            <a:schemeClr val="accent1"/>
+          </a:effectRef>
+          <a:fontRef idx="minor">
+            <a:schemeClr val="lt1"/>
+          </a:fontRef>
+        </p:style>
+        <p:txBody>
+          <a:bodyPr rtlCol="0" anchor="ctr"/>
+          <a:lstStyle/>
+          <a:p>
+            <a:pPr algn="ctr"/>
+            <a:endParaRPr kumimoji="1" lang="ja-JP" altLang="en-US"/>
+          </a:p>
+        </p:txBody>
+      </p:sp>
+      <p:sp>
+        <p:nvSpPr>
+          <p:cNvPr id="4" name="正方形/長方形 3">
+            <a:extLst>
+              <a:ext uri="{FF2B5EF4-FFF2-40B4-BE49-F238E27FC236}">
+                <a16:creationId xmlns:a16="http://schemas.microsoft.com/office/drawing/2014/main" id="{4F8C6989-5B22-922A-C1CF-6702D8AB0771}"/>
+              </a:ext>
+            </a:extLst>
+          </p:cNvPr>
+          <p:cNvSpPr/>
+          <p:nvPr/>
+        </p:nvSpPr>
+        <p:spPr>
+          <a:xfrm>
+            <a:off x="4563410" y="3238496"/>
+            <a:ext cx="1532585" cy="1155770"/>
+          </a:xfrm>
+          <a:prstGeom prst="rect">
+            <a:avLst/>
+          </a:prstGeom>
+          <a:ln>
+            <a:noFill/>
+          </a:ln>
+        </p:spPr>
+        <p:style>
+          <a:lnRef idx="2">
+            <a:schemeClr val="accent1">
+              <a:shade val="15000"/>
+            </a:schemeClr>
+          </a:lnRef>
+          <a:fillRef idx="1">
+            <a:schemeClr val="accent1"/>
+          </a:fillRef>
+          <a:effectRef idx="0">
+            <a:schemeClr val="accent1"/>
+          </a:effectRef>
+          <a:fontRef idx="minor">
+            <a:schemeClr val="lt1"/>
+          </a:fontRef>
+        </p:style>
+        <p:txBody>
+          <a:bodyPr rtlCol="0" anchor="ctr"/>
+          <a:lstStyle/>
+          <a:p>
+            <a:pPr algn="ctr"/>
+            <a:endParaRPr kumimoji="1" lang="ja-JP" altLang="en-US"/>
+          </a:p>
+        </p:txBody>
+      </p:sp>
+      <p:sp>
+        <p:nvSpPr>
+          <p:cNvPr id="10" name="正方形/長方形 9">
+            <a:extLst>
+              <a:ext uri="{FF2B5EF4-FFF2-40B4-BE49-F238E27FC236}">
+                <a16:creationId xmlns:a16="http://schemas.microsoft.com/office/drawing/2014/main" id="{C51C3663-0BD9-539A-5698-1114200CB443}"/>
+              </a:ext>
+            </a:extLst>
+          </p:cNvPr>
+          <p:cNvSpPr/>
+          <p:nvPr/>
+        </p:nvSpPr>
+        <p:spPr>
+          <a:xfrm>
+            <a:off x="6095999" y="1549417"/>
+            <a:ext cx="2159001" cy="1689082"/>
+          </a:xfrm>
+          <a:prstGeom prst="rect">
+            <a:avLst/>
+          </a:prstGeom>
+          <a:solidFill>
+            <a:srgbClr val="FFFF00"/>
+          </a:solidFill>
+          <a:ln>
+            <a:noFill/>
+          </a:ln>
+        </p:spPr>
+        <p:style>
+          <a:lnRef idx="2">
+            <a:schemeClr val="accent1">
+              <a:shade val="15000"/>
+            </a:schemeClr>
+          </a:lnRef>
+          <a:fillRef idx="1">
+            <a:schemeClr val="accent1"/>
+          </a:fillRef>
+          <a:effectRef idx="0">
+            <a:schemeClr val="accent1"/>
+          </a:effectRef>
+          <a:fontRef idx="minor">
+            <a:schemeClr val="lt1"/>
+          </a:fontRef>
+        </p:style>
+        <p:txBody>
+          <a:bodyPr rtlCol="0" anchor="ctr"/>
+          <a:lstStyle/>
+          <a:p>
+            <a:pPr algn="ctr"/>
+            <a:r>
+              <a:rPr kumimoji="1" lang="ja-JP" altLang="en-US">
+                <a:solidFill>
+                  <a:schemeClr val="tx1"/>
+                </a:solidFill>
+              </a:rPr>
+              <a:t>危険</a:t>
+            </a:r>
+          </a:p>
+        </p:txBody>
+      </p:sp>
+      <p:sp>
+        <p:nvSpPr>
+          <p:cNvPr id="11" name="正方形/長方形 10">
+            <a:extLst>
+              <a:ext uri="{FF2B5EF4-FFF2-40B4-BE49-F238E27FC236}">
+                <a16:creationId xmlns:a16="http://schemas.microsoft.com/office/drawing/2014/main" id="{2E8098C8-F83D-161B-4EE4-8C0E8F1B6AB6}"/>
+              </a:ext>
+            </a:extLst>
+          </p:cNvPr>
+          <p:cNvSpPr/>
+          <p:nvPr/>
+        </p:nvSpPr>
+        <p:spPr>
+          <a:xfrm>
+            <a:off x="6095997" y="3238497"/>
+            <a:ext cx="3258199" cy="2799680"/>
+          </a:xfrm>
+          <a:prstGeom prst="rect">
+            <a:avLst/>
+          </a:prstGeom>
+          <a:solidFill>
+            <a:srgbClr val="C00000"/>
+          </a:solidFill>
+          <a:ln>
+            <a:noFill/>
+          </a:ln>
+        </p:spPr>
+        <p:style>
+          <a:lnRef idx="2">
+            <a:schemeClr val="accent1">
+              <a:shade val="15000"/>
+            </a:schemeClr>
+          </a:lnRef>
+          <a:fillRef idx="1">
+            <a:schemeClr val="accent1"/>
+          </a:fillRef>
+          <a:effectRef idx="0">
+            <a:schemeClr val="accent1"/>
+          </a:effectRef>
+          <a:fontRef idx="minor">
+            <a:schemeClr val="lt1"/>
+          </a:fontRef>
+        </p:style>
+        <p:txBody>
+          <a:bodyPr rtlCol="0" anchor="ctr"/>
+          <a:lstStyle/>
+          <a:p>
+            <a:pPr algn="ctr"/>
+            <a:r>
+              <a:rPr kumimoji="1" lang="ja-JP" altLang="en-US"/>
+              <a:t>非常に危険</a:t>
+            </a:r>
+          </a:p>
+        </p:txBody>
+      </p:sp>
+      <p:sp>
+        <p:nvSpPr>
+          <p:cNvPr id="12" name="正方形/長方形 11">
+            <a:extLst>
+              <a:ext uri="{FF2B5EF4-FFF2-40B4-BE49-F238E27FC236}">
+                <a16:creationId xmlns:a16="http://schemas.microsoft.com/office/drawing/2014/main" id="{82C7FAD2-BCE1-550D-1BCF-9607C3F633C7}"/>
+              </a:ext>
+            </a:extLst>
+          </p:cNvPr>
+          <p:cNvSpPr/>
+          <p:nvPr/>
+        </p:nvSpPr>
+        <p:spPr>
+          <a:xfrm>
+            <a:off x="1337615" y="2862638"/>
+            <a:ext cx="1532585" cy="234837"/>
+          </a:xfrm>
+          <a:prstGeom prst="rect">
+            <a:avLst/>
+          </a:prstGeom>
+          <a:ln>
+            <a:noFill/>
+          </a:ln>
+        </p:spPr>
+        <p:style>
+          <a:lnRef idx="2">
+            <a:schemeClr val="accent1">
+              <a:shade val="15000"/>
+            </a:schemeClr>
+          </a:lnRef>
+          <a:fillRef idx="1">
+            <a:schemeClr val="accent1"/>
+          </a:fillRef>
+          <a:effectRef idx="0">
+            <a:schemeClr val="accent1"/>
+          </a:effectRef>
+          <a:fontRef idx="minor">
+            <a:schemeClr val="lt1"/>
+          </a:fontRef>
+        </p:style>
+        <p:txBody>
+          <a:bodyPr rtlCol="0" anchor="ctr"/>
+          <a:lstStyle/>
+          <a:p>
+            <a:pPr algn="ctr"/>
+            <a:r>
+              <a:rPr lang="ja-JP" altLang="en-US" sz="1050"/>
+              <a:t>自分からの尊重</a:t>
+            </a:r>
+            <a:endParaRPr kumimoji="1" lang="ja-JP" altLang="en-US" sz="1050"/>
+          </a:p>
+        </p:txBody>
+      </p:sp>
+      <p:sp>
+        <p:nvSpPr>
+          <p:cNvPr id="13" name="正方形/長方形 12">
+            <a:extLst>
+              <a:ext uri="{FF2B5EF4-FFF2-40B4-BE49-F238E27FC236}">
+                <a16:creationId xmlns:a16="http://schemas.microsoft.com/office/drawing/2014/main" id="{52AD1265-C340-79CD-6382-6EE4B3FC37AD}"/>
+              </a:ext>
+            </a:extLst>
+          </p:cNvPr>
+          <p:cNvSpPr/>
+          <p:nvPr/>
+        </p:nvSpPr>
+        <p:spPr>
+          <a:xfrm>
+            <a:off x="9990628" y="2787439"/>
+            <a:ext cx="1532585" cy="258210"/>
+          </a:xfrm>
+          <a:prstGeom prst="rect">
+            <a:avLst/>
+          </a:prstGeom>
+          <a:ln>
+            <a:noFill/>
+          </a:ln>
+        </p:spPr>
+        <p:style>
+          <a:lnRef idx="2">
+            <a:schemeClr val="accent1">
+              <a:shade val="15000"/>
+            </a:schemeClr>
+          </a:lnRef>
+          <a:fillRef idx="1">
+            <a:schemeClr val="accent1"/>
+          </a:fillRef>
+          <a:effectRef idx="0">
+            <a:schemeClr val="accent1"/>
+          </a:effectRef>
+          <a:fontRef idx="minor">
+            <a:schemeClr val="lt1"/>
+          </a:fontRef>
+        </p:style>
+        <p:txBody>
+          <a:bodyPr rtlCol="0" anchor="ctr"/>
+          <a:lstStyle/>
+          <a:p>
+            <a:pPr algn="ctr"/>
+            <a:r>
+              <a:rPr lang="ja-JP" altLang="en-US" sz="1050"/>
+              <a:t>他人、周囲からの尊重</a:t>
+            </a:r>
+            <a:endParaRPr kumimoji="1" lang="ja-JP" altLang="en-US" sz="1050"/>
+          </a:p>
+        </p:txBody>
+      </p:sp>
+      <p:sp>
+        <p:nvSpPr>
+          <p:cNvPr id="14" name="正方形/長方形 13">
+            <a:extLst>
+              <a:ext uri="{FF2B5EF4-FFF2-40B4-BE49-F238E27FC236}">
+                <a16:creationId xmlns:a16="http://schemas.microsoft.com/office/drawing/2014/main" id="{FA7BB0B8-F528-5BDD-3F92-15D9EDBBF430}"/>
+              </a:ext>
+            </a:extLst>
+          </p:cNvPr>
+          <p:cNvSpPr/>
+          <p:nvPr/>
+        </p:nvSpPr>
+        <p:spPr>
+          <a:xfrm>
+            <a:off x="5298651" y="421755"/>
+            <a:ext cx="1594688" cy="228544"/>
+          </a:xfrm>
+          <a:prstGeom prst="rect">
+            <a:avLst/>
+          </a:prstGeom>
+          <a:ln>
+            <a:noFill/>
+          </a:ln>
+        </p:spPr>
+        <p:style>
+          <a:lnRef idx="2">
+            <a:schemeClr val="accent1">
+              <a:shade val="15000"/>
+            </a:schemeClr>
+          </a:lnRef>
+          <a:fillRef idx="1">
+            <a:schemeClr val="accent1"/>
+          </a:fillRef>
+          <a:effectRef idx="0">
+            <a:schemeClr val="accent1"/>
+          </a:effectRef>
+          <a:fontRef idx="minor">
+            <a:schemeClr val="lt1"/>
+          </a:fontRef>
+        </p:style>
+        <p:txBody>
+          <a:bodyPr rtlCol="0" anchor="ctr"/>
+          <a:lstStyle/>
+          <a:p>
+            <a:pPr algn="ctr"/>
+            <a:r>
+              <a:rPr lang="ja-JP" altLang="en-US" sz="1050"/>
+              <a:t>自分の内側にある素質</a:t>
+            </a:r>
+            <a:endParaRPr kumimoji="1" lang="ja-JP" altLang="en-US" sz="1050"/>
+          </a:p>
+        </p:txBody>
+      </p:sp>
+      <p:sp>
+        <p:nvSpPr>
+          <p:cNvPr id="15" name="正方形/長方形 14">
+            <a:extLst>
+              <a:ext uri="{FF2B5EF4-FFF2-40B4-BE49-F238E27FC236}">
+                <a16:creationId xmlns:a16="http://schemas.microsoft.com/office/drawing/2014/main" id="{C8621CDD-182B-42A0-990B-3C6F9AFD632B}"/>
+              </a:ext>
+            </a:extLst>
+          </p:cNvPr>
+          <p:cNvSpPr/>
+          <p:nvPr/>
+        </p:nvSpPr>
+        <p:spPr>
+          <a:xfrm>
+            <a:off x="5329702" y="6460669"/>
+            <a:ext cx="1532585" cy="215857"/>
+          </a:xfrm>
+          <a:prstGeom prst="rect">
+            <a:avLst/>
+          </a:prstGeom>
+          <a:ln>
+            <a:noFill/>
+          </a:ln>
+        </p:spPr>
+        <p:style>
+          <a:lnRef idx="2">
+            <a:schemeClr val="accent1">
+              <a:shade val="15000"/>
+            </a:schemeClr>
+          </a:lnRef>
+          <a:fillRef idx="1">
+            <a:schemeClr val="accent1"/>
+          </a:fillRef>
+          <a:effectRef idx="0">
+            <a:schemeClr val="accent1"/>
+          </a:effectRef>
+          <a:fontRef idx="minor">
+            <a:schemeClr val="lt1"/>
+          </a:fontRef>
+        </p:style>
+        <p:txBody>
+          <a:bodyPr rtlCol="0" anchor="ctr"/>
+          <a:lstStyle/>
+          <a:p>
+            <a:pPr algn="ctr"/>
+            <a:r>
+              <a:rPr kumimoji="1" lang="ja-JP" altLang="en-US" sz="1050"/>
+              <a:t>目に見える能力や実績</a:t>
+            </a:r>
+          </a:p>
+        </p:txBody>
+      </p:sp>
+      <p:sp>
+        <p:nvSpPr>
+          <p:cNvPr id="22" name="テキスト ボックス 21">
+            <a:extLst>
+              <a:ext uri="{FF2B5EF4-FFF2-40B4-BE49-F238E27FC236}">
+                <a16:creationId xmlns:a16="http://schemas.microsoft.com/office/drawing/2014/main" id="{ABC3D253-461D-D683-4BA2-EC86FB293A4E}"/>
+              </a:ext>
+            </a:extLst>
+          </p:cNvPr>
+          <p:cNvSpPr txBox="1"/>
+          <p:nvPr/>
+        </p:nvSpPr>
+        <p:spPr>
+          <a:xfrm>
+            <a:off x="1215667" y="3238496"/>
+            <a:ext cx="3177100" cy="1384995"/>
+          </a:xfrm>
+          <a:prstGeom prst="rect">
+            <a:avLst/>
+          </a:prstGeom>
+          <a:noFill/>
+        </p:spPr>
+        <p:txBody>
+          <a:bodyPr wrap="square" rtlCol="0">
+            <a:spAutoFit/>
+          </a:bodyPr>
+          <a:lstStyle/>
+          <a:p>
+            <a:pPr marL="285750" indent="-285750">
+              <a:buFont typeface="Wingdings" pitchFamily="2" charset="2"/>
+              <a:buChar char="ü"/>
+            </a:pPr>
+            <a:r>
+              <a:rPr kumimoji="1" lang="ja-JP" altLang="en-US" sz="1200"/>
+              <a:t>強くなること</a:t>
+            </a:r>
+          </a:p>
+          <a:p>
+            <a:pPr marL="285750" indent="-285750">
+              <a:buFont typeface="Wingdings" pitchFamily="2" charset="2"/>
+              <a:buChar char="ü"/>
+            </a:pPr>
+            <a:r>
+              <a:rPr kumimoji="1" lang="ja-JP" altLang="en-US" sz="1200"/>
+              <a:t>何かを成し遂げること</a:t>
+            </a:r>
+          </a:p>
+          <a:p>
+            <a:pPr marL="285750" indent="-285750">
+              <a:buFont typeface="Wingdings" pitchFamily="2" charset="2"/>
+              <a:buChar char="ü"/>
+            </a:pPr>
+            <a:r>
+              <a:rPr kumimoji="1" lang="ja-JP" altLang="en-US" sz="1200"/>
+              <a:t>ピッタリと当てはまること</a:t>
+            </a:r>
+          </a:p>
+          <a:p>
+            <a:pPr marL="285750" indent="-285750">
+              <a:buFont typeface="Wingdings" pitchFamily="2" charset="2"/>
+              <a:buChar char="ü"/>
+            </a:pPr>
+            <a:r>
+              <a:rPr kumimoji="1" lang="ja-JP" altLang="en-US" sz="1200"/>
+              <a:t>成熟すること</a:t>
+            </a:r>
+          </a:p>
+          <a:p>
+            <a:pPr marL="285750" indent="-285750">
+              <a:buFont typeface="Wingdings" pitchFamily="2" charset="2"/>
+              <a:buChar char="ü"/>
+            </a:pPr>
+            <a:r>
+              <a:rPr kumimoji="1" lang="ja-JP" altLang="en-US" sz="1200"/>
+              <a:t>能力を発揮すること</a:t>
+            </a:r>
+          </a:p>
+          <a:p>
+            <a:pPr marL="285750" indent="-285750">
+              <a:buFont typeface="Wingdings" pitchFamily="2" charset="2"/>
+              <a:buChar char="ü"/>
+            </a:pPr>
+            <a:r>
+              <a:rPr kumimoji="1" lang="ja-JP" altLang="en-US" sz="1200"/>
+              <a:t>世間に対して引け目を感じないこと</a:t>
+            </a:r>
+          </a:p>
+          <a:p>
+            <a:pPr marL="285750" indent="-285750">
+              <a:buFont typeface="Wingdings" pitchFamily="2" charset="2"/>
+              <a:buChar char="ü"/>
+            </a:pPr>
+            <a:r>
+              <a:rPr kumimoji="1" lang="ja-JP" altLang="en-US" sz="1200"/>
+              <a:t>自立し、自由であること</a:t>
+            </a:r>
+          </a:p>
+        </p:txBody>
+      </p:sp>
+      <p:sp>
+        <p:nvSpPr>
+          <p:cNvPr id="23" name="テキスト ボックス 22">
+            <a:extLst>
+              <a:ext uri="{FF2B5EF4-FFF2-40B4-BE49-F238E27FC236}">
+                <a16:creationId xmlns:a16="http://schemas.microsoft.com/office/drawing/2014/main" id="{3C2E15BD-2358-4CBD-A8B6-6E0970737FF0}"/>
+              </a:ext>
+            </a:extLst>
+          </p:cNvPr>
+          <p:cNvSpPr txBox="1"/>
+          <p:nvPr/>
+        </p:nvSpPr>
+        <p:spPr>
+          <a:xfrm>
+            <a:off x="9934663" y="3238495"/>
+            <a:ext cx="2214964" cy="1015663"/>
+          </a:xfrm>
+          <a:prstGeom prst="rect">
+            <a:avLst/>
+          </a:prstGeom>
+          <a:noFill/>
+        </p:spPr>
+        <p:txBody>
+          <a:bodyPr wrap="square" rtlCol="0">
+            <a:spAutoFit/>
+          </a:bodyPr>
+          <a:lstStyle/>
+          <a:p>
+            <a:pPr marL="285750" indent="-285750">
+              <a:buFont typeface="Wingdings" pitchFamily="2" charset="2"/>
+              <a:buChar char="ü"/>
+            </a:pPr>
+            <a:r>
+              <a:rPr kumimoji="1" lang="ja-JP" altLang="en-US" sz="1200"/>
+              <a:t>良い評価や褒め言葉</a:t>
+            </a:r>
+          </a:p>
+          <a:p>
+            <a:pPr marL="285750" indent="-285750">
+              <a:buFont typeface="Wingdings" pitchFamily="2" charset="2"/>
+              <a:buChar char="ü"/>
+            </a:pPr>
+            <a:r>
+              <a:rPr kumimoji="1" lang="ja-JP" altLang="en-US" sz="1200"/>
+              <a:t>尊敬の眼差し</a:t>
+            </a:r>
+          </a:p>
+          <a:p>
+            <a:pPr marL="285750" indent="-285750">
+              <a:buFont typeface="Wingdings" pitchFamily="2" charset="2"/>
+              <a:buChar char="ü"/>
+            </a:pPr>
+            <a:r>
+              <a:rPr kumimoji="1" lang="ja-JP" altLang="en-US" sz="1200"/>
+              <a:t>何かしらの地位や名誉</a:t>
+            </a:r>
+          </a:p>
+          <a:p>
+            <a:pPr marL="285750" indent="-285750">
+              <a:buFont typeface="Wingdings" pitchFamily="2" charset="2"/>
+              <a:buChar char="ü"/>
+            </a:pPr>
+            <a:r>
+              <a:rPr kumimoji="1" lang="ja-JP" altLang="en-US" sz="1200"/>
+              <a:t>優越感に浸ること</a:t>
+            </a:r>
+          </a:p>
+          <a:p>
+            <a:pPr marL="285750" indent="-285750">
+              <a:buFont typeface="Wingdings" pitchFamily="2" charset="2"/>
+              <a:buChar char="ü"/>
+            </a:pPr>
+            <a:r>
+              <a:rPr kumimoji="1" lang="ja-JP" altLang="en-US" sz="1200"/>
+              <a:t>注目の的になること</a:t>
+            </a:r>
+          </a:p>
+        </p:txBody>
+      </p:sp>
+    </p:spTree>
+    <p:extLst>
+      <p:ext uri="{BB962C8B-B14F-4D97-AF65-F5344CB8AC3E}">
+        <p14:creationId xmlns:p14="http://schemas.microsoft.com/office/powerpoint/2010/main" val="2801376026"/>
+      </p:ext>
+    </p:extLst>
+  </p:cSld>
+  <p:clrMapOvr>
+    <a:masterClrMapping/>
+  </p:clrMapOvr>
+</p:sld>
+</file>
+
+<file path=ppt/slides/slide5.xml><?xml version="1.0" encoding="utf-8"?>
+<p:sld xmlns:a="http://schemas.openxmlformats.org/drawingml/2006/main" xmlns:r="http://schemas.openxmlformats.org/officeDocument/2006/relationships" xmlns:p="http://schemas.openxmlformats.org/presentationml/2006/main">
+  <p:cSld>
+    <p:spTree>
+      <p:nvGrpSpPr>
+        <p:cNvPr id="1" name="">
+          <a:extLst>
+            <a:ext uri="{FF2B5EF4-FFF2-40B4-BE49-F238E27FC236}">
+              <a16:creationId xmlns:a16="http://schemas.microsoft.com/office/drawing/2014/main" id="{7CFFBF9E-CC1A-B8B5-CFB9-D180697FDE07}"/>
+            </a:ext>
+          </a:extLst>
+        </p:cNvPr>
+        <p:cNvGrpSpPr/>
+        <p:nvPr/>
+      </p:nvGrpSpPr>
+      <p:grpSpPr>
+        <a:xfrm>
+          <a:off x="0" y="0"/>
+          <a:ext cx="0" cy="0"/>
+          <a:chOff x="0" y="0"/>
+          <a:chExt cx="0" cy="0"/>
+        </a:xfrm>
+      </p:grpSpPr>
+      <p:cxnSp>
+        <p:nvCxnSpPr>
+          <p:cNvPr id="6" name="直線コネクタ 5">
+            <a:extLst>
+              <a:ext uri="{FF2B5EF4-FFF2-40B4-BE49-F238E27FC236}">
+                <a16:creationId xmlns:a16="http://schemas.microsoft.com/office/drawing/2014/main" id="{E24F5628-9AD7-2A9F-EF7C-EC3EAAA57C1E}"/>
+              </a:ext>
+            </a:extLst>
+          </p:cNvPr>
+          <p:cNvCxnSpPr>
+            <a:cxnSpLocks/>
+          </p:cNvCxnSpPr>
+          <p:nvPr/>
+        </p:nvCxnSpPr>
+        <p:spPr>
+          <a:xfrm>
+            <a:off x="2837793" y="3238500"/>
+            <a:ext cx="7152835" cy="0"/>
+          </a:xfrm>
+          <a:prstGeom prst="line">
+            <a:avLst/>
+          </a:prstGeom>
+          <a:ln>
+            <a:headEnd type="arrow"/>
+            <a:tailEnd type="arrow"/>
+          </a:ln>
+        </p:spPr>
+        <p:style>
+          <a:lnRef idx="1">
+            <a:schemeClr val="dk1"/>
+          </a:lnRef>
+          <a:fillRef idx="0">
+            <a:schemeClr val="dk1"/>
+          </a:fillRef>
+          <a:effectRef idx="0">
+            <a:schemeClr val="dk1"/>
+          </a:effectRef>
+          <a:fontRef idx="minor">
+            <a:schemeClr val="tx1"/>
+          </a:fontRef>
+        </p:style>
+      </p:cxnSp>
+      <p:cxnSp>
+        <p:nvCxnSpPr>
+          <p:cNvPr id="7" name="直線コネクタ 6">
+            <a:extLst>
+              <a:ext uri="{FF2B5EF4-FFF2-40B4-BE49-F238E27FC236}">
+                <a16:creationId xmlns:a16="http://schemas.microsoft.com/office/drawing/2014/main" id="{8D2468B4-F6F7-5E1A-DE8B-1732112ADE52}"/>
+              </a:ext>
+            </a:extLst>
+          </p:cNvPr>
+          <p:cNvCxnSpPr>
+            <a:cxnSpLocks/>
+          </p:cNvCxnSpPr>
+          <p:nvPr/>
+        </p:nvCxnSpPr>
+        <p:spPr>
+          <a:xfrm>
+            <a:off x="6096000" y="819807"/>
+            <a:ext cx="0" cy="5549462"/>
+          </a:xfrm>
+          <a:prstGeom prst="line">
+            <a:avLst/>
+          </a:prstGeom>
+          <a:ln>
+            <a:headEnd type="arrow"/>
+            <a:tailEnd type="arrow"/>
+          </a:ln>
+        </p:spPr>
+        <p:style>
+          <a:lnRef idx="1">
+            <a:schemeClr val="dk1"/>
+          </a:lnRef>
+          <a:fillRef idx="0">
+            <a:schemeClr val="dk1"/>
+          </a:fillRef>
+          <a:effectRef idx="0">
+            <a:schemeClr val="dk1"/>
+          </a:effectRef>
+          <a:fontRef idx="minor">
+            <a:schemeClr val="tx1"/>
+          </a:fontRef>
+        </p:style>
+      </p:cxnSp>
+      <p:sp>
+        <p:nvSpPr>
+          <p:cNvPr id="3" name="正方形/長方形 2">
+            <a:extLst>
+              <a:ext uri="{FF2B5EF4-FFF2-40B4-BE49-F238E27FC236}">
+                <a16:creationId xmlns:a16="http://schemas.microsoft.com/office/drawing/2014/main" id="{66AAD5C7-9091-5A54-50F1-8E09F631CC6B}"/>
+              </a:ext>
+            </a:extLst>
+          </p:cNvPr>
+          <p:cNvSpPr/>
+          <p:nvPr/>
+        </p:nvSpPr>
+        <p:spPr>
+          <a:xfrm>
+            <a:off x="4405805" y="1853499"/>
+            <a:ext cx="1694447" cy="1384995"/>
+          </a:xfrm>
+          <a:prstGeom prst="rect">
+            <a:avLst/>
+          </a:prstGeom>
+          <a:solidFill>
+            <a:srgbClr val="00B050"/>
+          </a:solidFill>
+          <a:ln>
+            <a:noFill/>
+          </a:ln>
+        </p:spPr>
+        <p:style>
+          <a:lnRef idx="2">
+            <a:schemeClr val="accent1">
+              <a:shade val="15000"/>
+            </a:schemeClr>
+          </a:lnRef>
+          <a:fillRef idx="1">
+            <a:schemeClr val="accent1"/>
+          </a:fillRef>
+          <a:effectRef idx="0">
+            <a:schemeClr val="accent1"/>
+          </a:effectRef>
+          <a:fontRef idx="minor">
+            <a:schemeClr val="lt1"/>
+          </a:fontRef>
+        </p:style>
+        <p:txBody>
+          <a:bodyPr rtlCol="0" anchor="ctr"/>
+          <a:lstStyle/>
+          <a:p>
+            <a:pPr algn="ctr"/>
+            <a:endParaRPr kumimoji="1" lang="ja-JP" altLang="en-US"/>
+          </a:p>
+        </p:txBody>
+      </p:sp>
+      <p:sp>
+        <p:nvSpPr>
+          <p:cNvPr id="4" name="正方形/長方形 3">
+            <a:extLst>
+              <a:ext uri="{FF2B5EF4-FFF2-40B4-BE49-F238E27FC236}">
+                <a16:creationId xmlns:a16="http://schemas.microsoft.com/office/drawing/2014/main" id="{8F5EF827-694C-49F7-C28D-F0E0D4CA67C7}"/>
+              </a:ext>
+            </a:extLst>
+          </p:cNvPr>
+          <p:cNvSpPr/>
+          <p:nvPr/>
+        </p:nvSpPr>
+        <p:spPr>
+          <a:xfrm>
+            <a:off x="4776955" y="3238495"/>
+            <a:ext cx="1319039" cy="1036609"/>
+          </a:xfrm>
+          <a:prstGeom prst="rect">
+            <a:avLst/>
+          </a:prstGeom>
+          <a:ln>
+            <a:noFill/>
+          </a:ln>
+        </p:spPr>
+        <p:style>
+          <a:lnRef idx="2">
+            <a:schemeClr val="accent1">
+              <a:shade val="15000"/>
+            </a:schemeClr>
+          </a:lnRef>
+          <a:fillRef idx="1">
+            <a:schemeClr val="accent1"/>
+          </a:fillRef>
+          <a:effectRef idx="0">
+            <a:schemeClr val="accent1"/>
+          </a:effectRef>
+          <a:fontRef idx="minor">
+            <a:schemeClr val="lt1"/>
+          </a:fontRef>
+        </p:style>
+        <p:txBody>
+          <a:bodyPr rtlCol="0" anchor="ctr"/>
+          <a:lstStyle/>
+          <a:p>
+            <a:pPr algn="ctr"/>
+            <a:endParaRPr kumimoji="1" lang="ja-JP" altLang="en-US"/>
+          </a:p>
+        </p:txBody>
+      </p:sp>
+      <p:sp>
+        <p:nvSpPr>
+          <p:cNvPr id="10" name="正方形/長方形 9">
+            <a:extLst>
+              <a:ext uri="{FF2B5EF4-FFF2-40B4-BE49-F238E27FC236}">
+                <a16:creationId xmlns:a16="http://schemas.microsoft.com/office/drawing/2014/main" id="{A778FDE8-FD44-FE87-54EF-0F1AD147A8B4}"/>
+              </a:ext>
+            </a:extLst>
+          </p:cNvPr>
+          <p:cNvSpPr/>
+          <p:nvPr/>
+        </p:nvSpPr>
+        <p:spPr>
+          <a:xfrm>
+            <a:off x="6109041" y="2396084"/>
+            <a:ext cx="953912" cy="842413"/>
+          </a:xfrm>
+          <a:prstGeom prst="rect">
+            <a:avLst/>
+          </a:prstGeom>
+          <a:solidFill>
+            <a:srgbClr val="FFFF00"/>
+          </a:solidFill>
+          <a:ln>
+            <a:noFill/>
+          </a:ln>
+        </p:spPr>
+        <p:style>
+          <a:lnRef idx="2">
+            <a:schemeClr val="accent1">
+              <a:shade val="15000"/>
+            </a:schemeClr>
+          </a:lnRef>
+          <a:fillRef idx="1">
+            <a:schemeClr val="accent1"/>
+          </a:fillRef>
+          <a:effectRef idx="0">
+            <a:schemeClr val="accent1"/>
+          </a:effectRef>
+          <a:fontRef idx="minor">
+            <a:schemeClr val="lt1"/>
+          </a:fontRef>
+        </p:style>
+        <p:txBody>
+          <a:bodyPr rtlCol="0" anchor="ctr"/>
+          <a:lstStyle/>
+          <a:p>
+            <a:pPr algn="ctr"/>
+            <a:endParaRPr kumimoji="1" lang="ja-JP" altLang="en-US"/>
+          </a:p>
+        </p:txBody>
+      </p:sp>
+      <p:sp>
+        <p:nvSpPr>
+          <p:cNvPr id="11" name="正方形/長方形 10">
+            <a:extLst>
+              <a:ext uri="{FF2B5EF4-FFF2-40B4-BE49-F238E27FC236}">
+                <a16:creationId xmlns:a16="http://schemas.microsoft.com/office/drawing/2014/main" id="{4BD9957F-AC6E-E34D-8C2E-4D200B0759C7}"/>
+              </a:ext>
+            </a:extLst>
+          </p:cNvPr>
+          <p:cNvSpPr/>
+          <p:nvPr/>
+        </p:nvSpPr>
+        <p:spPr>
+          <a:xfrm>
+            <a:off x="6109039" y="3238495"/>
+            <a:ext cx="753239" cy="633972"/>
+          </a:xfrm>
+          <a:prstGeom prst="rect">
+            <a:avLst/>
+          </a:prstGeom>
+          <a:solidFill>
+            <a:srgbClr val="C00000"/>
+          </a:solidFill>
+          <a:ln>
+            <a:noFill/>
+          </a:ln>
+        </p:spPr>
+        <p:style>
+          <a:lnRef idx="2">
+            <a:schemeClr val="accent1">
+              <a:shade val="15000"/>
+            </a:schemeClr>
+          </a:lnRef>
+          <a:fillRef idx="1">
+            <a:schemeClr val="accent1"/>
+          </a:fillRef>
+          <a:effectRef idx="0">
+            <a:schemeClr val="accent1"/>
+          </a:effectRef>
+          <a:fontRef idx="minor">
+            <a:schemeClr val="lt1"/>
+          </a:fontRef>
+        </p:style>
+        <p:txBody>
+          <a:bodyPr rtlCol="0" anchor="ctr"/>
+          <a:lstStyle/>
+          <a:p>
+            <a:pPr algn="ctr"/>
+            <a:endParaRPr kumimoji="1" lang="ja-JP" altLang="en-US"/>
+          </a:p>
+        </p:txBody>
+      </p:sp>
+      <p:sp>
+        <p:nvSpPr>
+          <p:cNvPr id="12" name="正方形/長方形 11">
+            <a:extLst>
+              <a:ext uri="{FF2B5EF4-FFF2-40B4-BE49-F238E27FC236}">
+                <a16:creationId xmlns:a16="http://schemas.microsoft.com/office/drawing/2014/main" id="{D3C9E4AD-792B-20BC-F76A-CA81B25D732A}"/>
+              </a:ext>
+            </a:extLst>
+          </p:cNvPr>
+          <p:cNvSpPr/>
+          <p:nvPr/>
+        </p:nvSpPr>
+        <p:spPr>
+          <a:xfrm>
+            <a:off x="1337615" y="2862638"/>
+            <a:ext cx="1532585" cy="234837"/>
+          </a:xfrm>
+          <a:prstGeom prst="rect">
+            <a:avLst/>
+          </a:prstGeom>
+          <a:ln>
+            <a:noFill/>
+          </a:ln>
+        </p:spPr>
+        <p:style>
+          <a:lnRef idx="2">
+            <a:schemeClr val="accent1">
+              <a:shade val="15000"/>
+            </a:schemeClr>
+          </a:lnRef>
+          <a:fillRef idx="1">
+            <a:schemeClr val="accent1"/>
+          </a:fillRef>
+          <a:effectRef idx="0">
+            <a:schemeClr val="accent1"/>
+          </a:effectRef>
+          <a:fontRef idx="minor">
+            <a:schemeClr val="lt1"/>
+          </a:fontRef>
+        </p:style>
+        <p:txBody>
+          <a:bodyPr rtlCol="0" anchor="ctr"/>
+          <a:lstStyle/>
+          <a:p>
+            <a:pPr algn="ctr"/>
+            <a:r>
+              <a:rPr lang="ja-JP" altLang="en-US" sz="1050"/>
+              <a:t>自分からの尊重</a:t>
+            </a:r>
+            <a:endParaRPr kumimoji="1" lang="ja-JP" altLang="en-US" sz="1050"/>
+          </a:p>
+        </p:txBody>
+      </p:sp>
+      <p:sp>
+        <p:nvSpPr>
+          <p:cNvPr id="13" name="正方形/長方形 12">
+            <a:extLst>
+              <a:ext uri="{FF2B5EF4-FFF2-40B4-BE49-F238E27FC236}">
+                <a16:creationId xmlns:a16="http://schemas.microsoft.com/office/drawing/2014/main" id="{F0EF21A0-AD7A-7901-32AF-5C0D22F32E62}"/>
+              </a:ext>
+            </a:extLst>
+          </p:cNvPr>
+          <p:cNvSpPr/>
+          <p:nvPr/>
+        </p:nvSpPr>
+        <p:spPr>
+          <a:xfrm>
+            <a:off x="9990628" y="2787439"/>
+            <a:ext cx="1532585" cy="258210"/>
+          </a:xfrm>
+          <a:prstGeom prst="rect">
+            <a:avLst/>
+          </a:prstGeom>
+          <a:ln>
+            <a:noFill/>
+          </a:ln>
+        </p:spPr>
+        <p:style>
+          <a:lnRef idx="2">
+            <a:schemeClr val="accent1">
+              <a:shade val="15000"/>
+            </a:schemeClr>
+          </a:lnRef>
+          <a:fillRef idx="1">
+            <a:schemeClr val="accent1"/>
+          </a:fillRef>
+          <a:effectRef idx="0">
+            <a:schemeClr val="accent1"/>
+          </a:effectRef>
+          <a:fontRef idx="minor">
+            <a:schemeClr val="lt1"/>
+          </a:fontRef>
+        </p:style>
+        <p:txBody>
+          <a:bodyPr rtlCol="0" anchor="ctr"/>
+          <a:lstStyle/>
+          <a:p>
+            <a:pPr algn="ctr"/>
+            <a:r>
+              <a:rPr lang="ja-JP" altLang="en-US" sz="1050"/>
+              <a:t>他人、周囲からの尊重</a:t>
+            </a:r>
+            <a:endParaRPr kumimoji="1" lang="ja-JP" altLang="en-US" sz="1050"/>
+          </a:p>
+        </p:txBody>
+      </p:sp>
+      <p:sp>
+        <p:nvSpPr>
+          <p:cNvPr id="14" name="正方形/長方形 13">
+            <a:extLst>
+              <a:ext uri="{FF2B5EF4-FFF2-40B4-BE49-F238E27FC236}">
+                <a16:creationId xmlns:a16="http://schemas.microsoft.com/office/drawing/2014/main" id="{B1021AB5-C3FD-C4DD-DC0E-4907AF451306}"/>
+              </a:ext>
+            </a:extLst>
+          </p:cNvPr>
+          <p:cNvSpPr/>
+          <p:nvPr/>
+        </p:nvSpPr>
+        <p:spPr>
+          <a:xfrm>
+            <a:off x="5298651" y="421755"/>
+            <a:ext cx="1594688" cy="228544"/>
+          </a:xfrm>
+          <a:prstGeom prst="rect">
+            <a:avLst/>
+          </a:prstGeom>
+          <a:ln>
+            <a:noFill/>
+          </a:ln>
+        </p:spPr>
+        <p:style>
+          <a:lnRef idx="2">
+            <a:schemeClr val="accent1">
+              <a:shade val="15000"/>
+            </a:schemeClr>
+          </a:lnRef>
+          <a:fillRef idx="1">
+            <a:schemeClr val="accent1"/>
+          </a:fillRef>
+          <a:effectRef idx="0">
+            <a:schemeClr val="accent1"/>
+          </a:effectRef>
+          <a:fontRef idx="minor">
+            <a:schemeClr val="lt1"/>
+          </a:fontRef>
+        </p:style>
+        <p:txBody>
+          <a:bodyPr rtlCol="0" anchor="ctr"/>
+          <a:lstStyle/>
+          <a:p>
+            <a:pPr algn="ctr"/>
+            <a:r>
+              <a:rPr lang="ja-JP" altLang="en-US" sz="1050"/>
+              <a:t>自分の内側にある素質</a:t>
+            </a:r>
+            <a:endParaRPr kumimoji="1" lang="ja-JP" altLang="en-US" sz="1050"/>
+          </a:p>
+        </p:txBody>
+      </p:sp>
+      <p:sp>
+        <p:nvSpPr>
+          <p:cNvPr id="15" name="正方形/長方形 14">
+            <a:extLst>
+              <a:ext uri="{FF2B5EF4-FFF2-40B4-BE49-F238E27FC236}">
+                <a16:creationId xmlns:a16="http://schemas.microsoft.com/office/drawing/2014/main" id="{EE2F172D-93C1-F85D-2F94-C9221D272E49}"/>
+              </a:ext>
+            </a:extLst>
+          </p:cNvPr>
+          <p:cNvSpPr/>
+          <p:nvPr/>
+        </p:nvSpPr>
+        <p:spPr>
+          <a:xfrm>
+            <a:off x="5329702" y="6460669"/>
+            <a:ext cx="1532585" cy="215857"/>
+          </a:xfrm>
+          <a:prstGeom prst="rect">
+            <a:avLst/>
+          </a:prstGeom>
+          <a:ln>
+            <a:noFill/>
+          </a:ln>
+        </p:spPr>
+        <p:style>
+          <a:lnRef idx="2">
+            <a:schemeClr val="accent1">
+              <a:shade val="15000"/>
+            </a:schemeClr>
+          </a:lnRef>
+          <a:fillRef idx="1">
+            <a:schemeClr val="accent1"/>
+          </a:fillRef>
+          <a:effectRef idx="0">
+            <a:schemeClr val="accent1"/>
+          </a:effectRef>
+          <a:fontRef idx="minor">
+            <a:schemeClr val="lt1"/>
+          </a:fontRef>
+        </p:style>
+        <p:txBody>
+          <a:bodyPr rtlCol="0" anchor="ctr"/>
+          <a:lstStyle/>
+          <a:p>
+            <a:pPr algn="ctr"/>
+            <a:r>
+              <a:rPr kumimoji="1" lang="ja-JP" altLang="en-US" sz="1050"/>
+              <a:t>目に見える能力や実績</a:t>
+            </a:r>
+          </a:p>
+        </p:txBody>
+      </p:sp>
+      <p:sp>
+        <p:nvSpPr>
+          <p:cNvPr id="22" name="テキスト ボックス 21">
+            <a:extLst>
+              <a:ext uri="{FF2B5EF4-FFF2-40B4-BE49-F238E27FC236}">
+                <a16:creationId xmlns:a16="http://schemas.microsoft.com/office/drawing/2014/main" id="{E106E57A-4E1B-173F-0882-A78C57497BAF}"/>
+              </a:ext>
+            </a:extLst>
+          </p:cNvPr>
+          <p:cNvSpPr txBox="1"/>
+          <p:nvPr/>
+        </p:nvSpPr>
+        <p:spPr>
+          <a:xfrm>
+            <a:off x="1215667" y="3238496"/>
+            <a:ext cx="3177100" cy="1384995"/>
+          </a:xfrm>
+          <a:prstGeom prst="rect">
+            <a:avLst/>
+          </a:prstGeom>
+          <a:noFill/>
+        </p:spPr>
+        <p:txBody>
+          <a:bodyPr wrap="square" rtlCol="0">
+            <a:spAutoFit/>
+          </a:bodyPr>
+          <a:lstStyle/>
+          <a:p>
+            <a:pPr marL="285750" indent="-285750">
+              <a:buFont typeface="Wingdings" pitchFamily="2" charset="2"/>
+              <a:buChar char="ü"/>
+            </a:pPr>
+            <a:r>
+              <a:rPr kumimoji="1" lang="ja-JP" altLang="en-US" sz="1200"/>
+              <a:t>強くなること</a:t>
+            </a:r>
+          </a:p>
+          <a:p>
+            <a:pPr marL="285750" indent="-285750">
+              <a:buFont typeface="Wingdings" pitchFamily="2" charset="2"/>
+              <a:buChar char="ü"/>
+            </a:pPr>
+            <a:r>
+              <a:rPr kumimoji="1" lang="ja-JP" altLang="en-US" sz="1200"/>
+              <a:t>何かを成し遂げること</a:t>
+            </a:r>
+          </a:p>
+          <a:p>
+            <a:pPr marL="285750" indent="-285750">
+              <a:buFont typeface="Wingdings" pitchFamily="2" charset="2"/>
+              <a:buChar char="ü"/>
+            </a:pPr>
+            <a:r>
+              <a:rPr kumimoji="1" lang="ja-JP" altLang="en-US" sz="1200"/>
+              <a:t>ピッタリと当てはまること</a:t>
+            </a:r>
+          </a:p>
+          <a:p>
+            <a:pPr marL="285750" indent="-285750">
+              <a:buFont typeface="Wingdings" pitchFamily="2" charset="2"/>
+              <a:buChar char="ü"/>
+            </a:pPr>
+            <a:r>
+              <a:rPr kumimoji="1" lang="ja-JP" altLang="en-US" sz="1200"/>
+              <a:t>成熟すること</a:t>
+            </a:r>
+          </a:p>
+          <a:p>
+            <a:pPr marL="285750" indent="-285750">
+              <a:buFont typeface="Wingdings" pitchFamily="2" charset="2"/>
+              <a:buChar char="ü"/>
+            </a:pPr>
+            <a:r>
+              <a:rPr kumimoji="1" lang="ja-JP" altLang="en-US" sz="1200"/>
+              <a:t>能力を発揮すること</a:t>
+            </a:r>
+          </a:p>
+          <a:p>
+            <a:pPr marL="285750" indent="-285750">
+              <a:buFont typeface="Wingdings" pitchFamily="2" charset="2"/>
+              <a:buChar char="ü"/>
+            </a:pPr>
+            <a:r>
+              <a:rPr kumimoji="1" lang="ja-JP" altLang="en-US" sz="1200"/>
+              <a:t>世間に対して引け目を感じないこと</a:t>
+            </a:r>
+          </a:p>
+          <a:p>
+            <a:pPr marL="285750" indent="-285750">
+              <a:buFont typeface="Wingdings" pitchFamily="2" charset="2"/>
+              <a:buChar char="ü"/>
+            </a:pPr>
+            <a:r>
+              <a:rPr kumimoji="1" lang="ja-JP" altLang="en-US" sz="1200"/>
+              <a:t>自立し、自由であること</a:t>
+            </a:r>
+          </a:p>
+        </p:txBody>
+      </p:sp>
+      <p:sp>
+        <p:nvSpPr>
+          <p:cNvPr id="23" name="テキスト ボックス 22">
+            <a:extLst>
+              <a:ext uri="{FF2B5EF4-FFF2-40B4-BE49-F238E27FC236}">
+                <a16:creationId xmlns:a16="http://schemas.microsoft.com/office/drawing/2014/main" id="{FAE5E1E1-B990-5FFA-B8D6-29B0D5BA16E7}"/>
+              </a:ext>
+            </a:extLst>
+          </p:cNvPr>
+          <p:cNvSpPr txBox="1"/>
+          <p:nvPr/>
+        </p:nvSpPr>
+        <p:spPr>
+          <a:xfrm>
+            <a:off x="9934663" y="3238495"/>
+            <a:ext cx="2214964" cy="1015663"/>
+          </a:xfrm>
+          <a:prstGeom prst="rect">
+            <a:avLst/>
+          </a:prstGeom>
+          <a:noFill/>
+        </p:spPr>
+        <p:txBody>
+          <a:bodyPr wrap="square" rtlCol="0">
+            <a:spAutoFit/>
+          </a:bodyPr>
+          <a:lstStyle/>
+          <a:p>
+            <a:pPr marL="285750" indent="-285750">
+              <a:buFont typeface="Wingdings" pitchFamily="2" charset="2"/>
+              <a:buChar char="ü"/>
+            </a:pPr>
+            <a:r>
+              <a:rPr kumimoji="1" lang="ja-JP" altLang="en-US" sz="1200"/>
+              <a:t>良い評価や褒め言葉</a:t>
+            </a:r>
+          </a:p>
+          <a:p>
+            <a:pPr marL="285750" indent="-285750">
+              <a:buFont typeface="Wingdings" pitchFamily="2" charset="2"/>
+              <a:buChar char="ü"/>
+            </a:pPr>
+            <a:r>
+              <a:rPr kumimoji="1" lang="ja-JP" altLang="en-US" sz="1200"/>
+              <a:t>尊敬の眼差し</a:t>
+            </a:r>
+          </a:p>
+          <a:p>
+            <a:pPr marL="285750" indent="-285750">
+              <a:buFont typeface="Wingdings" pitchFamily="2" charset="2"/>
+              <a:buChar char="ü"/>
+            </a:pPr>
+            <a:r>
+              <a:rPr kumimoji="1" lang="ja-JP" altLang="en-US" sz="1200"/>
+              <a:t>何かしらの地位や名誉</a:t>
+            </a:r>
+          </a:p>
+          <a:p>
+            <a:pPr marL="285750" indent="-285750">
+              <a:buFont typeface="Wingdings" pitchFamily="2" charset="2"/>
+              <a:buChar char="ü"/>
+            </a:pPr>
+            <a:r>
+              <a:rPr kumimoji="1" lang="ja-JP" altLang="en-US" sz="1200"/>
+              <a:t>優越感に浸ること</a:t>
+            </a:r>
+          </a:p>
+          <a:p>
+            <a:pPr marL="285750" indent="-285750">
+              <a:buFont typeface="Wingdings" pitchFamily="2" charset="2"/>
+              <a:buChar char="ü"/>
+            </a:pPr>
+            <a:r>
+              <a:rPr kumimoji="1" lang="ja-JP" altLang="en-US" sz="1200"/>
+              <a:t>注目の的になること</a:t>
+            </a:r>
+          </a:p>
+        </p:txBody>
+      </p:sp>
+    </p:spTree>
+    <p:extLst>
+      <p:ext uri="{BB962C8B-B14F-4D97-AF65-F5344CB8AC3E}">
+        <p14:creationId xmlns:p14="http://schemas.microsoft.com/office/powerpoint/2010/main" val="1172698556"/>
+      </p:ext>
+    </p:extLst>
+  </p:cSld>
+  <p:clrMapOvr>
+    <a:masterClrMapping/>
+  </p:clrMapOvr>
+</p:sld>
+</file>
+
 <file path=ppt/theme/theme1.xml><?xml version="1.0" encoding="utf-8"?>
 <a:theme xmlns:a="http://schemas.openxmlformats.org/drawingml/2006/main" name="Office テーマ">
   <a:themeElements>
